--- a/Final Presentation.pptx
+++ b/Final Presentation.pptx
@@ -12,10 +12,9 @@
     <p:sldId id="261" r:id="rId6"/>
     <p:sldId id="262" r:id="rId7"/>
     <p:sldId id="263" r:id="rId8"/>
-    <p:sldId id="264" r:id="rId9"/>
-    <p:sldId id="265" r:id="rId10"/>
-    <p:sldId id="266" r:id="rId11"/>
-    <p:sldId id="267" r:id="rId12"/>
+    <p:sldId id="265" r:id="rId9"/>
+    <p:sldId id="266" r:id="rId10"/>
+    <p:sldId id="267" r:id="rId11"/>
   </p:sldIdLst>
   <p:sldSz cx="12192000" cy="6858000"/>
   <p:notesSz cx="6858000" cy="9144000"/>
@@ -308,7 +307,7 @@
           <a:p>
             <a:fld id="{09269806-7F87-4C76-B288-F90ED5BB92A3}" type="datetimeFigureOut">
               <a:rPr lang="en-CA" smtClean="0"/>
-              <a:t>11/18/2020</a:t>
+              <a:t>12/05/2020</a:t>
             </a:fld>
             <a:endParaRPr lang="en-CA"/>
           </a:p>
@@ -583,7 +582,7 @@
           <a:p>
             <a:fld id="{09269806-7F87-4C76-B288-F90ED5BB92A3}" type="datetimeFigureOut">
               <a:rPr lang="en-CA" smtClean="0"/>
-              <a:t>11/18/2020</a:t>
+              <a:t>12/05/2020</a:t>
             </a:fld>
             <a:endParaRPr lang="en-CA"/>
           </a:p>
@@ -777,7 +776,7 @@
           <a:p>
             <a:fld id="{09269806-7F87-4C76-B288-F90ED5BB92A3}" type="datetimeFigureOut">
               <a:rPr lang="en-CA" smtClean="0"/>
-              <a:t>11/18/2020</a:t>
+              <a:t>12/05/2020</a:t>
             </a:fld>
             <a:endParaRPr lang="en-CA"/>
           </a:p>
@@ -1050,7 +1049,7 @@
           <a:p>
             <a:fld id="{09269806-7F87-4C76-B288-F90ED5BB92A3}" type="datetimeFigureOut">
               <a:rPr lang="en-CA" smtClean="0"/>
-              <a:t>11/18/2020</a:t>
+              <a:t>12/05/2020</a:t>
             </a:fld>
             <a:endParaRPr lang="en-CA"/>
           </a:p>
@@ -1391,7 +1390,7 @@
           <a:p>
             <a:fld id="{09269806-7F87-4C76-B288-F90ED5BB92A3}" type="datetimeFigureOut">
               <a:rPr lang="en-CA" smtClean="0"/>
-              <a:t>11/18/2020</a:t>
+              <a:t>12/05/2020</a:t>
             </a:fld>
             <a:endParaRPr lang="en-CA"/>
           </a:p>
@@ -2014,7 +2013,7 @@
           <a:p>
             <a:fld id="{09269806-7F87-4C76-B288-F90ED5BB92A3}" type="datetimeFigureOut">
               <a:rPr lang="en-CA" smtClean="0"/>
-              <a:t>11/18/2020</a:t>
+              <a:t>12/05/2020</a:t>
             </a:fld>
             <a:endParaRPr lang="en-CA"/>
           </a:p>
@@ -2874,7 +2873,7 @@
           <a:p>
             <a:fld id="{09269806-7F87-4C76-B288-F90ED5BB92A3}" type="datetimeFigureOut">
               <a:rPr lang="en-CA" smtClean="0"/>
-              <a:t>11/18/2020</a:t>
+              <a:t>12/05/2020</a:t>
             </a:fld>
             <a:endParaRPr lang="en-CA"/>
           </a:p>
@@ -3044,7 +3043,7 @@
           <a:p>
             <a:fld id="{09269806-7F87-4C76-B288-F90ED5BB92A3}" type="datetimeFigureOut">
               <a:rPr lang="en-CA" smtClean="0"/>
-              <a:t>11/18/2020</a:t>
+              <a:t>12/05/2020</a:t>
             </a:fld>
             <a:endParaRPr lang="en-CA"/>
           </a:p>
@@ -3224,7 +3223,7 @@
           <a:p>
             <a:fld id="{09269806-7F87-4C76-B288-F90ED5BB92A3}" type="datetimeFigureOut">
               <a:rPr lang="en-CA" smtClean="0"/>
-              <a:t>11/18/2020</a:t>
+              <a:t>12/05/2020</a:t>
             </a:fld>
             <a:endParaRPr lang="en-CA"/>
           </a:p>
@@ -3394,7 +3393,7 @@
           <a:p>
             <a:fld id="{09269806-7F87-4C76-B288-F90ED5BB92A3}" type="datetimeFigureOut">
               <a:rPr lang="en-CA" smtClean="0"/>
-              <a:t>11/18/2020</a:t>
+              <a:t>12/05/2020</a:t>
             </a:fld>
             <a:endParaRPr lang="en-CA"/>
           </a:p>
@@ -3641,7 +3640,7 @@
           <a:p>
             <a:fld id="{09269806-7F87-4C76-B288-F90ED5BB92A3}" type="datetimeFigureOut">
               <a:rPr lang="en-CA" smtClean="0"/>
-              <a:t>11/18/2020</a:t>
+              <a:t>12/05/2020</a:t>
             </a:fld>
             <a:endParaRPr lang="en-CA"/>
           </a:p>
@@ -3933,7 +3932,7 @@
           <a:p>
             <a:fld id="{09269806-7F87-4C76-B288-F90ED5BB92A3}" type="datetimeFigureOut">
               <a:rPr lang="en-CA" smtClean="0"/>
-              <a:t>11/18/2020</a:t>
+              <a:t>12/05/2020</a:t>
             </a:fld>
             <a:endParaRPr lang="en-CA"/>
           </a:p>
@@ -4377,7 +4376,7 @@
           <a:p>
             <a:fld id="{09269806-7F87-4C76-B288-F90ED5BB92A3}" type="datetimeFigureOut">
               <a:rPr lang="en-CA" smtClean="0"/>
-              <a:t>11/18/2020</a:t>
+              <a:t>12/05/2020</a:t>
             </a:fld>
             <a:endParaRPr lang="en-CA"/>
           </a:p>
@@ -4495,7 +4494,7 @@
           <a:p>
             <a:fld id="{09269806-7F87-4C76-B288-F90ED5BB92A3}" type="datetimeFigureOut">
               <a:rPr lang="en-CA" smtClean="0"/>
-              <a:t>11/18/2020</a:t>
+              <a:t>12/05/2020</a:t>
             </a:fld>
             <a:endParaRPr lang="en-CA"/>
           </a:p>
@@ -4590,7 +4589,7 @@
           <a:p>
             <a:fld id="{09269806-7F87-4C76-B288-F90ED5BB92A3}" type="datetimeFigureOut">
               <a:rPr lang="en-CA" smtClean="0"/>
-              <a:t>11/18/2020</a:t>
+              <a:t>12/05/2020</a:t>
             </a:fld>
             <a:endParaRPr lang="en-CA"/>
           </a:p>
@@ -4869,7 +4868,7 @@
           <a:p>
             <a:fld id="{09269806-7F87-4C76-B288-F90ED5BB92A3}" type="datetimeFigureOut">
               <a:rPr lang="en-CA" smtClean="0"/>
-              <a:t>11/18/2020</a:t>
+              <a:t>12/05/2020</a:t>
             </a:fld>
             <a:endParaRPr lang="en-CA"/>
           </a:p>
@@ -5144,7 +5143,7 @@
           <a:p>
             <a:fld id="{09269806-7F87-4C76-B288-F90ED5BB92A3}" type="datetimeFigureOut">
               <a:rPr lang="en-CA" smtClean="0"/>
-              <a:t>11/18/2020</a:t>
+              <a:t>12/05/2020</a:t>
             </a:fld>
             <a:endParaRPr lang="en-CA"/>
           </a:p>
@@ -5573,7 +5572,7 @@
           <a:p>
             <a:fld id="{09269806-7F87-4C76-B288-F90ED5BB92A3}" type="datetimeFigureOut">
               <a:rPr lang="en-CA" smtClean="0"/>
-              <a:t>11/18/2020</a:t>
+              <a:t>12/05/2020</a:t>
             </a:fld>
             <a:endParaRPr lang="en-CA"/>
           </a:p>
@@ -6350,274 +6349,6 @@
           <p:cNvPr id="2" name="Title 1">
             <a:extLst>
               <a:ext uri="{FF2B5EF4-FFF2-40B4-BE49-F238E27FC236}">
-                <a16:creationId xmlns:a16="http://schemas.microsoft.com/office/drawing/2014/main" id="{A35FB1DE-5BA4-4161-8D15-3164508D44FA}"/>
-              </a:ext>
-            </a:extLst>
-          </p:cNvPr>
-          <p:cNvSpPr>
-            <a:spLocks noGrp="1"/>
-          </p:cNvSpPr>
-          <p:nvPr>
-            <p:ph type="title"/>
-          </p:nvPr>
-        </p:nvSpPr>
-        <p:spPr>
-          <a:xfrm>
-            <a:off x="646111" y="609601"/>
-            <a:ext cx="3325731" cy="1675975"/>
-          </a:xfrm>
-        </p:spPr>
-        <p:txBody>
-          <a:bodyPr>
-            <a:normAutofit/>
-          </a:bodyPr>
-          <a:lstStyle/>
-          <a:p>
-            <a:r>
-              <a:rPr lang="en-CA"/>
-              <a:t>User Interface</a:t>
-            </a:r>
-            <a:endParaRPr lang="en-CA" dirty="0"/>
-          </a:p>
-        </p:txBody>
-      </p:sp>
-      <p:pic>
-        <p:nvPicPr>
-          <p:cNvPr id="4" name="Picture 3">
-            <a:extLst>
-              <a:ext uri="{FF2B5EF4-FFF2-40B4-BE49-F238E27FC236}">
-                <a16:creationId xmlns:a16="http://schemas.microsoft.com/office/drawing/2014/main" id="{436EDADF-60C6-43B5-80E4-E35ABDA4870A}"/>
-              </a:ext>
-            </a:extLst>
-          </p:cNvPr>
-          <p:cNvPicPr>
-            <a:picLocks noChangeAspect="1"/>
-          </p:cNvPicPr>
-          <p:nvPr/>
-        </p:nvPicPr>
-        <p:blipFill rotWithShape="1">
-          <a:blip r:embed="rId3"/>
-          <a:srcRect r="3" b="10682"/>
-          <a:stretch/>
-        </p:blipFill>
-        <p:spPr>
-          <a:xfrm>
-            <a:off x="4613644" y="609368"/>
-            <a:ext cx="3409037" cy="5638797"/>
-          </a:xfrm>
-          <a:prstGeom prst="rect">
-            <a:avLst/>
-          </a:prstGeom>
-          <a:effectLst>
-            <a:outerShdw blurRad="50800" dist="38100" dir="5400000" algn="t" rotWithShape="0">
-              <a:prstClr val="black">
-                <a:alpha val="43000"/>
-              </a:prstClr>
-            </a:outerShdw>
-          </a:effectLst>
-        </p:spPr>
-      </p:pic>
-      <p:pic>
-        <p:nvPicPr>
-          <p:cNvPr id="5" name="Picture 4">
-            <a:extLst>
-              <a:ext uri="{FF2B5EF4-FFF2-40B4-BE49-F238E27FC236}">
-                <a16:creationId xmlns:a16="http://schemas.microsoft.com/office/drawing/2014/main" id="{15A0B1C0-C5A4-400F-9C4D-546CB31362C5}"/>
-              </a:ext>
-            </a:extLst>
-          </p:cNvPr>
-          <p:cNvPicPr>
-            <a:picLocks noChangeAspect="1"/>
-          </p:cNvPicPr>
-          <p:nvPr/>
-        </p:nvPicPr>
-        <p:blipFill rotWithShape="1">
-          <a:blip r:embed="rId4"/>
-          <a:srcRect t="4906" b="6601"/>
-          <a:stretch/>
-        </p:blipFill>
-        <p:spPr>
-          <a:xfrm>
-            <a:off x="8135262" y="609601"/>
-            <a:ext cx="3409037" cy="5638797"/>
-          </a:xfrm>
-          <a:prstGeom prst="rect">
-            <a:avLst/>
-          </a:prstGeom>
-          <a:effectLst>
-            <a:outerShdw blurRad="50800" dist="38100" dir="5400000" algn="t" rotWithShape="0">
-              <a:prstClr val="black">
-                <a:alpha val="43000"/>
-              </a:prstClr>
-            </a:outerShdw>
-          </a:effectLst>
-        </p:spPr>
-      </p:pic>
-      <p:sp>
-        <p:nvSpPr>
-          <p:cNvPr id="22" name="Rectangle 21">
-            <a:extLst>
-              <a:ext uri="{FF2B5EF4-FFF2-40B4-BE49-F238E27FC236}">
-                <a16:creationId xmlns:a16="http://schemas.microsoft.com/office/drawing/2014/main" id="{B54E2689-26D4-44B0-9175-57BD88CF2849}"/>
-              </a:ext>
-              <a:ext uri="{C183D7F6-B498-43B3-948B-1728B52AA6E4}">
-                <adec:decorative xmlns:adec="http://schemas.microsoft.com/office/drawing/2017/decorative" val="1"/>
-              </a:ext>
-            </a:extLst>
-          </p:cNvPr>
-          <p:cNvSpPr>
-            <a:spLocks noGrp="1" noRot="1" noChangeAspect="1" noMove="1" noResize="1" noEditPoints="1" noAdjustHandles="1" noChangeArrowheads="1" noChangeShapeType="1" noTextEdit="1"/>
-          </p:cNvSpPr>
-          <p:nvPr>
-            <p:extLst>
-              <p:ext uri="{386F3935-93C4-4BCD-93E2-E3B085C9AB24}">
-                <p16:designElem xmlns:p16="http://schemas.microsoft.com/office/powerpoint/2015/main" val="1"/>
-              </p:ext>
-            </p:extLst>
-          </p:nvPr>
-        </p:nvSpPr>
-        <p:spPr>
-          <a:xfrm>
-            <a:off x="10437812" y="0"/>
-            <a:ext cx="685800" cy="1143000"/>
-          </a:xfrm>
-          <a:prstGeom prst="rect">
-            <a:avLst/>
-          </a:prstGeom>
-          <a:solidFill>
-            <a:schemeClr val="accent1"/>
-          </a:solidFill>
-          <a:ln>
-            <a:noFill/>
-          </a:ln>
-        </p:spPr>
-        <p:style>
-          <a:lnRef idx="1">
-            <a:schemeClr val="accent1"/>
-          </a:lnRef>
-          <a:fillRef idx="3">
-            <a:schemeClr val="accent1"/>
-          </a:fillRef>
-          <a:effectRef idx="2">
-            <a:schemeClr val="accent1"/>
-          </a:effectRef>
-          <a:fontRef idx="minor">
-            <a:schemeClr val="lt1"/>
-          </a:fontRef>
-        </p:style>
-      </p:sp>
-      <p:sp>
-        <p:nvSpPr>
-          <p:cNvPr id="3" name="Content Placeholder 2">
-            <a:extLst>
-              <a:ext uri="{FF2B5EF4-FFF2-40B4-BE49-F238E27FC236}">
-                <a16:creationId xmlns:a16="http://schemas.microsoft.com/office/drawing/2014/main" id="{DF03FB74-BB9D-4684-BA94-0AB2D265D520}"/>
-              </a:ext>
-            </a:extLst>
-          </p:cNvPr>
-          <p:cNvSpPr>
-            <a:spLocks noGrp="1"/>
-          </p:cNvSpPr>
-          <p:nvPr>
-            <p:ph idx="1"/>
-          </p:nvPr>
-        </p:nvSpPr>
-        <p:spPr>
-          <a:xfrm>
-            <a:off x="642176" y="2484544"/>
-            <a:ext cx="3329666" cy="3763855"/>
-          </a:xfrm>
-        </p:spPr>
-        <p:txBody>
-          <a:bodyPr>
-            <a:normAutofit fontScale="92500" lnSpcReduction="20000"/>
-          </a:bodyPr>
-          <a:lstStyle/>
-          <a:p>
-            <a:pPr>
-              <a:lnSpc>
-                <a:spcPct val="90000"/>
-              </a:lnSpc>
-            </a:pPr>
-            <a:r>
-              <a:rPr lang="en-CA" sz="1700" dirty="0"/>
-              <a:t>Send </a:t>
-            </a:r>
-            <a:r>
-              <a:rPr lang="en-CA" sz="1700" dirty="0" err="1"/>
-              <a:t>FeedBack</a:t>
-            </a:r>
-            <a:r>
-              <a:rPr lang="en-CA" sz="1700" dirty="0"/>
-              <a:t> Screen: On this screen user will be able to type in any requests about the issues they encountered and improvements they wish to see in our application. Once user filled in the fields and press on submit they will be directed to their email application to review the email and send it to us. User will be asked permission to access some data from their that went wrong or caused an issue before submitting the feedback. After the user agrees it will open their default set Email application to send us their feedback </a:t>
-            </a:r>
-            <a:r>
-              <a:rPr lang="en-CA" sz="1700"/>
-              <a:t>via Email.</a:t>
-            </a:r>
-            <a:endParaRPr lang="en-CA" sz="1700" dirty="0"/>
-          </a:p>
-        </p:txBody>
-      </p:sp>
-    </p:spTree>
-    <p:extLst>
-      <p:ext uri="{BB962C8B-B14F-4D97-AF65-F5344CB8AC3E}">
-        <p14:creationId xmlns:p14="http://schemas.microsoft.com/office/powerpoint/2010/main" val="3756990754"/>
-      </p:ext>
-    </p:extLst>
-  </p:cSld>
-  <p:clrMapOvr>
-    <a:masterClrMapping/>
-  </p:clrMapOvr>
-</p:sld>
-</file>
-
-<file path=ppt/slides/slide11.xml><?xml version="1.0" encoding="utf-8"?>
-<p:sld xmlns:a="http://schemas.openxmlformats.org/drawingml/2006/main" xmlns:r="http://schemas.openxmlformats.org/officeDocument/2006/relationships" xmlns:p="http://schemas.openxmlformats.org/presentationml/2006/main">
-  <p:cSld>
-    <p:bg>
-      <p:bgPr>
-        <a:blipFill rotWithShape="1">
-          <a:blip r:embed="rId2">
-            <a:duotone>
-              <a:schemeClr val="bg2">
-                <a:shade val="69000"/>
-                <a:hueMod val="108000"/>
-                <a:satMod val="164000"/>
-                <a:lumMod val="74000"/>
-              </a:schemeClr>
-              <a:schemeClr val="bg2">
-                <a:tint val="96000"/>
-                <a:hueMod val="88000"/>
-                <a:satMod val="140000"/>
-                <a:lumMod val="132000"/>
-              </a:schemeClr>
-            </a:duotone>
-          </a:blip>
-          <a:stretch/>
-        </a:blipFill>
-        <a:effectLst/>
-      </p:bgPr>
-    </p:bg>
-    <p:spTree>
-      <p:nvGrpSpPr>
-        <p:cNvPr id="1" name=""/>
-        <p:cNvGrpSpPr/>
-        <p:nvPr/>
-      </p:nvGrpSpPr>
-      <p:grpSpPr>
-        <a:xfrm>
-          <a:off x="0" y="0"/>
-          <a:ext cx="0" cy="0"/>
-          <a:chOff x="0" y="0"/>
-          <a:chExt cx="0" cy="0"/>
-        </a:xfrm>
-      </p:grpSpPr>
-      <p:sp>
-        <p:nvSpPr>
-          <p:cNvPr id="2" name="Title 1">
-            <a:extLst>
-              <a:ext uri="{FF2B5EF4-FFF2-40B4-BE49-F238E27FC236}">
                 <a16:creationId xmlns:a16="http://schemas.microsoft.com/office/drawing/2014/main" id="{8030BCE0-85EB-4DE8-B88F-F3D6CE1611CA}"/>
               </a:ext>
             </a:extLst>
@@ -7722,7 +7453,7 @@
           <p:cNvPr id="2" name="Title 1">
             <a:extLst>
               <a:ext uri="{FF2B5EF4-FFF2-40B4-BE49-F238E27FC236}">
-                <a16:creationId xmlns:a16="http://schemas.microsoft.com/office/drawing/2014/main" id="{59016FBC-1C54-4CCB-9315-D980E1F9D1B9}"/>
+                <a16:creationId xmlns:a16="http://schemas.microsoft.com/office/drawing/2014/main" id="{5D980BD3-FFA1-484C-A0AF-FA506A822536}"/>
               </a:ext>
             </a:extLst>
           </p:cNvPr>
@@ -7735,8 +7466,8 @@
         </p:nvSpPr>
         <p:spPr>
           <a:xfrm>
-            <a:off x="646111" y="609601"/>
-            <a:ext cx="3325731" cy="1675975"/>
+            <a:off x="635459" y="4673250"/>
+            <a:ext cx="9164206" cy="831400"/>
           </a:xfrm>
         </p:spPr>
         <p:txBody>
@@ -7746,18 +7477,18 @@
           <a:lstStyle/>
           <a:p>
             <a:r>
-              <a:rPr lang="en-CA" dirty="0"/>
-              <a:t>User Interface</a:t>
+              <a:rPr lang="en-CA" sz="4000" dirty="0"/>
+              <a:t>User Interface:</a:t>
             </a:r>
           </a:p>
         </p:txBody>
       </p:sp>
       <p:pic>
         <p:nvPicPr>
-          <p:cNvPr id="4" name="Picture 3">
+          <p:cNvPr id="5" name="Picture 4">
             <a:extLst>
               <a:ext uri="{FF2B5EF4-FFF2-40B4-BE49-F238E27FC236}">
-                <a16:creationId xmlns:a16="http://schemas.microsoft.com/office/drawing/2014/main" id="{4A7E0E72-9DAC-49A4-A899-ACD9AB0F7E63}"/>
+                <a16:creationId xmlns:a16="http://schemas.microsoft.com/office/drawing/2014/main" id="{246F019A-08E2-4875-AFD1-CC2C608EEDB0}"/>
               </a:ext>
             </a:extLst>
           </p:cNvPr>
@@ -7766,15 +7497,16 @@
           </p:cNvPicPr>
           <p:nvPr/>
         </p:nvPicPr>
-        <p:blipFill rotWithShape="1">
+        <p:blipFill>
           <a:blip r:embed="rId3"/>
-          <a:srcRect b="11507"/>
-          <a:stretch/>
+          <a:stretch>
+            <a:fillRect/>
+          </a:stretch>
         </p:blipFill>
         <p:spPr>
           <a:xfrm>
-            <a:off x="4613645" y="955964"/>
-            <a:ext cx="3199496" cy="5292201"/>
+            <a:off x="4404802" y="599808"/>
+            <a:ext cx="2159583" cy="4036604"/>
           </a:xfrm>
           <a:prstGeom prst="rect">
             <a:avLst/>
@@ -7790,10 +7522,10 @@
       </p:pic>
       <p:pic>
         <p:nvPicPr>
-          <p:cNvPr id="5" name="Picture 4">
+          <p:cNvPr id="4" name="Picture 3">
             <a:extLst>
               <a:ext uri="{FF2B5EF4-FFF2-40B4-BE49-F238E27FC236}">
-                <a16:creationId xmlns:a16="http://schemas.microsoft.com/office/drawing/2014/main" id="{49171C39-A89E-4C8D-9CCE-AECF6286861F}"/>
+                <a16:creationId xmlns:a16="http://schemas.microsoft.com/office/drawing/2014/main" id="{AFC278E6-3061-4F9F-9054-A1DD9A0F0A9E}"/>
               </a:ext>
             </a:extLst>
           </p:cNvPr>
@@ -7802,15 +7534,16 @@
           </p:cNvPicPr>
           <p:nvPr/>
         </p:nvPicPr>
-        <p:blipFill rotWithShape="1">
+        <p:blipFill>
           <a:blip r:embed="rId4"/>
-          <a:srcRect r="3" b="12750"/>
-          <a:stretch/>
+          <a:stretch>
+            <a:fillRect/>
+          </a:stretch>
         </p:blipFill>
         <p:spPr>
           <a:xfrm>
-            <a:off x="8135263" y="956197"/>
-            <a:ext cx="3199496" cy="5292201"/>
+            <a:off x="1502987" y="609194"/>
+            <a:ext cx="2159584" cy="4017832"/>
           </a:xfrm>
           <a:prstGeom prst="rect">
             <a:avLst/>
@@ -7824,65 +7557,49 @@
           </a:effectLst>
         </p:spPr>
       </p:pic>
-      <p:sp>
-        <p:nvSpPr>
-          <p:cNvPr id="10" name="Rectangle 9">
+      <p:pic>
+        <p:nvPicPr>
+          <p:cNvPr id="6" name="Picture 5">
             <a:extLst>
               <a:ext uri="{FF2B5EF4-FFF2-40B4-BE49-F238E27FC236}">
-                <a16:creationId xmlns:a16="http://schemas.microsoft.com/office/drawing/2014/main" id="{B54E2689-26D4-44B0-9175-57BD88CF2849}"/>
-              </a:ext>
-              <a:ext uri="{C183D7F6-B498-43B3-948B-1728B52AA6E4}">
-                <adec:decorative xmlns:adec="http://schemas.microsoft.com/office/drawing/2017/decorative" val="1"/>
+                <a16:creationId xmlns:a16="http://schemas.microsoft.com/office/drawing/2014/main" id="{24AF1F6F-D4E2-45F0-94AA-95E8D15189BF}"/>
               </a:ext>
             </a:extLst>
           </p:cNvPr>
-          <p:cNvSpPr>
-            <a:spLocks noGrp="1" noRot="1" noChangeAspect="1" noMove="1" noResize="1" noEditPoints="1" noAdjustHandles="1" noChangeArrowheads="1" noChangeShapeType="1" noTextEdit="1"/>
-          </p:cNvSpPr>
-          <p:nvPr>
-            <p:extLst>
-              <p:ext uri="{386F3935-93C4-4BCD-93E2-E3B085C9AB24}">
-                <p16:designElem xmlns:p16="http://schemas.microsoft.com/office/powerpoint/2015/main" val="1"/>
-              </p:ext>
-            </p:extLst>
-          </p:nvPr>
-        </p:nvSpPr>
-        <p:spPr>
-          <a:xfrm>
-            <a:off x="10437812" y="0"/>
-            <a:ext cx="685800" cy="1143000"/>
+          <p:cNvPicPr>
+            <a:picLocks noChangeAspect="1"/>
+          </p:cNvPicPr>
+          <p:nvPr/>
+        </p:nvPicPr>
+        <p:blipFill>
+          <a:blip r:embed="rId5"/>
+          <a:stretch>
+            <a:fillRect/>
+          </a:stretch>
+        </p:blipFill>
+        <p:spPr>
+          <a:xfrm>
+            <a:off x="7449637" y="637032"/>
+            <a:ext cx="2159584" cy="3962541"/>
           </a:xfrm>
           <a:prstGeom prst="rect">
             <a:avLst/>
           </a:prstGeom>
-          <a:solidFill>
-            <a:schemeClr val="accent1"/>
-          </a:solidFill>
-          <a:ln>
-            <a:noFill/>
-          </a:ln>
-        </p:spPr>
-        <p:style>
-          <a:lnRef idx="1">
-            <a:schemeClr val="accent1"/>
-          </a:lnRef>
-          <a:fillRef idx="3">
-            <a:schemeClr val="accent1"/>
-          </a:fillRef>
-          <a:effectRef idx="2">
-            <a:schemeClr val="accent1"/>
-          </a:effectRef>
-          <a:fontRef idx="minor">
-            <a:schemeClr val="lt1"/>
-          </a:fontRef>
-        </p:style>
-      </p:sp>
+          <a:effectLst>
+            <a:outerShdw blurRad="50800" dist="38100" dir="5400000" algn="t" rotWithShape="0">
+              <a:prstClr val="black">
+                <a:alpha val="43000"/>
+              </a:prstClr>
+            </a:outerShdw>
+          </a:effectLst>
+        </p:spPr>
+      </p:pic>
       <p:sp>
         <p:nvSpPr>
           <p:cNvPr id="3" name="Content Placeholder 2">
             <a:extLst>
               <a:ext uri="{FF2B5EF4-FFF2-40B4-BE49-F238E27FC236}">
-                <a16:creationId xmlns:a16="http://schemas.microsoft.com/office/drawing/2014/main" id="{0AC06E12-7246-40C6-A67F-46052F7C1FF1}"/>
+                <a16:creationId xmlns:a16="http://schemas.microsoft.com/office/drawing/2014/main" id="{DBE00B3F-DD47-413B-9B24-293728E3CFF5}"/>
               </a:ext>
             </a:extLst>
           </p:cNvPr>
@@ -7895,8 +7612,8 @@
         </p:nvSpPr>
         <p:spPr>
           <a:xfrm>
-            <a:off x="642176" y="2484544"/>
-            <a:ext cx="3329666" cy="3763855"/>
+            <a:off x="635459" y="5467746"/>
+            <a:ext cx="9164206" cy="1316931"/>
           </a:xfrm>
         </p:spPr>
         <p:txBody>
@@ -7906,8 +7623,14 @@
           <a:lstStyle/>
           <a:p>
             <a:r>
-              <a:rPr lang="en-CA" dirty="0"/>
-              <a:t>States Screen: The same principle is applied on this screen as your country screen user will be able to view every states and live Data in USA using a drop down menu as shown </a:t>
+              <a:rPr lang="en-CA" sz="1800" dirty="0"/>
+              <a:t>Settings Screen: On this screen user will be able to save their signature for their email and set their reply action if it is either reply to only on or reply to all.</a:t>
+            </a:r>
+          </a:p>
+          <a:p>
+            <a:r>
+              <a:rPr lang="en-CA" sz="1800" dirty="0"/>
+              <a:t>User’s preferences will be saved even if the application is closed or cleared.</a:t>
             </a:r>
           </a:p>
         </p:txBody>
@@ -7915,7 +7638,7 @@
     </p:spTree>
     <p:extLst>
       <p:ext uri="{BB962C8B-B14F-4D97-AF65-F5344CB8AC3E}">
-        <p14:creationId xmlns:p14="http://schemas.microsoft.com/office/powerpoint/2010/main" val="1356392132"/>
+        <p14:creationId xmlns:p14="http://schemas.microsoft.com/office/powerpoint/2010/main" val="1584328907"/>
       </p:ext>
     </p:extLst>
   </p:cSld>
@@ -7971,7 +7694,7 @@
           <p:cNvPr id="2" name="Title 1">
             <a:extLst>
               <a:ext uri="{FF2B5EF4-FFF2-40B4-BE49-F238E27FC236}">
-                <a16:creationId xmlns:a16="http://schemas.microsoft.com/office/drawing/2014/main" id="{5D980BD3-FFA1-484C-A0AF-FA506A822536}"/>
+                <a16:creationId xmlns:a16="http://schemas.microsoft.com/office/drawing/2014/main" id="{A35FB1DE-5BA4-4161-8D15-3164508D44FA}"/>
               </a:ext>
             </a:extLst>
           </p:cNvPr>
@@ -7984,8 +7707,8 @@
         </p:nvSpPr>
         <p:spPr>
           <a:xfrm>
-            <a:off x="635459" y="4673250"/>
-            <a:ext cx="9164206" cy="831400"/>
+            <a:off x="646111" y="609601"/>
+            <a:ext cx="3325731" cy="1675975"/>
           </a:xfrm>
         </p:spPr>
         <p:txBody>
@@ -7995,18 +7718,19 @@
           <a:lstStyle/>
           <a:p>
             <a:r>
-              <a:rPr lang="en-CA" sz="4000" dirty="0"/>
-              <a:t>User Interface:</a:t>
-            </a:r>
+              <a:rPr lang="en-CA"/>
+              <a:t>User Interface</a:t>
+            </a:r>
+            <a:endParaRPr lang="en-CA" dirty="0"/>
           </a:p>
         </p:txBody>
       </p:sp>
       <p:pic>
         <p:nvPicPr>
-          <p:cNvPr id="5" name="Picture 4">
+          <p:cNvPr id="4" name="Picture 3">
             <a:extLst>
               <a:ext uri="{FF2B5EF4-FFF2-40B4-BE49-F238E27FC236}">
-                <a16:creationId xmlns:a16="http://schemas.microsoft.com/office/drawing/2014/main" id="{246F019A-08E2-4875-AFD1-CC2C608EEDB0}"/>
+                <a16:creationId xmlns:a16="http://schemas.microsoft.com/office/drawing/2014/main" id="{436EDADF-60C6-43B5-80E4-E35ABDA4870A}"/>
               </a:ext>
             </a:extLst>
           </p:cNvPr>
@@ -8015,16 +7739,15 @@
           </p:cNvPicPr>
           <p:nvPr/>
         </p:nvPicPr>
-        <p:blipFill>
+        <p:blipFill rotWithShape="1">
           <a:blip r:embed="rId3"/>
-          <a:stretch>
-            <a:fillRect/>
-          </a:stretch>
+          <a:srcRect r="3" b="10682"/>
+          <a:stretch/>
         </p:blipFill>
         <p:spPr>
           <a:xfrm>
-            <a:off x="4404802" y="599808"/>
-            <a:ext cx="2159583" cy="4036604"/>
+            <a:off x="4613644" y="609368"/>
+            <a:ext cx="3409037" cy="5638797"/>
           </a:xfrm>
           <a:prstGeom prst="rect">
             <a:avLst/>
@@ -8040,10 +7763,10 @@
       </p:pic>
       <p:pic>
         <p:nvPicPr>
-          <p:cNvPr id="4" name="Picture 3">
+          <p:cNvPr id="5" name="Picture 4">
             <a:extLst>
               <a:ext uri="{FF2B5EF4-FFF2-40B4-BE49-F238E27FC236}">
-                <a16:creationId xmlns:a16="http://schemas.microsoft.com/office/drawing/2014/main" id="{AFC278E6-3061-4F9F-9054-A1DD9A0F0A9E}"/>
+                <a16:creationId xmlns:a16="http://schemas.microsoft.com/office/drawing/2014/main" id="{15A0B1C0-C5A4-400F-9C4D-546CB31362C5}"/>
               </a:ext>
             </a:extLst>
           </p:cNvPr>
@@ -8052,16 +7775,15 @@
           </p:cNvPicPr>
           <p:nvPr/>
         </p:nvPicPr>
-        <p:blipFill>
+        <p:blipFill rotWithShape="1">
           <a:blip r:embed="rId4"/>
-          <a:stretch>
-            <a:fillRect/>
-          </a:stretch>
+          <a:srcRect t="4906" b="6601"/>
+          <a:stretch/>
         </p:blipFill>
         <p:spPr>
           <a:xfrm>
-            <a:off x="1502987" y="609194"/>
-            <a:ext cx="2159584" cy="4017832"/>
+            <a:off x="8135262" y="609601"/>
+            <a:ext cx="3409037" cy="5638797"/>
           </a:xfrm>
           <a:prstGeom prst="rect">
             <a:avLst/>
@@ -8075,49 +7797,65 @@
           </a:effectLst>
         </p:spPr>
       </p:pic>
-      <p:pic>
-        <p:nvPicPr>
-          <p:cNvPr id="6" name="Picture 5">
+      <p:sp>
+        <p:nvSpPr>
+          <p:cNvPr id="22" name="Rectangle 21">
             <a:extLst>
               <a:ext uri="{FF2B5EF4-FFF2-40B4-BE49-F238E27FC236}">
-                <a16:creationId xmlns:a16="http://schemas.microsoft.com/office/drawing/2014/main" id="{24AF1F6F-D4E2-45F0-94AA-95E8D15189BF}"/>
+                <a16:creationId xmlns:a16="http://schemas.microsoft.com/office/drawing/2014/main" id="{B54E2689-26D4-44B0-9175-57BD88CF2849}"/>
+              </a:ext>
+              <a:ext uri="{C183D7F6-B498-43B3-948B-1728B52AA6E4}">
+                <adec:decorative xmlns:adec="http://schemas.microsoft.com/office/drawing/2017/decorative" val="1"/>
               </a:ext>
             </a:extLst>
           </p:cNvPr>
-          <p:cNvPicPr>
-            <a:picLocks noChangeAspect="1"/>
-          </p:cNvPicPr>
-          <p:nvPr/>
-        </p:nvPicPr>
-        <p:blipFill>
-          <a:blip r:embed="rId5"/>
-          <a:stretch>
-            <a:fillRect/>
-          </a:stretch>
-        </p:blipFill>
-        <p:spPr>
-          <a:xfrm>
-            <a:off x="7449637" y="637032"/>
-            <a:ext cx="2159584" cy="3962541"/>
+          <p:cNvSpPr>
+            <a:spLocks noGrp="1" noRot="1" noChangeAspect="1" noMove="1" noResize="1" noEditPoints="1" noAdjustHandles="1" noChangeArrowheads="1" noChangeShapeType="1" noTextEdit="1"/>
+          </p:cNvSpPr>
+          <p:nvPr>
+            <p:extLst>
+              <p:ext uri="{386F3935-93C4-4BCD-93E2-E3B085C9AB24}">
+                <p16:designElem xmlns:p16="http://schemas.microsoft.com/office/powerpoint/2015/main" val="1"/>
+              </p:ext>
+            </p:extLst>
+          </p:nvPr>
+        </p:nvSpPr>
+        <p:spPr>
+          <a:xfrm>
+            <a:off x="10437812" y="0"/>
+            <a:ext cx="685800" cy="1143000"/>
           </a:xfrm>
           <a:prstGeom prst="rect">
             <a:avLst/>
           </a:prstGeom>
-          <a:effectLst>
-            <a:outerShdw blurRad="50800" dist="38100" dir="5400000" algn="t" rotWithShape="0">
-              <a:prstClr val="black">
-                <a:alpha val="43000"/>
-              </a:prstClr>
-            </a:outerShdw>
-          </a:effectLst>
-        </p:spPr>
-      </p:pic>
+          <a:solidFill>
+            <a:schemeClr val="accent1"/>
+          </a:solidFill>
+          <a:ln>
+            <a:noFill/>
+          </a:ln>
+        </p:spPr>
+        <p:style>
+          <a:lnRef idx="1">
+            <a:schemeClr val="accent1"/>
+          </a:lnRef>
+          <a:fillRef idx="3">
+            <a:schemeClr val="accent1"/>
+          </a:fillRef>
+          <a:effectRef idx="2">
+            <a:schemeClr val="accent1"/>
+          </a:effectRef>
+          <a:fontRef idx="minor">
+            <a:schemeClr val="lt1"/>
+          </a:fontRef>
+        </p:style>
+      </p:sp>
       <p:sp>
         <p:nvSpPr>
           <p:cNvPr id="3" name="Content Placeholder 2">
             <a:extLst>
               <a:ext uri="{FF2B5EF4-FFF2-40B4-BE49-F238E27FC236}">
-                <a16:creationId xmlns:a16="http://schemas.microsoft.com/office/drawing/2014/main" id="{DBE00B3F-DD47-413B-9B24-293728E3CFF5}"/>
+                <a16:creationId xmlns:a16="http://schemas.microsoft.com/office/drawing/2014/main" id="{DF03FB74-BB9D-4684-BA94-0AB2D265D520}"/>
               </a:ext>
             </a:extLst>
           </p:cNvPr>
@@ -8130,33 +7868,45 @@
         </p:nvSpPr>
         <p:spPr>
           <a:xfrm>
-            <a:off x="635459" y="5467746"/>
-            <a:ext cx="9164206" cy="1316931"/>
+            <a:off x="642176" y="2484544"/>
+            <a:ext cx="3329666" cy="3763855"/>
           </a:xfrm>
         </p:spPr>
         <p:txBody>
           <a:bodyPr>
-            <a:normAutofit/>
+            <a:normAutofit fontScale="92500" lnSpcReduction="20000"/>
           </a:bodyPr>
           <a:lstStyle/>
           <a:p>
-            <a:r>
-              <a:rPr lang="en-CA" sz="1800" dirty="0"/>
-              <a:t>Settings Screen: On this screen user will be able to save their signature for their email and set their reply action if it is either reply to only on or reply to all.</a:t>
-            </a:r>
-          </a:p>
-          <a:p>
-            <a:r>
-              <a:rPr lang="en-CA" sz="1800" dirty="0"/>
-              <a:t>User’s preferences will be saved even if the application is closed or cleared.</a:t>
-            </a:r>
+            <a:pPr>
+              <a:lnSpc>
+                <a:spcPct val="90000"/>
+              </a:lnSpc>
+            </a:pPr>
+            <a:r>
+              <a:rPr lang="en-CA" sz="1700" dirty="0"/>
+              <a:t>Send </a:t>
+            </a:r>
+            <a:r>
+              <a:rPr lang="en-CA" sz="1700" dirty="0" err="1"/>
+              <a:t>FeedBack</a:t>
+            </a:r>
+            <a:r>
+              <a:rPr lang="en-CA" sz="1700" dirty="0"/>
+              <a:t> Screen: On this screen user will be able to type in any requests about the issues they encountered and improvements they wish to see in our application. Once user filled in the fields and press on submit they will be directed to their email application to review the email and send it to us. User will be asked permission to access some data from their that went wrong or caused an issue before submitting the feedback. After the user agrees it will open their default set Email application to send us their feedback </a:t>
+            </a:r>
+            <a:r>
+              <a:rPr lang="en-CA" sz="1700"/>
+              <a:t>via Email.</a:t>
+            </a:r>
+            <a:endParaRPr lang="en-CA" sz="1700" dirty="0"/>
           </a:p>
         </p:txBody>
       </p:sp>
     </p:spTree>
     <p:extLst>
       <p:ext uri="{BB962C8B-B14F-4D97-AF65-F5344CB8AC3E}">
-        <p14:creationId xmlns:p14="http://schemas.microsoft.com/office/powerpoint/2010/main" val="1584328907"/>
+        <p14:creationId xmlns:p14="http://schemas.microsoft.com/office/powerpoint/2010/main" val="3756990754"/>
       </p:ext>
     </p:extLst>
   </p:cSld>

--- a/Final Presentation.pptx
+++ b/Final Presentation.pptx
@@ -6777,7 +6777,7 @@
         <p:spPr/>
         <p:txBody>
           <a:bodyPr>
-            <a:normAutofit lnSpcReduction="10000"/>
+            <a:normAutofit/>
           </a:bodyPr>
           <a:lstStyle/>
           <a:p>
@@ -6807,8 +6807,13 @@
           <a:p>
             <a:r>
               <a:rPr lang="en-CA" dirty="0"/>
-              <a:t>It is then focused on the states of USA as when we were creating the application at that time USA was leading in number of cases everyday.</a:t>
-            </a:r>
+              <a:t>Live Data is stored in a table view and in the Saved </a:t>
+            </a:r>
+            <a:r>
+              <a:rPr lang="en-CA"/>
+              <a:t>Data tab.</a:t>
+            </a:r>
+            <a:endParaRPr lang="en-CA" dirty="0"/>
           </a:p>
           <a:p>
             <a:r>

--- a/Final Presentation.pptx
+++ b/Final Presentation.pptx
@@ -6636,14 +6636,19 @@
           <a:p>
             <a:r>
               <a:rPr lang="en-CA" sz="1800" dirty="0"/>
-              <a:t>It stands for Wireless Application Protocol</a:t>
+              <a:t>It stands for Wireless Application Protocol (W.A.P)</a:t>
             </a:r>
           </a:p>
           <a:p>
             <a:r>
               <a:rPr lang="en-CA" sz="1800" dirty="0"/>
-              <a:t>It is the technical standard for accessing information through mobile wireless networks</a:t>
-            </a:r>
+              <a:t>It is the technical standard for accessing information through mobile </a:t>
+            </a:r>
+            <a:r>
+              <a:rPr lang="en-CA" sz="1800"/>
+              <a:t>wireless networks and API</a:t>
+            </a:r>
+            <a:endParaRPr lang="en-CA" sz="1800" dirty="0"/>
           </a:p>
           <a:p>
             <a:endParaRPr lang="en-CA" sz="1800" dirty="0"/>

--- a/Final Presentation.pptx
+++ b/Final Presentation.pptx
@@ -7,14 +7,15 @@
   <p:sldIdLst>
     <p:sldId id="256" r:id="rId2"/>
     <p:sldId id="259" r:id="rId3"/>
-    <p:sldId id="257" r:id="rId4"/>
-    <p:sldId id="260" r:id="rId5"/>
-    <p:sldId id="261" r:id="rId6"/>
-    <p:sldId id="262" r:id="rId7"/>
-    <p:sldId id="263" r:id="rId8"/>
-    <p:sldId id="265" r:id="rId9"/>
-    <p:sldId id="266" r:id="rId10"/>
-    <p:sldId id="267" r:id="rId11"/>
+    <p:sldId id="268" r:id="rId4"/>
+    <p:sldId id="257" r:id="rId5"/>
+    <p:sldId id="260" r:id="rId6"/>
+    <p:sldId id="261" r:id="rId7"/>
+    <p:sldId id="262" r:id="rId8"/>
+    <p:sldId id="263" r:id="rId9"/>
+    <p:sldId id="265" r:id="rId10"/>
+    <p:sldId id="266" r:id="rId11"/>
+    <p:sldId id="267" r:id="rId12"/>
   </p:sldIdLst>
   <p:sldSz cx="12192000" cy="6858000"/>
   <p:notesSz cx="6858000" cy="9144000"/>
@@ -6349,7 +6350,7 @@
           <p:cNvPr id="2" name="Title 1">
             <a:extLst>
               <a:ext uri="{FF2B5EF4-FFF2-40B4-BE49-F238E27FC236}">
-                <a16:creationId xmlns:a16="http://schemas.microsoft.com/office/drawing/2014/main" id="{8030BCE0-85EB-4DE8-B88F-F3D6CE1611CA}"/>
+                <a16:creationId xmlns:a16="http://schemas.microsoft.com/office/drawing/2014/main" id="{A35FB1DE-5BA4-4161-8D15-3164508D44FA}"/>
               </a:ext>
             </a:extLst>
           </p:cNvPr>
@@ -6373,18 +6374,19 @@
           <a:lstStyle/>
           <a:p>
             <a:r>
-              <a:rPr lang="en-CA" dirty="0"/>
-              <a:t>Storage</a:t>
-            </a:r>
+              <a:rPr lang="en-CA"/>
+              <a:t>User Interface</a:t>
+            </a:r>
+            <a:endParaRPr lang="en-CA" dirty="0"/>
           </a:p>
         </p:txBody>
       </p:sp>
       <p:pic>
         <p:nvPicPr>
-          <p:cNvPr id="5" name="Picture 4">
+          <p:cNvPr id="4" name="Picture 3">
             <a:extLst>
               <a:ext uri="{FF2B5EF4-FFF2-40B4-BE49-F238E27FC236}">
-                <a16:creationId xmlns:a16="http://schemas.microsoft.com/office/drawing/2014/main" id="{FFAE8358-78EA-4654-BFDA-8EE5011EC6EA}"/>
+                <a16:creationId xmlns:a16="http://schemas.microsoft.com/office/drawing/2014/main" id="{436EDADF-60C6-43B5-80E4-E35ABDA4870A}"/>
               </a:ext>
             </a:extLst>
           </p:cNvPr>
@@ -6395,7 +6397,7 @@
         </p:nvPicPr>
         <p:blipFill rotWithShape="1">
           <a:blip r:embed="rId3"/>
-          <a:srcRect t="4312" r="-2" b="5125"/>
+          <a:srcRect r="3" b="10682"/>
           <a:stretch/>
         </p:blipFill>
         <p:spPr>
@@ -6417,10 +6419,10 @@
       </p:pic>
       <p:pic>
         <p:nvPicPr>
-          <p:cNvPr id="4" name="Picture 3">
+          <p:cNvPr id="5" name="Picture 4">
             <a:extLst>
               <a:ext uri="{FF2B5EF4-FFF2-40B4-BE49-F238E27FC236}">
-                <a16:creationId xmlns:a16="http://schemas.microsoft.com/office/drawing/2014/main" id="{913A853F-AC2E-48FE-B5BC-AB0D50AE4DD3}"/>
+                <a16:creationId xmlns:a16="http://schemas.microsoft.com/office/drawing/2014/main" id="{15A0B1C0-C5A4-400F-9C4D-546CB31362C5}"/>
               </a:ext>
             </a:extLst>
           </p:cNvPr>
@@ -6431,7 +6433,7 @@
         </p:nvPicPr>
         <p:blipFill rotWithShape="1">
           <a:blip r:embed="rId4"/>
-          <a:srcRect t="1865" r="-2" b="7573"/>
+          <a:srcRect t="4906" b="6601"/>
           <a:stretch/>
         </p:blipFill>
         <p:spPr>
@@ -6453,7 +6455,7 @@
       </p:pic>
       <p:sp>
         <p:nvSpPr>
-          <p:cNvPr id="10" name="Rectangle 9">
+          <p:cNvPr id="22" name="Rectangle 21">
             <a:extLst>
               <a:ext uri="{FF2B5EF4-FFF2-40B4-BE49-F238E27FC236}">
                 <a16:creationId xmlns:a16="http://schemas.microsoft.com/office/drawing/2014/main" id="{B54E2689-26D4-44B0-9175-57BD88CF2849}"/>
@@ -6509,7 +6511,7 @@
           <p:cNvPr id="3" name="Content Placeholder 2">
             <a:extLst>
               <a:ext uri="{FF2B5EF4-FFF2-40B4-BE49-F238E27FC236}">
-                <a16:creationId xmlns:a16="http://schemas.microsoft.com/office/drawing/2014/main" id="{074A8601-A539-4237-B373-E1B87ECA6E73}"/>
+                <a16:creationId xmlns:a16="http://schemas.microsoft.com/office/drawing/2014/main" id="{DF03FB74-BB9D-4684-BA94-0AB2D265D520}"/>
               </a:ext>
             </a:extLst>
           </p:cNvPr>
@@ -6528,25 +6530,39 @@
         </p:spPr>
         <p:txBody>
           <a:bodyPr>
-            <a:normAutofit/>
+            <a:normAutofit fontScale="92500" lnSpcReduction="20000"/>
           </a:bodyPr>
           <a:lstStyle/>
           <a:p>
-            <a:r>
-              <a:rPr lang="en-CA" dirty="0"/>
-              <a:t>Each time the live data is pulled from the APIs, it will be store in a table and updated each time the user refreshed </a:t>
-            </a:r>
-            <a:r>
-              <a:rPr lang="en-CA"/>
-              <a:t>the application.</a:t>
-            </a:r>
+            <a:pPr>
+              <a:lnSpc>
+                <a:spcPct val="90000"/>
+              </a:lnSpc>
+            </a:pPr>
+            <a:r>
+              <a:rPr lang="en-CA" sz="1700" dirty="0"/>
+              <a:t>Send </a:t>
+            </a:r>
+            <a:r>
+              <a:rPr lang="en-CA" sz="1700" dirty="0" err="1"/>
+              <a:t>FeedBack</a:t>
+            </a:r>
+            <a:r>
+              <a:rPr lang="en-CA" sz="1700" dirty="0"/>
+              <a:t> Screen: On this screen user will be able to type in any requests about the issues they encountered and improvements they wish to see in our application. Once user filled in the fields and press on submit they will be directed to their email application to review the email and send it to us. User will be asked permission to access some data from their that went wrong or caused an issue before submitting the feedback. After the user agrees it will open their default set Email application to send us their feedback </a:t>
+            </a:r>
+            <a:r>
+              <a:rPr lang="en-CA" sz="1700"/>
+              <a:t>via Email.</a:t>
+            </a:r>
+            <a:endParaRPr lang="en-CA" sz="1700" dirty="0"/>
           </a:p>
         </p:txBody>
       </p:sp>
     </p:spTree>
     <p:extLst>
       <p:ext uri="{BB962C8B-B14F-4D97-AF65-F5344CB8AC3E}">
-        <p14:creationId xmlns:p14="http://schemas.microsoft.com/office/powerpoint/2010/main" val="4264610213"/>
+        <p14:creationId xmlns:p14="http://schemas.microsoft.com/office/powerpoint/2010/main" val="3756990754"/>
       </p:ext>
     </p:extLst>
   </p:cSld>
@@ -6556,655 +6572,7 @@
 </p:sld>
 </file>
 
-<file path=ppt/slides/slide2.xml><?xml version="1.0" encoding="utf-8"?>
-<p:sld xmlns:a="http://schemas.openxmlformats.org/drawingml/2006/main" xmlns:r="http://schemas.openxmlformats.org/officeDocument/2006/relationships" xmlns:p="http://schemas.openxmlformats.org/presentationml/2006/main">
-  <p:cSld>
-    <p:spTree>
-      <p:nvGrpSpPr>
-        <p:cNvPr id="1" name=""/>
-        <p:cNvGrpSpPr/>
-        <p:nvPr/>
-      </p:nvGrpSpPr>
-      <p:grpSpPr>
-        <a:xfrm>
-          <a:off x="0" y="0"/>
-          <a:ext cx="0" cy="0"/>
-          <a:chOff x="0" y="0"/>
-          <a:chExt cx="0" cy="0"/>
-        </a:xfrm>
-      </p:grpSpPr>
-      <p:sp>
-        <p:nvSpPr>
-          <p:cNvPr id="2" name="Title 1">
-            <a:extLst>
-              <a:ext uri="{FF2B5EF4-FFF2-40B4-BE49-F238E27FC236}">
-                <a16:creationId xmlns:a16="http://schemas.microsoft.com/office/drawing/2014/main" id="{9FAAD865-4F6A-4A7F-B3E7-B6CD1F3CFDC8}"/>
-              </a:ext>
-            </a:extLst>
-          </p:cNvPr>
-          <p:cNvSpPr>
-            <a:spLocks noGrp="1"/>
-          </p:cNvSpPr>
-          <p:nvPr>
-            <p:ph type="title"/>
-          </p:nvPr>
-        </p:nvSpPr>
-        <p:spPr/>
-        <p:txBody>
-          <a:bodyPr/>
-          <a:lstStyle/>
-          <a:p>
-            <a:pPr algn="ctr"/>
-            <a:r>
-              <a:rPr lang="en-CA" dirty="0"/>
-              <a:t>WAP Team</a:t>
-            </a:r>
-          </a:p>
-        </p:txBody>
-      </p:sp>
-      <p:sp>
-        <p:nvSpPr>
-          <p:cNvPr id="3" name="Content Placeholder 2">
-            <a:extLst>
-              <a:ext uri="{FF2B5EF4-FFF2-40B4-BE49-F238E27FC236}">
-                <a16:creationId xmlns:a16="http://schemas.microsoft.com/office/drawing/2014/main" id="{F747F573-8923-4CD2-A095-98F46792D89D}"/>
-              </a:ext>
-            </a:extLst>
-          </p:cNvPr>
-          <p:cNvSpPr>
-            <a:spLocks noGrp="1"/>
-          </p:cNvSpPr>
-          <p:nvPr>
-            <p:ph idx="1"/>
-          </p:nvPr>
-        </p:nvSpPr>
-        <p:spPr>
-          <a:xfrm>
-            <a:off x="1066800" y="2103120"/>
-            <a:ext cx="24600690" cy="6323338"/>
-          </a:xfrm>
-        </p:spPr>
-        <p:txBody>
-          <a:bodyPr/>
-          <a:lstStyle/>
-          <a:p>
-            <a:r>
-              <a:rPr lang="en-CA" sz="1800" dirty="0"/>
-              <a:t>We are Team W.A.P.</a:t>
-            </a:r>
-          </a:p>
-          <a:p>
-            <a:r>
-              <a:rPr lang="en-CA" sz="1800" dirty="0"/>
-              <a:t>It stands for Wireless Application Protocol (W.A.P)</a:t>
-            </a:r>
-          </a:p>
-          <a:p>
-            <a:r>
-              <a:rPr lang="en-CA" sz="1800" dirty="0"/>
-              <a:t>It is the technical standard for accessing information through mobile </a:t>
-            </a:r>
-            <a:r>
-              <a:rPr lang="en-CA" sz="1800"/>
-              <a:t>wireless networks and API</a:t>
-            </a:r>
-            <a:endParaRPr lang="en-CA" sz="1800" dirty="0"/>
-          </a:p>
-          <a:p>
-            <a:endParaRPr lang="en-CA" sz="1800" dirty="0"/>
-          </a:p>
-          <a:p>
-            <a:endParaRPr lang="en-CA" dirty="0"/>
-          </a:p>
-        </p:txBody>
-      </p:sp>
-      <p:pic>
-        <p:nvPicPr>
-          <p:cNvPr id="1026" name="Picture 2" descr="Image result for wireless application protocol">
-            <a:extLst>
-              <a:ext uri="{FF2B5EF4-FFF2-40B4-BE49-F238E27FC236}">
-                <a16:creationId xmlns:a16="http://schemas.microsoft.com/office/drawing/2014/main" id="{5AF8E6CF-3128-4B47-B527-85BB249AB719}"/>
-              </a:ext>
-            </a:extLst>
-          </p:cNvPr>
-          <p:cNvPicPr>
-            <a:picLocks noChangeAspect="1" noChangeArrowheads="1"/>
-          </p:cNvPicPr>
-          <p:nvPr/>
-        </p:nvPicPr>
-        <p:blipFill>
-          <a:blip r:embed="rId2">
-            <a:extLst>
-              <a:ext uri="{28A0092B-C50C-407E-A947-70E740481C1C}">
-                <a14:useLocalDpi xmlns:a14="http://schemas.microsoft.com/office/drawing/2010/main" val="0"/>
-              </a:ext>
-            </a:extLst>
-          </a:blip>
-          <a:srcRect/>
-          <a:stretch>
-            <a:fillRect/>
-          </a:stretch>
-        </p:blipFill>
-        <p:spPr bwMode="auto">
-          <a:xfrm>
-            <a:off x="3522128" y="3257174"/>
-            <a:ext cx="3657489" cy="3028494"/>
-          </a:xfrm>
-          <a:prstGeom prst="rect">
-            <a:avLst/>
-          </a:prstGeom>
-          <a:noFill/>
-          <a:extLst>
-            <a:ext uri="{909E8E84-426E-40DD-AFC4-6F175D3DCCD1}">
-              <a14:hiddenFill xmlns:a14="http://schemas.microsoft.com/office/drawing/2010/main">
-                <a:solidFill>
-                  <a:srgbClr val="FFFFFF"/>
-                </a:solidFill>
-              </a14:hiddenFill>
-            </a:ext>
-          </a:extLst>
-        </p:spPr>
-      </p:pic>
-    </p:spTree>
-    <p:extLst>
-      <p:ext uri="{BB962C8B-B14F-4D97-AF65-F5344CB8AC3E}">
-        <p14:creationId xmlns:p14="http://schemas.microsoft.com/office/powerpoint/2010/main" val="1329934886"/>
-      </p:ext>
-    </p:extLst>
-  </p:cSld>
-  <p:clrMapOvr>
-    <a:masterClrMapping/>
-  </p:clrMapOvr>
-</p:sld>
-</file>
-
-<file path=ppt/slides/slide3.xml><?xml version="1.0" encoding="utf-8"?>
-<p:sld xmlns:a="http://schemas.openxmlformats.org/drawingml/2006/main" xmlns:r="http://schemas.openxmlformats.org/officeDocument/2006/relationships" xmlns:p="http://schemas.openxmlformats.org/presentationml/2006/main">
-  <p:cSld>
-    <p:spTree>
-      <p:nvGrpSpPr>
-        <p:cNvPr id="1" name=""/>
-        <p:cNvGrpSpPr/>
-        <p:nvPr/>
-      </p:nvGrpSpPr>
-      <p:grpSpPr>
-        <a:xfrm>
-          <a:off x="0" y="0"/>
-          <a:ext cx="0" cy="0"/>
-          <a:chOff x="0" y="0"/>
-          <a:chExt cx="0" cy="0"/>
-        </a:xfrm>
-      </p:grpSpPr>
-      <p:sp>
-        <p:nvSpPr>
-          <p:cNvPr id="2" name="Title 1">
-            <a:extLst>
-              <a:ext uri="{FF2B5EF4-FFF2-40B4-BE49-F238E27FC236}">
-                <a16:creationId xmlns:a16="http://schemas.microsoft.com/office/drawing/2014/main" id="{45A5EBFF-76FC-4724-A639-546D41491DA9}"/>
-              </a:ext>
-            </a:extLst>
-          </p:cNvPr>
-          <p:cNvSpPr>
-            <a:spLocks noGrp="1"/>
-          </p:cNvSpPr>
-          <p:nvPr>
-            <p:ph type="title"/>
-          </p:nvPr>
-        </p:nvSpPr>
-        <p:spPr/>
-        <p:txBody>
-          <a:bodyPr/>
-          <a:lstStyle/>
-          <a:p>
-            <a:r>
-              <a:rPr lang="en-CA" dirty="0"/>
-              <a:t>Functionality</a:t>
-            </a:r>
-          </a:p>
-        </p:txBody>
-      </p:sp>
-      <p:sp>
-        <p:nvSpPr>
-          <p:cNvPr id="3" name="Content Placeholder 2">
-            <a:extLst>
-              <a:ext uri="{FF2B5EF4-FFF2-40B4-BE49-F238E27FC236}">
-                <a16:creationId xmlns:a16="http://schemas.microsoft.com/office/drawing/2014/main" id="{CE43460C-5E95-4537-8818-A481679CAC65}"/>
-              </a:ext>
-            </a:extLst>
-          </p:cNvPr>
-          <p:cNvSpPr>
-            <a:spLocks noGrp="1"/>
-          </p:cNvSpPr>
-          <p:nvPr>
-            <p:ph idx="1"/>
-          </p:nvPr>
-        </p:nvSpPr>
-        <p:spPr/>
-        <p:txBody>
-          <a:bodyPr>
-            <a:normAutofit/>
-          </a:bodyPr>
-          <a:lstStyle/>
-          <a:p>
-            <a:r>
-              <a:rPr lang="en-CA" dirty="0"/>
-              <a:t>Our application retrieves live data from WHO(World Health Organization) using their APIs.</a:t>
-            </a:r>
-          </a:p>
-          <a:p>
-            <a:r>
-              <a:rPr lang="en-CA" dirty="0"/>
-              <a:t>It is then displayed to the user as live data and is updated every time the user refreshes the page or starts the application.</a:t>
-            </a:r>
-          </a:p>
-          <a:p>
-            <a:r>
-              <a:rPr lang="en-CA" dirty="0"/>
-              <a:t>Our application will mainly focus on the main page as worldwide date. </a:t>
-            </a:r>
-          </a:p>
-          <a:p>
-            <a:r>
-              <a:rPr lang="en-CA" dirty="0"/>
-              <a:t>And then it will be broken down as for the user to see countries around the world.</a:t>
-            </a:r>
-          </a:p>
-          <a:p>
-            <a:r>
-              <a:rPr lang="en-CA" dirty="0"/>
-              <a:t>Live Data is stored in a table view and in the Saved </a:t>
-            </a:r>
-            <a:r>
-              <a:rPr lang="en-CA"/>
-              <a:t>Data tab.</a:t>
-            </a:r>
-            <a:endParaRPr lang="en-CA" dirty="0"/>
-          </a:p>
-          <a:p>
-            <a:r>
-              <a:rPr lang="en-CA" dirty="0"/>
-              <a:t>Our application supports both English and French. </a:t>
-            </a:r>
-          </a:p>
-        </p:txBody>
-      </p:sp>
-    </p:spTree>
-    <p:extLst>
-      <p:ext uri="{BB962C8B-B14F-4D97-AF65-F5344CB8AC3E}">
-        <p14:creationId xmlns:p14="http://schemas.microsoft.com/office/powerpoint/2010/main" val="530967267"/>
-      </p:ext>
-    </p:extLst>
-  </p:cSld>
-  <p:clrMapOvr>
-    <a:masterClrMapping/>
-  </p:clrMapOvr>
-</p:sld>
-</file>
-
-<file path=ppt/slides/slide4.xml><?xml version="1.0" encoding="utf-8"?>
-<p:sld xmlns:a="http://schemas.openxmlformats.org/drawingml/2006/main" xmlns:r="http://schemas.openxmlformats.org/officeDocument/2006/relationships" xmlns:p="http://schemas.openxmlformats.org/presentationml/2006/main">
-  <p:cSld>
-    <p:spTree>
-      <p:nvGrpSpPr>
-        <p:cNvPr id="1" name=""/>
-        <p:cNvGrpSpPr/>
-        <p:nvPr/>
-      </p:nvGrpSpPr>
-      <p:grpSpPr>
-        <a:xfrm>
-          <a:off x="0" y="0"/>
-          <a:ext cx="0" cy="0"/>
-          <a:chOff x="0" y="0"/>
-          <a:chExt cx="0" cy="0"/>
-        </a:xfrm>
-      </p:grpSpPr>
-      <p:sp>
-        <p:nvSpPr>
-          <p:cNvPr id="2" name="Title 1">
-            <a:extLst>
-              <a:ext uri="{FF2B5EF4-FFF2-40B4-BE49-F238E27FC236}">
-                <a16:creationId xmlns:a16="http://schemas.microsoft.com/office/drawing/2014/main" id="{76107C40-838A-427D-B944-FD695E4C8D9A}"/>
-              </a:ext>
-            </a:extLst>
-          </p:cNvPr>
-          <p:cNvSpPr>
-            <a:spLocks noGrp="1"/>
-          </p:cNvSpPr>
-          <p:nvPr>
-            <p:ph type="title"/>
-          </p:nvPr>
-        </p:nvSpPr>
-        <p:spPr/>
-        <p:txBody>
-          <a:bodyPr/>
-          <a:lstStyle/>
-          <a:p>
-            <a:r>
-              <a:rPr lang="en-CA" dirty="0"/>
-              <a:t>User Interface:</a:t>
-            </a:r>
-          </a:p>
-        </p:txBody>
-      </p:sp>
-      <p:sp>
-        <p:nvSpPr>
-          <p:cNvPr id="3" name="Content Placeholder 2">
-            <a:extLst>
-              <a:ext uri="{FF2B5EF4-FFF2-40B4-BE49-F238E27FC236}">
-                <a16:creationId xmlns:a16="http://schemas.microsoft.com/office/drawing/2014/main" id="{6ADB2BAF-320E-4948-99D2-9BC99A6BD72A}"/>
-              </a:ext>
-            </a:extLst>
-          </p:cNvPr>
-          <p:cNvSpPr>
-            <a:spLocks noGrp="1"/>
-          </p:cNvSpPr>
-          <p:nvPr>
-            <p:ph idx="1"/>
-          </p:nvPr>
-        </p:nvSpPr>
-        <p:spPr>
-          <a:xfrm>
-            <a:off x="469107" y="1719543"/>
-            <a:ext cx="8946541" cy="4195481"/>
-          </a:xfrm>
-        </p:spPr>
-        <p:txBody>
-          <a:bodyPr/>
-          <a:lstStyle/>
-          <a:p>
-            <a:r>
-              <a:rPr lang="en-CA" dirty="0"/>
-              <a:t>Welcome Screen: Welcome screen will explains the user the use of our application.</a:t>
-            </a:r>
-          </a:p>
-        </p:txBody>
-      </p:sp>
-      <p:pic>
-        <p:nvPicPr>
-          <p:cNvPr id="6" name="Picture 5">
-            <a:extLst>
-              <a:ext uri="{FF2B5EF4-FFF2-40B4-BE49-F238E27FC236}">
-                <a16:creationId xmlns:a16="http://schemas.microsoft.com/office/drawing/2014/main" id="{509302E4-710C-40CB-B857-FB7DB69E14F6}"/>
-              </a:ext>
-            </a:extLst>
-          </p:cNvPr>
-          <p:cNvPicPr>
-            <a:picLocks noChangeAspect="1"/>
-          </p:cNvPicPr>
-          <p:nvPr/>
-        </p:nvPicPr>
-        <p:blipFill>
-          <a:blip r:embed="rId2"/>
-          <a:stretch>
-            <a:fillRect/>
-          </a:stretch>
-        </p:blipFill>
-        <p:spPr>
-          <a:xfrm>
-            <a:off x="9415648" y="1152982"/>
-            <a:ext cx="2630025" cy="5114467"/>
-          </a:xfrm>
-          <a:prstGeom prst="rect">
-            <a:avLst/>
-          </a:prstGeom>
-        </p:spPr>
-      </p:pic>
-    </p:spTree>
-    <p:extLst>
-      <p:ext uri="{BB962C8B-B14F-4D97-AF65-F5344CB8AC3E}">
-        <p14:creationId xmlns:p14="http://schemas.microsoft.com/office/powerpoint/2010/main" val="1483541500"/>
-      </p:ext>
-    </p:extLst>
-  </p:cSld>
-  <p:clrMapOvr>
-    <a:masterClrMapping/>
-  </p:clrMapOvr>
-</p:sld>
-</file>
-
-<file path=ppt/slides/slide5.xml><?xml version="1.0" encoding="utf-8"?>
-<p:sld xmlns:a="http://schemas.openxmlformats.org/drawingml/2006/main" xmlns:r="http://schemas.openxmlformats.org/officeDocument/2006/relationships" xmlns:p="http://schemas.openxmlformats.org/presentationml/2006/main">
-  <p:cSld>
-    <p:spTree>
-      <p:nvGrpSpPr>
-        <p:cNvPr id="1" name=""/>
-        <p:cNvGrpSpPr/>
-        <p:nvPr/>
-      </p:nvGrpSpPr>
-      <p:grpSpPr>
-        <a:xfrm>
-          <a:off x="0" y="0"/>
-          <a:ext cx="0" cy="0"/>
-          <a:chOff x="0" y="0"/>
-          <a:chExt cx="0" cy="0"/>
-        </a:xfrm>
-      </p:grpSpPr>
-      <p:sp>
-        <p:nvSpPr>
-          <p:cNvPr id="2" name="Title 1">
-            <a:extLst>
-              <a:ext uri="{FF2B5EF4-FFF2-40B4-BE49-F238E27FC236}">
-                <a16:creationId xmlns:a16="http://schemas.microsoft.com/office/drawing/2014/main" id="{B53E6518-B9B0-4C1F-B724-CAED3C61F825}"/>
-              </a:ext>
-            </a:extLst>
-          </p:cNvPr>
-          <p:cNvSpPr>
-            <a:spLocks noGrp="1"/>
-          </p:cNvSpPr>
-          <p:nvPr>
-            <p:ph type="title"/>
-          </p:nvPr>
-        </p:nvSpPr>
-        <p:spPr/>
-        <p:txBody>
-          <a:bodyPr/>
-          <a:lstStyle/>
-          <a:p>
-            <a:r>
-              <a:rPr lang="en-CA" dirty="0"/>
-              <a:t>User Interface</a:t>
-            </a:r>
-          </a:p>
-        </p:txBody>
-      </p:sp>
-      <p:sp>
-        <p:nvSpPr>
-          <p:cNvPr id="3" name="Content Placeholder 2">
-            <a:extLst>
-              <a:ext uri="{FF2B5EF4-FFF2-40B4-BE49-F238E27FC236}">
-                <a16:creationId xmlns:a16="http://schemas.microsoft.com/office/drawing/2014/main" id="{B455E261-C70E-45C3-A0DA-BA48B48A7AB2}"/>
-              </a:ext>
-            </a:extLst>
-          </p:cNvPr>
-          <p:cNvSpPr>
-            <a:spLocks noGrp="1"/>
-          </p:cNvSpPr>
-          <p:nvPr>
-            <p:ph idx="1"/>
-          </p:nvPr>
-        </p:nvSpPr>
-        <p:spPr>
-          <a:xfrm>
-            <a:off x="531922" y="1888471"/>
-            <a:ext cx="8946541" cy="4195481"/>
-          </a:xfrm>
-        </p:spPr>
-        <p:txBody>
-          <a:bodyPr/>
-          <a:lstStyle/>
-          <a:p>
-            <a:r>
-              <a:rPr lang="en-CA" dirty="0"/>
-              <a:t>Main Screen: The main screen will display the worldwide statistics as you can see on the screenshot. It is indeed live data retrieved from WHO(World Health Organization API).</a:t>
-            </a:r>
-          </a:p>
-        </p:txBody>
-      </p:sp>
-      <p:pic>
-        <p:nvPicPr>
-          <p:cNvPr id="4" name="Picture 3">
-            <a:extLst>
-              <a:ext uri="{FF2B5EF4-FFF2-40B4-BE49-F238E27FC236}">
-                <a16:creationId xmlns:a16="http://schemas.microsoft.com/office/drawing/2014/main" id="{342CECF8-A9D1-4949-99F2-981FFBC6BC65}"/>
-              </a:ext>
-            </a:extLst>
-          </p:cNvPr>
-          <p:cNvPicPr>
-            <a:picLocks noChangeAspect="1"/>
-          </p:cNvPicPr>
-          <p:nvPr/>
-        </p:nvPicPr>
-        <p:blipFill>
-          <a:blip r:embed="rId2"/>
-          <a:stretch>
-            <a:fillRect/>
-          </a:stretch>
-        </p:blipFill>
-        <p:spPr>
-          <a:xfrm>
-            <a:off x="9364274" y="1399309"/>
-            <a:ext cx="2827726" cy="5173806"/>
-          </a:xfrm>
-          <a:prstGeom prst="rect">
-            <a:avLst/>
-          </a:prstGeom>
-        </p:spPr>
-      </p:pic>
-    </p:spTree>
-    <p:extLst>
-      <p:ext uri="{BB962C8B-B14F-4D97-AF65-F5344CB8AC3E}">
-        <p14:creationId xmlns:p14="http://schemas.microsoft.com/office/powerpoint/2010/main" val="1836715825"/>
-      </p:ext>
-    </p:extLst>
-  </p:cSld>
-  <p:clrMapOvr>
-    <a:masterClrMapping/>
-  </p:clrMapOvr>
-</p:sld>
-</file>
-
-<file path=ppt/slides/slide6.xml><?xml version="1.0" encoding="utf-8"?>
-<p:sld xmlns:a="http://schemas.openxmlformats.org/drawingml/2006/main" xmlns:r="http://schemas.openxmlformats.org/officeDocument/2006/relationships" xmlns:p="http://schemas.openxmlformats.org/presentationml/2006/main">
-  <p:cSld>
-    <p:spTree>
-      <p:nvGrpSpPr>
-        <p:cNvPr id="1" name=""/>
-        <p:cNvGrpSpPr/>
-        <p:nvPr/>
-      </p:nvGrpSpPr>
-      <p:grpSpPr>
-        <a:xfrm>
-          <a:off x="0" y="0"/>
-          <a:ext cx="0" cy="0"/>
-          <a:chOff x="0" y="0"/>
-          <a:chExt cx="0" cy="0"/>
-        </a:xfrm>
-      </p:grpSpPr>
-      <p:sp>
-        <p:nvSpPr>
-          <p:cNvPr id="2" name="Title 1">
-            <a:extLst>
-              <a:ext uri="{FF2B5EF4-FFF2-40B4-BE49-F238E27FC236}">
-                <a16:creationId xmlns:a16="http://schemas.microsoft.com/office/drawing/2014/main" id="{607C6256-A095-47F9-995E-01C51DB26225}"/>
-              </a:ext>
-            </a:extLst>
-          </p:cNvPr>
-          <p:cNvSpPr>
-            <a:spLocks noGrp="1"/>
-          </p:cNvSpPr>
-          <p:nvPr>
-            <p:ph type="title"/>
-          </p:nvPr>
-        </p:nvSpPr>
-        <p:spPr/>
-        <p:txBody>
-          <a:bodyPr/>
-          <a:lstStyle/>
-          <a:p>
-            <a:r>
-              <a:rPr lang="en-CA" dirty="0"/>
-              <a:t>User Interface:</a:t>
-            </a:r>
-          </a:p>
-        </p:txBody>
-      </p:sp>
-      <p:sp>
-        <p:nvSpPr>
-          <p:cNvPr id="3" name="Content Placeholder 2">
-            <a:extLst>
-              <a:ext uri="{FF2B5EF4-FFF2-40B4-BE49-F238E27FC236}">
-                <a16:creationId xmlns:a16="http://schemas.microsoft.com/office/drawing/2014/main" id="{A3ECAFB8-092E-473D-B9AE-4C2BD30121A6}"/>
-              </a:ext>
-            </a:extLst>
-          </p:cNvPr>
-          <p:cNvSpPr>
-            <a:spLocks noGrp="1"/>
-          </p:cNvSpPr>
-          <p:nvPr>
-            <p:ph idx="1"/>
-          </p:nvPr>
-        </p:nvSpPr>
-        <p:spPr>
-          <a:xfrm>
-            <a:off x="249005" y="1853248"/>
-            <a:ext cx="8946541" cy="4195481"/>
-          </a:xfrm>
-        </p:spPr>
-        <p:txBody>
-          <a:bodyPr/>
-          <a:lstStyle/>
-          <a:p>
-            <a:r>
-              <a:rPr lang="en-CA" dirty="0"/>
-              <a:t>Navigation: User will be able to decide where they wish to proceed next. They have the option between World Data, to see each affected countries, the states(USA) and also be able to use settings and eventually send us Feedback to improve or fix bugs in our application. </a:t>
-            </a:r>
-          </a:p>
-        </p:txBody>
-      </p:sp>
-      <p:pic>
-        <p:nvPicPr>
-          <p:cNvPr id="4" name="Picture 3">
-            <a:extLst>
-              <a:ext uri="{FF2B5EF4-FFF2-40B4-BE49-F238E27FC236}">
-                <a16:creationId xmlns:a16="http://schemas.microsoft.com/office/drawing/2014/main" id="{57A3125C-ADAD-4B49-A342-0F9152BC9547}"/>
-              </a:ext>
-            </a:extLst>
-          </p:cNvPr>
-          <p:cNvPicPr>
-            <a:picLocks noChangeAspect="1"/>
-          </p:cNvPicPr>
-          <p:nvPr/>
-        </p:nvPicPr>
-        <p:blipFill>
-          <a:blip r:embed="rId2"/>
-          <a:stretch>
-            <a:fillRect/>
-          </a:stretch>
-        </p:blipFill>
-        <p:spPr>
-          <a:xfrm>
-            <a:off x="9195546" y="1134980"/>
-            <a:ext cx="2760545" cy="5287910"/>
-          </a:xfrm>
-          <a:prstGeom prst="rect">
-            <a:avLst/>
-          </a:prstGeom>
-        </p:spPr>
-      </p:pic>
-    </p:spTree>
-    <p:extLst>
-      <p:ext uri="{BB962C8B-B14F-4D97-AF65-F5344CB8AC3E}">
-        <p14:creationId xmlns:p14="http://schemas.microsoft.com/office/powerpoint/2010/main" val="4239534179"/>
-      </p:ext>
-    </p:extLst>
-  </p:cSld>
-  <p:clrMapOvr>
-    <a:masterClrMapping/>
-  </p:clrMapOvr>
-</p:sld>
-</file>
-
-<file path=ppt/slides/slide7.xml><?xml version="1.0" encoding="utf-8"?>
+<file path=ppt/slides/slide11.xml><?xml version="1.0" encoding="utf-8"?>
 <p:sld xmlns:a="http://schemas.openxmlformats.org/drawingml/2006/main" xmlns:r="http://schemas.openxmlformats.org/officeDocument/2006/relationships" xmlns:p="http://schemas.openxmlformats.org/presentationml/2006/main">
   <p:cSld>
     <p:bg>
@@ -7250,7 +6618,7 @@
           <p:cNvPr id="2" name="Title 1">
             <a:extLst>
               <a:ext uri="{FF2B5EF4-FFF2-40B4-BE49-F238E27FC236}">
-                <a16:creationId xmlns:a16="http://schemas.microsoft.com/office/drawing/2014/main" id="{2B85D73E-BF50-44D1-B22A-215859733B6E}"/>
+                <a16:creationId xmlns:a16="http://schemas.microsoft.com/office/drawing/2014/main" id="{8030BCE0-85EB-4DE8-B88F-F3D6CE1611CA}"/>
               </a:ext>
             </a:extLst>
           </p:cNvPr>
@@ -7263,8 +6631,8 @@
         </p:nvSpPr>
         <p:spPr>
           <a:xfrm>
-            <a:off x="646111" y="452718"/>
-            <a:ext cx="9404723" cy="1400530"/>
+            <a:off x="646111" y="609601"/>
+            <a:ext cx="3325731" cy="1675975"/>
           </a:xfrm>
         </p:spPr>
         <p:txBody>
@@ -7274,60 +6642,8 @@
           <a:lstStyle/>
           <a:p>
             <a:r>
-              <a:rPr lang="en-CA"/>
-              <a:t>User Interface:</a:t>
-            </a:r>
-            <a:endParaRPr lang="en-CA" dirty="0"/>
-          </a:p>
-        </p:txBody>
-      </p:sp>
-      <p:sp>
-        <p:nvSpPr>
-          <p:cNvPr id="3" name="Content Placeholder 2">
-            <a:extLst>
-              <a:ext uri="{FF2B5EF4-FFF2-40B4-BE49-F238E27FC236}">
-                <a16:creationId xmlns:a16="http://schemas.microsoft.com/office/drawing/2014/main" id="{29E41508-E873-4B6A-9D1C-67EA964A525F}"/>
-              </a:ext>
-            </a:extLst>
-          </p:cNvPr>
-          <p:cNvSpPr>
-            <a:spLocks noGrp="1"/>
-          </p:cNvSpPr>
-          <p:nvPr>
-            <p:ph idx="1"/>
-          </p:nvPr>
-        </p:nvSpPr>
-        <p:spPr>
-          <a:xfrm>
-            <a:off x="1103313" y="2052918"/>
-            <a:ext cx="3300836" cy="4195481"/>
-          </a:xfrm>
-        </p:spPr>
-        <p:txBody>
-          <a:bodyPr>
-            <a:normAutofit/>
-          </a:bodyPr>
-          <a:lstStyle/>
-          <a:p>
-            <a:pPr>
-              <a:lnSpc>
-                <a:spcPct val="90000"/>
-              </a:lnSpc>
-            </a:pPr>
-            <a:r>
-              <a:rPr lang="en-CA"/>
-              <a:t>Your Country Screen: On this screen individual live data will be displayed for the selected countries worldwide.</a:t>
-            </a:r>
-          </a:p>
-          <a:p>
-            <a:pPr>
-              <a:lnSpc>
-                <a:spcPct val="90000"/>
-              </a:lnSpc>
-            </a:pPr>
-            <a:r>
-              <a:rPr lang="en-CA"/>
-              <a:t>By pressing on the drop down the list of all the countries will be displayed in alphabetical order for the user to choose the country they wish to see the data</a:t>
+              <a:rPr lang="en-CA" dirty="0"/>
+              <a:t>Storage</a:t>
             </a:r>
           </a:p>
         </p:txBody>
@@ -7337,7 +6653,7 @@
           <p:cNvPr id="5" name="Picture 4">
             <a:extLst>
               <a:ext uri="{FF2B5EF4-FFF2-40B4-BE49-F238E27FC236}">
-                <a16:creationId xmlns:a16="http://schemas.microsoft.com/office/drawing/2014/main" id="{622605DF-8705-4141-8421-25ED67D2B9D5}"/>
+                <a16:creationId xmlns:a16="http://schemas.microsoft.com/office/drawing/2014/main" id="{FFAE8358-78EA-4654-BFDA-8EE5011EC6EA}"/>
               </a:ext>
             </a:extLst>
           </p:cNvPr>
@@ -7348,13 +6664,13 @@
         </p:nvPicPr>
         <p:blipFill rotWithShape="1">
           <a:blip r:embed="rId3"/>
-          <a:srcRect r="-3" b="6225"/>
+          <a:srcRect t="4312" r="-2" b="5125"/>
           <a:stretch/>
         </p:blipFill>
         <p:spPr>
           <a:xfrm>
-            <a:off x="5348472" y="1645085"/>
-            <a:ext cx="2675431" cy="4603314"/>
+            <a:off x="4613644" y="609368"/>
+            <a:ext cx="3409037" cy="5638797"/>
           </a:xfrm>
           <a:prstGeom prst="rect">
             <a:avLst/>
@@ -7370,10 +6686,10 @@
       </p:pic>
       <p:pic>
         <p:nvPicPr>
-          <p:cNvPr id="6" name="Picture 5">
+          <p:cNvPr id="4" name="Picture 3">
             <a:extLst>
               <a:ext uri="{FF2B5EF4-FFF2-40B4-BE49-F238E27FC236}">
-                <a16:creationId xmlns:a16="http://schemas.microsoft.com/office/drawing/2014/main" id="{59BA4DA5-ECBF-4D58-9393-134C070CCD57}"/>
+                <a16:creationId xmlns:a16="http://schemas.microsoft.com/office/drawing/2014/main" id="{913A853F-AC2E-48FE-B5BC-AB0D50AE4DD3}"/>
               </a:ext>
             </a:extLst>
           </p:cNvPr>
@@ -7384,13 +6700,13 @@
         </p:nvPicPr>
         <p:blipFill rotWithShape="1">
           <a:blip r:embed="rId4"/>
-          <a:srcRect r="-2" b="10712"/>
+          <a:srcRect t="1865" r="-2" b="7573"/>
           <a:stretch/>
         </p:blipFill>
         <p:spPr>
           <a:xfrm>
-            <a:off x="8353252" y="1645086"/>
-            <a:ext cx="2680950" cy="4603313"/>
+            <a:off x="8135262" y="609601"/>
+            <a:ext cx="3409037" cy="5638797"/>
           </a:xfrm>
           <a:prstGeom prst="rect">
             <a:avLst/>
@@ -7404,10 +6720,909 @@
           </a:effectLst>
         </p:spPr>
       </p:pic>
+      <p:sp>
+        <p:nvSpPr>
+          <p:cNvPr id="10" name="Rectangle 9">
+            <a:extLst>
+              <a:ext uri="{FF2B5EF4-FFF2-40B4-BE49-F238E27FC236}">
+                <a16:creationId xmlns:a16="http://schemas.microsoft.com/office/drawing/2014/main" id="{B54E2689-26D4-44B0-9175-57BD88CF2849}"/>
+              </a:ext>
+              <a:ext uri="{C183D7F6-B498-43B3-948B-1728B52AA6E4}">
+                <adec:decorative xmlns:adec="http://schemas.microsoft.com/office/drawing/2017/decorative" val="1"/>
+              </a:ext>
+            </a:extLst>
+          </p:cNvPr>
+          <p:cNvSpPr>
+            <a:spLocks noGrp="1" noRot="1" noChangeAspect="1" noMove="1" noResize="1" noEditPoints="1" noAdjustHandles="1" noChangeArrowheads="1" noChangeShapeType="1" noTextEdit="1"/>
+          </p:cNvSpPr>
+          <p:nvPr>
+            <p:extLst>
+              <p:ext uri="{386F3935-93C4-4BCD-93E2-E3B085C9AB24}">
+                <p16:designElem xmlns:p16="http://schemas.microsoft.com/office/powerpoint/2015/main" val="1"/>
+              </p:ext>
+            </p:extLst>
+          </p:nvPr>
+        </p:nvSpPr>
+        <p:spPr>
+          <a:xfrm>
+            <a:off x="10437812" y="0"/>
+            <a:ext cx="685800" cy="1143000"/>
+          </a:xfrm>
+          <a:prstGeom prst="rect">
+            <a:avLst/>
+          </a:prstGeom>
+          <a:solidFill>
+            <a:schemeClr val="accent1"/>
+          </a:solidFill>
+          <a:ln>
+            <a:noFill/>
+          </a:ln>
+        </p:spPr>
+        <p:style>
+          <a:lnRef idx="1">
+            <a:schemeClr val="accent1"/>
+          </a:lnRef>
+          <a:fillRef idx="3">
+            <a:schemeClr val="accent1"/>
+          </a:fillRef>
+          <a:effectRef idx="2">
+            <a:schemeClr val="accent1"/>
+          </a:effectRef>
+          <a:fontRef idx="minor">
+            <a:schemeClr val="lt1"/>
+          </a:fontRef>
+        </p:style>
+      </p:sp>
+      <p:sp>
+        <p:nvSpPr>
+          <p:cNvPr id="3" name="Content Placeholder 2">
+            <a:extLst>
+              <a:ext uri="{FF2B5EF4-FFF2-40B4-BE49-F238E27FC236}">
+                <a16:creationId xmlns:a16="http://schemas.microsoft.com/office/drawing/2014/main" id="{074A8601-A539-4237-B373-E1B87ECA6E73}"/>
+              </a:ext>
+            </a:extLst>
+          </p:cNvPr>
+          <p:cNvSpPr>
+            <a:spLocks noGrp="1"/>
+          </p:cNvSpPr>
+          <p:nvPr>
+            <p:ph idx="1"/>
+          </p:nvPr>
+        </p:nvSpPr>
+        <p:spPr>
+          <a:xfrm>
+            <a:off x="642176" y="2484544"/>
+            <a:ext cx="3329666" cy="3763855"/>
+          </a:xfrm>
+        </p:spPr>
+        <p:txBody>
+          <a:bodyPr>
+            <a:normAutofit/>
+          </a:bodyPr>
+          <a:lstStyle/>
+          <a:p>
+            <a:r>
+              <a:rPr lang="en-CA" dirty="0"/>
+              <a:t>Each time the live data is pulled from the APIs, it will be store in a table and updated each time the user refreshed </a:t>
+            </a:r>
+            <a:r>
+              <a:rPr lang="en-CA"/>
+              <a:t>the application.</a:t>
+            </a:r>
+          </a:p>
+        </p:txBody>
+      </p:sp>
     </p:spTree>
     <p:extLst>
       <p:ext uri="{BB962C8B-B14F-4D97-AF65-F5344CB8AC3E}">
-        <p14:creationId xmlns:p14="http://schemas.microsoft.com/office/powerpoint/2010/main" val="1790352120"/>
+        <p14:creationId xmlns:p14="http://schemas.microsoft.com/office/powerpoint/2010/main" val="4264610213"/>
+      </p:ext>
+    </p:extLst>
+  </p:cSld>
+  <p:clrMapOvr>
+    <a:masterClrMapping/>
+  </p:clrMapOvr>
+</p:sld>
+</file>
+
+<file path=ppt/slides/slide2.xml><?xml version="1.0" encoding="utf-8"?>
+<p:sld xmlns:a="http://schemas.openxmlformats.org/drawingml/2006/main" xmlns:r="http://schemas.openxmlformats.org/officeDocument/2006/relationships" xmlns:p="http://schemas.openxmlformats.org/presentationml/2006/main">
+  <p:cSld>
+    <p:spTree>
+      <p:nvGrpSpPr>
+        <p:cNvPr id="1" name=""/>
+        <p:cNvGrpSpPr/>
+        <p:nvPr/>
+      </p:nvGrpSpPr>
+      <p:grpSpPr>
+        <a:xfrm>
+          <a:off x="0" y="0"/>
+          <a:ext cx="0" cy="0"/>
+          <a:chOff x="0" y="0"/>
+          <a:chExt cx="0" cy="0"/>
+        </a:xfrm>
+      </p:grpSpPr>
+      <p:sp>
+        <p:nvSpPr>
+          <p:cNvPr id="2" name="Title 1">
+            <a:extLst>
+              <a:ext uri="{FF2B5EF4-FFF2-40B4-BE49-F238E27FC236}">
+                <a16:creationId xmlns:a16="http://schemas.microsoft.com/office/drawing/2014/main" id="{9FAAD865-4F6A-4A7F-B3E7-B6CD1F3CFDC8}"/>
+              </a:ext>
+            </a:extLst>
+          </p:cNvPr>
+          <p:cNvSpPr>
+            <a:spLocks noGrp="1"/>
+          </p:cNvSpPr>
+          <p:nvPr>
+            <p:ph type="title"/>
+          </p:nvPr>
+        </p:nvSpPr>
+        <p:spPr/>
+        <p:txBody>
+          <a:bodyPr/>
+          <a:lstStyle/>
+          <a:p>
+            <a:pPr algn="ctr"/>
+            <a:r>
+              <a:rPr lang="en-CA" dirty="0"/>
+              <a:t>WAP Team</a:t>
+            </a:r>
+          </a:p>
+        </p:txBody>
+      </p:sp>
+      <p:sp>
+        <p:nvSpPr>
+          <p:cNvPr id="3" name="Content Placeholder 2">
+            <a:extLst>
+              <a:ext uri="{FF2B5EF4-FFF2-40B4-BE49-F238E27FC236}">
+                <a16:creationId xmlns:a16="http://schemas.microsoft.com/office/drawing/2014/main" id="{F747F573-8923-4CD2-A095-98F46792D89D}"/>
+              </a:ext>
+            </a:extLst>
+          </p:cNvPr>
+          <p:cNvSpPr>
+            <a:spLocks noGrp="1"/>
+          </p:cNvSpPr>
+          <p:nvPr>
+            <p:ph idx="1"/>
+          </p:nvPr>
+        </p:nvSpPr>
+        <p:spPr>
+          <a:xfrm>
+            <a:off x="1066800" y="2103120"/>
+            <a:ext cx="24600690" cy="6323338"/>
+          </a:xfrm>
+        </p:spPr>
+        <p:txBody>
+          <a:bodyPr/>
+          <a:lstStyle/>
+          <a:p>
+            <a:r>
+              <a:rPr lang="en-CA" sz="1800" dirty="0"/>
+              <a:t>We are Team W.A.P.</a:t>
+            </a:r>
+          </a:p>
+          <a:p>
+            <a:r>
+              <a:rPr lang="en-CA" sz="1800" dirty="0"/>
+              <a:t>It stands for Wireless Application Protocol (W.A.P)</a:t>
+            </a:r>
+          </a:p>
+          <a:p>
+            <a:r>
+              <a:rPr lang="en-CA" sz="1800" dirty="0"/>
+              <a:t>It is the technical standard for accessing information through mobile </a:t>
+            </a:r>
+            <a:r>
+              <a:rPr lang="en-CA" sz="1800"/>
+              <a:t>wireless networks and API</a:t>
+            </a:r>
+            <a:endParaRPr lang="en-CA" sz="1800" dirty="0"/>
+          </a:p>
+          <a:p>
+            <a:endParaRPr lang="en-CA" sz="1800" dirty="0"/>
+          </a:p>
+          <a:p>
+            <a:endParaRPr lang="en-CA" dirty="0"/>
+          </a:p>
+        </p:txBody>
+      </p:sp>
+      <p:pic>
+        <p:nvPicPr>
+          <p:cNvPr id="1026" name="Picture 2" descr="Image result for wireless application protocol">
+            <a:extLst>
+              <a:ext uri="{FF2B5EF4-FFF2-40B4-BE49-F238E27FC236}">
+                <a16:creationId xmlns:a16="http://schemas.microsoft.com/office/drawing/2014/main" id="{5AF8E6CF-3128-4B47-B527-85BB249AB719}"/>
+              </a:ext>
+            </a:extLst>
+          </p:cNvPr>
+          <p:cNvPicPr>
+            <a:picLocks noChangeAspect="1" noChangeArrowheads="1"/>
+          </p:cNvPicPr>
+          <p:nvPr/>
+        </p:nvPicPr>
+        <p:blipFill>
+          <a:blip r:embed="rId2">
+            <a:extLst>
+              <a:ext uri="{28A0092B-C50C-407E-A947-70E740481C1C}">
+                <a14:useLocalDpi xmlns:a14="http://schemas.microsoft.com/office/drawing/2010/main" val="0"/>
+              </a:ext>
+            </a:extLst>
+          </a:blip>
+          <a:srcRect/>
+          <a:stretch>
+            <a:fillRect/>
+          </a:stretch>
+        </p:blipFill>
+        <p:spPr bwMode="auto">
+          <a:xfrm>
+            <a:off x="3522128" y="3257174"/>
+            <a:ext cx="3657489" cy="3028494"/>
+          </a:xfrm>
+          <a:prstGeom prst="rect">
+            <a:avLst/>
+          </a:prstGeom>
+          <a:noFill/>
+          <a:extLst>
+            <a:ext uri="{909E8E84-426E-40DD-AFC4-6F175D3DCCD1}">
+              <a14:hiddenFill xmlns:a14="http://schemas.microsoft.com/office/drawing/2010/main">
+                <a:solidFill>
+                  <a:srgbClr val="FFFFFF"/>
+                </a:solidFill>
+              </a14:hiddenFill>
+            </a:ext>
+          </a:extLst>
+        </p:spPr>
+      </p:pic>
+    </p:spTree>
+    <p:extLst>
+      <p:ext uri="{BB962C8B-B14F-4D97-AF65-F5344CB8AC3E}">
+        <p14:creationId xmlns:p14="http://schemas.microsoft.com/office/powerpoint/2010/main" val="1329934886"/>
+      </p:ext>
+    </p:extLst>
+  </p:cSld>
+  <p:clrMapOvr>
+    <a:masterClrMapping/>
+  </p:clrMapOvr>
+</p:sld>
+</file>
+
+<file path=ppt/slides/slide3.xml><?xml version="1.0" encoding="utf-8"?>
+<p:sld xmlns:a="http://schemas.openxmlformats.org/drawingml/2006/main" xmlns:r="http://schemas.openxmlformats.org/officeDocument/2006/relationships" xmlns:p="http://schemas.openxmlformats.org/presentationml/2006/main">
+  <p:cSld>
+    <p:spTree>
+      <p:nvGrpSpPr>
+        <p:cNvPr id="1" name=""/>
+        <p:cNvGrpSpPr/>
+        <p:nvPr/>
+      </p:nvGrpSpPr>
+      <p:grpSpPr>
+        <a:xfrm>
+          <a:off x="0" y="0"/>
+          <a:ext cx="0" cy="0"/>
+          <a:chOff x="0" y="0"/>
+          <a:chExt cx="0" cy="0"/>
+        </a:xfrm>
+      </p:grpSpPr>
+      <p:sp>
+        <p:nvSpPr>
+          <p:cNvPr id="2" name="Title 1">
+            <a:extLst>
+              <a:ext uri="{FF2B5EF4-FFF2-40B4-BE49-F238E27FC236}">
+                <a16:creationId xmlns:a16="http://schemas.microsoft.com/office/drawing/2014/main" id="{65445286-AF46-4915-B995-52A86AF02B37}"/>
+              </a:ext>
+            </a:extLst>
+          </p:cNvPr>
+          <p:cNvSpPr>
+            <a:spLocks noGrp="1"/>
+          </p:cNvSpPr>
+          <p:nvPr>
+            <p:ph type="title"/>
+          </p:nvPr>
+        </p:nvSpPr>
+        <p:spPr/>
+        <p:txBody>
+          <a:bodyPr/>
+          <a:lstStyle/>
+          <a:p>
+            <a:pPr algn="ctr"/>
+            <a:r>
+              <a:rPr lang="en-CA" dirty="0"/>
+              <a:t>Team Members</a:t>
+            </a:r>
+          </a:p>
+        </p:txBody>
+      </p:sp>
+      <p:sp>
+        <p:nvSpPr>
+          <p:cNvPr id="3" name="Content Placeholder 2">
+            <a:extLst>
+              <a:ext uri="{FF2B5EF4-FFF2-40B4-BE49-F238E27FC236}">
+                <a16:creationId xmlns:a16="http://schemas.microsoft.com/office/drawing/2014/main" id="{1D1BDF62-17F1-482A-B33B-A4D4B8499939}"/>
+              </a:ext>
+            </a:extLst>
+          </p:cNvPr>
+          <p:cNvSpPr>
+            <a:spLocks noGrp="1"/>
+          </p:cNvSpPr>
+          <p:nvPr>
+            <p:ph idx="1"/>
+          </p:nvPr>
+        </p:nvSpPr>
+        <p:spPr/>
+        <p:txBody>
+          <a:bodyPr>
+            <a:normAutofit lnSpcReduction="10000"/>
+          </a:bodyPr>
+          <a:lstStyle/>
+          <a:p>
+            <a:pPr lvl="3" algn="just"/>
+            <a:r>
+              <a:rPr lang="en-CA" sz="2000" dirty="0"/>
+              <a:t>Rayan Treebhowon N01226282</a:t>
+            </a:r>
+          </a:p>
+          <a:p>
+            <a:pPr lvl="3" algn="just"/>
+            <a:endParaRPr lang="en-CA" sz="2000" dirty="0"/>
+          </a:p>
+          <a:p>
+            <a:pPr lvl="3" algn="just"/>
+            <a:endParaRPr lang="en-CA" sz="2000" dirty="0"/>
+          </a:p>
+          <a:p>
+            <a:pPr lvl="3" algn="just"/>
+            <a:r>
+              <a:rPr lang="en-CA" sz="2000" dirty="0" err="1"/>
+              <a:t>Tsidkeenu</a:t>
+            </a:r>
+            <a:r>
+              <a:rPr lang="en-CA" sz="2000" dirty="0"/>
+              <a:t> Aznar N01180428</a:t>
+            </a:r>
+          </a:p>
+          <a:p>
+            <a:pPr lvl="3" algn="just"/>
+            <a:endParaRPr lang="en-CA" sz="2000" dirty="0"/>
+          </a:p>
+          <a:p>
+            <a:pPr lvl="3" algn="just"/>
+            <a:endParaRPr lang="en-CA" sz="2000" dirty="0"/>
+          </a:p>
+          <a:p>
+            <a:pPr lvl="3" algn="just"/>
+            <a:r>
+              <a:rPr lang="en-CA" sz="2000" dirty="0"/>
+              <a:t>Satyam </a:t>
+            </a:r>
+            <a:r>
+              <a:rPr lang="en-CA" sz="2000" dirty="0" err="1"/>
+              <a:t>Dalvadi</a:t>
+            </a:r>
+            <a:r>
+              <a:rPr lang="en-CA" sz="2000" dirty="0"/>
+              <a:t> N01333116</a:t>
+            </a:r>
+          </a:p>
+          <a:p>
+            <a:pPr lvl="3" algn="just"/>
+            <a:endParaRPr lang="en-CA" sz="2000" dirty="0"/>
+          </a:p>
+          <a:p>
+            <a:pPr lvl="3" algn="just"/>
+            <a:endParaRPr lang="en-CA" sz="2000" dirty="0"/>
+          </a:p>
+          <a:p>
+            <a:pPr lvl="3" algn="just"/>
+            <a:r>
+              <a:rPr lang="en-CA" sz="2000" dirty="0" err="1"/>
+              <a:t>Jagminder</a:t>
+            </a:r>
+            <a:r>
+              <a:rPr lang="en-CA" sz="2000" dirty="0"/>
+              <a:t> </a:t>
+            </a:r>
+            <a:r>
+              <a:rPr lang="en-CA" sz="2000" dirty="0" err="1"/>
+              <a:t>Sembi</a:t>
+            </a:r>
+            <a:r>
+              <a:rPr lang="en-CA" sz="2000" dirty="0"/>
+              <a:t> N01300801</a:t>
+            </a:r>
+          </a:p>
+        </p:txBody>
+      </p:sp>
+    </p:spTree>
+    <p:extLst>
+      <p:ext uri="{BB962C8B-B14F-4D97-AF65-F5344CB8AC3E}">
+        <p14:creationId xmlns:p14="http://schemas.microsoft.com/office/powerpoint/2010/main" val="4077777593"/>
+      </p:ext>
+    </p:extLst>
+  </p:cSld>
+  <p:clrMapOvr>
+    <a:masterClrMapping/>
+  </p:clrMapOvr>
+</p:sld>
+</file>
+
+<file path=ppt/slides/slide4.xml><?xml version="1.0" encoding="utf-8"?>
+<p:sld xmlns:a="http://schemas.openxmlformats.org/drawingml/2006/main" xmlns:r="http://schemas.openxmlformats.org/officeDocument/2006/relationships" xmlns:p="http://schemas.openxmlformats.org/presentationml/2006/main">
+  <p:cSld>
+    <p:spTree>
+      <p:nvGrpSpPr>
+        <p:cNvPr id="1" name=""/>
+        <p:cNvGrpSpPr/>
+        <p:nvPr/>
+      </p:nvGrpSpPr>
+      <p:grpSpPr>
+        <a:xfrm>
+          <a:off x="0" y="0"/>
+          <a:ext cx="0" cy="0"/>
+          <a:chOff x="0" y="0"/>
+          <a:chExt cx="0" cy="0"/>
+        </a:xfrm>
+      </p:grpSpPr>
+      <p:sp>
+        <p:nvSpPr>
+          <p:cNvPr id="2" name="Title 1">
+            <a:extLst>
+              <a:ext uri="{FF2B5EF4-FFF2-40B4-BE49-F238E27FC236}">
+                <a16:creationId xmlns:a16="http://schemas.microsoft.com/office/drawing/2014/main" id="{45A5EBFF-76FC-4724-A639-546D41491DA9}"/>
+              </a:ext>
+            </a:extLst>
+          </p:cNvPr>
+          <p:cNvSpPr>
+            <a:spLocks noGrp="1"/>
+          </p:cNvSpPr>
+          <p:nvPr>
+            <p:ph type="title"/>
+          </p:nvPr>
+        </p:nvSpPr>
+        <p:spPr/>
+        <p:txBody>
+          <a:bodyPr/>
+          <a:lstStyle/>
+          <a:p>
+            <a:r>
+              <a:rPr lang="en-CA" dirty="0"/>
+              <a:t>Functionality</a:t>
+            </a:r>
+          </a:p>
+        </p:txBody>
+      </p:sp>
+      <p:sp>
+        <p:nvSpPr>
+          <p:cNvPr id="3" name="Content Placeholder 2">
+            <a:extLst>
+              <a:ext uri="{FF2B5EF4-FFF2-40B4-BE49-F238E27FC236}">
+                <a16:creationId xmlns:a16="http://schemas.microsoft.com/office/drawing/2014/main" id="{CE43460C-5E95-4537-8818-A481679CAC65}"/>
+              </a:ext>
+            </a:extLst>
+          </p:cNvPr>
+          <p:cNvSpPr>
+            <a:spLocks noGrp="1"/>
+          </p:cNvSpPr>
+          <p:nvPr>
+            <p:ph idx="1"/>
+          </p:nvPr>
+        </p:nvSpPr>
+        <p:spPr/>
+        <p:txBody>
+          <a:bodyPr>
+            <a:normAutofit/>
+          </a:bodyPr>
+          <a:lstStyle/>
+          <a:p>
+            <a:r>
+              <a:rPr lang="en-CA" dirty="0"/>
+              <a:t>Our application retrieves live data from WHO(World Health Organization) using their APIs.</a:t>
+            </a:r>
+          </a:p>
+          <a:p>
+            <a:r>
+              <a:rPr lang="en-CA" dirty="0"/>
+              <a:t>It is then displayed to the user as live data and is updated every time the user refreshes the page or starts the application.</a:t>
+            </a:r>
+          </a:p>
+          <a:p>
+            <a:r>
+              <a:rPr lang="en-CA" dirty="0"/>
+              <a:t>Our application will mainly focus on the main page as worldwide date. </a:t>
+            </a:r>
+          </a:p>
+          <a:p>
+            <a:r>
+              <a:rPr lang="en-CA" dirty="0"/>
+              <a:t>And then it will be broken down as for the user to see countries around the world.</a:t>
+            </a:r>
+          </a:p>
+          <a:p>
+            <a:r>
+              <a:rPr lang="en-CA" dirty="0"/>
+              <a:t>Live Data is stored in a table view and in the Saved </a:t>
+            </a:r>
+            <a:r>
+              <a:rPr lang="en-CA"/>
+              <a:t>Data tab.</a:t>
+            </a:r>
+            <a:endParaRPr lang="en-CA" dirty="0"/>
+          </a:p>
+          <a:p>
+            <a:r>
+              <a:rPr lang="en-CA" dirty="0"/>
+              <a:t>Our application supports both English and French. </a:t>
+            </a:r>
+          </a:p>
+        </p:txBody>
+      </p:sp>
+    </p:spTree>
+    <p:extLst>
+      <p:ext uri="{BB962C8B-B14F-4D97-AF65-F5344CB8AC3E}">
+        <p14:creationId xmlns:p14="http://schemas.microsoft.com/office/powerpoint/2010/main" val="530967267"/>
+      </p:ext>
+    </p:extLst>
+  </p:cSld>
+  <p:clrMapOvr>
+    <a:masterClrMapping/>
+  </p:clrMapOvr>
+</p:sld>
+</file>
+
+<file path=ppt/slides/slide5.xml><?xml version="1.0" encoding="utf-8"?>
+<p:sld xmlns:a="http://schemas.openxmlformats.org/drawingml/2006/main" xmlns:r="http://schemas.openxmlformats.org/officeDocument/2006/relationships" xmlns:p="http://schemas.openxmlformats.org/presentationml/2006/main">
+  <p:cSld>
+    <p:spTree>
+      <p:nvGrpSpPr>
+        <p:cNvPr id="1" name=""/>
+        <p:cNvGrpSpPr/>
+        <p:nvPr/>
+      </p:nvGrpSpPr>
+      <p:grpSpPr>
+        <a:xfrm>
+          <a:off x="0" y="0"/>
+          <a:ext cx="0" cy="0"/>
+          <a:chOff x="0" y="0"/>
+          <a:chExt cx="0" cy="0"/>
+        </a:xfrm>
+      </p:grpSpPr>
+      <p:sp>
+        <p:nvSpPr>
+          <p:cNvPr id="2" name="Title 1">
+            <a:extLst>
+              <a:ext uri="{FF2B5EF4-FFF2-40B4-BE49-F238E27FC236}">
+                <a16:creationId xmlns:a16="http://schemas.microsoft.com/office/drawing/2014/main" id="{76107C40-838A-427D-B944-FD695E4C8D9A}"/>
+              </a:ext>
+            </a:extLst>
+          </p:cNvPr>
+          <p:cNvSpPr>
+            <a:spLocks noGrp="1"/>
+          </p:cNvSpPr>
+          <p:nvPr>
+            <p:ph type="title"/>
+          </p:nvPr>
+        </p:nvSpPr>
+        <p:spPr/>
+        <p:txBody>
+          <a:bodyPr/>
+          <a:lstStyle/>
+          <a:p>
+            <a:r>
+              <a:rPr lang="en-CA" dirty="0"/>
+              <a:t>User Interface:</a:t>
+            </a:r>
+          </a:p>
+        </p:txBody>
+      </p:sp>
+      <p:sp>
+        <p:nvSpPr>
+          <p:cNvPr id="3" name="Content Placeholder 2">
+            <a:extLst>
+              <a:ext uri="{FF2B5EF4-FFF2-40B4-BE49-F238E27FC236}">
+                <a16:creationId xmlns:a16="http://schemas.microsoft.com/office/drawing/2014/main" id="{6ADB2BAF-320E-4948-99D2-9BC99A6BD72A}"/>
+              </a:ext>
+            </a:extLst>
+          </p:cNvPr>
+          <p:cNvSpPr>
+            <a:spLocks noGrp="1"/>
+          </p:cNvSpPr>
+          <p:nvPr>
+            <p:ph idx="1"/>
+          </p:nvPr>
+        </p:nvSpPr>
+        <p:spPr>
+          <a:xfrm>
+            <a:off x="469107" y="1719543"/>
+            <a:ext cx="8946541" cy="4195481"/>
+          </a:xfrm>
+        </p:spPr>
+        <p:txBody>
+          <a:bodyPr/>
+          <a:lstStyle/>
+          <a:p>
+            <a:r>
+              <a:rPr lang="en-CA" dirty="0"/>
+              <a:t>Welcome Screen: Welcome screen will explains the user the use of our application.</a:t>
+            </a:r>
+          </a:p>
+        </p:txBody>
+      </p:sp>
+      <p:pic>
+        <p:nvPicPr>
+          <p:cNvPr id="6" name="Picture 5">
+            <a:extLst>
+              <a:ext uri="{FF2B5EF4-FFF2-40B4-BE49-F238E27FC236}">
+                <a16:creationId xmlns:a16="http://schemas.microsoft.com/office/drawing/2014/main" id="{509302E4-710C-40CB-B857-FB7DB69E14F6}"/>
+              </a:ext>
+            </a:extLst>
+          </p:cNvPr>
+          <p:cNvPicPr>
+            <a:picLocks noChangeAspect="1"/>
+          </p:cNvPicPr>
+          <p:nvPr/>
+        </p:nvPicPr>
+        <p:blipFill>
+          <a:blip r:embed="rId2"/>
+          <a:stretch>
+            <a:fillRect/>
+          </a:stretch>
+        </p:blipFill>
+        <p:spPr>
+          <a:xfrm>
+            <a:off x="9415648" y="1152982"/>
+            <a:ext cx="2630025" cy="5114467"/>
+          </a:xfrm>
+          <a:prstGeom prst="rect">
+            <a:avLst/>
+          </a:prstGeom>
+        </p:spPr>
+      </p:pic>
+    </p:spTree>
+    <p:extLst>
+      <p:ext uri="{BB962C8B-B14F-4D97-AF65-F5344CB8AC3E}">
+        <p14:creationId xmlns:p14="http://schemas.microsoft.com/office/powerpoint/2010/main" val="1483541500"/>
+      </p:ext>
+    </p:extLst>
+  </p:cSld>
+  <p:clrMapOvr>
+    <a:masterClrMapping/>
+  </p:clrMapOvr>
+</p:sld>
+</file>
+
+<file path=ppt/slides/slide6.xml><?xml version="1.0" encoding="utf-8"?>
+<p:sld xmlns:a="http://schemas.openxmlformats.org/drawingml/2006/main" xmlns:r="http://schemas.openxmlformats.org/officeDocument/2006/relationships" xmlns:p="http://schemas.openxmlformats.org/presentationml/2006/main">
+  <p:cSld>
+    <p:spTree>
+      <p:nvGrpSpPr>
+        <p:cNvPr id="1" name=""/>
+        <p:cNvGrpSpPr/>
+        <p:nvPr/>
+      </p:nvGrpSpPr>
+      <p:grpSpPr>
+        <a:xfrm>
+          <a:off x="0" y="0"/>
+          <a:ext cx="0" cy="0"/>
+          <a:chOff x="0" y="0"/>
+          <a:chExt cx="0" cy="0"/>
+        </a:xfrm>
+      </p:grpSpPr>
+      <p:sp>
+        <p:nvSpPr>
+          <p:cNvPr id="2" name="Title 1">
+            <a:extLst>
+              <a:ext uri="{FF2B5EF4-FFF2-40B4-BE49-F238E27FC236}">
+                <a16:creationId xmlns:a16="http://schemas.microsoft.com/office/drawing/2014/main" id="{B53E6518-B9B0-4C1F-B724-CAED3C61F825}"/>
+              </a:ext>
+            </a:extLst>
+          </p:cNvPr>
+          <p:cNvSpPr>
+            <a:spLocks noGrp="1"/>
+          </p:cNvSpPr>
+          <p:nvPr>
+            <p:ph type="title"/>
+          </p:nvPr>
+        </p:nvSpPr>
+        <p:spPr/>
+        <p:txBody>
+          <a:bodyPr/>
+          <a:lstStyle/>
+          <a:p>
+            <a:r>
+              <a:rPr lang="en-CA" dirty="0"/>
+              <a:t>User Interface</a:t>
+            </a:r>
+          </a:p>
+        </p:txBody>
+      </p:sp>
+      <p:sp>
+        <p:nvSpPr>
+          <p:cNvPr id="3" name="Content Placeholder 2">
+            <a:extLst>
+              <a:ext uri="{FF2B5EF4-FFF2-40B4-BE49-F238E27FC236}">
+                <a16:creationId xmlns:a16="http://schemas.microsoft.com/office/drawing/2014/main" id="{B455E261-C70E-45C3-A0DA-BA48B48A7AB2}"/>
+              </a:ext>
+            </a:extLst>
+          </p:cNvPr>
+          <p:cNvSpPr>
+            <a:spLocks noGrp="1"/>
+          </p:cNvSpPr>
+          <p:nvPr>
+            <p:ph idx="1"/>
+          </p:nvPr>
+        </p:nvSpPr>
+        <p:spPr>
+          <a:xfrm>
+            <a:off x="531922" y="1888471"/>
+            <a:ext cx="8946541" cy="4195481"/>
+          </a:xfrm>
+        </p:spPr>
+        <p:txBody>
+          <a:bodyPr/>
+          <a:lstStyle/>
+          <a:p>
+            <a:r>
+              <a:rPr lang="en-CA" dirty="0"/>
+              <a:t>Main Screen: The main screen will display the worldwide statistics as you can see on the screenshot. It is indeed live data retrieved from WHO(World Health Organization API).</a:t>
+            </a:r>
+          </a:p>
+        </p:txBody>
+      </p:sp>
+      <p:pic>
+        <p:nvPicPr>
+          <p:cNvPr id="4" name="Picture 3">
+            <a:extLst>
+              <a:ext uri="{FF2B5EF4-FFF2-40B4-BE49-F238E27FC236}">
+                <a16:creationId xmlns:a16="http://schemas.microsoft.com/office/drawing/2014/main" id="{342CECF8-A9D1-4949-99F2-981FFBC6BC65}"/>
+              </a:ext>
+            </a:extLst>
+          </p:cNvPr>
+          <p:cNvPicPr>
+            <a:picLocks noChangeAspect="1"/>
+          </p:cNvPicPr>
+          <p:nvPr/>
+        </p:nvPicPr>
+        <p:blipFill>
+          <a:blip r:embed="rId2"/>
+          <a:stretch>
+            <a:fillRect/>
+          </a:stretch>
+        </p:blipFill>
+        <p:spPr>
+          <a:xfrm>
+            <a:off x="9364274" y="1399309"/>
+            <a:ext cx="2827726" cy="5173806"/>
+          </a:xfrm>
+          <a:prstGeom prst="rect">
+            <a:avLst/>
+          </a:prstGeom>
+        </p:spPr>
+      </p:pic>
+    </p:spTree>
+    <p:extLst>
+      <p:ext uri="{BB962C8B-B14F-4D97-AF65-F5344CB8AC3E}">
+        <p14:creationId xmlns:p14="http://schemas.microsoft.com/office/powerpoint/2010/main" val="1836715825"/>
+      </p:ext>
+    </p:extLst>
+  </p:cSld>
+  <p:clrMapOvr>
+    <a:masterClrMapping/>
+  </p:clrMapOvr>
+</p:sld>
+</file>
+
+<file path=ppt/slides/slide7.xml><?xml version="1.0" encoding="utf-8"?>
+<p:sld xmlns:a="http://schemas.openxmlformats.org/drawingml/2006/main" xmlns:r="http://schemas.openxmlformats.org/officeDocument/2006/relationships" xmlns:p="http://schemas.openxmlformats.org/presentationml/2006/main">
+  <p:cSld>
+    <p:spTree>
+      <p:nvGrpSpPr>
+        <p:cNvPr id="1" name=""/>
+        <p:cNvGrpSpPr/>
+        <p:nvPr/>
+      </p:nvGrpSpPr>
+      <p:grpSpPr>
+        <a:xfrm>
+          <a:off x="0" y="0"/>
+          <a:ext cx="0" cy="0"/>
+          <a:chOff x="0" y="0"/>
+          <a:chExt cx="0" cy="0"/>
+        </a:xfrm>
+      </p:grpSpPr>
+      <p:sp>
+        <p:nvSpPr>
+          <p:cNvPr id="2" name="Title 1">
+            <a:extLst>
+              <a:ext uri="{FF2B5EF4-FFF2-40B4-BE49-F238E27FC236}">
+                <a16:creationId xmlns:a16="http://schemas.microsoft.com/office/drawing/2014/main" id="{607C6256-A095-47F9-995E-01C51DB26225}"/>
+              </a:ext>
+            </a:extLst>
+          </p:cNvPr>
+          <p:cNvSpPr>
+            <a:spLocks noGrp="1"/>
+          </p:cNvSpPr>
+          <p:nvPr>
+            <p:ph type="title"/>
+          </p:nvPr>
+        </p:nvSpPr>
+        <p:spPr/>
+        <p:txBody>
+          <a:bodyPr/>
+          <a:lstStyle/>
+          <a:p>
+            <a:r>
+              <a:rPr lang="en-CA" dirty="0"/>
+              <a:t>User Interface:</a:t>
+            </a:r>
+          </a:p>
+        </p:txBody>
+      </p:sp>
+      <p:sp>
+        <p:nvSpPr>
+          <p:cNvPr id="3" name="Content Placeholder 2">
+            <a:extLst>
+              <a:ext uri="{FF2B5EF4-FFF2-40B4-BE49-F238E27FC236}">
+                <a16:creationId xmlns:a16="http://schemas.microsoft.com/office/drawing/2014/main" id="{A3ECAFB8-092E-473D-B9AE-4C2BD30121A6}"/>
+              </a:ext>
+            </a:extLst>
+          </p:cNvPr>
+          <p:cNvSpPr>
+            <a:spLocks noGrp="1"/>
+          </p:cNvSpPr>
+          <p:nvPr>
+            <p:ph idx="1"/>
+          </p:nvPr>
+        </p:nvSpPr>
+        <p:spPr>
+          <a:xfrm>
+            <a:off x="249005" y="1853248"/>
+            <a:ext cx="8946541" cy="4195481"/>
+          </a:xfrm>
+        </p:spPr>
+        <p:txBody>
+          <a:bodyPr/>
+          <a:lstStyle/>
+          <a:p>
+            <a:r>
+              <a:rPr lang="en-CA" dirty="0"/>
+              <a:t>Navigation: User will be able to decide where they wish to proceed next. They have the option between World Data, to see each affected countries, the states(USA) and also be able to use settings and eventually send us Feedback to improve or fix bugs in our application. </a:t>
+            </a:r>
+          </a:p>
+        </p:txBody>
+      </p:sp>
+      <p:pic>
+        <p:nvPicPr>
+          <p:cNvPr id="4" name="Picture 3">
+            <a:extLst>
+              <a:ext uri="{FF2B5EF4-FFF2-40B4-BE49-F238E27FC236}">
+                <a16:creationId xmlns:a16="http://schemas.microsoft.com/office/drawing/2014/main" id="{57A3125C-ADAD-4B49-A342-0F9152BC9547}"/>
+              </a:ext>
+            </a:extLst>
+          </p:cNvPr>
+          <p:cNvPicPr>
+            <a:picLocks noChangeAspect="1"/>
+          </p:cNvPicPr>
+          <p:nvPr/>
+        </p:nvPicPr>
+        <p:blipFill>
+          <a:blip r:embed="rId2"/>
+          <a:stretch>
+            <a:fillRect/>
+          </a:stretch>
+        </p:blipFill>
+        <p:spPr>
+          <a:xfrm>
+            <a:off x="9195546" y="1134980"/>
+            <a:ext cx="2760545" cy="5287910"/>
+          </a:xfrm>
+          <a:prstGeom prst="rect">
+            <a:avLst/>
+          </a:prstGeom>
+        </p:spPr>
+      </p:pic>
+    </p:spTree>
+    <p:extLst>
+      <p:ext uri="{BB962C8B-B14F-4D97-AF65-F5344CB8AC3E}">
+        <p14:creationId xmlns:p14="http://schemas.microsoft.com/office/powerpoint/2010/main" val="4239534179"/>
       </p:ext>
     </p:extLst>
   </p:cSld>
@@ -7463,7 +7678,7 @@
           <p:cNvPr id="2" name="Title 1">
             <a:extLst>
               <a:ext uri="{FF2B5EF4-FFF2-40B4-BE49-F238E27FC236}">
-                <a16:creationId xmlns:a16="http://schemas.microsoft.com/office/drawing/2014/main" id="{5D980BD3-FFA1-484C-A0AF-FA506A822536}"/>
+                <a16:creationId xmlns:a16="http://schemas.microsoft.com/office/drawing/2014/main" id="{2B85D73E-BF50-44D1-B22A-215859733B6E}"/>
               </a:ext>
             </a:extLst>
           </p:cNvPr>
@@ -7476,8 +7691,8 @@
         </p:nvSpPr>
         <p:spPr>
           <a:xfrm>
-            <a:off x="635459" y="4673250"/>
-            <a:ext cx="9164206" cy="831400"/>
+            <a:off x="646111" y="452718"/>
+            <a:ext cx="9404723" cy="1400530"/>
           </a:xfrm>
         </p:spPr>
         <p:txBody>
@@ -7487,8 +7702,60 @@
           <a:lstStyle/>
           <a:p>
             <a:r>
-              <a:rPr lang="en-CA" sz="4000" dirty="0"/>
+              <a:rPr lang="en-CA"/>
               <a:t>User Interface:</a:t>
+            </a:r>
+            <a:endParaRPr lang="en-CA" dirty="0"/>
+          </a:p>
+        </p:txBody>
+      </p:sp>
+      <p:sp>
+        <p:nvSpPr>
+          <p:cNvPr id="3" name="Content Placeholder 2">
+            <a:extLst>
+              <a:ext uri="{FF2B5EF4-FFF2-40B4-BE49-F238E27FC236}">
+                <a16:creationId xmlns:a16="http://schemas.microsoft.com/office/drawing/2014/main" id="{29E41508-E873-4B6A-9D1C-67EA964A525F}"/>
+              </a:ext>
+            </a:extLst>
+          </p:cNvPr>
+          <p:cNvSpPr>
+            <a:spLocks noGrp="1"/>
+          </p:cNvSpPr>
+          <p:nvPr>
+            <p:ph idx="1"/>
+          </p:nvPr>
+        </p:nvSpPr>
+        <p:spPr>
+          <a:xfrm>
+            <a:off x="1103313" y="2052918"/>
+            <a:ext cx="3300836" cy="4195481"/>
+          </a:xfrm>
+        </p:spPr>
+        <p:txBody>
+          <a:bodyPr>
+            <a:normAutofit/>
+          </a:bodyPr>
+          <a:lstStyle/>
+          <a:p>
+            <a:pPr>
+              <a:lnSpc>
+                <a:spcPct val="90000"/>
+              </a:lnSpc>
+            </a:pPr>
+            <a:r>
+              <a:rPr lang="en-CA"/>
+              <a:t>Your Country Screen: On this screen individual live data will be displayed for the selected countries worldwide.</a:t>
+            </a:r>
+          </a:p>
+          <a:p>
+            <a:pPr>
+              <a:lnSpc>
+                <a:spcPct val="90000"/>
+              </a:lnSpc>
+            </a:pPr>
+            <a:r>
+              <a:rPr lang="en-CA"/>
+              <a:t>By pressing on the drop down the list of all the countries will be displayed in alphabetical order for the user to choose the country they wish to see the data</a:t>
             </a:r>
           </a:p>
         </p:txBody>
@@ -7498,7 +7765,7 @@
           <p:cNvPr id="5" name="Picture 4">
             <a:extLst>
               <a:ext uri="{FF2B5EF4-FFF2-40B4-BE49-F238E27FC236}">
-                <a16:creationId xmlns:a16="http://schemas.microsoft.com/office/drawing/2014/main" id="{246F019A-08E2-4875-AFD1-CC2C608EEDB0}"/>
+                <a16:creationId xmlns:a16="http://schemas.microsoft.com/office/drawing/2014/main" id="{622605DF-8705-4141-8421-25ED67D2B9D5}"/>
               </a:ext>
             </a:extLst>
           </p:cNvPr>
@@ -7507,16 +7774,15 @@
           </p:cNvPicPr>
           <p:nvPr/>
         </p:nvPicPr>
-        <p:blipFill>
+        <p:blipFill rotWithShape="1">
           <a:blip r:embed="rId3"/>
-          <a:stretch>
-            <a:fillRect/>
-          </a:stretch>
+          <a:srcRect r="-3" b="6225"/>
+          <a:stretch/>
         </p:blipFill>
         <p:spPr>
           <a:xfrm>
-            <a:off x="4404802" y="599808"/>
-            <a:ext cx="2159583" cy="4036604"/>
+            <a:off x="5348472" y="1645085"/>
+            <a:ext cx="2675431" cy="4603314"/>
           </a:xfrm>
           <a:prstGeom prst="rect">
             <a:avLst/>
@@ -7532,10 +7798,10 @@
       </p:pic>
       <p:pic>
         <p:nvPicPr>
-          <p:cNvPr id="4" name="Picture 3">
+          <p:cNvPr id="6" name="Picture 5">
             <a:extLst>
               <a:ext uri="{FF2B5EF4-FFF2-40B4-BE49-F238E27FC236}">
-                <a16:creationId xmlns:a16="http://schemas.microsoft.com/office/drawing/2014/main" id="{AFC278E6-3061-4F9F-9054-A1DD9A0F0A9E}"/>
+                <a16:creationId xmlns:a16="http://schemas.microsoft.com/office/drawing/2014/main" id="{59BA4DA5-ECBF-4D58-9393-134C070CCD57}"/>
               </a:ext>
             </a:extLst>
           </p:cNvPr>
@@ -7544,16 +7810,15 @@
           </p:cNvPicPr>
           <p:nvPr/>
         </p:nvPicPr>
-        <p:blipFill>
+        <p:blipFill rotWithShape="1">
           <a:blip r:embed="rId4"/>
-          <a:stretch>
-            <a:fillRect/>
-          </a:stretch>
+          <a:srcRect r="-2" b="10712"/>
+          <a:stretch/>
         </p:blipFill>
         <p:spPr>
           <a:xfrm>
-            <a:off x="1502987" y="609194"/>
-            <a:ext cx="2159584" cy="4017832"/>
+            <a:off x="8353252" y="1645086"/>
+            <a:ext cx="2680950" cy="4603313"/>
           </a:xfrm>
           <a:prstGeom prst="rect">
             <a:avLst/>
@@ -7567,88 +7832,10 @@
           </a:effectLst>
         </p:spPr>
       </p:pic>
-      <p:pic>
-        <p:nvPicPr>
-          <p:cNvPr id="6" name="Picture 5">
-            <a:extLst>
-              <a:ext uri="{FF2B5EF4-FFF2-40B4-BE49-F238E27FC236}">
-                <a16:creationId xmlns:a16="http://schemas.microsoft.com/office/drawing/2014/main" id="{24AF1F6F-D4E2-45F0-94AA-95E8D15189BF}"/>
-              </a:ext>
-            </a:extLst>
-          </p:cNvPr>
-          <p:cNvPicPr>
-            <a:picLocks noChangeAspect="1"/>
-          </p:cNvPicPr>
-          <p:nvPr/>
-        </p:nvPicPr>
-        <p:blipFill>
-          <a:blip r:embed="rId5"/>
-          <a:stretch>
-            <a:fillRect/>
-          </a:stretch>
-        </p:blipFill>
-        <p:spPr>
-          <a:xfrm>
-            <a:off x="7449637" y="637032"/>
-            <a:ext cx="2159584" cy="3962541"/>
-          </a:xfrm>
-          <a:prstGeom prst="rect">
-            <a:avLst/>
-          </a:prstGeom>
-          <a:effectLst>
-            <a:outerShdw blurRad="50800" dist="38100" dir="5400000" algn="t" rotWithShape="0">
-              <a:prstClr val="black">
-                <a:alpha val="43000"/>
-              </a:prstClr>
-            </a:outerShdw>
-          </a:effectLst>
-        </p:spPr>
-      </p:pic>
-      <p:sp>
-        <p:nvSpPr>
-          <p:cNvPr id="3" name="Content Placeholder 2">
-            <a:extLst>
-              <a:ext uri="{FF2B5EF4-FFF2-40B4-BE49-F238E27FC236}">
-                <a16:creationId xmlns:a16="http://schemas.microsoft.com/office/drawing/2014/main" id="{DBE00B3F-DD47-413B-9B24-293728E3CFF5}"/>
-              </a:ext>
-            </a:extLst>
-          </p:cNvPr>
-          <p:cNvSpPr>
-            <a:spLocks noGrp="1"/>
-          </p:cNvSpPr>
-          <p:nvPr>
-            <p:ph idx="1"/>
-          </p:nvPr>
-        </p:nvSpPr>
-        <p:spPr>
-          <a:xfrm>
-            <a:off x="635459" y="5467746"/>
-            <a:ext cx="9164206" cy="1316931"/>
-          </a:xfrm>
-        </p:spPr>
-        <p:txBody>
-          <a:bodyPr>
-            <a:normAutofit/>
-          </a:bodyPr>
-          <a:lstStyle/>
-          <a:p>
-            <a:r>
-              <a:rPr lang="en-CA" sz="1800" dirty="0"/>
-              <a:t>Settings Screen: On this screen user will be able to save their signature for their email and set their reply action if it is either reply to only on or reply to all.</a:t>
-            </a:r>
-          </a:p>
-          <a:p>
-            <a:r>
-              <a:rPr lang="en-CA" sz="1800" dirty="0"/>
-              <a:t>User’s preferences will be saved even if the application is closed or cleared.</a:t>
-            </a:r>
-          </a:p>
-        </p:txBody>
-      </p:sp>
     </p:spTree>
     <p:extLst>
       <p:ext uri="{BB962C8B-B14F-4D97-AF65-F5344CB8AC3E}">
-        <p14:creationId xmlns:p14="http://schemas.microsoft.com/office/powerpoint/2010/main" val="1584328907"/>
+        <p14:creationId xmlns:p14="http://schemas.microsoft.com/office/powerpoint/2010/main" val="1790352120"/>
       </p:ext>
     </p:extLst>
   </p:cSld>
@@ -7704,7 +7891,7 @@
           <p:cNvPr id="2" name="Title 1">
             <a:extLst>
               <a:ext uri="{FF2B5EF4-FFF2-40B4-BE49-F238E27FC236}">
-                <a16:creationId xmlns:a16="http://schemas.microsoft.com/office/drawing/2014/main" id="{A35FB1DE-5BA4-4161-8D15-3164508D44FA}"/>
+                <a16:creationId xmlns:a16="http://schemas.microsoft.com/office/drawing/2014/main" id="{5D980BD3-FFA1-484C-A0AF-FA506A822536}"/>
               </a:ext>
             </a:extLst>
           </p:cNvPr>
@@ -7717,8 +7904,8 @@
         </p:nvSpPr>
         <p:spPr>
           <a:xfrm>
-            <a:off x="646111" y="609601"/>
-            <a:ext cx="3325731" cy="1675975"/>
+            <a:off x="635459" y="4673250"/>
+            <a:ext cx="9164206" cy="831400"/>
           </a:xfrm>
         </p:spPr>
         <p:txBody>
@@ -7728,19 +7915,18 @@
           <a:lstStyle/>
           <a:p>
             <a:r>
-              <a:rPr lang="en-CA"/>
-              <a:t>User Interface</a:t>
-            </a:r>
-            <a:endParaRPr lang="en-CA" dirty="0"/>
+              <a:rPr lang="en-CA" sz="4000" dirty="0"/>
+              <a:t>User Interface:</a:t>
+            </a:r>
           </a:p>
         </p:txBody>
       </p:sp>
       <p:pic>
         <p:nvPicPr>
-          <p:cNvPr id="4" name="Picture 3">
+          <p:cNvPr id="5" name="Picture 4">
             <a:extLst>
               <a:ext uri="{FF2B5EF4-FFF2-40B4-BE49-F238E27FC236}">
-                <a16:creationId xmlns:a16="http://schemas.microsoft.com/office/drawing/2014/main" id="{436EDADF-60C6-43B5-80E4-E35ABDA4870A}"/>
+                <a16:creationId xmlns:a16="http://schemas.microsoft.com/office/drawing/2014/main" id="{246F019A-08E2-4875-AFD1-CC2C608EEDB0}"/>
               </a:ext>
             </a:extLst>
           </p:cNvPr>
@@ -7749,15 +7935,16 @@
           </p:cNvPicPr>
           <p:nvPr/>
         </p:nvPicPr>
-        <p:blipFill rotWithShape="1">
+        <p:blipFill>
           <a:blip r:embed="rId3"/>
-          <a:srcRect r="3" b="10682"/>
-          <a:stretch/>
+          <a:stretch>
+            <a:fillRect/>
+          </a:stretch>
         </p:blipFill>
         <p:spPr>
           <a:xfrm>
-            <a:off x="4613644" y="609368"/>
-            <a:ext cx="3409037" cy="5638797"/>
+            <a:off x="4404802" y="599808"/>
+            <a:ext cx="2159583" cy="4036604"/>
           </a:xfrm>
           <a:prstGeom prst="rect">
             <a:avLst/>
@@ -7773,10 +7960,10 @@
       </p:pic>
       <p:pic>
         <p:nvPicPr>
-          <p:cNvPr id="5" name="Picture 4">
+          <p:cNvPr id="4" name="Picture 3">
             <a:extLst>
               <a:ext uri="{FF2B5EF4-FFF2-40B4-BE49-F238E27FC236}">
-                <a16:creationId xmlns:a16="http://schemas.microsoft.com/office/drawing/2014/main" id="{15A0B1C0-C5A4-400F-9C4D-546CB31362C5}"/>
+                <a16:creationId xmlns:a16="http://schemas.microsoft.com/office/drawing/2014/main" id="{AFC278E6-3061-4F9F-9054-A1DD9A0F0A9E}"/>
               </a:ext>
             </a:extLst>
           </p:cNvPr>
@@ -7785,15 +7972,16 @@
           </p:cNvPicPr>
           <p:nvPr/>
         </p:nvPicPr>
-        <p:blipFill rotWithShape="1">
+        <p:blipFill>
           <a:blip r:embed="rId4"/>
-          <a:srcRect t="4906" b="6601"/>
-          <a:stretch/>
+          <a:stretch>
+            <a:fillRect/>
+          </a:stretch>
         </p:blipFill>
         <p:spPr>
           <a:xfrm>
-            <a:off x="8135262" y="609601"/>
-            <a:ext cx="3409037" cy="5638797"/>
+            <a:off x="1502987" y="609194"/>
+            <a:ext cx="2159584" cy="4017832"/>
           </a:xfrm>
           <a:prstGeom prst="rect">
             <a:avLst/>
@@ -7807,65 +7995,49 @@
           </a:effectLst>
         </p:spPr>
       </p:pic>
-      <p:sp>
-        <p:nvSpPr>
-          <p:cNvPr id="22" name="Rectangle 21">
+      <p:pic>
+        <p:nvPicPr>
+          <p:cNvPr id="6" name="Picture 5">
             <a:extLst>
               <a:ext uri="{FF2B5EF4-FFF2-40B4-BE49-F238E27FC236}">
-                <a16:creationId xmlns:a16="http://schemas.microsoft.com/office/drawing/2014/main" id="{B54E2689-26D4-44B0-9175-57BD88CF2849}"/>
-              </a:ext>
-              <a:ext uri="{C183D7F6-B498-43B3-948B-1728B52AA6E4}">
-                <adec:decorative xmlns:adec="http://schemas.microsoft.com/office/drawing/2017/decorative" val="1"/>
+                <a16:creationId xmlns:a16="http://schemas.microsoft.com/office/drawing/2014/main" id="{24AF1F6F-D4E2-45F0-94AA-95E8D15189BF}"/>
               </a:ext>
             </a:extLst>
           </p:cNvPr>
-          <p:cNvSpPr>
-            <a:spLocks noGrp="1" noRot="1" noChangeAspect="1" noMove="1" noResize="1" noEditPoints="1" noAdjustHandles="1" noChangeArrowheads="1" noChangeShapeType="1" noTextEdit="1"/>
-          </p:cNvSpPr>
-          <p:nvPr>
-            <p:extLst>
-              <p:ext uri="{386F3935-93C4-4BCD-93E2-E3B085C9AB24}">
-                <p16:designElem xmlns:p16="http://schemas.microsoft.com/office/powerpoint/2015/main" val="1"/>
-              </p:ext>
-            </p:extLst>
-          </p:nvPr>
-        </p:nvSpPr>
-        <p:spPr>
-          <a:xfrm>
-            <a:off x="10437812" y="0"/>
-            <a:ext cx="685800" cy="1143000"/>
+          <p:cNvPicPr>
+            <a:picLocks noChangeAspect="1"/>
+          </p:cNvPicPr>
+          <p:nvPr/>
+        </p:nvPicPr>
+        <p:blipFill>
+          <a:blip r:embed="rId5"/>
+          <a:stretch>
+            <a:fillRect/>
+          </a:stretch>
+        </p:blipFill>
+        <p:spPr>
+          <a:xfrm>
+            <a:off x="7449637" y="637032"/>
+            <a:ext cx="2159584" cy="3962541"/>
           </a:xfrm>
           <a:prstGeom prst="rect">
             <a:avLst/>
           </a:prstGeom>
-          <a:solidFill>
-            <a:schemeClr val="accent1"/>
-          </a:solidFill>
-          <a:ln>
-            <a:noFill/>
-          </a:ln>
-        </p:spPr>
-        <p:style>
-          <a:lnRef idx="1">
-            <a:schemeClr val="accent1"/>
-          </a:lnRef>
-          <a:fillRef idx="3">
-            <a:schemeClr val="accent1"/>
-          </a:fillRef>
-          <a:effectRef idx="2">
-            <a:schemeClr val="accent1"/>
-          </a:effectRef>
-          <a:fontRef idx="minor">
-            <a:schemeClr val="lt1"/>
-          </a:fontRef>
-        </p:style>
-      </p:sp>
+          <a:effectLst>
+            <a:outerShdw blurRad="50800" dist="38100" dir="5400000" algn="t" rotWithShape="0">
+              <a:prstClr val="black">
+                <a:alpha val="43000"/>
+              </a:prstClr>
+            </a:outerShdw>
+          </a:effectLst>
+        </p:spPr>
+      </p:pic>
       <p:sp>
         <p:nvSpPr>
           <p:cNvPr id="3" name="Content Placeholder 2">
             <a:extLst>
               <a:ext uri="{FF2B5EF4-FFF2-40B4-BE49-F238E27FC236}">
-                <a16:creationId xmlns:a16="http://schemas.microsoft.com/office/drawing/2014/main" id="{DF03FB74-BB9D-4684-BA94-0AB2D265D520}"/>
+                <a16:creationId xmlns:a16="http://schemas.microsoft.com/office/drawing/2014/main" id="{DBE00B3F-DD47-413B-9B24-293728E3CFF5}"/>
               </a:ext>
             </a:extLst>
           </p:cNvPr>
@@ -7878,45 +8050,33 @@
         </p:nvSpPr>
         <p:spPr>
           <a:xfrm>
-            <a:off x="642176" y="2484544"/>
-            <a:ext cx="3329666" cy="3763855"/>
+            <a:off x="635459" y="5467746"/>
+            <a:ext cx="9164206" cy="1316931"/>
           </a:xfrm>
         </p:spPr>
         <p:txBody>
           <a:bodyPr>
-            <a:normAutofit fontScale="92500" lnSpcReduction="20000"/>
+            <a:normAutofit/>
           </a:bodyPr>
           <a:lstStyle/>
           <a:p>
-            <a:pPr>
-              <a:lnSpc>
-                <a:spcPct val="90000"/>
-              </a:lnSpc>
-            </a:pPr>
-            <a:r>
-              <a:rPr lang="en-CA" sz="1700" dirty="0"/>
-              <a:t>Send </a:t>
-            </a:r>
-            <a:r>
-              <a:rPr lang="en-CA" sz="1700" dirty="0" err="1"/>
-              <a:t>FeedBack</a:t>
-            </a:r>
-            <a:r>
-              <a:rPr lang="en-CA" sz="1700" dirty="0"/>
-              <a:t> Screen: On this screen user will be able to type in any requests about the issues they encountered and improvements they wish to see in our application. Once user filled in the fields and press on submit they will be directed to their email application to review the email and send it to us. User will be asked permission to access some data from their that went wrong or caused an issue before submitting the feedback. After the user agrees it will open their default set Email application to send us their feedback </a:t>
-            </a:r>
-            <a:r>
-              <a:rPr lang="en-CA" sz="1700"/>
-              <a:t>via Email.</a:t>
-            </a:r>
-            <a:endParaRPr lang="en-CA" sz="1700" dirty="0"/>
+            <a:r>
+              <a:rPr lang="en-CA" sz="1800" dirty="0"/>
+              <a:t>Settings Screen: On this screen user will be able to save their signature for their email and set their reply action if it is either reply to only on or reply to all.</a:t>
+            </a:r>
+          </a:p>
+          <a:p>
+            <a:r>
+              <a:rPr lang="en-CA" sz="1800" dirty="0"/>
+              <a:t>User’s preferences will be saved even if the application is closed or cleared.</a:t>
+            </a:r>
           </a:p>
         </p:txBody>
       </p:sp>
     </p:spTree>
     <p:extLst>
       <p:ext uri="{BB962C8B-B14F-4D97-AF65-F5344CB8AC3E}">
-        <p14:creationId xmlns:p14="http://schemas.microsoft.com/office/powerpoint/2010/main" val="3756990754"/>
+        <p14:creationId xmlns:p14="http://schemas.microsoft.com/office/powerpoint/2010/main" val="1584328907"/>
       </p:ext>
     </p:extLst>
   </p:cSld>

--- a/Final Presentation.pptx
+++ b/Final Presentation.pptx
@@ -16,6 +16,7 @@
     <p:sldId id="265" r:id="rId10"/>
     <p:sldId id="266" r:id="rId11"/>
     <p:sldId id="267" r:id="rId12"/>
+    <p:sldId id="269" r:id="rId13"/>
   </p:sldIdLst>
   <p:sldSz cx="12192000" cy="6858000"/>
   <p:notesSz cx="6858000" cy="9144000"/>
@@ -308,7 +309,7 @@
           <a:p>
             <a:fld id="{09269806-7F87-4C76-B288-F90ED5BB92A3}" type="datetimeFigureOut">
               <a:rPr lang="en-CA" smtClean="0"/>
-              <a:t>12/05/2020</a:t>
+              <a:t>12/08/2020</a:t>
             </a:fld>
             <a:endParaRPr lang="en-CA"/>
           </a:p>
@@ -583,7 +584,7 @@
           <a:p>
             <a:fld id="{09269806-7F87-4C76-B288-F90ED5BB92A3}" type="datetimeFigureOut">
               <a:rPr lang="en-CA" smtClean="0"/>
-              <a:t>12/05/2020</a:t>
+              <a:t>12/08/2020</a:t>
             </a:fld>
             <a:endParaRPr lang="en-CA"/>
           </a:p>
@@ -777,7 +778,7 @@
           <a:p>
             <a:fld id="{09269806-7F87-4C76-B288-F90ED5BB92A3}" type="datetimeFigureOut">
               <a:rPr lang="en-CA" smtClean="0"/>
-              <a:t>12/05/2020</a:t>
+              <a:t>12/08/2020</a:t>
             </a:fld>
             <a:endParaRPr lang="en-CA"/>
           </a:p>
@@ -1050,7 +1051,7 @@
           <a:p>
             <a:fld id="{09269806-7F87-4C76-B288-F90ED5BB92A3}" type="datetimeFigureOut">
               <a:rPr lang="en-CA" smtClean="0"/>
-              <a:t>12/05/2020</a:t>
+              <a:t>12/08/2020</a:t>
             </a:fld>
             <a:endParaRPr lang="en-CA"/>
           </a:p>
@@ -1391,7 +1392,7 @@
           <a:p>
             <a:fld id="{09269806-7F87-4C76-B288-F90ED5BB92A3}" type="datetimeFigureOut">
               <a:rPr lang="en-CA" smtClean="0"/>
-              <a:t>12/05/2020</a:t>
+              <a:t>12/08/2020</a:t>
             </a:fld>
             <a:endParaRPr lang="en-CA"/>
           </a:p>
@@ -2014,7 +2015,7 @@
           <a:p>
             <a:fld id="{09269806-7F87-4C76-B288-F90ED5BB92A3}" type="datetimeFigureOut">
               <a:rPr lang="en-CA" smtClean="0"/>
-              <a:t>12/05/2020</a:t>
+              <a:t>12/08/2020</a:t>
             </a:fld>
             <a:endParaRPr lang="en-CA"/>
           </a:p>
@@ -2874,7 +2875,7 @@
           <a:p>
             <a:fld id="{09269806-7F87-4C76-B288-F90ED5BB92A3}" type="datetimeFigureOut">
               <a:rPr lang="en-CA" smtClean="0"/>
-              <a:t>12/05/2020</a:t>
+              <a:t>12/08/2020</a:t>
             </a:fld>
             <a:endParaRPr lang="en-CA"/>
           </a:p>
@@ -3044,7 +3045,7 @@
           <a:p>
             <a:fld id="{09269806-7F87-4C76-B288-F90ED5BB92A3}" type="datetimeFigureOut">
               <a:rPr lang="en-CA" smtClean="0"/>
-              <a:t>12/05/2020</a:t>
+              <a:t>12/08/2020</a:t>
             </a:fld>
             <a:endParaRPr lang="en-CA"/>
           </a:p>
@@ -3224,7 +3225,7 @@
           <a:p>
             <a:fld id="{09269806-7F87-4C76-B288-F90ED5BB92A3}" type="datetimeFigureOut">
               <a:rPr lang="en-CA" smtClean="0"/>
-              <a:t>12/05/2020</a:t>
+              <a:t>12/08/2020</a:t>
             </a:fld>
             <a:endParaRPr lang="en-CA"/>
           </a:p>
@@ -3394,7 +3395,7 @@
           <a:p>
             <a:fld id="{09269806-7F87-4C76-B288-F90ED5BB92A3}" type="datetimeFigureOut">
               <a:rPr lang="en-CA" smtClean="0"/>
-              <a:t>12/05/2020</a:t>
+              <a:t>12/08/2020</a:t>
             </a:fld>
             <a:endParaRPr lang="en-CA"/>
           </a:p>
@@ -3641,7 +3642,7 @@
           <a:p>
             <a:fld id="{09269806-7F87-4C76-B288-F90ED5BB92A3}" type="datetimeFigureOut">
               <a:rPr lang="en-CA" smtClean="0"/>
-              <a:t>12/05/2020</a:t>
+              <a:t>12/08/2020</a:t>
             </a:fld>
             <a:endParaRPr lang="en-CA"/>
           </a:p>
@@ -3933,7 +3934,7 @@
           <a:p>
             <a:fld id="{09269806-7F87-4C76-B288-F90ED5BB92A3}" type="datetimeFigureOut">
               <a:rPr lang="en-CA" smtClean="0"/>
-              <a:t>12/05/2020</a:t>
+              <a:t>12/08/2020</a:t>
             </a:fld>
             <a:endParaRPr lang="en-CA"/>
           </a:p>
@@ -4377,7 +4378,7 @@
           <a:p>
             <a:fld id="{09269806-7F87-4C76-B288-F90ED5BB92A3}" type="datetimeFigureOut">
               <a:rPr lang="en-CA" smtClean="0"/>
-              <a:t>12/05/2020</a:t>
+              <a:t>12/08/2020</a:t>
             </a:fld>
             <a:endParaRPr lang="en-CA"/>
           </a:p>
@@ -4495,7 +4496,7 @@
           <a:p>
             <a:fld id="{09269806-7F87-4C76-B288-F90ED5BB92A3}" type="datetimeFigureOut">
               <a:rPr lang="en-CA" smtClean="0"/>
-              <a:t>12/05/2020</a:t>
+              <a:t>12/08/2020</a:t>
             </a:fld>
             <a:endParaRPr lang="en-CA"/>
           </a:p>
@@ -4590,7 +4591,7 @@
           <a:p>
             <a:fld id="{09269806-7F87-4C76-B288-F90ED5BB92A3}" type="datetimeFigureOut">
               <a:rPr lang="en-CA" smtClean="0"/>
-              <a:t>12/05/2020</a:t>
+              <a:t>12/08/2020</a:t>
             </a:fld>
             <a:endParaRPr lang="en-CA"/>
           </a:p>
@@ -4869,7 +4870,7 @@
           <a:p>
             <a:fld id="{09269806-7F87-4C76-B288-F90ED5BB92A3}" type="datetimeFigureOut">
               <a:rPr lang="en-CA" smtClean="0"/>
-              <a:t>12/05/2020</a:t>
+              <a:t>12/08/2020</a:t>
             </a:fld>
             <a:endParaRPr lang="en-CA"/>
           </a:p>
@@ -5144,7 +5145,7 @@
           <a:p>
             <a:fld id="{09269806-7F87-4C76-B288-F90ED5BB92A3}" type="datetimeFigureOut">
               <a:rPr lang="en-CA" smtClean="0"/>
-              <a:t>12/05/2020</a:t>
+              <a:t>12/08/2020</a:t>
             </a:fld>
             <a:endParaRPr lang="en-CA"/>
           </a:p>
@@ -5573,7 +5574,7 @@
           <a:p>
             <a:fld id="{09269806-7F87-4C76-B288-F90ED5BB92A3}" type="datetimeFigureOut">
               <a:rPr lang="en-CA" smtClean="0"/>
-              <a:t>12/05/2020</a:t>
+              <a:t>12/08/2020</a:t>
             </a:fld>
             <a:endParaRPr lang="en-CA"/>
           </a:p>
@@ -6803,11 +6804,7 @@
           <a:p>
             <a:r>
               <a:rPr lang="en-CA" dirty="0"/>
-              <a:t>Each time the live data is pulled from the APIs, it will be store in a table and updated each time the user refreshed </a:t>
-            </a:r>
-            <a:r>
-              <a:rPr lang="en-CA"/>
-              <a:t>the application.</a:t>
+              <a:t>Each time the live data is pulled from the APIs, it will be stored in a table and updated each time the user refreshed the application.</a:t>
             </a:r>
           </a:p>
         </p:txBody>
@@ -6816,6 +6813,169 @@
     <p:extLst>
       <p:ext uri="{BB962C8B-B14F-4D97-AF65-F5344CB8AC3E}">
         <p14:creationId xmlns:p14="http://schemas.microsoft.com/office/powerpoint/2010/main" val="4264610213"/>
+      </p:ext>
+    </p:extLst>
+  </p:cSld>
+  <p:clrMapOvr>
+    <a:masterClrMapping/>
+  </p:clrMapOvr>
+</p:sld>
+</file>
+
+<file path=ppt/slides/slide12.xml><?xml version="1.0" encoding="utf-8"?>
+<p:sld xmlns:a="http://schemas.openxmlformats.org/drawingml/2006/main" xmlns:r="http://schemas.openxmlformats.org/officeDocument/2006/relationships" xmlns:p="http://schemas.openxmlformats.org/presentationml/2006/main">
+  <p:cSld>
+    <p:bg>
+      <p:bgPr>
+        <a:blipFill rotWithShape="1">
+          <a:blip r:embed="rId2">
+            <a:duotone>
+              <a:schemeClr val="bg2">
+                <a:shade val="69000"/>
+                <a:hueMod val="108000"/>
+                <a:satMod val="164000"/>
+                <a:lumMod val="74000"/>
+              </a:schemeClr>
+              <a:schemeClr val="bg2">
+                <a:tint val="96000"/>
+                <a:hueMod val="88000"/>
+                <a:satMod val="140000"/>
+                <a:lumMod val="132000"/>
+              </a:schemeClr>
+            </a:duotone>
+          </a:blip>
+          <a:stretch/>
+        </a:blipFill>
+        <a:effectLst/>
+      </p:bgPr>
+    </p:bg>
+    <p:spTree>
+      <p:nvGrpSpPr>
+        <p:cNvPr id="1" name=""/>
+        <p:cNvGrpSpPr/>
+        <p:nvPr/>
+      </p:nvGrpSpPr>
+      <p:grpSpPr>
+        <a:xfrm>
+          <a:off x="0" y="0"/>
+          <a:ext cx="0" cy="0"/>
+          <a:chOff x="0" y="0"/>
+          <a:chExt cx="0" cy="0"/>
+        </a:xfrm>
+      </p:grpSpPr>
+      <p:sp>
+        <p:nvSpPr>
+          <p:cNvPr id="2" name="Title 1">
+            <a:extLst>
+              <a:ext uri="{FF2B5EF4-FFF2-40B4-BE49-F238E27FC236}">
+                <a16:creationId xmlns:a16="http://schemas.microsoft.com/office/drawing/2014/main" id="{9BD62A5B-63AA-4BD5-9DAB-E491ED2F8296}"/>
+              </a:ext>
+            </a:extLst>
+          </p:cNvPr>
+          <p:cNvSpPr>
+            <a:spLocks noGrp="1"/>
+          </p:cNvSpPr>
+          <p:nvPr>
+            <p:ph type="title"/>
+          </p:nvPr>
+        </p:nvSpPr>
+        <p:spPr>
+          <a:xfrm>
+            <a:off x="5224006" y="629266"/>
+            <a:ext cx="4985469" cy="1469878"/>
+          </a:xfrm>
+        </p:spPr>
+        <p:txBody>
+          <a:bodyPr>
+            <a:normAutofit/>
+          </a:bodyPr>
+          <a:lstStyle/>
+          <a:p>
+            <a:r>
+              <a:rPr lang="en-CA"/>
+              <a:t>Background Change</a:t>
+            </a:r>
+            <a:endParaRPr lang="en-CA" dirty="0"/>
+          </a:p>
+        </p:txBody>
+      </p:sp>
+      <p:pic>
+        <p:nvPicPr>
+          <p:cNvPr id="4" name="Picture 3" descr="Graphical user interface&#10;&#10;Description automatically generated">
+            <a:extLst>
+              <a:ext uri="{FF2B5EF4-FFF2-40B4-BE49-F238E27FC236}">
+                <a16:creationId xmlns:a16="http://schemas.microsoft.com/office/drawing/2014/main" id="{C1B56D61-28A6-416C-B9B4-C6A8FB6C6BEB}"/>
+              </a:ext>
+            </a:extLst>
+          </p:cNvPr>
+          <p:cNvPicPr>
+            <a:picLocks noChangeAspect="1"/>
+          </p:cNvPicPr>
+          <p:nvPr/>
+        </p:nvPicPr>
+        <p:blipFill>
+          <a:blip r:embed="rId3"/>
+          <a:stretch>
+            <a:fillRect/>
+          </a:stretch>
+        </p:blipFill>
+        <p:spPr>
+          <a:xfrm>
+            <a:off x="1267167" y="691763"/>
+            <a:ext cx="3000583" cy="5556636"/>
+          </a:xfrm>
+          <a:prstGeom prst="rect">
+            <a:avLst/>
+          </a:prstGeom>
+          <a:effectLst>
+            <a:outerShdw blurRad="50800" dist="38100" dir="5400000" algn="t" rotWithShape="0">
+              <a:prstClr val="black">
+                <a:alpha val="43000"/>
+              </a:prstClr>
+            </a:outerShdw>
+          </a:effectLst>
+        </p:spPr>
+      </p:pic>
+      <p:sp>
+        <p:nvSpPr>
+          <p:cNvPr id="3" name="Content Placeholder 2">
+            <a:extLst>
+              <a:ext uri="{FF2B5EF4-FFF2-40B4-BE49-F238E27FC236}">
+                <a16:creationId xmlns:a16="http://schemas.microsoft.com/office/drawing/2014/main" id="{E45A0518-9B46-4EE7-B689-A1129CBE7EA8}"/>
+              </a:ext>
+            </a:extLst>
+          </p:cNvPr>
+          <p:cNvSpPr>
+            <a:spLocks noGrp="1"/>
+          </p:cNvSpPr>
+          <p:nvPr>
+            <p:ph idx="1"/>
+          </p:nvPr>
+        </p:nvSpPr>
+        <p:spPr>
+          <a:xfrm>
+            <a:off x="5224005" y="2337683"/>
+            <a:ext cx="4985470" cy="3910716"/>
+          </a:xfrm>
+        </p:spPr>
+        <p:txBody>
+          <a:bodyPr>
+            <a:normAutofit/>
+          </a:bodyPr>
+          <a:lstStyle/>
+          <a:p>
+            <a:r>
+              <a:rPr lang="en-CA"/>
+              <a:t>User will be able to change the color of the background using the theme button throughout all screens to make it easier for them. (Button will be available on all screens)</a:t>
+            </a:r>
+            <a:endParaRPr lang="en-CA" dirty="0"/>
+          </a:p>
+        </p:txBody>
+      </p:sp>
+    </p:spTree>
+    <p:extLst>
+      <p:ext uri="{BB962C8B-B14F-4D97-AF65-F5344CB8AC3E}">
+        <p14:creationId xmlns:p14="http://schemas.microsoft.com/office/powerpoint/2010/main" val="668883641"/>
       </p:ext>
     </p:extLst>
   </p:cSld>

--- a/Final Presentation.pptx
+++ b/Final Presentation.pptx
@@ -6,17 +6,17 @@
   </p:sldMasterIdLst>
   <p:sldIdLst>
     <p:sldId id="256" r:id="rId2"/>
-    <p:sldId id="259" r:id="rId3"/>
-    <p:sldId id="268" r:id="rId4"/>
+    <p:sldId id="268" r:id="rId3"/>
+    <p:sldId id="259" r:id="rId4"/>
     <p:sldId id="257" r:id="rId5"/>
     <p:sldId id="260" r:id="rId6"/>
     <p:sldId id="261" r:id="rId7"/>
-    <p:sldId id="262" r:id="rId8"/>
-    <p:sldId id="263" r:id="rId9"/>
-    <p:sldId id="265" r:id="rId10"/>
-    <p:sldId id="266" r:id="rId11"/>
-    <p:sldId id="267" r:id="rId12"/>
-    <p:sldId id="269" r:id="rId13"/>
+    <p:sldId id="269" r:id="rId8"/>
+    <p:sldId id="262" r:id="rId9"/>
+    <p:sldId id="263" r:id="rId10"/>
+    <p:sldId id="265" r:id="rId11"/>
+    <p:sldId id="266" r:id="rId12"/>
+    <p:sldId id="267" r:id="rId13"/>
   </p:sldIdLst>
   <p:sldSz cx="12192000" cy="6858000"/>
   <p:notesSz cx="6858000" cy="9144000"/>
@@ -6089,28 +6089,9 @@
 <p:sld xmlns:a="http://schemas.openxmlformats.org/drawingml/2006/main" xmlns:r="http://schemas.openxmlformats.org/officeDocument/2006/relationships" xmlns:p="http://schemas.openxmlformats.org/presentationml/2006/main">
   <p:cSld>
     <p:bg>
-      <p:bgPr>
-        <a:blipFill rotWithShape="1">
-          <a:blip r:embed="rId2">
-            <a:duotone>
-              <a:schemeClr val="bg2">
-                <a:shade val="69000"/>
-                <a:hueMod val="108000"/>
-                <a:satMod val="164000"/>
-                <a:lumMod val="74000"/>
-              </a:schemeClr>
-              <a:schemeClr val="bg2">
-                <a:tint val="96000"/>
-                <a:hueMod val="88000"/>
-                <a:satMod val="140000"/>
-                <a:lumMod val="132000"/>
-              </a:schemeClr>
-            </a:duotone>
-          </a:blip>
-          <a:stretch/>
-        </a:blipFill>
-        <a:effectLst/>
-      </p:bgPr>
+      <p:bgRef idx="1003">
+        <a:schemeClr val="bg2"/>
+      </p:bgRef>
     </p:bg>
     <p:spTree>
       <p:nvGrpSpPr>
@@ -6185,12 +6166,7 @@
             <p:ph type="ctrTitle"/>
           </p:nvPr>
         </p:nvSpPr>
-        <p:spPr>
-          <a:xfrm>
-            <a:off x="1154955" y="1447800"/>
-            <a:ext cx="8825658" cy="3329581"/>
-          </a:xfrm>
-        </p:spPr>
+        <p:spPr/>
         <p:txBody>
           <a:bodyPr>
             <a:normAutofit/>
@@ -6220,12 +6196,7 @@
             <p:ph type="subTitle" idx="1"/>
           </p:nvPr>
         </p:nvSpPr>
-        <p:spPr>
-          <a:xfrm>
-            <a:off x="1154955" y="4777380"/>
-            <a:ext cx="8825658" cy="861420"/>
-          </a:xfrm>
-        </p:spPr>
+        <p:spPr/>
         <p:txBody>
           <a:bodyPr>
             <a:normAutofit/>
@@ -6238,59 +6209,6 @@
             </a:r>
           </a:p>
         </p:txBody>
-      </p:sp>
-      <p:sp>
-        <p:nvSpPr>
-          <p:cNvPr id="9" name="Rectangle 8">
-            <a:extLst>
-              <a:ext uri="{FF2B5EF4-FFF2-40B4-BE49-F238E27FC236}">
-                <a16:creationId xmlns:a16="http://schemas.microsoft.com/office/drawing/2014/main" id="{C885E190-58DD-42DD-A4A8-401E15C92A52}"/>
-              </a:ext>
-              <a:ext uri="{C183D7F6-B498-43B3-948B-1728B52AA6E4}">
-                <adec:decorative xmlns:adec="http://schemas.microsoft.com/office/drawing/2017/decorative" val="1"/>
-              </a:ext>
-            </a:extLst>
-          </p:cNvPr>
-          <p:cNvSpPr>
-            <a:spLocks noGrp="1" noRot="1" noChangeAspect="1" noMove="1" noResize="1" noEditPoints="1" noAdjustHandles="1" noChangeArrowheads="1" noChangeShapeType="1" noTextEdit="1"/>
-          </p:cNvSpPr>
-          <p:nvPr>
-            <p:extLst>
-              <p:ext uri="{386F3935-93C4-4BCD-93E2-E3B085C9AB24}">
-                <p16:designElem xmlns:p16="http://schemas.microsoft.com/office/powerpoint/2015/main" val="1"/>
-              </p:ext>
-            </p:extLst>
-          </p:nvPr>
-        </p:nvSpPr>
-        <p:spPr>
-          <a:xfrm>
-            <a:off x="10437812" y="0"/>
-            <a:ext cx="685800" cy="1143000"/>
-          </a:xfrm>
-          <a:prstGeom prst="rect">
-            <a:avLst/>
-          </a:prstGeom>
-          <a:solidFill>
-            <a:schemeClr val="accent1"/>
-          </a:solidFill>
-          <a:ln>
-            <a:noFill/>
-          </a:ln>
-        </p:spPr>
-        <p:style>
-          <a:lnRef idx="1">
-            <a:schemeClr val="accent1"/>
-          </a:lnRef>
-          <a:fillRef idx="3">
-            <a:schemeClr val="accent1"/>
-          </a:fillRef>
-          <a:effectRef idx="2">
-            <a:schemeClr val="accent1"/>
-          </a:effectRef>
-          <a:fontRef idx="minor">
-            <a:schemeClr val="lt1"/>
-          </a:fontRef>
-        </p:style>
       </p:sp>
     </p:spTree>
     <p:extLst>
@@ -6300,7 +6218,7 @@
     </p:extLst>
   </p:cSld>
   <p:clrMapOvr>
-    <a:masterClrMapping/>
+    <a:overrideClrMapping bg1="dk1" tx1="lt1" bg2="dk2" tx2="lt2" accent1="accent1" accent2="accent2" accent3="accent3" accent4="accent4" accent5="accent5" accent6="accent6" hlink="hlink" folHlink="folHlink"/>
   </p:clrMapOvr>
 </p:sld>
 </file>
@@ -6351,7 +6269,7 @@
           <p:cNvPr id="2" name="Title 1">
             <a:extLst>
               <a:ext uri="{FF2B5EF4-FFF2-40B4-BE49-F238E27FC236}">
-                <a16:creationId xmlns:a16="http://schemas.microsoft.com/office/drawing/2014/main" id="{A35FB1DE-5BA4-4161-8D15-3164508D44FA}"/>
+                <a16:creationId xmlns:a16="http://schemas.microsoft.com/office/drawing/2014/main" id="{5D980BD3-FFA1-484C-A0AF-FA506A822536}"/>
               </a:ext>
             </a:extLst>
           </p:cNvPr>
@@ -6364,8 +6282,8 @@
         </p:nvSpPr>
         <p:spPr>
           <a:xfrm>
-            <a:off x="646111" y="609601"/>
-            <a:ext cx="3325731" cy="1675975"/>
+            <a:off x="635459" y="4673250"/>
+            <a:ext cx="9164206" cy="831400"/>
           </a:xfrm>
         </p:spPr>
         <p:txBody>
@@ -6375,19 +6293,18 @@
           <a:lstStyle/>
           <a:p>
             <a:r>
-              <a:rPr lang="en-CA"/>
-              <a:t>User Interface</a:t>
-            </a:r>
-            <a:endParaRPr lang="en-CA" dirty="0"/>
+              <a:rPr lang="en-CA" sz="4000" dirty="0"/>
+              <a:t>User Interface:</a:t>
+            </a:r>
           </a:p>
         </p:txBody>
       </p:sp>
       <p:pic>
         <p:nvPicPr>
-          <p:cNvPr id="4" name="Picture 3">
+          <p:cNvPr id="5" name="Picture 4">
             <a:extLst>
               <a:ext uri="{FF2B5EF4-FFF2-40B4-BE49-F238E27FC236}">
-                <a16:creationId xmlns:a16="http://schemas.microsoft.com/office/drawing/2014/main" id="{436EDADF-60C6-43B5-80E4-E35ABDA4870A}"/>
+                <a16:creationId xmlns:a16="http://schemas.microsoft.com/office/drawing/2014/main" id="{246F019A-08E2-4875-AFD1-CC2C608EEDB0}"/>
               </a:ext>
             </a:extLst>
           </p:cNvPr>
@@ -6396,15 +6313,16 @@
           </p:cNvPicPr>
           <p:nvPr/>
         </p:nvPicPr>
-        <p:blipFill rotWithShape="1">
+        <p:blipFill>
           <a:blip r:embed="rId3"/>
-          <a:srcRect r="3" b="10682"/>
-          <a:stretch/>
+          <a:stretch>
+            <a:fillRect/>
+          </a:stretch>
         </p:blipFill>
         <p:spPr>
           <a:xfrm>
-            <a:off x="4613644" y="609368"/>
-            <a:ext cx="3409037" cy="5638797"/>
+            <a:off x="4404802" y="599808"/>
+            <a:ext cx="2159583" cy="4036604"/>
           </a:xfrm>
           <a:prstGeom prst="rect">
             <a:avLst/>
@@ -6420,10 +6338,10 @@
       </p:pic>
       <p:pic>
         <p:nvPicPr>
-          <p:cNvPr id="5" name="Picture 4">
+          <p:cNvPr id="4" name="Picture 3">
             <a:extLst>
               <a:ext uri="{FF2B5EF4-FFF2-40B4-BE49-F238E27FC236}">
-                <a16:creationId xmlns:a16="http://schemas.microsoft.com/office/drawing/2014/main" id="{15A0B1C0-C5A4-400F-9C4D-546CB31362C5}"/>
+                <a16:creationId xmlns:a16="http://schemas.microsoft.com/office/drawing/2014/main" id="{AFC278E6-3061-4F9F-9054-A1DD9A0F0A9E}"/>
               </a:ext>
             </a:extLst>
           </p:cNvPr>
@@ -6432,15 +6350,16 @@
           </p:cNvPicPr>
           <p:nvPr/>
         </p:nvPicPr>
-        <p:blipFill rotWithShape="1">
+        <p:blipFill>
           <a:blip r:embed="rId4"/>
-          <a:srcRect t="4906" b="6601"/>
-          <a:stretch/>
+          <a:stretch>
+            <a:fillRect/>
+          </a:stretch>
         </p:blipFill>
         <p:spPr>
           <a:xfrm>
-            <a:off x="8135262" y="609601"/>
-            <a:ext cx="3409037" cy="5638797"/>
+            <a:off x="1502987" y="609194"/>
+            <a:ext cx="2159584" cy="4017832"/>
           </a:xfrm>
           <a:prstGeom prst="rect">
             <a:avLst/>
@@ -6454,65 +6373,49 @@
           </a:effectLst>
         </p:spPr>
       </p:pic>
-      <p:sp>
-        <p:nvSpPr>
-          <p:cNvPr id="22" name="Rectangle 21">
+      <p:pic>
+        <p:nvPicPr>
+          <p:cNvPr id="6" name="Picture 5">
             <a:extLst>
               <a:ext uri="{FF2B5EF4-FFF2-40B4-BE49-F238E27FC236}">
-                <a16:creationId xmlns:a16="http://schemas.microsoft.com/office/drawing/2014/main" id="{B54E2689-26D4-44B0-9175-57BD88CF2849}"/>
-              </a:ext>
-              <a:ext uri="{C183D7F6-B498-43B3-948B-1728B52AA6E4}">
-                <adec:decorative xmlns:adec="http://schemas.microsoft.com/office/drawing/2017/decorative" val="1"/>
+                <a16:creationId xmlns:a16="http://schemas.microsoft.com/office/drawing/2014/main" id="{24AF1F6F-D4E2-45F0-94AA-95E8D15189BF}"/>
               </a:ext>
             </a:extLst>
           </p:cNvPr>
-          <p:cNvSpPr>
-            <a:spLocks noGrp="1" noRot="1" noChangeAspect="1" noMove="1" noResize="1" noEditPoints="1" noAdjustHandles="1" noChangeArrowheads="1" noChangeShapeType="1" noTextEdit="1"/>
-          </p:cNvSpPr>
-          <p:nvPr>
-            <p:extLst>
-              <p:ext uri="{386F3935-93C4-4BCD-93E2-E3B085C9AB24}">
-                <p16:designElem xmlns:p16="http://schemas.microsoft.com/office/powerpoint/2015/main" val="1"/>
-              </p:ext>
-            </p:extLst>
-          </p:nvPr>
-        </p:nvSpPr>
-        <p:spPr>
-          <a:xfrm>
-            <a:off x="10437812" y="0"/>
-            <a:ext cx="685800" cy="1143000"/>
+          <p:cNvPicPr>
+            <a:picLocks noChangeAspect="1"/>
+          </p:cNvPicPr>
+          <p:nvPr/>
+        </p:nvPicPr>
+        <p:blipFill>
+          <a:blip r:embed="rId5"/>
+          <a:stretch>
+            <a:fillRect/>
+          </a:stretch>
+        </p:blipFill>
+        <p:spPr>
+          <a:xfrm>
+            <a:off x="7449637" y="637032"/>
+            <a:ext cx="2159584" cy="3962541"/>
           </a:xfrm>
           <a:prstGeom prst="rect">
             <a:avLst/>
           </a:prstGeom>
-          <a:solidFill>
-            <a:schemeClr val="accent1"/>
-          </a:solidFill>
-          <a:ln>
-            <a:noFill/>
-          </a:ln>
-        </p:spPr>
-        <p:style>
-          <a:lnRef idx="1">
-            <a:schemeClr val="accent1"/>
-          </a:lnRef>
-          <a:fillRef idx="3">
-            <a:schemeClr val="accent1"/>
-          </a:fillRef>
-          <a:effectRef idx="2">
-            <a:schemeClr val="accent1"/>
-          </a:effectRef>
-          <a:fontRef idx="minor">
-            <a:schemeClr val="lt1"/>
-          </a:fontRef>
-        </p:style>
-      </p:sp>
+          <a:effectLst>
+            <a:outerShdw blurRad="50800" dist="38100" dir="5400000" algn="t" rotWithShape="0">
+              <a:prstClr val="black">
+                <a:alpha val="43000"/>
+              </a:prstClr>
+            </a:outerShdw>
+          </a:effectLst>
+        </p:spPr>
+      </p:pic>
       <p:sp>
         <p:nvSpPr>
           <p:cNvPr id="3" name="Content Placeholder 2">
             <a:extLst>
               <a:ext uri="{FF2B5EF4-FFF2-40B4-BE49-F238E27FC236}">
-                <a16:creationId xmlns:a16="http://schemas.microsoft.com/office/drawing/2014/main" id="{DF03FB74-BB9D-4684-BA94-0AB2D265D520}"/>
+                <a16:creationId xmlns:a16="http://schemas.microsoft.com/office/drawing/2014/main" id="{DBE00B3F-DD47-413B-9B24-293728E3CFF5}"/>
               </a:ext>
             </a:extLst>
           </p:cNvPr>
@@ -6525,45 +6428,33 @@
         </p:nvSpPr>
         <p:spPr>
           <a:xfrm>
-            <a:off x="642176" y="2484544"/>
-            <a:ext cx="3329666" cy="3763855"/>
+            <a:off x="635459" y="5467746"/>
+            <a:ext cx="9164206" cy="1316931"/>
           </a:xfrm>
         </p:spPr>
         <p:txBody>
           <a:bodyPr>
-            <a:normAutofit fontScale="92500" lnSpcReduction="20000"/>
+            <a:normAutofit/>
           </a:bodyPr>
           <a:lstStyle/>
           <a:p>
-            <a:pPr>
-              <a:lnSpc>
-                <a:spcPct val="90000"/>
-              </a:lnSpc>
-            </a:pPr>
-            <a:r>
-              <a:rPr lang="en-CA" sz="1700" dirty="0"/>
-              <a:t>Send </a:t>
-            </a:r>
-            <a:r>
-              <a:rPr lang="en-CA" sz="1700" dirty="0" err="1"/>
-              <a:t>FeedBack</a:t>
-            </a:r>
-            <a:r>
-              <a:rPr lang="en-CA" sz="1700" dirty="0"/>
-              <a:t> Screen: On this screen user will be able to type in any requests about the issues they encountered and improvements they wish to see in our application. Once user filled in the fields and press on submit they will be directed to their email application to review the email and send it to us. User will be asked permission to access some data from their that went wrong or caused an issue before submitting the feedback. After the user agrees it will open their default set Email application to send us their feedback </a:t>
-            </a:r>
-            <a:r>
-              <a:rPr lang="en-CA" sz="1700"/>
-              <a:t>via Email.</a:t>
-            </a:r>
-            <a:endParaRPr lang="en-CA" sz="1700" dirty="0"/>
+            <a:r>
+              <a:rPr lang="en-CA" sz="1800" dirty="0"/>
+              <a:t>Settings Screen: On this screen user will be able to save their signature for their email and set their reply action if it is either reply to only on or reply to all.</a:t>
+            </a:r>
+          </a:p>
+          <a:p>
+            <a:r>
+              <a:rPr lang="en-CA" sz="1800" dirty="0"/>
+              <a:t>User’s preferences will be saved even if the application is closed or cleared.</a:t>
+            </a:r>
           </a:p>
         </p:txBody>
       </p:sp>
     </p:spTree>
     <p:extLst>
       <p:ext uri="{BB962C8B-B14F-4D97-AF65-F5344CB8AC3E}">
-        <p14:creationId xmlns:p14="http://schemas.microsoft.com/office/powerpoint/2010/main" val="3756990754"/>
+        <p14:creationId xmlns:p14="http://schemas.microsoft.com/office/powerpoint/2010/main" val="1584328907"/>
       </p:ext>
     </p:extLst>
   </p:cSld>
@@ -6619,7 +6510,7 @@
           <p:cNvPr id="2" name="Title 1">
             <a:extLst>
               <a:ext uri="{FF2B5EF4-FFF2-40B4-BE49-F238E27FC236}">
-                <a16:creationId xmlns:a16="http://schemas.microsoft.com/office/drawing/2014/main" id="{8030BCE0-85EB-4DE8-B88F-F3D6CE1611CA}"/>
+                <a16:creationId xmlns:a16="http://schemas.microsoft.com/office/drawing/2014/main" id="{A35FB1DE-5BA4-4161-8D15-3164508D44FA}"/>
               </a:ext>
             </a:extLst>
           </p:cNvPr>
@@ -6643,18 +6534,19 @@
           <a:lstStyle/>
           <a:p>
             <a:r>
-              <a:rPr lang="en-CA" dirty="0"/>
-              <a:t>Storage</a:t>
-            </a:r>
+              <a:rPr lang="en-CA"/>
+              <a:t>User Interface</a:t>
+            </a:r>
+            <a:endParaRPr lang="en-CA" dirty="0"/>
           </a:p>
         </p:txBody>
       </p:sp>
       <p:pic>
         <p:nvPicPr>
-          <p:cNvPr id="5" name="Picture 4">
+          <p:cNvPr id="4" name="Picture 3">
             <a:extLst>
               <a:ext uri="{FF2B5EF4-FFF2-40B4-BE49-F238E27FC236}">
-                <a16:creationId xmlns:a16="http://schemas.microsoft.com/office/drawing/2014/main" id="{FFAE8358-78EA-4654-BFDA-8EE5011EC6EA}"/>
+                <a16:creationId xmlns:a16="http://schemas.microsoft.com/office/drawing/2014/main" id="{436EDADF-60C6-43B5-80E4-E35ABDA4870A}"/>
               </a:ext>
             </a:extLst>
           </p:cNvPr>
@@ -6665,7 +6557,7 @@
         </p:nvPicPr>
         <p:blipFill rotWithShape="1">
           <a:blip r:embed="rId3"/>
-          <a:srcRect t="4312" r="-2" b="5125"/>
+          <a:srcRect r="3" b="10682"/>
           <a:stretch/>
         </p:blipFill>
         <p:spPr>
@@ -6687,10 +6579,10 @@
       </p:pic>
       <p:pic>
         <p:nvPicPr>
-          <p:cNvPr id="4" name="Picture 3">
+          <p:cNvPr id="5" name="Picture 4">
             <a:extLst>
               <a:ext uri="{FF2B5EF4-FFF2-40B4-BE49-F238E27FC236}">
-                <a16:creationId xmlns:a16="http://schemas.microsoft.com/office/drawing/2014/main" id="{913A853F-AC2E-48FE-B5BC-AB0D50AE4DD3}"/>
+                <a16:creationId xmlns:a16="http://schemas.microsoft.com/office/drawing/2014/main" id="{15A0B1C0-C5A4-400F-9C4D-546CB31362C5}"/>
               </a:ext>
             </a:extLst>
           </p:cNvPr>
@@ -6701,7 +6593,7 @@
         </p:nvPicPr>
         <p:blipFill rotWithShape="1">
           <a:blip r:embed="rId4"/>
-          <a:srcRect t="1865" r="-2" b="7573"/>
+          <a:srcRect t="4906" b="6601"/>
           <a:stretch/>
         </p:blipFill>
         <p:spPr>
@@ -6723,7 +6615,7 @@
       </p:pic>
       <p:sp>
         <p:nvSpPr>
-          <p:cNvPr id="10" name="Rectangle 9">
+          <p:cNvPr id="22" name="Rectangle 21">
             <a:extLst>
               <a:ext uri="{FF2B5EF4-FFF2-40B4-BE49-F238E27FC236}">
                 <a16:creationId xmlns:a16="http://schemas.microsoft.com/office/drawing/2014/main" id="{B54E2689-26D4-44B0-9175-57BD88CF2849}"/>
@@ -6779,7 +6671,7 @@
           <p:cNvPr id="3" name="Content Placeholder 2">
             <a:extLst>
               <a:ext uri="{FF2B5EF4-FFF2-40B4-BE49-F238E27FC236}">
-                <a16:creationId xmlns:a16="http://schemas.microsoft.com/office/drawing/2014/main" id="{074A8601-A539-4237-B373-E1B87ECA6E73}"/>
+                <a16:creationId xmlns:a16="http://schemas.microsoft.com/office/drawing/2014/main" id="{DF03FB74-BB9D-4684-BA94-0AB2D265D520}"/>
               </a:ext>
             </a:extLst>
           </p:cNvPr>
@@ -6798,21 +6690,39 @@
         </p:spPr>
         <p:txBody>
           <a:bodyPr>
-            <a:normAutofit/>
+            <a:normAutofit fontScale="92500" lnSpcReduction="20000"/>
           </a:bodyPr>
           <a:lstStyle/>
           <a:p>
-            <a:r>
-              <a:rPr lang="en-CA" dirty="0"/>
-              <a:t>Each time the live data is pulled from the APIs, it will be stored in a table and updated each time the user refreshed the application.</a:t>
-            </a:r>
+            <a:pPr>
+              <a:lnSpc>
+                <a:spcPct val="90000"/>
+              </a:lnSpc>
+            </a:pPr>
+            <a:r>
+              <a:rPr lang="en-CA" sz="1700" dirty="0"/>
+              <a:t>Send </a:t>
+            </a:r>
+            <a:r>
+              <a:rPr lang="en-CA" sz="1700" dirty="0" err="1"/>
+              <a:t>FeedBack</a:t>
+            </a:r>
+            <a:r>
+              <a:rPr lang="en-CA" sz="1700" dirty="0"/>
+              <a:t> Screen: On this screen user will be able to type in any requests about the issues they encountered and improvements they wish to see in our application. Once user filled in the fields and press on submit they will be directed to their email application to review the email and send it to us. User will be asked permission to access some data from their that went wrong or caused an issue before submitting the feedback. After the user agrees it will open their default set Email application to send us their feedback </a:t>
+            </a:r>
+            <a:r>
+              <a:rPr lang="en-CA" sz="1700"/>
+              <a:t>via Email.</a:t>
+            </a:r>
+            <a:endParaRPr lang="en-CA" sz="1700" dirty="0"/>
           </a:p>
         </p:txBody>
       </p:sp>
     </p:spTree>
     <p:extLst>
       <p:ext uri="{BB962C8B-B14F-4D97-AF65-F5344CB8AC3E}">
-        <p14:creationId xmlns:p14="http://schemas.microsoft.com/office/powerpoint/2010/main" val="4264610213"/>
+        <p14:creationId xmlns:p14="http://schemas.microsoft.com/office/powerpoint/2010/main" val="3756990754"/>
       </p:ext>
     </p:extLst>
   </p:cSld>
@@ -6868,7 +6778,7 @@
           <p:cNvPr id="2" name="Title 1">
             <a:extLst>
               <a:ext uri="{FF2B5EF4-FFF2-40B4-BE49-F238E27FC236}">
-                <a16:creationId xmlns:a16="http://schemas.microsoft.com/office/drawing/2014/main" id="{9BD62A5B-63AA-4BD5-9DAB-E491ED2F8296}"/>
+                <a16:creationId xmlns:a16="http://schemas.microsoft.com/office/drawing/2014/main" id="{8030BCE0-85EB-4DE8-B88F-F3D6CE1611CA}"/>
               </a:ext>
             </a:extLst>
           </p:cNvPr>
@@ -6881,8 +6791,8 @@
         </p:nvSpPr>
         <p:spPr>
           <a:xfrm>
-            <a:off x="5224006" y="629266"/>
-            <a:ext cx="4985469" cy="1469878"/>
+            <a:off x="646111" y="609601"/>
+            <a:ext cx="3325731" cy="1675975"/>
           </a:xfrm>
         </p:spPr>
         <p:txBody>
@@ -6892,19 +6802,18 @@
           <a:lstStyle/>
           <a:p>
             <a:r>
-              <a:rPr lang="en-CA"/>
-              <a:t>Background Change</a:t>
-            </a:r>
-            <a:endParaRPr lang="en-CA" dirty="0"/>
+              <a:rPr lang="en-CA" dirty="0"/>
+              <a:t>Storage</a:t>
+            </a:r>
           </a:p>
         </p:txBody>
       </p:sp>
       <p:pic>
         <p:nvPicPr>
-          <p:cNvPr id="4" name="Picture 3" descr="Graphical user interface&#10;&#10;Description automatically generated">
+          <p:cNvPr id="5" name="Picture 4">
             <a:extLst>
               <a:ext uri="{FF2B5EF4-FFF2-40B4-BE49-F238E27FC236}">
-                <a16:creationId xmlns:a16="http://schemas.microsoft.com/office/drawing/2014/main" id="{C1B56D61-28A6-416C-B9B4-C6A8FB6C6BEB}"/>
+                <a16:creationId xmlns:a16="http://schemas.microsoft.com/office/drawing/2014/main" id="{FFAE8358-78EA-4654-BFDA-8EE5011EC6EA}"/>
               </a:ext>
             </a:extLst>
           </p:cNvPr>
@@ -6913,16 +6822,15 @@
           </p:cNvPicPr>
           <p:nvPr/>
         </p:nvPicPr>
-        <p:blipFill>
+        <p:blipFill rotWithShape="1">
           <a:blip r:embed="rId3"/>
-          <a:stretch>
-            <a:fillRect/>
-          </a:stretch>
+          <a:srcRect t="4312" r="-2" b="5125"/>
+          <a:stretch/>
         </p:blipFill>
         <p:spPr>
           <a:xfrm>
-            <a:off x="1267167" y="691763"/>
-            <a:ext cx="3000583" cy="5556636"/>
+            <a:off x="4613644" y="609368"/>
+            <a:ext cx="3409037" cy="5638797"/>
           </a:xfrm>
           <a:prstGeom prst="rect">
             <a:avLst/>
@@ -6936,12 +6844,101 @@
           </a:effectLst>
         </p:spPr>
       </p:pic>
+      <p:pic>
+        <p:nvPicPr>
+          <p:cNvPr id="4" name="Picture 3">
+            <a:extLst>
+              <a:ext uri="{FF2B5EF4-FFF2-40B4-BE49-F238E27FC236}">
+                <a16:creationId xmlns:a16="http://schemas.microsoft.com/office/drawing/2014/main" id="{913A853F-AC2E-48FE-B5BC-AB0D50AE4DD3}"/>
+              </a:ext>
+            </a:extLst>
+          </p:cNvPr>
+          <p:cNvPicPr>
+            <a:picLocks noChangeAspect="1"/>
+          </p:cNvPicPr>
+          <p:nvPr/>
+        </p:nvPicPr>
+        <p:blipFill rotWithShape="1">
+          <a:blip r:embed="rId4"/>
+          <a:srcRect t="1865" r="-2" b="7573"/>
+          <a:stretch/>
+        </p:blipFill>
+        <p:spPr>
+          <a:xfrm>
+            <a:off x="8135262" y="609601"/>
+            <a:ext cx="3409037" cy="5638797"/>
+          </a:xfrm>
+          <a:prstGeom prst="rect">
+            <a:avLst/>
+          </a:prstGeom>
+          <a:effectLst>
+            <a:outerShdw blurRad="50800" dist="38100" dir="5400000" algn="t" rotWithShape="0">
+              <a:prstClr val="black">
+                <a:alpha val="43000"/>
+              </a:prstClr>
+            </a:outerShdw>
+          </a:effectLst>
+        </p:spPr>
+      </p:pic>
+      <p:sp>
+        <p:nvSpPr>
+          <p:cNvPr id="10" name="Rectangle 9">
+            <a:extLst>
+              <a:ext uri="{FF2B5EF4-FFF2-40B4-BE49-F238E27FC236}">
+                <a16:creationId xmlns:a16="http://schemas.microsoft.com/office/drawing/2014/main" id="{B54E2689-26D4-44B0-9175-57BD88CF2849}"/>
+              </a:ext>
+              <a:ext uri="{C183D7F6-B498-43B3-948B-1728B52AA6E4}">
+                <adec:decorative xmlns:adec="http://schemas.microsoft.com/office/drawing/2017/decorative" val="1"/>
+              </a:ext>
+            </a:extLst>
+          </p:cNvPr>
+          <p:cNvSpPr>
+            <a:spLocks noGrp="1" noRot="1" noChangeAspect="1" noMove="1" noResize="1" noEditPoints="1" noAdjustHandles="1" noChangeArrowheads="1" noChangeShapeType="1" noTextEdit="1"/>
+          </p:cNvSpPr>
+          <p:nvPr>
+            <p:extLst>
+              <p:ext uri="{386F3935-93C4-4BCD-93E2-E3B085C9AB24}">
+                <p16:designElem xmlns:p16="http://schemas.microsoft.com/office/powerpoint/2015/main" val="1"/>
+              </p:ext>
+            </p:extLst>
+          </p:nvPr>
+        </p:nvSpPr>
+        <p:spPr>
+          <a:xfrm>
+            <a:off x="10437812" y="0"/>
+            <a:ext cx="685800" cy="1143000"/>
+          </a:xfrm>
+          <a:prstGeom prst="rect">
+            <a:avLst/>
+          </a:prstGeom>
+          <a:solidFill>
+            <a:schemeClr val="accent1"/>
+          </a:solidFill>
+          <a:ln>
+            <a:noFill/>
+          </a:ln>
+        </p:spPr>
+        <p:style>
+          <a:lnRef idx="1">
+            <a:schemeClr val="accent1"/>
+          </a:lnRef>
+          <a:fillRef idx="3">
+            <a:schemeClr val="accent1"/>
+          </a:fillRef>
+          <a:effectRef idx="2">
+            <a:schemeClr val="accent1"/>
+          </a:effectRef>
+          <a:fontRef idx="minor">
+            <a:schemeClr val="lt1"/>
+          </a:fontRef>
+        </p:style>
+      </p:sp>
       <p:sp>
         <p:nvSpPr>
           <p:cNvPr id="3" name="Content Placeholder 2">
             <a:extLst>
               <a:ext uri="{FF2B5EF4-FFF2-40B4-BE49-F238E27FC236}">
-                <a16:creationId xmlns:a16="http://schemas.microsoft.com/office/drawing/2014/main" id="{E45A0518-9B46-4EE7-B689-A1129CBE7EA8}"/>
+                <a16:creationId xmlns:a16="http://schemas.microsoft.com/office/drawing/2014/main" id="{074A8601-A539-4237-B373-E1B87ECA6E73}"/>
               </a:ext>
             </a:extLst>
           </p:cNvPr>
@@ -6954,8 +6951,8 @@
         </p:nvSpPr>
         <p:spPr>
           <a:xfrm>
-            <a:off x="5224005" y="2337683"/>
-            <a:ext cx="4985470" cy="3910716"/>
+            <a:off x="642176" y="2484544"/>
+            <a:ext cx="3329666" cy="3763855"/>
           </a:xfrm>
         </p:spPr>
         <p:txBody>
@@ -6965,17 +6962,16 @@
           <a:lstStyle/>
           <a:p>
             <a:r>
-              <a:rPr lang="en-CA"/>
-              <a:t>User will be able to change the color of the background using the theme button throughout all screens to make it easier for them. (Button will be available on all screens)</a:t>
-            </a:r>
-            <a:endParaRPr lang="en-CA" dirty="0"/>
+              <a:rPr lang="en-CA" dirty="0"/>
+              <a:t>Each time the live data is pulled from the APIs, it will be stored in a table and updated each time the user refreshed the application.</a:t>
+            </a:r>
           </a:p>
         </p:txBody>
       </p:sp>
     </p:spTree>
     <p:extLst>
       <p:ext uri="{BB962C8B-B14F-4D97-AF65-F5344CB8AC3E}">
-        <p14:creationId xmlns:p14="http://schemas.microsoft.com/office/powerpoint/2010/main" val="668883641"/>
+        <p14:creationId xmlns:p14="http://schemas.microsoft.com/office/powerpoint/2010/main" val="4264610213"/>
       </p:ext>
     </p:extLst>
   </p:cSld>
@@ -6986,6 +6982,165 @@
 </file>
 
 <file path=ppt/slides/slide2.xml><?xml version="1.0" encoding="utf-8"?>
+<p:sld xmlns:a="http://schemas.openxmlformats.org/drawingml/2006/main" xmlns:r="http://schemas.openxmlformats.org/officeDocument/2006/relationships" xmlns:p="http://schemas.openxmlformats.org/presentationml/2006/main">
+  <p:cSld>
+    <p:spTree>
+      <p:nvGrpSpPr>
+        <p:cNvPr id="1" name=""/>
+        <p:cNvGrpSpPr/>
+        <p:nvPr/>
+      </p:nvGrpSpPr>
+      <p:grpSpPr>
+        <a:xfrm>
+          <a:off x="0" y="0"/>
+          <a:ext cx="0" cy="0"/>
+          <a:chOff x="0" y="0"/>
+          <a:chExt cx="0" cy="0"/>
+        </a:xfrm>
+      </p:grpSpPr>
+      <p:sp>
+        <p:nvSpPr>
+          <p:cNvPr id="2" name="Title 1">
+            <a:extLst>
+              <a:ext uri="{FF2B5EF4-FFF2-40B4-BE49-F238E27FC236}">
+                <a16:creationId xmlns:a16="http://schemas.microsoft.com/office/drawing/2014/main" id="{65445286-AF46-4915-B995-52A86AF02B37}"/>
+              </a:ext>
+            </a:extLst>
+          </p:cNvPr>
+          <p:cNvSpPr>
+            <a:spLocks noGrp="1"/>
+          </p:cNvSpPr>
+          <p:nvPr>
+            <p:ph type="title"/>
+          </p:nvPr>
+        </p:nvSpPr>
+        <p:spPr/>
+        <p:txBody>
+          <a:bodyPr/>
+          <a:lstStyle/>
+          <a:p>
+            <a:pPr algn="ctr"/>
+            <a:r>
+              <a:rPr lang="en-CA" dirty="0"/>
+              <a:t>Team Members</a:t>
+            </a:r>
+          </a:p>
+        </p:txBody>
+      </p:sp>
+      <p:sp>
+        <p:nvSpPr>
+          <p:cNvPr id="3" name="Content Placeholder 2">
+            <a:extLst>
+              <a:ext uri="{FF2B5EF4-FFF2-40B4-BE49-F238E27FC236}">
+                <a16:creationId xmlns:a16="http://schemas.microsoft.com/office/drawing/2014/main" id="{1D1BDF62-17F1-482A-B33B-A4D4B8499939}"/>
+              </a:ext>
+            </a:extLst>
+          </p:cNvPr>
+          <p:cNvSpPr>
+            <a:spLocks noGrp="1"/>
+          </p:cNvSpPr>
+          <p:nvPr>
+            <p:ph idx="1"/>
+          </p:nvPr>
+        </p:nvSpPr>
+        <p:spPr/>
+        <p:txBody>
+          <a:bodyPr>
+            <a:normAutofit lnSpcReduction="10000"/>
+          </a:bodyPr>
+          <a:lstStyle/>
+          <a:p>
+            <a:pPr lvl="3" algn="just"/>
+            <a:r>
+              <a:rPr lang="en-CA" sz="2000" dirty="0"/>
+              <a:t>Rayan Treebhowon N01226282</a:t>
+            </a:r>
+          </a:p>
+          <a:p>
+            <a:pPr lvl="3" algn="just"/>
+            <a:endParaRPr lang="en-CA" sz="2000" dirty="0"/>
+          </a:p>
+          <a:p>
+            <a:pPr lvl="3" algn="just"/>
+            <a:endParaRPr lang="en-CA" sz="2000" dirty="0"/>
+          </a:p>
+          <a:p>
+            <a:pPr lvl="3" algn="just"/>
+            <a:r>
+              <a:rPr lang="en-CA" sz="2000" dirty="0" err="1"/>
+              <a:t>Tsidkeenu</a:t>
+            </a:r>
+            <a:r>
+              <a:rPr lang="en-CA" sz="2000" dirty="0"/>
+              <a:t> Aznar N01180428</a:t>
+            </a:r>
+          </a:p>
+          <a:p>
+            <a:pPr lvl="3" algn="just"/>
+            <a:endParaRPr lang="en-CA" sz="2000" dirty="0"/>
+          </a:p>
+          <a:p>
+            <a:pPr lvl="3" algn="just"/>
+            <a:endParaRPr lang="en-CA" sz="2000" dirty="0"/>
+          </a:p>
+          <a:p>
+            <a:pPr lvl="3" algn="just"/>
+            <a:r>
+              <a:rPr lang="en-CA" sz="2000" dirty="0"/>
+              <a:t>Satyam </a:t>
+            </a:r>
+            <a:r>
+              <a:rPr lang="en-CA" sz="2000" dirty="0" err="1"/>
+              <a:t>Dalvadi</a:t>
+            </a:r>
+            <a:r>
+              <a:rPr lang="en-CA" sz="2000" dirty="0"/>
+              <a:t> N01333116</a:t>
+            </a:r>
+          </a:p>
+          <a:p>
+            <a:pPr lvl="3" algn="just"/>
+            <a:endParaRPr lang="en-CA" sz="2000" dirty="0"/>
+          </a:p>
+          <a:p>
+            <a:pPr lvl="3" algn="just"/>
+            <a:endParaRPr lang="en-CA" sz="2000" dirty="0"/>
+          </a:p>
+          <a:p>
+            <a:pPr lvl="3" algn="just"/>
+            <a:r>
+              <a:rPr lang="en-CA" sz="2000" dirty="0" err="1"/>
+              <a:t>Jagminder</a:t>
+            </a:r>
+            <a:r>
+              <a:rPr lang="en-CA" sz="2000" dirty="0"/>
+              <a:t> </a:t>
+            </a:r>
+            <a:r>
+              <a:rPr lang="en-CA" sz="2000" dirty="0" err="1"/>
+              <a:t>Sembi</a:t>
+            </a:r>
+            <a:r>
+              <a:rPr lang="en-CA" sz="2000" dirty="0"/>
+              <a:t> N01300801</a:t>
+            </a:r>
+          </a:p>
+        </p:txBody>
+      </p:sp>
+    </p:spTree>
+    <p:extLst>
+      <p:ext uri="{BB962C8B-B14F-4D97-AF65-F5344CB8AC3E}">
+        <p14:creationId xmlns:p14="http://schemas.microsoft.com/office/powerpoint/2010/main" val="4077777593"/>
+      </p:ext>
+    </p:extLst>
+  </p:cSld>
+  <p:clrMapOvr>
+    <a:masterClrMapping/>
+  </p:clrMapOvr>
+</p:sld>
+</file>
+
+<file path=ppt/slides/slide3.xml><?xml version="1.0" encoding="utf-8"?>
 <p:sld xmlns:a="http://schemas.openxmlformats.org/drawingml/2006/main" xmlns:r="http://schemas.openxmlformats.org/officeDocument/2006/relationships" xmlns:p="http://schemas.openxmlformats.org/presentationml/2006/main">
   <p:cSld>
     <p:spTree>
@@ -7147,165 +7302,6 @@
 </p:sld>
 </file>
 
-<file path=ppt/slides/slide3.xml><?xml version="1.0" encoding="utf-8"?>
-<p:sld xmlns:a="http://schemas.openxmlformats.org/drawingml/2006/main" xmlns:r="http://schemas.openxmlformats.org/officeDocument/2006/relationships" xmlns:p="http://schemas.openxmlformats.org/presentationml/2006/main">
-  <p:cSld>
-    <p:spTree>
-      <p:nvGrpSpPr>
-        <p:cNvPr id="1" name=""/>
-        <p:cNvGrpSpPr/>
-        <p:nvPr/>
-      </p:nvGrpSpPr>
-      <p:grpSpPr>
-        <a:xfrm>
-          <a:off x="0" y="0"/>
-          <a:ext cx="0" cy="0"/>
-          <a:chOff x="0" y="0"/>
-          <a:chExt cx="0" cy="0"/>
-        </a:xfrm>
-      </p:grpSpPr>
-      <p:sp>
-        <p:nvSpPr>
-          <p:cNvPr id="2" name="Title 1">
-            <a:extLst>
-              <a:ext uri="{FF2B5EF4-FFF2-40B4-BE49-F238E27FC236}">
-                <a16:creationId xmlns:a16="http://schemas.microsoft.com/office/drawing/2014/main" id="{65445286-AF46-4915-B995-52A86AF02B37}"/>
-              </a:ext>
-            </a:extLst>
-          </p:cNvPr>
-          <p:cNvSpPr>
-            <a:spLocks noGrp="1"/>
-          </p:cNvSpPr>
-          <p:nvPr>
-            <p:ph type="title"/>
-          </p:nvPr>
-        </p:nvSpPr>
-        <p:spPr/>
-        <p:txBody>
-          <a:bodyPr/>
-          <a:lstStyle/>
-          <a:p>
-            <a:pPr algn="ctr"/>
-            <a:r>
-              <a:rPr lang="en-CA" dirty="0"/>
-              <a:t>Team Members</a:t>
-            </a:r>
-          </a:p>
-        </p:txBody>
-      </p:sp>
-      <p:sp>
-        <p:nvSpPr>
-          <p:cNvPr id="3" name="Content Placeholder 2">
-            <a:extLst>
-              <a:ext uri="{FF2B5EF4-FFF2-40B4-BE49-F238E27FC236}">
-                <a16:creationId xmlns:a16="http://schemas.microsoft.com/office/drawing/2014/main" id="{1D1BDF62-17F1-482A-B33B-A4D4B8499939}"/>
-              </a:ext>
-            </a:extLst>
-          </p:cNvPr>
-          <p:cNvSpPr>
-            <a:spLocks noGrp="1"/>
-          </p:cNvSpPr>
-          <p:nvPr>
-            <p:ph idx="1"/>
-          </p:nvPr>
-        </p:nvSpPr>
-        <p:spPr/>
-        <p:txBody>
-          <a:bodyPr>
-            <a:normAutofit lnSpcReduction="10000"/>
-          </a:bodyPr>
-          <a:lstStyle/>
-          <a:p>
-            <a:pPr lvl="3" algn="just"/>
-            <a:r>
-              <a:rPr lang="en-CA" sz="2000" dirty="0"/>
-              <a:t>Rayan Treebhowon N01226282</a:t>
-            </a:r>
-          </a:p>
-          <a:p>
-            <a:pPr lvl="3" algn="just"/>
-            <a:endParaRPr lang="en-CA" sz="2000" dirty="0"/>
-          </a:p>
-          <a:p>
-            <a:pPr lvl="3" algn="just"/>
-            <a:endParaRPr lang="en-CA" sz="2000" dirty="0"/>
-          </a:p>
-          <a:p>
-            <a:pPr lvl="3" algn="just"/>
-            <a:r>
-              <a:rPr lang="en-CA" sz="2000" dirty="0" err="1"/>
-              <a:t>Tsidkeenu</a:t>
-            </a:r>
-            <a:r>
-              <a:rPr lang="en-CA" sz="2000" dirty="0"/>
-              <a:t> Aznar N01180428</a:t>
-            </a:r>
-          </a:p>
-          <a:p>
-            <a:pPr lvl="3" algn="just"/>
-            <a:endParaRPr lang="en-CA" sz="2000" dirty="0"/>
-          </a:p>
-          <a:p>
-            <a:pPr lvl="3" algn="just"/>
-            <a:endParaRPr lang="en-CA" sz="2000" dirty="0"/>
-          </a:p>
-          <a:p>
-            <a:pPr lvl="3" algn="just"/>
-            <a:r>
-              <a:rPr lang="en-CA" sz="2000" dirty="0"/>
-              <a:t>Satyam </a:t>
-            </a:r>
-            <a:r>
-              <a:rPr lang="en-CA" sz="2000" dirty="0" err="1"/>
-              <a:t>Dalvadi</a:t>
-            </a:r>
-            <a:r>
-              <a:rPr lang="en-CA" sz="2000" dirty="0"/>
-              <a:t> N01333116</a:t>
-            </a:r>
-          </a:p>
-          <a:p>
-            <a:pPr lvl="3" algn="just"/>
-            <a:endParaRPr lang="en-CA" sz="2000" dirty="0"/>
-          </a:p>
-          <a:p>
-            <a:pPr lvl="3" algn="just"/>
-            <a:endParaRPr lang="en-CA" sz="2000" dirty="0"/>
-          </a:p>
-          <a:p>
-            <a:pPr lvl="3" algn="just"/>
-            <a:r>
-              <a:rPr lang="en-CA" sz="2000" dirty="0" err="1"/>
-              <a:t>Jagminder</a:t>
-            </a:r>
-            <a:r>
-              <a:rPr lang="en-CA" sz="2000" dirty="0"/>
-              <a:t> </a:t>
-            </a:r>
-            <a:r>
-              <a:rPr lang="en-CA" sz="2000" dirty="0" err="1"/>
-              <a:t>Sembi</a:t>
-            </a:r>
-            <a:r>
-              <a:rPr lang="en-CA" sz="2000" dirty="0"/>
-              <a:t> N01300801</a:t>
-            </a:r>
-          </a:p>
-        </p:txBody>
-      </p:sp>
-    </p:spTree>
-    <p:extLst>
-      <p:ext uri="{BB962C8B-B14F-4D97-AF65-F5344CB8AC3E}">
-        <p14:creationId xmlns:p14="http://schemas.microsoft.com/office/powerpoint/2010/main" val="4077777593"/>
-      </p:ext>
-    </p:extLst>
-  </p:cSld>
-  <p:clrMapOvr>
-    <a:masterClrMapping/>
-  </p:clrMapOvr>
-</p:sld>
-</file>
-
 <file path=ppt/slides/slide4.xml><?xml version="1.0" encoding="utf-8"?>
 <p:sld xmlns:a="http://schemas.openxmlformats.org/drawingml/2006/main" xmlns:r="http://schemas.openxmlformats.org/officeDocument/2006/relationships" xmlns:p="http://schemas.openxmlformats.org/presentationml/2006/main">
   <p:cSld>
@@ -7400,13 +7396,8 @@
           <a:p>
             <a:r>
               <a:rPr lang="en-CA" dirty="0"/>
-              <a:t>Live Data is stored in a table view and in the Saved </a:t>
-            </a:r>
-            <a:r>
-              <a:rPr lang="en-CA"/>
-              <a:t>Data tab.</a:t>
-            </a:r>
-            <a:endParaRPr lang="en-CA" dirty="0"/>
+              <a:t>Live Data is stored in a table view and in the Saved Data tab.</a:t>
+            </a:r>
           </a:p>
           <a:p>
             <a:r>
@@ -7432,6 +7423,30 @@
 <file path=ppt/slides/slide5.xml><?xml version="1.0" encoding="utf-8"?>
 <p:sld xmlns:a="http://schemas.openxmlformats.org/drawingml/2006/main" xmlns:r="http://schemas.openxmlformats.org/officeDocument/2006/relationships" xmlns:p="http://schemas.openxmlformats.org/presentationml/2006/main">
   <p:cSld>
+    <p:bg>
+      <p:bgPr>
+        <a:blipFill rotWithShape="1">
+          <a:blip r:embed="rId2">
+            <a:duotone>
+              <a:schemeClr val="bg2">
+                <a:shade val="69000"/>
+                <a:hueMod val="108000"/>
+                <a:satMod val="164000"/>
+                <a:lumMod val="74000"/>
+              </a:schemeClr>
+              <a:schemeClr val="bg2">
+                <a:tint val="96000"/>
+                <a:hueMod val="88000"/>
+                <a:satMod val="140000"/>
+                <a:lumMod val="132000"/>
+              </a:schemeClr>
+            </a:duotone>
+          </a:blip>
+          <a:stretch/>
+        </a:blipFill>
+        <a:effectLst/>
+      </p:bgPr>
+    </p:bg>
     <p:spTree>
       <p:nvGrpSpPr>
         <p:cNvPr id="1" name=""/>
@@ -7462,9 +7477,16 @@
             <p:ph type="title"/>
           </p:nvPr>
         </p:nvSpPr>
-        <p:spPr/>
-        <p:txBody>
-          <a:bodyPr/>
+        <p:spPr>
+          <a:xfrm>
+            <a:off x="646111" y="452718"/>
+            <a:ext cx="9404723" cy="1400530"/>
+          </a:xfrm>
+        </p:spPr>
+        <p:txBody>
+          <a:bodyPr>
+            <a:normAutofit/>
+          </a:bodyPr>
           <a:lstStyle/>
           <a:p>
             <a:r>
@@ -7492,21 +7514,103 @@
         </p:nvSpPr>
         <p:spPr>
           <a:xfrm>
-            <a:off x="469107" y="1719543"/>
-            <a:ext cx="8946541" cy="4195481"/>
-          </a:xfrm>
-        </p:spPr>
-        <p:txBody>
-          <a:bodyPr/>
+            <a:off x="1103312" y="1330908"/>
+            <a:ext cx="5284481" cy="4917491"/>
+          </a:xfrm>
+        </p:spPr>
+        <p:txBody>
+          <a:bodyPr>
+            <a:normAutofit/>
+          </a:bodyPr>
           <a:lstStyle/>
           <a:p>
-            <a:r>
-              <a:rPr lang="en-CA" dirty="0"/>
+            <a:pPr>
+              <a:lnSpc>
+                <a:spcPct val="90000"/>
+              </a:lnSpc>
+            </a:pPr>
+            <a:r>
+              <a:rPr lang="en-CA" sz="1700" dirty="0"/>
+              <a:t>Application Goal: During this pandemic we saw people with lack of information about COVID-19 and their statistics. So basically we decided to build an application to keep people updated on the world’s statistics and cases live.</a:t>
+            </a:r>
+          </a:p>
+          <a:p>
+            <a:pPr marL="0" indent="0">
+              <a:lnSpc>
+                <a:spcPct val="90000"/>
+              </a:lnSpc>
+              <a:buNone/>
+            </a:pPr>
+            <a:endParaRPr lang="en-CA" sz="1700" dirty="0"/>
+          </a:p>
+          <a:p>
+            <a:pPr>
+              <a:lnSpc>
+                <a:spcPct val="90000"/>
+              </a:lnSpc>
+            </a:pPr>
+            <a:r>
+              <a:rPr lang="en-CA" sz="1700" dirty="0"/>
               <a:t>Welcome Screen: Welcome screen will explains the user the use of our application.</a:t>
             </a:r>
           </a:p>
-        </p:txBody>
-      </p:sp>
+          <a:p>
+            <a:pPr>
+              <a:lnSpc>
+                <a:spcPct val="90000"/>
+              </a:lnSpc>
+            </a:pPr>
+            <a:endParaRPr lang="en-CA" sz="1700" dirty="0"/>
+          </a:p>
+          <a:p>
+            <a:pPr>
+              <a:lnSpc>
+                <a:spcPct val="90000"/>
+              </a:lnSpc>
+            </a:pPr>
+            <a:r>
+              <a:rPr lang="en-CA" sz="1700" dirty="0"/>
+              <a:t>User Permission: One time user permission when installing the application will be asked to access the photos and media of the device.</a:t>
+            </a:r>
+          </a:p>
+        </p:txBody>
+      </p:sp>
+      <p:pic>
+        <p:nvPicPr>
+          <p:cNvPr id="4" name="Picture 3">
+            <a:extLst>
+              <a:ext uri="{FF2B5EF4-FFF2-40B4-BE49-F238E27FC236}">
+                <a16:creationId xmlns:a16="http://schemas.microsoft.com/office/drawing/2014/main" id="{1BB80510-7DF5-4087-9506-5B1EF5AF27CD}"/>
+              </a:ext>
+            </a:extLst>
+          </p:cNvPr>
+          <p:cNvPicPr>
+            <a:picLocks noChangeAspect="1"/>
+          </p:cNvPicPr>
+          <p:nvPr/>
+        </p:nvPicPr>
+        <p:blipFill rotWithShape="1">
+          <a:blip r:embed="rId3"/>
+          <a:srcRect r="1" b="6659"/>
+          <a:stretch/>
+        </p:blipFill>
+        <p:spPr>
+          <a:xfrm>
+            <a:off x="9054424" y="1152983"/>
+            <a:ext cx="2438400" cy="4195481"/>
+          </a:xfrm>
+          <a:prstGeom prst="rect">
+            <a:avLst/>
+          </a:prstGeom>
+          <a:effectLst>
+            <a:outerShdw blurRad="50800" dist="38100" dir="5400000" algn="t" rotWithShape="0">
+              <a:prstClr val="black">
+                <a:alpha val="43000"/>
+              </a:prstClr>
+            </a:outerShdw>
+          </a:effectLst>
+        </p:spPr>
+      </p:pic>
       <p:pic>
         <p:nvPicPr>
           <p:cNvPr id="6" name="Picture 5">
@@ -7521,20 +7625,26 @@
           </p:cNvPicPr>
           <p:nvPr/>
         </p:nvPicPr>
-        <p:blipFill>
-          <a:blip r:embed="rId2"/>
-          <a:stretch>
-            <a:fillRect/>
-          </a:stretch>
+        <p:blipFill rotWithShape="1">
+          <a:blip r:embed="rId4"/>
+          <a:srcRect r="-1" b="7279"/>
+          <a:stretch/>
         </p:blipFill>
         <p:spPr>
           <a:xfrm>
-            <a:off x="9415648" y="1152982"/>
-            <a:ext cx="2630025" cy="5114467"/>
+            <a:off x="6610584" y="1152280"/>
+            <a:ext cx="2443840" cy="4196184"/>
           </a:xfrm>
           <a:prstGeom prst="rect">
             <a:avLst/>
           </a:prstGeom>
+          <a:effectLst>
+            <a:outerShdw blurRad="50800" dist="38100" dir="5400000" algn="t" rotWithShape="0">
+              <a:prstClr val="black">
+                <a:alpha val="43000"/>
+              </a:prstClr>
+            </a:outerShdw>
+          </a:effectLst>
         </p:spPr>
       </p:pic>
     </p:spTree>
@@ -7553,6 +7663,30 @@
 <file path=ppt/slides/slide6.xml><?xml version="1.0" encoding="utf-8"?>
 <p:sld xmlns:a="http://schemas.openxmlformats.org/drawingml/2006/main" xmlns:r="http://schemas.openxmlformats.org/officeDocument/2006/relationships" xmlns:p="http://schemas.openxmlformats.org/presentationml/2006/main">
   <p:cSld>
+    <p:bg>
+      <p:bgPr>
+        <a:blipFill rotWithShape="1">
+          <a:blip r:embed="rId2">
+            <a:duotone>
+              <a:schemeClr val="bg2">
+                <a:shade val="69000"/>
+                <a:hueMod val="108000"/>
+                <a:satMod val="164000"/>
+                <a:lumMod val="74000"/>
+              </a:schemeClr>
+              <a:schemeClr val="bg2">
+                <a:tint val="96000"/>
+                <a:hueMod val="88000"/>
+                <a:satMod val="140000"/>
+                <a:lumMod val="132000"/>
+              </a:schemeClr>
+            </a:duotone>
+          </a:blip>
+          <a:stretch/>
+        </a:blipFill>
+        <a:effectLst/>
+      </p:bgPr>
+    </p:bg>
     <p:spTree>
       <p:nvGrpSpPr>
         <p:cNvPr id="1" name=""/>
@@ -7583,9 +7717,16 @@
             <p:ph type="title"/>
           </p:nvPr>
         </p:nvSpPr>
-        <p:spPr/>
-        <p:txBody>
-          <a:bodyPr/>
+        <p:spPr>
+          <a:xfrm>
+            <a:off x="646111" y="452718"/>
+            <a:ext cx="9404723" cy="1400530"/>
+          </a:xfrm>
+        </p:spPr>
+        <p:txBody>
+          <a:bodyPr>
+            <a:normAutofit/>
+          </a:bodyPr>
           <a:lstStyle/>
           <a:p>
             <a:r>
@@ -7613,17 +7754,37 @@
         </p:nvSpPr>
         <p:spPr>
           <a:xfrm>
-            <a:off x="531922" y="1888471"/>
-            <a:ext cx="8946541" cy="4195481"/>
-          </a:xfrm>
-        </p:spPr>
-        <p:txBody>
-          <a:bodyPr/>
+            <a:off x="1103313" y="1342676"/>
+            <a:ext cx="5465340" cy="4905723"/>
+          </a:xfrm>
+        </p:spPr>
+        <p:txBody>
+          <a:bodyPr>
+            <a:normAutofit/>
+          </a:bodyPr>
           <a:lstStyle/>
           <a:p>
             <a:r>
               <a:rPr lang="en-CA" dirty="0"/>
               <a:t>Main Screen: The main screen will display the worldwide statistics as you can see on the screenshot. It is indeed live data retrieved from WHO(World Health Organization API).</a:t>
+            </a:r>
+          </a:p>
+          <a:p>
+            <a:r>
+              <a:rPr lang="en-CA" dirty="0" err="1"/>
+              <a:t>onBackPress</a:t>
+            </a:r>
+            <a:r>
+              <a:rPr lang="en-CA" dirty="0"/>
+              <a:t>: </a:t>
+            </a:r>
+            <a:r>
+              <a:rPr lang="en-CA" dirty="0" err="1"/>
+              <a:t>OnBackPress</a:t>
+            </a:r>
+            <a:r>
+              <a:rPr lang="en-CA" dirty="0"/>
+              <a:t> it will show a user and alert Dialog box if whether they want to exit the application or not.</a:t>
             </a:r>
           </a:p>
         </p:txBody>
@@ -7642,20 +7803,62 @@
           </p:cNvPicPr>
           <p:nvPr/>
         </p:nvPicPr>
-        <p:blipFill>
-          <a:blip r:embed="rId2"/>
-          <a:stretch>
-            <a:fillRect/>
-          </a:stretch>
+        <p:blipFill rotWithShape="1">
+          <a:blip r:embed="rId3"/>
+          <a:srcRect t="2607" r="-2" b="3189"/>
+          <a:stretch/>
         </p:blipFill>
         <p:spPr>
           <a:xfrm>
-            <a:off x="9364274" y="1399309"/>
-            <a:ext cx="2827726" cy="5173806"/>
+            <a:off x="6568653" y="1319843"/>
+            <a:ext cx="2438400" cy="4195481"/>
           </a:xfrm>
           <a:prstGeom prst="rect">
             <a:avLst/>
           </a:prstGeom>
+          <a:effectLst>
+            <a:outerShdw blurRad="50800" dist="38100" dir="5400000" algn="t" rotWithShape="0">
+              <a:prstClr val="black">
+                <a:alpha val="43000"/>
+              </a:prstClr>
+            </a:outerShdw>
+          </a:effectLst>
+        </p:spPr>
+      </p:pic>
+      <p:pic>
+        <p:nvPicPr>
+          <p:cNvPr id="5" name="Picture 4">
+            <a:extLst>
+              <a:ext uri="{FF2B5EF4-FFF2-40B4-BE49-F238E27FC236}">
+                <a16:creationId xmlns:a16="http://schemas.microsoft.com/office/drawing/2014/main" id="{C9089912-8A0F-4A7E-9FD3-4767D32AE422}"/>
+              </a:ext>
+            </a:extLst>
+          </p:cNvPr>
+          <p:cNvPicPr>
+            <a:picLocks noChangeAspect="1"/>
+          </p:cNvPicPr>
+          <p:nvPr/>
+        </p:nvPicPr>
+        <p:blipFill rotWithShape="1">
+          <a:blip r:embed="rId4"/>
+          <a:srcRect r="2" b="8140"/>
+          <a:stretch/>
+        </p:blipFill>
+        <p:spPr>
+          <a:xfrm>
+            <a:off x="9102049" y="1330908"/>
+            <a:ext cx="2443840" cy="4196184"/>
+          </a:xfrm>
+          <a:prstGeom prst="rect">
+            <a:avLst/>
+          </a:prstGeom>
+          <a:effectLst>
+            <a:outerShdw blurRad="50800" dist="38100" dir="5400000" algn="t" rotWithShape="0">
+              <a:prstClr val="black">
+                <a:alpha val="43000"/>
+              </a:prstClr>
+            </a:outerShdw>
+          </a:effectLst>
         </p:spPr>
       </p:pic>
     </p:spTree>
@@ -7674,6 +7877,30 @@
 <file path=ppt/slides/slide7.xml><?xml version="1.0" encoding="utf-8"?>
 <p:sld xmlns:a="http://schemas.openxmlformats.org/drawingml/2006/main" xmlns:r="http://schemas.openxmlformats.org/officeDocument/2006/relationships" xmlns:p="http://schemas.openxmlformats.org/presentationml/2006/main">
   <p:cSld>
+    <p:bg>
+      <p:bgPr>
+        <a:blipFill rotWithShape="1">
+          <a:blip r:embed="rId2">
+            <a:duotone>
+              <a:schemeClr val="bg2">
+                <a:shade val="69000"/>
+                <a:hueMod val="108000"/>
+                <a:satMod val="164000"/>
+                <a:lumMod val="74000"/>
+              </a:schemeClr>
+              <a:schemeClr val="bg2">
+                <a:tint val="96000"/>
+                <a:hueMod val="88000"/>
+                <a:satMod val="140000"/>
+                <a:lumMod val="132000"/>
+              </a:schemeClr>
+            </a:duotone>
+          </a:blip>
+          <a:stretch/>
+        </a:blipFill>
+        <a:effectLst/>
+      </p:bgPr>
+    </p:bg>
     <p:spTree>
       <p:nvGrpSpPr>
         <p:cNvPr id="1" name=""/>
@@ -7693,7 +7920,7 @@
           <p:cNvPr id="2" name="Title 1">
             <a:extLst>
               <a:ext uri="{FF2B5EF4-FFF2-40B4-BE49-F238E27FC236}">
-                <a16:creationId xmlns:a16="http://schemas.microsoft.com/office/drawing/2014/main" id="{607C6256-A095-47F9-995E-01C51DB26225}"/>
+                <a16:creationId xmlns:a16="http://schemas.microsoft.com/office/drawing/2014/main" id="{9BD62A5B-63AA-4BD5-9DAB-E491ED2F8296}"/>
               </a:ext>
             </a:extLst>
           </p:cNvPr>
@@ -7704,57 +7931,32 @@
             <p:ph type="title"/>
           </p:nvPr>
         </p:nvSpPr>
-        <p:spPr/>
-        <p:txBody>
-          <a:bodyPr/>
+        <p:spPr>
+          <a:xfrm>
+            <a:off x="5224006" y="629266"/>
+            <a:ext cx="4985469" cy="1469878"/>
+          </a:xfrm>
+        </p:spPr>
+        <p:txBody>
+          <a:bodyPr>
+            <a:normAutofit/>
+          </a:bodyPr>
           <a:lstStyle/>
           <a:p>
             <a:r>
-              <a:rPr lang="en-CA" dirty="0"/>
-              <a:t>User Interface:</a:t>
-            </a:r>
-          </a:p>
-        </p:txBody>
-      </p:sp>
-      <p:sp>
-        <p:nvSpPr>
-          <p:cNvPr id="3" name="Content Placeholder 2">
+              <a:rPr lang="en-CA"/>
+              <a:t>Background Change</a:t>
+            </a:r>
+            <a:endParaRPr lang="en-CA" dirty="0"/>
+          </a:p>
+        </p:txBody>
+      </p:sp>
+      <p:pic>
+        <p:nvPicPr>
+          <p:cNvPr id="4" name="Picture 3" descr="Graphical user interface&#10;&#10;Description automatically generated">
             <a:extLst>
               <a:ext uri="{FF2B5EF4-FFF2-40B4-BE49-F238E27FC236}">
-                <a16:creationId xmlns:a16="http://schemas.microsoft.com/office/drawing/2014/main" id="{A3ECAFB8-092E-473D-B9AE-4C2BD30121A6}"/>
-              </a:ext>
-            </a:extLst>
-          </p:cNvPr>
-          <p:cNvSpPr>
-            <a:spLocks noGrp="1"/>
-          </p:cNvSpPr>
-          <p:nvPr>
-            <p:ph idx="1"/>
-          </p:nvPr>
-        </p:nvSpPr>
-        <p:spPr>
-          <a:xfrm>
-            <a:off x="249005" y="1853248"/>
-            <a:ext cx="8946541" cy="4195481"/>
-          </a:xfrm>
-        </p:spPr>
-        <p:txBody>
-          <a:bodyPr/>
-          <a:lstStyle/>
-          <a:p>
-            <a:r>
-              <a:rPr lang="en-CA" dirty="0"/>
-              <a:t>Navigation: User will be able to decide where they wish to proceed next. They have the option between World Data, to see each affected countries, the states(USA) and also be able to use settings and eventually send us Feedback to improve or fix bugs in our application. </a:t>
-            </a:r>
-          </a:p>
-        </p:txBody>
-      </p:sp>
-      <p:pic>
-        <p:nvPicPr>
-          <p:cNvPr id="4" name="Picture 3">
-            <a:extLst>
-              <a:ext uri="{FF2B5EF4-FFF2-40B4-BE49-F238E27FC236}">
-                <a16:creationId xmlns:a16="http://schemas.microsoft.com/office/drawing/2014/main" id="{57A3125C-ADAD-4B49-A342-0F9152BC9547}"/>
+                <a16:creationId xmlns:a16="http://schemas.microsoft.com/office/drawing/2014/main" id="{C1B56D61-28A6-416C-B9B4-C6A8FB6C6BEB}"/>
               </a:ext>
             </a:extLst>
           </p:cNvPr>
@@ -7764,25 +7966,68 @@
           <p:nvPr/>
         </p:nvPicPr>
         <p:blipFill>
-          <a:blip r:embed="rId2"/>
+          <a:blip r:embed="rId3"/>
           <a:stretch>
             <a:fillRect/>
           </a:stretch>
         </p:blipFill>
         <p:spPr>
           <a:xfrm>
-            <a:off x="9195546" y="1134980"/>
-            <a:ext cx="2760545" cy="5287910"/>
+            <a:off x="1267167" y="691763"/>
+            <a:ext cx="3000583" cy="5556636"/>
           </a:xfrm>
           <a:prstGeom prst="rect">
             <a:avLst/>
           </a:prstGeom>
+          <a:effectLst>
+            <a:outerShdw blurRad="50800" dist="38100" dir="5400000" algn="t" rotWithShape="0">
+              <a:prstClr val="black">
+                <a:alpha val="43000"/>
+              </a:prstClr>
+            </a:outerShdw>
+          </a:effectLst>
         </p:spPr>
       </p:pic>
+      <p:sp>
+        <p:nvSpPr>
+          <p:cNvPr id="3" name="Content Placeholder 2">
+            <a:extLst>
+              <a:ext uri="{FF2B5EF4-FFF2-40B4-BE49-F238E27FC236}">
+                <a16:creationId xmlns:a16="http://schemas.microsoft.com/office/drawing/2014/main" id="{E45A0518-9B46-4EE7-B689-A1129CBE7EA8}"/>
+              </a:ext>
+            </a:extLst>
+          </p:cNvPr>
+          <p:cNvSpPr>
+            <a:spLocks noGrp="1"/>
+          </p:cNvSpPr>
+          <p:nvPr>
+            <p:ph idx="1"/>
+          </p:nvPr>
+        </p:nvSpPr>
+        <p:spPr>
+          <a:xfrm>
+            <a:off x="5224005" y="2337683"/>
+            <a:ext cx="4985470" cy="3910716"/>
+          </a:xfrm>
+        </p:spPr>
+        <p:txBody>
+          <a:bodyPr>
+            <a:normAutofit/>
+          </a:bodyPr>
+          <a:lstStyle/>
+          <a:p>
+            <a:r>
+              <a:rPr lang="en-CA"/>
+              <a:t>User will be able to change the color of the background using the theme button throughout all screens to make it easier for them. (Button will be available on all screens)</a:t>
+            </a:r>
+            <a:endParaRPr lang="en-CA" dirty="0"/>
+          </a:p>
+        </p:txBody>
+      </p:sp>
     </p:spTree>
     <p:extLst>
       <p:ext uri="{BB962C8B-B14F-4D97-AF65-F5344CB8AC3E}">
-        <p14:creationId xmlns:p14="http://schemas.microsoft.com/office/powerpoint/2010/main" val="4239534179"/>
+        <p14:creationId xmlns:p14="http://schemas.microsoft.com/office/powerpoint/2010/main" val="668883641"/>
       </p:ext>
     </p:extLst>
   </p:cSld>
@@ -7838,7 +8083,7 @@
           <p:cNvPr id="2" name="Title 1">
             <a:extLst>
               <a:ext uri="{FF2B5EF4-FFF2-40B4-BE49-F238E27FC236}">
-                <a16:creationId xmlns:a16="http://schemas.microsoft.com/office/drawing/2014/main" id="{2B85D73E-BF50-44D1-B22A-215859733B6E}"/>
+                <a16:creationId xmlns:a16="http://schemas.microsoft.com/office/drawing/2014/main" id="{607C6256-A095-47F9-995E-01C51DB26225}"/>
               </a:ext>
             </a:extLst>
           </p:cNvPr>
@@ -7851,8 +8096,8 @@
         </p:nvSpPr>
         <p:spPr>
           <a:xfrm>
-            <a:off x="646111" y="452718"/>
-            <a:ext cx="9404723" cy="1400530"/>
+            <a:off x="648930" y="629266"/>
+            <a:ext cx="9252154" cy="1223983"/>
           </a:xfrm>
         </p:spPr>
         <p:txBody>
@@ -7862,10 +8107,9 @@
           <a:lstStyle/>
           <a:p>
             <a:r>
-              <a:rPr lang="en-CA"/>
+              <a:rPr lang="en-CA" dirty="0"/>
               <a:t>User Interface:</a:t>
             </a:r>
-            <a:endParaRPr lang="en-CA" dirty="0"/>
           </a:p>
         </p:txBody>
       </p:sp>
@@ -7874,7 +8118,7 @@
           <p:cNvPr id="3" name="Content Placeholder 2">
             <a:extLst>
               <a:ext uri="{FF2B5EF4-FFF2-40B4-BE49-F238E27FC236}">
-                <a16:creationId xmlns:a16="http://schemas.microsoft.com/office/drawing/2014/main" id="{29E41508-E873-4B6A-9D1C-67EA964A525F}"/>
+                <a16:creationId xmlns:a16="http://schemas.microsoft.com/office/drawing/2014/main" id="{A3ECAFB8-092E-473D-B9AE-4C2BD30121A6}"/>
               </a:ext>
             </a:extLst>
           </p:cNvPr>
@@ -7887,8 +8131,8 @@
         </p:nvSpPr>
         <p:spPr>
           <a:xfrm>
-            <a:off x="1103313" y="2052918"/>
-            <a:ext cx="3300836" cy="4195481"/>
+            <a:off x="1103311" y="2052214"/>
+            <a:ext cx="5965394" cy="4196185"/>
           </a:xfrm>
         </p:spPr>
         <p:txBody>
@@ -7897,35 +8141,25 @@
           </a:bodyPr>
           <a:lstStyle/>
           <a:p>
-            <a:pPr>
-              <a:lnSpc>
-                <a:spcPct val="90000"/>
-              </a:lnSpc>
-            </a:pPr>
-            <a:r>
-              <a:rPr lang="en-CA"/>
-              <a:t>Your Country Screen: On this screen individual live data will be displayed for the selected countries worldwide.</a:t>
-            </a:r>
-          </a:p>
-          <a:p>
-            <a:pPr>
-              <a:lnSpc>
-                <a:spcPct val="90000"/>
-              </a:lnSpc>
-            </a:pPr>
-            <a:r>
-              <a:rPr lang="en-CA"/>
-              <a:t>By pressing on the drop down the list of all the countries will be displayed in alphabetical order for the user to choose the country they wish to see the data</a:t>
+            <a:r>
+              <a:rPr lang="en-CA" dirty="0"/>
+              <a:t>Navigation: User will be able to decide where they wish to proceed next. They have the option between World Data, to see each affected countries, the states(USA) and also be able to use settings and eventually send us Feedback to improve or fix bugs in our application.</a:t>
+            </a:r>
+          </a:p>
+          <a:p>
+            <a:r>
+              <a:rPr lang="en-CA" dirty="0"/>
+              <a:t>Tabs Functionality. </a:t>
             </a:r>
           </a:p>
         </p:txBody>
       </p:sp>
       <p:pic>
         <p:nvPicPr>
-          <p:cNvPr id="5" name="Picture 4">
+          <p:cNvPr id="6" name="Picture 5">
             <a:extLst>
               <a:ext uri="{FF2B5EF4-FFF2-40B4-BE49-F238E27FC236}">
-                <a16:creationId xmlns:a16="http://schemas.microsoft.com/office/drawing/2014/main" id="{622605DF-8705-4141-8421-25ED67D2B9D5}"/>
+                <a16:creationId xmlns:a16="http://schemas.microsoft.com/office/drawing/2014/main" id="{9D9C9D44-8207-4AEF-8D35-06666E34A93F}"/>
               </a:ext>
             </a:extLst>
           </p:cNvPr>
@@ -7934,15 +8168,16 @@
           </p:cNvPicPr>
           <p:nvPr/>
         </p:nvPicPr>
-        <p:blipFill rotWithShape="1">
+        <p:blipFill>
           <a:blip r:embed="rId3"/>
-          <a:srcRect r="-3" b="6225"/>
-          <a:stretch/>
+          <a:stretch>
+            <a:fillRect/>
+          </a:stretch>
         </p:blipFill>
         <p:spPr>
           <a:xfrm>
-            <a:off x="5348472" y="1645085"/>
-            <a:ext cx="2675431" cy="4603314"/>
+            <a:off x="8851949" y="1160511"/>
+            <a:ext cx="2778075" cy="5192663"/>
           </a:xfrm>
           <a:prstGeom prst="rect">
             <a:avLst/>
@@ -7956,46 +8191,10 @@
           </a:effectLst>
         </p:spPr>
       </p:pic>
-      <p:pic>
-        <p:nvPicPr>
-          <p:cNvPr id="6" name="Picture 5">
-            <a:extLst>
-              <a:ext uri="{FF2B5EF4-FFF2-40B4-BE49-F238E27FC236}">
-                <a16:creationId xmlns:a16="http://schemas.microsoft.com/office/drawing/2014/main" id="{59BA4DA5-ECBF-4D58-9393-134C070CCD57}"/>
-              </a:ext>
-            </a:extLst>
-          </p:cNvPr>
-          <p:cNvPicPr>
-            <a:picLocks noChangeAspect="1"/>
-          </p:cNvPicPr>
-          <p:nvPr/>
-        </p:nvPicPr>
-        <p:blipFill rotWithShape="1">
-          <a:blip r:embed="rId4"/>
-          <a:srcRect r="-2" b="10712"/>
-          <a:stretch/>
-        </p:blipFill>
-        <p:spPr>
-          <a:xfrm>
-            <a:off x="8353252" y="1645086"/>
-            <a:ext cx="2680950" cy="4603313"/>
-          </a:xfrm>
-          <a:prstGeom prst="rect">
-            <a:avLst/>
-          </a:prstGeom>
-          <a:effectLst>
-            <a:outerShdw blurRad="50800" dist="38100" dir="5400000" algn="t" rotWithShape="0">
-              <a:prstClr val="black">
-                <a:alpha val="43000"/>
-              </a:prstClr>
-            </a:outerShdw>
-          </a:effectLst>
-        </p:spPr>
-      </p:pic>
     </p:spTree>
     <p:extLst>
       <p:ext uri="{BB962C8B-B14F-4D97-AF65-F5344CB8AC3E}">
-        <p14:creationId xmlns:p14="http://schemas.microsoft.com/office/powerpoint/2010/main" val="1790352120"/>
+        <p14:creationId xmlns:p14="http://schemas.microsoft.com/office/powerpoint/2010/main" val="4239534179"/>
       </p:ext>
     </p:extLst>
   </p:cSld>
@@ -8051,7 +8250,7 @@
           <p:cNvPr id="2" name="Title 1">
             <a:extLst>
               <a:ext uri="{FF2B5EF4-FFF2-40B4-BE49-F238E27FC236}">
-                <a16:creationId xmlns:a16="http://schemas.microsoft.com/office/drawing/2014/main" id="{5D980BD3-FFA1-484C-A0AF-FA506A822536}"/>
+                <a16:creationId xmlns:a16="http://schemas.microsoft.com/office/drawing/2014/main" id="{2B85D73E-BF50-44D1-B22A-215859733B6E}"/>
               </a:ext>
             </a:extLst>
           </p:cNvPr>
@@ -8064,8 +8263,8 @@
         </p:nvSpPr>
         <p:spPr>
           <a:xfrm>
-            <a:off x="635459" y="4673250"/>
-            <a:ext cx="9164206" cy="831400"/>
+            <a:off x="646111" y="452718"/>
+            <a:ext cx="9404723" cy="1400530"/>
           </a:xfrm>
         </p:spPr>
         <p:txBody>
@@ -8075,8 +8274,60 @@
           <a:lstStyle/>
           <a:p>
             <a:r>
-              <a:rPr lang="en-CA" sz="4000" dirty="0"/>
+              <a:rPr lang="en-CA"/>
               <a:t>User Interface:</a:t>
+            </a:r>
+            <a:endParaRPr lang="en-CA" dirty="0"/>
+          </a:p>
+        </p:txBody>
+      </p:sp>
+      <p:sp>
+        <p:nvSpPr>
+          <p:cNvPr id="3" name="Content Placeholder 2">
+            <a:extLst>
+              <a:ext uri="{FF2B5EF4-FFF2-40B4-BE49-F238E27FC236}">
+                <a16:creationId xmlns:a16="http://schemas.microsoft.com/office/drawing/2014/main" id="{29E41508-E873-4B6A-9D1C-67EA964A525F}"/>
+              </a:ext>
+            </a:extLst>
+          </p:cNvPr>
+          <p:cNvSpPr>
+            <a:spLocks noGrp="1"/>
+          </p:cNvSpPr>
+          <p:nvPr>
+            <p:ph idx="1"/>
+          </p:nvPr>
+        </p:nvSpPr>
+        <p:spPr>
+          <a:xfrm>
+            <a:off x="1103313" y="2052918"/>
+            <a:ext cx="3300836" cy="4195481"/>
+          </a:xfrm>
+        </p:spPr>
+        <p:txBody>
+          <a:bodyPr>
+            <a:normAutofit/>
+          </a:bodyPr>
+          <a:lstStyle/>
+          <a:p>
+            <a:pPr>
+              <a:lnSpc>
+                <a:spcPct val="90000"/>
+              </a:lnSpc>
+            </a:pPr>
+            <a:r>
+              <a:rPr lang="en-CA"/>
+              <a:t>Your Country Screen: On this screen individual live data will be displayed for the selected countries worldwide.</a:t>
+            </a:r>
+          </a:p>
+          <a:p>
+            <a:pPr>
+              <a:lnSpc>
+                <a:spcPct val="90000"/>
+              </a:lnSpc>
+            </a:pPr>
+            <a:r>
+              <a:rPr lang="en-CA"/>
+              <a:t>By pressing on the drop down the list of all the countries will be displayed in alphabetical order for the user to choose the country they wish to see the data</a:t>
             </a:r>
           </a:p>
         </p:txBody>
@@ -8086,7 +8337,7 @@
           <p:cNvPr id="5" name="Picture 4">
             <a:extLst>
               <a:ext uri="{FF2B5EF4-FFF2-40B4-BE49-F238E27FC236}">
-                <a16:creationId xmlns:a16="http://schemas.microsoft.com/office/drawing/2014/main" id="{246F019A-08E2-4875-AFD1-CC2C608EEDB0}"/>
+                <a16:creationId xmlns:a16="http://schemas.microsoft.com/office/drawing/2014/main" id="{622605DF-8705-4141-8421-25ED67D2B9D5}"/>
               </a:ext>
             </a:extLst>
           </p:cNvPr>
@@ -8095,16 +8346,15 @@
           </p:cNvPicPr>
           <p:nvPr/>
         </p:nvPicPr>
-        <p:blipFill>
+        <p:blipFill rotWithShape="1">
           <a:blip r:embed="rId3"/>
-          <a:stretch>
-            <a:fillRect/>
-          </a:stretch>
+          <a:srcRect r="-3" b="6225"/>
+          <a:stretch/>
         </p:blipFill>
         <p:spPr>
           <a:xfrm>
-            <a:off x="4404802" y="599808"/>
-            <a:ext cx="2159583" cy="4036604"/>
+            <a:off x="5348472" y="1645085"/>
+            <a:ext cx="2675431" cy="4603314"/>
           </a:xfrm>
           <a:prstGeom prst="rect">
             <a:avLst/>
@@ -8120,10 +8370,10 @@
       </p:pic>
       <p:pic>
         <p:nvPicPr>
-          <p:cNvPr id="4" name="Picture 3">
+          <p:cNvPr id="6" name="Picture 5">
             <a:extLst>
               <a:ext uri="{FF2B5EF4-FFF2-40B4-BE49-F238E27FC236}">
-                <a16:creationId xmlns:a16="http://schemas.microsoft.com/office/drawing/2014/main" id="{AFC278E6-3061-4F9F-9054-A1DD9A0F0A9E}"/>
+                <a16:creationId xmlns:a16="http://schemas.microsoft.com/office/drawing/2014/main" id="{59BA4DA5-ECBF-4D58-9393-134C070CCD57}"/>
               </a:ext>
             </a:extLst>
           </p:cNvPr>
@@ -8132,16 +8382,15 @@
           </p:cNvPicPr>
           <p:nvPr/>
         </p:nvPicPr>
-        <p:blipFill>
+        <p:blipFill rotWithShape="1">
           <a:blip r:embed="rId4"/>
-          <a:stretch>
-            <a:fillRect/>
-          </a:stretch>
+          <a:srcRect r="-2" b="10712"/>
+          <a:stretch/>
         </p:blipFill>
         <p:spPr>
           <a:xfrm>
-            <a:off x="1502987" y="609194"/>
-            <a:ext cx="2159584" cy="4017832"/>
+            <a:off x="8353252" y="1645086"/>
+            <a:ext cx="2680950" cy="4603313"/>
           </a:xfrm>
           <a:prstGeom prst="rect">
             <a:avLst/>
@@ -8155,88 +8404,10 @@
           </a:effectLst>
         </p:spPr>
       </p:pic>
-      <p:pic>
-        <p:nvPicPr>
-          <p:cNvPr id="6" name="Picture 5">
-            <a:extLst>
-              <a:ext uri="{FF2B5EF4-FFF2-40B4-BE49-F238E27FC236}">
-                <a16:creationId xmlns:a16="http://schemas.microsoft.com/office/drawing/2014/main" id="{24AF1F6F-D4E2-45F0-94AA-95E8D15189BF}"/>
-              </a:ext>
-            </a:extLst>
-          </p:cNvPr>
-          <p:cNvPicPr>
-            <a:picLocks noChangeAspect="1"/>
-          </p:cNvPicPr>
-          <p:nvPr/>
-        </p:nvPicPr>
-        <p:blipFill>
-          <a:blip r:embed="rId5"/>
-          <a:stretch>
-            <a:fillRect/>
-          </a:stretch>
-        </p:blipFill>
-        <p:spPr>
-          <a:xfrm>
-            <a:off x="7449637" y="637032"/>
-            <a:ext cx="2159584" cy="3962541"/>
-          </a:xfrm>
-          <a:prstGeom prst="rect">
-            <a:avLst/>
-          </a:prstGeom>
-          <a:effectLst>
-            <a:outerShdw blurRad="50800" dist="38100" dir="5400000" algn="t" rotWithShape="0">
-              <a:prstClr val="black">
-                <a:alpha val="43000"/>
-              </a:prstClr>
-            </a:outerShdw>
-          </a:effectLst>
-        </p:spPr>
-      </p:pic>
-      <p:sp>
-        <p:nvSpPr>
-          <p:cNvPr id="3" name="Content Placeholder 2">
-            <a:extLst>
-              <a:ext uri="{FF2B5EF4-FFF2-40B4-BE49-F238E27FC236}">
-                <a16:creationId xmlns:a16="http://schemas.microsoft.com/office/drawing/2014/main" id="{DBE00B3F-DD47-413B-9B24-293728E3CFF5}"/>
-              </a:ext>
-            </a:extLst>
-          </p:cNvPr>
-          <p:cNvSpPr>
-            <a:spLocks noGrp="1"/>
-          </p:cNvSpPr>
-          <p:nvPr>
-            <p:ph idx="1"/>
-          </p:nvPr>
-        </p:nvSpPr>
-        <p:spPr>
-          <a:xfrm>
-            <a:off x="635459" y="5467746"/>
-            <a:ext cx="9164206" cy="1316931"/>
-          </a:xfrm>
-        </p:spPr>
-        <p:txBody>
-          <a:bodyPr>
-            <a:normAutofit/>
-          </a:bodyPr>
-          <a:lstStyle/>
-          <a:p>
-            <a:r>
-              <a:rPr lang="en-CA" sz="1800" dirty="0"/>
-              <a:t>Settings Screen: On this screen user will be able to save their signature for their email and set their reply action if it is either reply to only on or reply to all.</a:t>
-            </a:r>
-          </a:p>
-          <a:p>
-            <a:r>
-              <a:rPr lang="en-CA" sz="1800" dirty="0"/>
-              <a:t>User’s preferences will be saved even if the application is closed or cleared.</a:t>
-            </a:r>
-          </a:p>
-        </p:txBody>
-      </p:sp>
     </p:spTree>
     <p:extLst>
       <p:ext uri="{BB962C8B-B14F-4D97-AF65-F5344CB8AC3E}">
-        <p14:creationId xmlns:p14="http://schemas.microsoft.com/office/powerpoint/2010/main" val="1584328907"/>
+        <p14:creationId xmlns:p14="http://schemas.microsoft.com/office/powerpoint/2010/main" val="1790352120"/>
       </p:ext>
     </p:extLst>
   </p:cSld>
@@ -8510,4 +8681,47 @@
     </a:ext>
   </a:extLst>
 </a:theme>
+</file>
+
+<file path=ppt/theme/themeOverride1.xml><?xml version="1.0" encoding="utf-8"?>
+<a:themeOverride xmlns:a="http://schemas.openxmlformats.org/drawingml/2006/main">
+  <a:clrScheme name="Ion">
+    <a:dk1>
+      <a:sysClr val="windowText" lastClr="000000"/>
+    </a:dk1>
+    <a:lt1>
+      <a:sysClr val="window" lastClr="FFFFFF"/>
+    </a:lt1>
+    <a:dk2>
+      <a:srgbClr val="1E5155"/>
+    </a:dk2>
+    <a:lt2>
+      <a:srgbClr val="EBEBEB"/>
+    </a:lt2>
+    <a:accent1>
+      <a:srgbClr val="B01513"/>
+    </a:accent1>
+    <a:accent2>
+      <a:srgbClr val="EA6312"/>
+    </a:accent2>
+    <a:accent3>
+      <a:srgbClr val="E6B729"/>
+    </a:accent3>
+    <a:accent4>
+      <a:srgbClr val="6AAC90"/>
+    </a:accent4>
+    <a:accent5>
+      <a:srgbClr val="54849A"/>
+    </a:accent5>
+    <a:accent6>
+      <a:srgbClr val="9E5E9B"/>
+    </a:accent6>
+    <a:hlink>
+      <a:srgbClr val="58C1BA"/>
+    </a:hlink>
+    <a:folHlink>
+      <a:srgbClr val="9DFFCB"/>
+    </a:folHlink>
+  </a:clrScheme>
+</a:themeOverride>
 </file>
--- a/Final Presentation.pptx
+++ b/Final Presentation.pptx
@@ -17,6 +17,7 @@
     <p:sldId id="265" r:id="rId11"/>
     <p:sldId id="266" r:id="rId12"/>
     <p:sldId id="267" r:id="rId13"/>
+    <p:sldId id="270" r:id="rId14"/>
   </p:sldIdLst>
   <p:sldSz cx="12192000" cy="6858000"/>
   <p:notesSz cx="6858000" cy="9144000"/>
@@ -6174,7 +6175,7 @@
           <a:lstStyle/>
           <a:p>
             <a:r>
-              <a:rPr lang="en-CA"/>
+              <a:rPr lang="en-CA" dirty="0"/>
               <a:t>COVID TRACKER APP</a:t>
             </a:r>
           </a:p>
@@ -6338,10 +6339,10 @@
       </p:pic>
       <p:pic>
         <p:nvPicPr>
-          <p:cNvPr id="4" name="Picture 3">
+          <p:cNvPr id="6" name="Picture 5">
             <a:extLst>
               <a:ext uri="{FF2B5EF4-FFF2-40B4-BE49-F238E27FC236}">
-                <a16:creationId xmlns:a16="http://schemas.microsoft.com/office/drawing/2014/main" id="{AFC278E6-3061-4F9F-9054-A1DD9A0F0A9E}"/>
+                <a16:creationId xmlns:a16="http://schemas.microsoft.com/office/drawing/2014/main" id="{24AF1F6F-D4E2-45F0-94AA-95E8D15189BF}"/>
               </a:ext>
             </a:extLst>
           </p:cNvPr>
@@ -6358,8 +6359,8 @@
         </p:blipFill>
         <p:spPr>
           <a:xfrm>
-            <a:off x="1502987" y="609194"/>
-            <a:ext cx="2159584" cy="4017832"/>
+            <a:off x="7449637" y="637032"/>
+            <a:ext cx="2159584" cy="3962541"/>
           </a:xfrm>
           <a:prstGeom prst="rect">
             <a:avLst/>
@@ -6373,12 +6374,53 @@
           </a:effectLst>
         </p:spPr>
       </p:pic>
+      <p:sp>
+        <p:nvSpPr>
+          <p:cNvPr id="3" name="Content Placeholder 2">
+            <a:extLst>
+              <a:ext uri="{FF2B5EF4-FFF2-40B4-BE49-F238E27FC236}">
+                <a16:creationId xmlns:a16="http://schemas.microsoft.com/office/drawing/2014/main" id="{DBE00B3F-DD47-413B-9B24-293728E3CFF5}"/>
+              </a:ext>
+            </a:extLst>
+          </p:cNvPr>
+          <p:cNvSpPr>
+            <a:spLocks noGrp="1"/>
+          </p:cNvSpPr>
+          <p:nvPr>
+            <p:ph idx="1"/>
+          </p:nvPr>
+        </p:nvSpPr>
+        <p:spPr>
+          <a:xfrm>
+            <a:off x="635459" y="5467746"/>
+            <a:ext cx="9164206" cy="1316931"/>
+          </a:xfrm>
+        </p:spPr>
+        <p:txBody>
+          <a:bodyPr>
+            <a:normAutofit/>
+          </a:bodyPr>
+          <a:lstStyle/>
+          <a:p>
+            <a:r>
+              <a:rPr lang="en-CA" sz="1800" dirty="0"/>
+              <a:t>Settings Screen: On this screen user will be able to save their signature for their email and set their reply action if it is either reply to only on or reply to all.</a:t>
+            </a:r>
+          </a:p>
+          <a:p>
+            <a:r>
+              <a:rPr lang="en-CA" sz="1800" dirty="0"/>
+              <a:t>User’s preferences will be saved even if the application is closed or cleared.</a:t>
+            </a:r>
+          </a:p>
+        </p:txBody>
+      </p:sp>
       <p:pic>
         <p:nvPicPr>
-          <p:cNvPr id="6" name="Picture 5">
+          <p:cNvPr id="7" name="Picture 6">
             <a:extLst>
               <a:ext uri="{FF2B5EF4-FFF2-40B4-BE49-F238E27FC236}">
-                <a16:creationId xmlns:a16="http://schemas.microsoft.com/office/drawing/2014/main" id="{24AF1F6F-D4E2-45F0-94AA-95E8D15189BF}"/>
+                <a16:creationId xmlns:a16="http://schemas.microsoft.com/office/drawing/2014/main" id="{F84ABFB0-F1F8-455F-93C0-AD1E82901321}"/>
               </a:ext>
             </a:extLst>
           </p:cNvPr>
@@ -6395,62 +6437,14 @@
         </p:blipFill>
         <p:spPr>
           <a:xfrm>
-            <a:off x="7449637" y="637032"/>
-            <a:ext cx="2159584" cy="3962541"/>
+            <a:off x="1245059" y="599808"/>
+            <a:ext cx="2274491" cy="4073442"/>
           </a:xfrm>
           <a:prstGeom prst="rect">
             <a:avLst/>
           </a:prstGeom>
-          <a:effectLst>
-            <a:outerShdw blurRad="50800" dist="38100" dir="5400000" algn="t" rotWithShape="0">
-              <a:prstClr val="black">
-                <a:alpha val="43000"/>
-              </a:prstClr>
-            </a:outerShdw>
-          </a:effectLst>
         </p:spPr>
       </p:pic>
-      <p:sp>
-        <p:nvSpPr>
-          <p:cNvPr id="3" name="Content Placeholder 2">
-            <a:extLst>
-              <a:ext uri="{FF2B5EF4-FFF2-40B4-BE49-F238E27FC236}">
-                <a16:creationId xmlns:a16="http://schemas.microsoft.com/office/drawing/2014/main" id="{DBE00B3F-DD47-413B-9B24-293728E3CFF5}"/>
-              </a:ext>
-            </a:extLst>
-          </p:cNvPr>
-          <p:cNvSpPr>
-            <a:spLocks noGrp="1"/>
-          </p:cNvSpPr>
-          <p:nvPr>
-            <p:ph idx="1"/>
-          </p:nvPr>
-        </p:nvSpPr>
-        <p:spPr>
-          <a:xfrm>
-            <a:off x="635459" y="5467746"/>
-            <a:ext cx="9164206" cy="1316931"/>
-          </a:xfrm>
-        </p:spPr>
-        <p:txBody>
-          <a:bodyPr>
-            <a:normAutofit/>
-          </a:bodyPr>
-          <a:lstStyle/>
-          <a:p>
-            <a:r>
-              <a:rPr lang="en-CA" sz="1800" dirty="0"/>
-              <a:t>Settings Screen: On this screen user will be able to save their signature for their email and set their reply action if it is either reply to only on or reply to all.</a:t>
-            </a:r>
-          </a:p>
-          <a:p>
-            <a:r>
-              <a:rPr lang="en-CA" sz="1800" dirty="0"/>
-              <a:t>User’s preferences will be saved even if the application is closed or cleared.</a:t>
-            </a:r>
-          </a:p>
-        </p:txBody>
-      </p:sp>
     </p:spTree>
     <p:extLst>
       <p:ext uri="{BB962C8B-B14F-4D97-AF65-F5344CB8AC3E}">
@@ -6981,6 +6975,1077 @@
 </p:sld>
 </file>
 
+<file path=ppt/slides/slide13.xml><?xml version="1.0" encoding="utf-8"?>
+<p:sld xmlns:a="http://schemas.openxmlformats.org/drawingml/2006/main" xmlns:r="http://schemas.openxmlformats.org/officeDocument/2006/relationships" xmlns:p="http://schemas.openxmlformats.org/presentationml/2006/main">
+  <p:cSld>
+    <p:bg>
+      <p:bgPr>
+        <a:solidFill>
+          <a:schemeClr val="bg2"/>
+        </a:solidFill>
+        <a:effectLst/>
+      </p:bgPr>
+    </p:bg>
+    <p:spTree>
+      <p:nvGrpSpPr>
+        <p:cNvPr id="1" name=""/>
+        <p:cNvGrpSpPr/>
+        <p:nvPr/>
+      </p:nvGrpSpPr>
+      <p:grpSpPr>
+        <a:xfrm>
+          <a:off x="0" y="0"/>
+          <a:ext cx="0" cy="0"/>
+          <a:chOff x="0" y="0"/>
+          <a:chExt cx="0" cy="0"/>
+        </a:xfrm>
+      </p:grpSpPr>
+      <p:sp useBgFill="1">
+        <p:nvSpPr>
+          <p:cNvPr id="16" name="Rectangle 7">
+            <a:extLst>
+              <a:ext uri="{FF2B5EF4-FFF2-40B4-BE49-F238E27FC236}">
+                <a16:creationId xmlns:a16="http://schemas.microsoft.com/office/drawing/2014/main" id="{052BEFF1-896C-45B1-B02C-96A6A1BC389A}"/>
+              </a:ext>
+              <a:ext uri="{C183D7F6-B498-43B3-948B-1728B52AA6E4}">
+                <adec:decorative xmlns:adec="http://schemas.microsoft.com/office/drawing/2017/decorative" val="1"/>
+              </a:ext>
+            </a:extLst>
+          </p:cNvPr>
+          <p:cNvSpPr>
+            <a:spLocks noGrp="1" noRot="1" noChangeAspect="1" noMove="1" noResize="1" noEditPoints="1" noAdjustHandles="1" noChangeArrowheads="1" noChangeShapeType="1" noTextEdit="1"/>
+          </p:cNvSpPr>
+          <p:nvPr>
+            <p:extLst>
+              <p:ext uri="{386F3935-93C4-4BCD-93E2-E3B085C9AB24}">
+                <p16:designElem xmlns:p16="http://schemas.microsoft.com/office/powerpoint/2015/main" val="1"/>
+              </p:ext>
+            </p:extLst>
+          </p:nvPr>
+        </p:nvSpPr>
+        <p:spPr>
+          <a:xfrm>
+            <a:off x="1" y="0"/>
+            <a:ext cx="12192000" cy="6858000"/>
+          </a:xfrm>
+          <a:prstGeom prst="rect">
+            <a:avLst/>
+          </a:prstGeom>
+          <a:ln>
+            <a:noFill/>
+          </a:ln>
+        </p:spPr>
+        <p:style>
+          <a:lnRef idx="2">
+            <a:schemeClr val="accent1">
+              <a:shade val="50000"/>
+            </a:schemeClr>
+          </a:lnRef>
+          <a:fillRef idx="1003">
+            <a:schemeClr val="dk2"/>
+          </a:fillRef>
+          <a:effectRef idx="0">
+            <a:schemeClr val="accent1"/>
+          </a:effectRef>
+          <a:fontRef idx="minor">
+            <a:schemeClr val="lt1"/>
+          </a:fontRef>
+        </p:style>
+        <p:txBody>
+          <a:bodyPr rtlCol="0" anchor="ctr"/>
+          <a:lstStyle/>
+          <a:p>
+            <a:pPr algn="ctr"/>
+            <a:endParaRPr lang="en-US"/>
+          </a:p>
+        </p:txBody>
+      </p:sp>
+      <p:sp>
+        <p:nvSpPr>
+          <p:cNvPr id="17" name="Freeform 36">
+            <a:extLst>
+              <a:ext uri="{FF2B5EF4-FFF2-40B4-BE49-F238E27FC236}">
+                <a16:creationId xmlns:a16="http://schemas.microsoft.com/office/drawing/2014/main" id="{BB237A14-61B1-4C00-A670-5D8D68A8668E}"/>
+              </a:ext>
+              <a:ext uri="{C183D7F6-B498-43B3-948B-1728B52AA6E4}">
+                <adec:decorative xmlns:adec="http://schemas.microsoft.com/office/drawing/2017/decorative" val="1"/>
+              </a:ext>
+            </a:extLst>
+          </p:cNvPr>
+          <p:cNvSpPr>
+            <a:spLocks noGrp="1" noRot="1" noChangeAspect="1" noMove="1" noResize="1" noEditPoints="1" noAdjustHandles="1" noChangeArrowheads="1" noChangeShapeType="1" noTextEdit="1"/>
+          </p:cNvSpPr>
+          <p:nvPr>
+            <p:extLst>
+              <p:ext uri="{386F3935-93C4-4BCD-93E2-E3B085C9AB24}">
+                <p16:designElem xmlns:p16="http://schemas.microsoft.com/office/powerpoint/2015/main" val="1"/>
+              </p:ext>
+            </p:extLst>
+          </p:nvPr>
+        </p:nvSpPr>
+        <p:spPr>
+          <a:xfrm flipH="1">
+            <a:off x="4644637" y="0"/>
+            <a:ext cx="559472" cy="3709642"/>
+          </a:xfrm>
+          <a:custGeom>
+            <a:avLst/>
+            <a:gdLst>
+              <a:gd name="connsiteX0" fmla="*/ 0 w 559472"/>
+              <a:gd name="connsiteY0" fmla="*/ 0 h 3709642"/>
+              <a:gd name="connsiteX1" fmla="*/ 473952 w 559472"/>
+              <a:gd name="connsiteY1" fmla="*/ 0 h 3709642"/>
+              <a:gd name="connsiteX2" fmla="*/ 485840 w 559472"/>
+              <a:gd name="connsiteY2" fmla="*/ 161194 h 3709642"/>
+              <a:gd name="connsiteX3" fmla="*/ 523949 w 559472"/>
+              <a:gd name="connsiteY3" fmla="*/ 3672197 h 3709642"/>
+              <a:gd name="connsiteX4" fmla="*/ 454748 w 559472"/>
+              <a:gd name="connsiteY4" fmla="*/ 3709642 h 3709642"/>
+              <a:gd name="connsiteX5" fmla="*/ 448224 w 559472"/>
+              <a:gd name="connsiteY5" fmla="*/ 3510471 h 3709642"/>
+              <a:gd name="connsiteX6" fmla="*/ 443564 w 559472"/>
+              <a:gd name="connsiteY6" fmla="*/ 3408563 h 3709642"/>
+              <a:gd name="connsiteX7" fmla="*/ 438902 w 559472"/>
+              <a:gd name="connsiteY7" fmla="*/ 3304407 h 3709642"/>
+              <a:gd name="connsiteX8" fmla="*/ 433941 w 559472"/>
+              <a:gd name="connsiteY8" fmla="*/ 3198777 h 3709642"/>
+              <a:gd name="connsiteX9" fmla="*/ 427584 w 559472"/>
+              <a:gd name="connsiteY9" fmla="*/ 3092510 h 3709642"/>
+              <a:gd name="connsiteX10" fmla="*/ 420988 w 559472"/>
+              <a:gd name="connsiteY10" fmla="*/ 2984390 h 3709642"/>
+              <a:gd name="connsiteX11" fmla="*/ 414330 w 559472"/>
+              <a:gd name="connsiteY11" fmla="*/ 2874401 h 3709642"/>
+              <a:gd name="connsiteX12" fmla="*/ 406840 w 559472"/>
+              <a:gd name="connsiteY12" fmla="*/ 2762980 h 3709642"/>
+              <a:gd name="connsiteX13" fmla="*/ 397745 w 559472"/>
+              <a:gd name="connsiteY13" fmla="*/ 2650566 h 3709642"/>
+              <a:gd name="connsiteX14" fmla="*/ 389154 w 559472"/>
+              <a:gd name="connsiteY14" fmla="*/ 2536612 h 3709642"/>
+              <a:gd name="connsiteX15" fmla="*/ 379225 w 559472"/>
+              <a:gd name="connsiteY15" fmla="*/ 2421642 h 3709642"/>
+              <a:gd name="connsiteX16" fmla="*/ 368316 w 559472"/>
+              <a:gd name="connsiteY16" fmla="*/ 2305627 h 3709642"/>
+              <a:gd name="connsiteX17" fmla="*/ 357466 w 559472"/>
+              <a:gd name="connsiteY17" fmla="*/ 2189233 h 3709642"/>
+              <a:gd name="connsiteX18" fmla="*/ 344982 w 559472"/>
+              <a:gd name="connsiteY18" fmla="*/ 2071473 h 3709642"/>
+              <a:gd name="connsiteX19" fmla="*/ 332466 w 559472"/>
+              <a:gd name="connsiteY19" fmla="*/ 1952216 h 3709642"/>
+              <a:gd name="connsiteX20" fmla="*/ 319121 w 559472"/>
+              <a:gd name="connsiteY20" fmla="*/ 1833776 h 3709642"/>
+              <a:gd name="connsiteX21" fmla="*/ 304408 w 559472"/>
+              <a:gd name="connsiteY21" fmla="*/ 1713948 h 3709642"/>
+              <a:gd name="connsiteX22" fmla="*/ 288685 w 559472"/>
+              <a:gd name="connsiteY22" fmla="*/ 1592703 h 3709642"/>
+              <a:gd name="connsiteX23" fmla="*/ 273050 w 559472"/>
+              <a:gd name="connsiteY23" fmla="*/ 1471451 h 3709642"/>
+              <a:gd name="connsiteX24" fmla="*/ 255813 w 559472"/>
+              <a:gd name="connsiteY24" fmla="*/ 1350328 h 3709642"/>
+              <a:gd name="connsiteX25" fmla="*/ 237060 w 559472"/>
+              <a:gd name="connsiteY25" fmla="*/ 1227080 h 3709642"/>
+              <a:gd name="connsiteX26" fmla="*/ 218488 w 559472"/>
+              <a:gd name="connsiteY26" fmla="*/ 1106065 h 3709642"/>
+              <a:gd name="connsiteX27" fmla="*/ 198221 w 559472"/>
+              <a:gd name="connsiteY27" fmla="*/ 982940 h 3709642"/>
+              <a:gd name="connsiteX28" fmla="*/ 177152 w 559472"/>
+              <a:gd name="connsiteY28" fmla="*/ 858755 h 3709642"/>
+              <a:gd name="connsiteX29" fmla="*/ 155551 w 559472"/>
+              <a:gd name="connsiteY29" fmla="*/ 736861 h 3709642"/>
+              <a:gd name="connsiteX30" fmla="*/ 131782 w 559472"/>
+              <a:gd name="connsiteY30" fmla="*/ 613645 h 3709642"/>
+              <a:gd name="connsiteX31" fmla="*/ 107123 w 559472"/>
+              <a:gd name="connsiteY31" fmla="*/ 490500 h 3709642"/>
+              <a:gd name="connsiteX32" fmla="*/ 82552 w 559472"/>
+              <a:gd name="connsiteY32" fmla="*/ 367348 h 3709642"/>
+              <a:gd name="connsiteX33" fmla="*/ 55608 w 559472"/>
+              <a:gd name="connsiteY33" fmla="*/ 244762 h 3709642"/>
+              <a:gd name="connsiteX34" fmla="*/ 28130 w 559472"/>
+              <a:gd name="connsiteY34" fmla="*/ 122220 h 3709642"/>
+              <a:gd name="connsiteX35" fmla="*/ 0 w 559472"/>
+              <a:gd name="connsiteY35" fmla="*/ 0 h 3709642"/>
+            </a:gdLst>
+            <a:ahLst/>
+            <a:cxnLst>
+              <a:cxn ang="0">
+                <a:pos x="connsiteX0" y="connsiteY0"/>
+              </a:cxn>
+              <a:cxn ang="0">
+                <a:pos x="connsiteX1" y="connsiteY1"/>
+              </a:cxn>
+              <a:cxn ang="0">
+                <a:pos x="connsiteX2" y="connsiteY2"/>
+              </a:cxn>
+              <a:cxn ang="0">
+                <a:pos x="connsiteX3" y="connsiteY3"/>
+              </a:cxn>
+              <a:cxn ang="0">
+                <a:pos x="connsiteX4" y="connsiteY4"/>
+              </a:cxn>
+              <a:cxn ang="0">
+                <a:pos x="connsiteX5" y="connsiteY5"/>
+              </a:cxn>
+              <a:cxn ang="0">
+                <a:pos x="connsiteX6" y="connsiteY6"/>
+              </a:cxn>
+              <a:cxn ang="0">
+                <a:pos x="connsiteX7" y="connsiteY7"/>
+              </a:cxn>
+              <a:cxn ang="0">
+                <a:pos x="connsiteX8" y="connsiteY8"/>
+              </a:cxn>
+              <a:cxn ang="0">
+                <a:pos x="connsiteX9" y="connsiteY9"/>
+              </a:cxn>
+              <a:cxn ang="0">
+                <a:pos x="connsiteX10" y="connsiteY10"/>
+              </a:cxn>
+              <a:cxn ang="0">
+                <a:pos x="connsiteX11" y="connsiteY11"/>
+              </a:cxn>
+              <a:cxn ang="0">
+                <a:pos x="connsiteX12" y="connsiteY12"/>
+              </a:cxn>
+              <a:cxn ang="0">
+                <a:pos x="connsiteX13" y="connsiteY13"/>
+              </a:cxn>
+              <a:cxn ang="0">
+                <a:pos x="connsiteX14" y="connsiteY14"/>
+              </a:cxn>
+              <a:cxn ang="0">
+                <a:pos x="connsiteX15" y="connsiteY15"/>
+              </a:cxn>
+              <a:cxn ang="0">
+                <a:pos x="connsiteX16" y="connsiteY16"/>
+              </a:cxn>
+              <a:cxn ang="0">
+                <a:pos x="connsiteX17" y="connsiteY17"/>
+              </a:cxn>
+              <a:cxn ang="0">
+                <a:pos x="connsiteX18" y="connsiteY18"/>
+              </a:cxn>
+              <a:cxn ang="0">
+                <a:pos x="connsiteX19" y="connsiteY19"/>
+              </a:cxn>
+              <a:cxn ang="0">
+                <a:pos x="connsiteX20" y="connsiteY20"/>
+              </a:cxn>
+              <a:cxn ang="0">
+                <a:pos x="connsiteX21" y="connsiteY21"/>
+              </a:cxn>
+              <a:cxn ang="0">
+                <a:pos x="connsiteX22" y="connsiteY22"/>
+              </a:cxn>
+              <a:cxn ang="0">
+                <a:pos x="connsiteX23" y="connsiteY23"/>
+              </a:cxn>
+              <a:cxn ang="0">
+                <a:pos x="connsiteX24" y="connsiteY24"/>
+              </a:cxn>
+              <a:cxn ang="0">
+                <a:pos x="connsiteX25" y="connsiteY25"/>
+              </a:cxn>
+              <a:cxn ang="0">
+                <a:pos x="connsiteX26" y="connsiteY26"/>
+              </a:cxn>
+              <a:cxn ang="0">
+                <a:pos x="connsiteX27" y="connsiteY27"/>
+              </a:cxn>
+              <a:cxn ang="0">
+                <a:pos x="connsiteX28" y="connsiteY28"/>
+              </a:cxn>
+              <a:cxn ang="0">
+                <a:pos x="connsiteX29" y="connsiteY29"/>
+              </a:cxn>
+              <a:cxn ang="0">
+                <a:pos x="connsiteX30" y="connsiteY30"/>
+              </a:cxn>
+              <a:cxn ang="0">
+                <a:pos x="connsiteX31" y="connsiteY31"/>
+              </a:cxn>
+              <a:cxn ang="0">
+                <a:pos x="connsiteX32" y="connsiteY32"/>
+              </a:cxn>
+              <a:cxn ang="0">
+                <a:pos x="connsiteX33" y="connsiteY33"/>
+              </a:cxn>
+              <a:cxn ang="0">
+                <a:pos x="connsiteX34" y="connsiteY34"/>
+              </a:cxn>
+              <a:cxn ang="0">
+                <a:pos x="connsiteX35" y="connsiteY35"/>
+              </a:cxn>
+            </a:cxnLst>
+            <a:rect l="l" t="t" r="r" b="b"/>
+            <a:pathLst>
+              <a:path w="559472" h="3709642">
+                <a:moveTo>
+                  <a:pt x="0" y="0"/>
+                </a:moveTo>
+                <a:lnTo>
+                  <a:pt x="473952" y="0"/>
+                </a:lnTo>
+                <a:lnTo>
+                  <a:pt x="485840" y="161194"/>
+                </a:lnTo>
+                <a:cubicBezTo>
+                  <a:pt x="552063" y="1147770"/>
+                  <a:pt x="592441" y="3086737"/>
+                  <a:pt x="523949" y="3672197"/>
+                </a:cubicBezTo>
+                <a:cubicBezTo>
+                  <a:pt x="500842" y="3684557"/>
+                  <a:pt x="477855" y="3697282"/>
+                  <a:pt x="454748" y="3709642"/>
+                </a:cubicBezTo>
+                <a:lnTo>
+                  <a:pt x="448224" y="3510471"/>
+                </a:lnTo>
+                <a:lnTo>
+                  <a:pt x="443564" y="3408563"/>
+                </a:lnTo>
+                <a:lnTo>
+                  <a:pt x="438902" y="3304407"/>
+                </a:lnTo>
+                <a:lnTo>
+                  <a:pt x="433941" y="3198777"/>
+                </a:lnTo>
+                <a:lnTo>
+                  <a:pt x="427584" y="3092510"/>
+                </a:lnTo>
+                <a:lnTo>
+                  <a:pt x="420988" y="2984390"/>
+                </a:lnTo>
+                <a:lnTo>
+                  <a:pt x="414330" y="2874401"/>
+                </a:lnTo>
+                <a:lnTo>
+                  <a:pt x="406840" y="2762980"/>
+                </a:lnTo>
+                <a:lnTo>
+                  <a:pt x="397745" y="2650566"/>
+                </a:lnTo>
+                <a:lnTo>
+                  <a:pt x="389154" y="2536612"/>
+                </a:lnTo>
+                <a:lnTo>
+                  <a:pt x="379225" y="2421642"/>
+                </a:lnTo>
+                <a:lnTo>
+                  <a:pt x="368316" y="2305627"/>
+                </a:lnTo>
+                <a:lnTo>
+                  <a:pt x="357466" y="2189233"/>
+                </a:lnTo>
+                <a:lnTo>
+                  <a:pt x="344982" y="2071473"/>
+                </a:lnTo>
+                <a:lnTo>
+                  <a:pt x="332466" y="1952216"/>
+                </a:lnTo>
+                <a:lnTo>
+                  <a:pt x="319121" y="1833776"/>
+                </a:lnTo>
+                <a:lnTo>
+                  <a:pt x="304408" y="1713948"/>
+                </a:lnTo>
+                <a:lnTo>
+                  <a:pt x="288685" y="1592703"/>
+                </a:lnTo>
+                <a:lnTo>
+                  <a:pt x="273050" y="1471451"/>
+                </a:lnTo>
+                <a:lnTo>
+                  <a:pt x="255813" y="1350328"/>
+                </a:lnTo>
+                <a:lnTo>
+                  <a:pt x="237060" y="1227080"/>
+                </a:lnTo>
+                <a:lnTo>
+                  <a:pt x="218488" y="1106065"/>
+                </a:lnTo>
+                <a:lnTo>
+                  <a:pt x="198221" y="982940"/>
+                </a:lnTo>
+                <a:lnTo>
+                  <a:pt x="177152" y="858755"/>
+                </a:lnTo>
+                <a:lnTo>
+                  <a:pt x="155551" y="736861"/>
+                </a:lnTo>
+                <a:lnTo>
+                  <a:pt x="131782" y="613645"/>
+                </a:lnTo>
+                <a:lnTo>
+                  <a:pt x="107123" y="490500"/>
+                </a:lnTo>
+                <a:lnTo>
+                  <a:pt x="82552" y="367348"/>
+                </a:lnTo>
+                <a:lnTo>
+                  <a:pt x="55608" y="244762"/>
+                </a:lnTo>
+                <a:lnTo>
+                  <a:pt x="28130" y="122220"/>
+                </a:lnTo>
+                <a:lnTo>
+                  <a:pt x="0" y="0"/>
+                </a:lnTo>
+                <a:close/>
+              </a:path>
+            </a:pathLst>
+          </a:custGeom>
+          <a:solidFill>
+            <a:schemeClr val="tx2">
+              <a:alpha val="20000"/>
+            </a:schemeClr>
+          </a:solidFill>
+          <a:ln>
+            <a:noFill/>
+          </a:ln>
+        </p:spPr>
+        <p:txBody>
+          <a:bodyPr rtlCol="0" anchor="ctr"/>
+          <a:lstStyle/>
+          <a:p>
+            <a:pPr algn="ctr"/>
+            <a:endParaRPr lang="en-US"/>
+          </a:p>
+        </p:txBody>
+      </p:sp>
+      <p:sp>
+        <p:nvSpPr>
+          <p:cNvPr id="18" name="Freeform: Shape 11">
+            <a:extLst>
+              <a:ext uri="{FF2B5EF4-FFF2-40B4-BE49-F238E27FC236}">
+                <a16:creationId xmlns:a16="http://schemas.microsoft.com/office/drawing/2014/main" id="{8598F259-6F54-47A3-8D13-1603D786A328}"/>
+              </a:ext>
+              <a:ext uri="{C183D7F6-B498-43B3-948B-1728B52AA6E4}">
+                <adec:decorative xmlns:adec="http://schemas.microsoft.com/office/drawing/2017/decorative" val="1"/>
+              </a:ext>
+            </a:extLst>
+          </p:cNvPr>
+          <p:cNvSpPr>
+            <a:spLocks noGrp="1" noRot="1" noChangeAspect="1" noMove="1" noResize="1" noEditPoints="1" noAdjustHandles="1" noChangeArrowheads="1" noChangeShapeType="1" noTextEdit="1"/>
+          </p:cNvSpPr>
+          <p:nvPr>
+            <p:extLst>
+              <p:ext uri="{386F3935-93C4-4BCD-93E2-E3B085C9AB24}">
+                <p16:designElem xmlns:p16="http://schemas.microsoft.com/office/powerpoint/2015/main" val="1"/>
+              </p:ext>
+            </p:extLst>
+          </p:nvPr>
+        </p:nvSpPr>
+        <p:spPr>
+          <a:xfrm>
+            <a:off x="1" y="1"/>
+            <a:ext cx="4990911" cy="6858001"/>
+          </a:xfrm>
+          <a:custGeom>
+            <a:avLst/>
+            <a:gdLst>
+              <a:gd name="connsiteX0" fmla="*/ 3646196 w 4990911"/>
+              <a:gd name="connsiteY0" fmla="*/ 0 h 6858001"/>
+              <a:gd name="connsiteX1" fmla="*/ 4989734 w 4990911"/>
+              <a:gd name="connsiteY1" fmla="*/ 0 h 6858001"/>
+              <a:gd name="connsiteX2" fmla="*/ 4964689 w 4990911"/>
+              <a:gd name="connsiteY2" fmla="*/ 155677 h 6858001"/>
+              <a:gd name="connsiteX3" fmla="*/ 4940820 w 4990911"/>
+              <a:gd name="connsiteY3" fmla="*/ 310668 h 6858001"/>
+              <a:gd name="connsiteX4" fmla="*/ 4917456 w 4990911"/>
+              <a:gd name="connsiteY4" fmla="*/ 466344 h 6858001"/>
+              <a:gd name="connsiteX5" fmla="*/ 4897453 w 4990911"/>
+              <a:gd name="connsiteY5" fmla="*/ 622707 h 6858001"/>
+              <a:gd name="connsiteX6" fmla="*/ 4877282 w 4990911"/>
+              <a:gd name="connsiteY6" fmla="*/ 778383 h 6858001"/>
+              <a:gd name="connsiteX7" fmla="*/ 4858456 w 4990911"/>
+              <a:gd name="connsiteY7" fmla="*/ 934746 h 6858001"/>
+              <a:gd name="connsiteX8" fmla="*/ 4842320 w 4990911"/>
+              <a:gd name="connsiteY8" fmla="*/ 1089051 h 6858001"/>
+              <a:gd name="connsiteX9" fmla="*/ 4827024 w 4990911"/>
+              <a:gd name="connsiteY9" fmla="*/ 1245413 h 6858001"/>
+              <a:gd name="connsiteX10" fmla="*/ 4813072 w 4990911"/>
+              <a:gd name="connsiteY10" fmla="*/ 1401090 h 6858001"/>
+              <a:gd name="connsiteX11" fmla="*/ 4800970 w 4990911"/>
+              <a:gd name="connsiteY11" fmla="*/ 1554023 h 6858001"/>
+              <a:gd name="connsiteX12" fmla="*/ 4788867 w 4990911"/>
+              <a:gd name="connsiteY12" fmla="*/ 1709014 h 6858001"/>
+              <a:gd name="connsiteX13" fmla="*/ 4778782 w 4990911"/>
+              <a:gd name="connsiteY13" fmla="*/ 1861947 h 6858001"/>
+              <a:gd name="connsiteX14" fmla="*/ 4770882 w 4990911"/>
+              <a:gd name="connsiteY14" fmla="*/ 2014881 h 6858001"/>
+              <a:gd name="connsiteX15" fmla="*/ 4762645 w 4990911"/>
+              <a:gd name="connsiteY15" fmla="*/ 2167128 h 6858001"/>
+              <a:gd name="connsiteX16" fmla="*/ 4755754 w 4990911"/>
+              <a:gd name="connsiteY16" fmla="*/ 2318004 h 6858001"/>
+              <a:gd name="connsiteX17" fmla="*/ 4750879 w 4990911"/>
+              <a:gd name="connsiteY17" fmla="*/ 2467509 h 6858001"/>
+              <a:gd name="connsiteX18" fmla="*/ 4746677 w 4990911"/>
+              <a:gd name="connsiteY18" fmla="*/ 2617013 h 6858001"/>
+              <a:gd name="connsiteX19" fmla="*/ 4742643 w 4990911"/>
+              <a:gd name="connsiteY19" fmla="*/ 2765146 h 6858001"/>
+              <a:gd name="connsiteX20" fmla="*/ 4740794 w 4990911"/>
+              <a:gd name="connsiteY20" fmla="*/ 2911221 h 6858001"/>
+              <a:gd name="connsiteX21" fmla="*/ 4738777 w 4990911"/>
+              <a:gd name="connsiteY21" fmla="*/ 3057297 h 6858001"/>
+              <a:gd name="connsiteX22" fmla="*/ 4737768 w 4990911"/>
+              <a:gd name="connsiteY22" fmla="*/ 3201315 h 6858001"/>
+              <a:gd name="connsiteX23" fmla="*/ 4738777 w 4990911"/>
+              <a:gd name="connsiteY23" fmla="*/ 3343961 h 6858001"/>
+              <a:gd name="connsiteX24" fmla="*/ 4738777 w 4990911"/>
+              <a:gd name="connsiteY24" fmla="*/ 3485236 h 6858001"/>
+              <a:gd name="connsiteX25" fmla="*/ 4740794 w 4990911"/>
+              <a:gd name="connsiteY25" fmla="*/ 3625139 h 6858001"/>
+              <a:gd name="connsiteX26" fmla="*/ 4743819 w 4990911"/>
+              <a:gd name="connsiteY26" fmla="*/ 3762299 h 6858001"/>
+              <a:gd name="connsiteX27" fmla="*/ 4746677 w 4990911"/>
+              <a:gd name="connsiteY27" fmla="*/ 3898087 h 6858001"/>
+              <a:gd name="connsiteX28" fmla="*/ 4749871 w 4990911"/>
+              <a:gd name="connsiteY28" fmla="*/ 4031133 h 6858001"/>
+              <a:gd name="connsiteX29" fmla="*/ 4754745 w 4990911"/>
+              <a:gd name="connsiteY29" fmla="*/ 4163492 h 6858001"/>
+              <a:gd name="connsiteX30" fmla="*/ 4759956 w 4990911"/>
+              <a:gd name="connsiteY30" fmla="*/ 4293793 h 6858001"/>
+              <a:gd name="connsiteX31" fmla="*/ 4764662 w 4990911"/>
+              <a:gd name="connsiteY31" fmla="*/ 4421352 h 6858001"/>
+              <a:gd name="connsiteX32" fmla="*/ 4777942 w 4990911"/>
+              <a:gd name="connsiteY32" fmla="*/ 4670298 h 6858001"/>
+              <a:gd name="connsiteX33" fmla="*/ 4792061 w 4990911"/>
+              <a:gd name="connsiteY33" fmla="*/ 4908956 h 6858001"/>
+              <a:gd name="connsiteX34" fmla="*/ 4806853 w 4990911"/>
+              <a:gd name="connsiteY34" fmla="*/ 5138013 h 6858001"/>
+              <a:gd name="connsiteX35" fmla="*/ 4823158 w 4990911"/>
+              <a:gd name="connsiteY35" fmla="*/ 5354726 h 6858001"/>
+              <a:gd name="connsiteX36" fmla="*/ 4840135 w 4990911"/>
+              <a:gd name="connsiteY36" fmla="*/ 5561838 h 6858001"/>
+              <a:gd name="connsiteX37" fmla="*/ 4858456 w 4990911"/>
+              <a:gd name="connsiteY37" fmla="*/ 5753862 h 6858001"/>
+              <a:gd name="connsiteX38" fmla="*/ 4876442 w 4990911"/>
+              <a:gd name="connsiteY38" fmla="*/ 5934227 h 6858001"/>
+              <a:gd name="connsiteX39" fmla="*/ 4894427 w 4990911"/>
+              <a:gd name="connsiteY39" fmla="*/ 6100191 h 6858001"/>
+              <a:gd name="connsiteX40" fmla="*/ 4911404 w 4990911"/>
+              <a:gd name="connsiteY40" fmla="*/ 6252438 h 6858001"/>
+              <a:gd name="connsiteX41" fmla="*/ 4927541 w 4990911"/>
+              <a:gd name="connsiteY41" fmla="*/ 6387541 h 6858001"/>
+              <a:gd name="connsiteX42" fmla="*/ 4942837 w 4990911"/>
+              <a:gd name="connsiteY42" fmla="*/ 6509613 h 6858001"/>
+              <a:gd name="connsiteX43" fmla="*/ 4955612 w 4990911"/>
+              <a:gd name="connsiteY43" fmla="*/ 6612483 h 6858001"/>
+              <a:gd name="connsiteX44" fmla="*/ 4967714 w 4990911"/>
+              <a:gd name="connsiteY44" fmla="*/ 6698894 h 6858001"/>
+              <a:gd name="connsiteX45" fmla="*/ 4985028 w 4990911"/>
+              <a:gd name="connsiteY45" fmla="*/ 6817538 h 6858001"/>
+              <a:gd name="connsiteX46" fmla="*/ 4990911 w 4990911"/>
+              <a:gd name="connsiteY46" fmla="*/ 6858000 h 6858001"/>
+              <a:gd name="connsiteX47" fmla="*/ 4085557 w 4990911"/>
+              <a:gd name="connsiteY47" fmla="*/ 6858000 h 6858001"/>
+              <a:gd name="connsiteX48" fmla="*/ 4085557 w 4990911"/>
+              <a:gd name="connsiteY48" fmla="*/ 6858001 h 6858001"/>
+              <a:gd name="connsiteX49" fmla="*/ 0 w 4990911"/>
+              <a:gd name="connsiteY49" fmla="*/ 6858001 h 6858001"/>
+              <a:gd name="connsiteX50" fmla="*/ 0 w 4990911"/>
+              <a:gd name="connsiteY50" fmla="*/ 1 h 6858001"/>
+              <a:gd name="connsiteX51" fmla="*/ 3646196 w 4990911"/>
+              <a:gd name="connsiteY51" fmla="*/ 1 h 6858001"/>
+            </a:gdLst>
+            <a:ahLst/>
+            <a:cxnLst>
+              <a:cxn ang="0">
+                <a:pos x="connsiteX0" y="connsiteY0"/>
+              </a:cxn>
+              <a:cxn ang="0">
+                <a:pos x="connsiteX1" y="connsiteY1"/>
+              </a:cxn>
+              <a:cxn ang="0">
+                <a:pos x="connsiteX2" y="connsiteY2"/>
+              </a:cxn>
+              <a:cxn ang="0">
+                <a:pos x="connsiteX3" y="connsiteY3"/>
+              </a:cxn>
+              <a:cxn ang="0">
+                <a:pos x="connsiteX4" y="connsiteY4"/>
+              </a:cxn>
+              <a:cxn ang="0">
+                <a:pos x="connsiteX5" y="connsiteY5"/>
+              </a:cxn>
+              <a:cxn ang="0">
+                <a:pos x="connsiteX6" y="connsiteY6"/>
+              </a:cxn>
+              <a:cxn ang="0">
+                <a:pos x="connsiteX7" y="connsiteY7"/>
+              </a:cxn>
+              <a:cxn ang="0">
+                <a:pos x="connsiteX8" y="connsiteY8"/>
+              </a:cxn>
+              <a:cxn ang="0">
+                <a:pos x="connsiteX9" y="connsiteY9"/>
+              </a:cxn>
+              <a:cxn ang="0">
+                <a:pos x="connsiteX10" y="connsiteY10"/>
+              </a:cxn>
+              <a:cxn ang="0">
+                <a:pos x="connsiteX11" y="connsiteY11"/>
+              </a:cxn>
+              <a:cxn ang="0">
+                <a:pos x="connsiteX12" y="connsiteY12"/>
+              </a:cxn>
+              <a:cxn ang="0">
+                <a:pos x="connsiteX13" y="connsiteY13"/>
+              </a:cxn>
+              <a:cxn ang="0">
+                <a:pos x="connsiteX14" y="connsiteY14"/>
+              </a:cxn>
+              <a:cxn ang="0">
+                <a:pos x="connsiteX15" y="connsiteY15"/>
+              </a:cxn>
+              <a:cxn ang="0">
+                <a:pos x="connsiteX16" y="connsiteY16"/>
+              </a:cxn>
+              <a:cxn ang="0">
+                <a:pos x="connsiteX17" y="connsiteY17"/>
+              </a:cxn>
+              <a:cxn ang="0">
+                <a:pos x="connsiteX18" y="connsiteY18"/>
+              </a:cxn>
+              <a:cxn ang="0">
+                <a:pos x="connsiteX19" y="connsiteY19"/>
+              </a:cxn>
+              <a:cxn ang="0">
+                <a:pos x="connsiteX20" y="connsiteY20"/>
+              </a:cxn>
+              <a:cxn ang="0">
+                <a:pos x="connsiteX21" y="connsiteY21"/>
+              </a:cxn>
+              <a:cxn ang="0">
+                <a:pos x="connsiteX22" y="connsiteY22"/>
+              </a:cxn>
+              <a:cxn ang="0">
+                <a:pos x="connsiteX23" y="connsiteY23"/>
+              </a:cxn>
+              <a:cxn ang="0">
+                <a:pos x="connsiteX24" y="connsiteY24"/>
+              </a:cxn>
+              <a:cxn ang="0">
+                <a:pos x="connsiteX25" y="connsiteY25"/>
+              </a:cxn>
+              <a:cxn ang="0">
+                <a:pos x="connsiteX26" y="connsiteY26"/>
+              </a:cxn>
+              <a:cxn ang="0">
+                <a:pos x="connsiteX27" y="connsiteY27"/>
+              </a:cxn>
+              <a:cxn ang="0">
+                <a:pos x="connsiteX28" y="connsiteY28"/>
+              </a:cxn>
+              <a:cxn ang="0">
+                <a:pos x="connsiteX29" y="connsiteY29"/>
+              </a:cxn>
+              <a:cxn ang="0">
+                <a:pos x="connsiteX30" y="connsiteY30"/>
+              </a:cxn>
+              <a:cxn ang="0">
+                <a:pos x="connsiteX31" y="connsiteY31"/>
+              </a:cxn>
+              <a:cxn ang="0">
+                <a:pos x="connsiteX32" y="connsiteY32"/>
+              </a:cxn>
+              <a:cxn ang="0">
+                <a:pos x="connsiteX33" y="connsiteY33"/>
+              </a:cxn>
+              <a:cxn ang="0">
+                <a:pos x="connsiteX34" y="connsiteY34"/>
+              </a:cxn>
+              <a:cxn ang="0">
+                <a:pos x="connsiteX35" y="connsiteY35"/>
+              </a:cxn>
+              <a:cxn ang="0">
+                <a:pos x="connsiteX36" y="connsiteY36"/>
+              </a:cxn>
+              <a:cxn ang="0">
+                <a:pos x="connsiteX37" y="connsiteY37"/>
+              </a:cxn>
+              <a:cxn ang="0">
+                <a:pos x="connsiteX38" y="connsiteY38"/>
+              </a:cxn>
+              <a:cxn ang="0">
+                <a:pos x="connsiteX39" y="connsiteY39"/>
+              </a:cxn>
+              <a:cxn ang="0">
+                <a:pos x="connsiteX40" y="connsiteY40"/>
+              </a:cxn>
+              <a:cxn ang="0">
+                <a:pos x="connsiteX41" y="connsiteY41"/>
+              </a:cxn>
+              <a:cxn ang="0">
+                <a:pos x="connsiteX42" y="connsiteY42"/>
+              </a:cxn>
+              <a:cxn ang="0">
+                <a:pos x="connsiteX43" y="connsiteY43"/>
+              </a:cxn>
+              <a:cxn ang="0">
+                <a:pos x="connsiteX44" y="connsiteY44"/>
+              </a:cxn>
+              <a:cxn ang="0">
+                <a:pos x="connsiteX45" y="connsiteY45"/>
+              </a:cxn>
+              <a:cxn ang="0">
+                <a:pos x="connsiteX46" y="connsiteY46"/>
+              </a:cxn>
+              <a:cxn ang="0">
+                <a:pos x="connsiteX47" y="connsiteY47"/>
+              </a:cxn>
+              <a:cxn ang="0">
+                <a:pos x="connsiteX48" y="connsiteY48"/>
+              </a:cxn>
+              <a:cxn ang="0">
+                <a:pos x="connsiteX49" y="connsiteY49"/>
+              </a:cxn>
+              <a:cxn ang="0">
+                <a:pos x="connsiteX50" y="connsiteY50"/>
+              </a:cxn>
+              <a:cxn ang="0">
+                <a:pos x="connsiteX51" y="connsiteY51"/>
+              </a:cxn>
+            </a:cxnLst>
+            <a:rect l="l" t="t" r="r" b="b"/>
+            <a:pathLst>
+              <a:path w="4990911" h="6858001">
+                <a:moveTo>
+                  <a:pt x="3646196" y="0"/>
+                </a:moveTo>
+                <a:lnTo>
+                  <a:pt x="4989734" y="0"/>
+                </a:lnTo>
+                <a:lnTo>
+                  <a:pt x="4964689" y="155677"/>
+                </a:lnTo>
+                <a:lnTo>
+                  <a:pt x="4940820" y="310668"/>
+                </a:lnTo>
+                <a:lnTo>
+                  <a:pt x="4917456" y="466344"/>
+                </a:lnTo>
+                <a:lnTo>
+                  <a:pt x="4897453" y="622707"/>
+                </a:lnTo>
+                <a:lnTo>
+                  <a:pt x="4877282" y="778383"/>
+                </a:lnTo>
+                <a:lnTo>
+                  <a:pt x="4858456" y="934746"/>
+                </a:lnTo>
+                <a:lnTo>
+                  <a:pt x="4842320" y="1089051"/>
+                </a:lnTo>
+                <a:lnTo>
+                  <a:pt x="4827024" y="1245413"/>
+                </a:lnTo>
+                <a:lnTo>
+                  <a:pt x="4813072" y="1401090"/>
+                </a:lnTo>
+                <a:lnTo>
+                  <a:pt x="4800970" y="1554023"/>
+                </a:lnTo>
+                <a:lnTo>
+                  <a:pt x="4788867" y="1709014"/>
+                </a:lnTo>
+                <a:lnTo>
+                  <a:pt x="4778782" y="1861947"/>
+                </a:lnTo>
+                <a:lnTo>
+                  <a:pt x="4770882" y="2014881"/>
+                </a:lnTo>
+                <a:lnTo>
+                  <a:pt x="4762645" y="2167128"/>
+                </a:lnTo>
+                <a:lnTo>
+                  <a:pt x="4755754" y="2318004"/>
+                </a:lnTo>
+                <a:lnTo>
+                  <a:pt x="4750879" y="2467509"/>
+                </a:lnTo>
+                <a:lnTo>
+                  <a:pt x="4746677" y="2617013"/>
+                </a:lnTo>
+                <a:lnTo>
+                  <a:pt x="4742643" y="2765146"/>
+                </a:lnTo>
+                <a:lnTo>
+                  <a:pt x="4740794" y="2911221"/>
+                </a:lnTo>
+                <a:lnTo>
+                  <a:pt x="4738777" y="3057297"/>
+                </a:lnTo>
+                <a:lnTo>
+                  <a:pt x="4737768" y="3201315"/>
+                </a:lnTo>
+                <a:lnTo>
+                  <a:pt x="4738777" y="3343961"/>
+                </a:lnTo>
+                <a:lnTo>
+                  <a:pt x="4738777" y="3485236"/>
+                </a:lnTo>
+                <a:lnTo>
+                  <a:pt x="4740794" y="3625139"/>
+                </a:lnTo>
+                <a:lnTo>
+                  <a:pt x="4743819" y="3762299"/>
+                </a:lnTo>
+                <a:lnTo>
+                  <a:pt x="4746677" y="3898087"/>
+                </a:lnTo>
+                <a:lnTo>
+                  <a:pt x="4749871" y="4031133"/>
+                </a:lnTo>
+                <a:lnTo>
+                  <a:pt x="4754745" y="4163492"/>
+                </a:lnTo>
+                <a:lnTo>
+                  <a:pt x="4759956" y="4293793"/>
+                </a:lnTo>
+                <a:lnTo>
+                  <a:pt x="4764662" y="4421352"/>
+                </a:lnTo>
+                <a:lnTo>
+                  <a:pt x="4777942" y="4670298"/>
+                </a:lnTo>
+                <a:lnTo>
+                  <a:pt x="4792061" y="4908956"/>
+                </a:lnTo>
+                <a:lnTo>
+                  <a:pt x="4806853" y="5138013"/>
+                </a:lnTo>
+                <a:lnTo>
+                  <a:pt x="4823158" y="5354726"/>
+                </a:lnTo>
+                <a:lnTo>
+                  <a:pt x="4840135" y="5561838"/>
+                </a:lnTo>
+                <a:lnTo>
+                  <a:pt x="4858456" y="5753862"/>
+                </a:lnTo>
+                <a:lnTo>
+                  <a:pt x="4876442" y="5934227"/>
+                </a:lnTo>
+                <a:lnTo>
+                  <a:pt x="4894427" y="6100191"/>
+                </a:lnTo>
+                <a:lnTo>
+                  <a:pt x="4911404" y="6252438"/>
+                </a:lnTo>
+                <a:lnTo>
+                  <a:pt x="4927541" y="6387541"/>
+                </a:lnTo>
+                <a:lnTo>
+                  <a:pt x="4942837" y="6509613"/>
+                </a:lnTo>
+                <a:lnTo>
+                  <a:pt x="4955612" y="6612483"/>
+                </a:lnTo>
+                <a:lnTo>
+                  <a:pt x="4967714" y="6698894"/>
+                </a:lnTo>
+                <a:lnTo>
+                  <a:pt x="4985028" y="6817538"/>
+                </a:lnTo>
+                <a:lnTo>
+                  <a:pt x="4990911" y="6858000"/>
+                </a:lnTo>
+                <a:lnTo>
+                  <a:pt x="4085557" y="6858000"/>
+                </a:lnTo>
+                <a:lnTo>
+                  <a:pt x="4085557" y="6858001"/>
+                </a:lnTo>
+                <a:lnTo>
+                  <a:pt x="0" y="6858001"/>
+                </a:lnTo>
+                <a:lnTo>
+                  <a:pt x="0" y="1"/>
+                </a:lnTo>
+                <a:lnTo>
+                  <a:pt x="3646196" y="1"/>
+                </a:lnTo>
+                <a:close/>
+              </a:path>
+            </a:pathLst>
+          </a:custGeom>
+          <a:ln>
+            <a:noFill/>
+          </a:ln>
+        </p:spPr>
+        <p:style>
+          <a:lnRef idx="2">
+            <a:schemeClr val="accent1">
+              <a:shade val="50000"/>
+            </a:schemeClr>
+          </a:lnRef>
+          <a:fillRef idx="1003">
+            <a:schemeClr val="dk2"/>
+          </a:fillRef>
+          <a:effectRef idx="0">
+            <a:schemeClr val="accent1"/>
+          </a:effectRef>
+          <a:fontRef idx="minor">
+            <a:schemeClr val="lt1"/>
+          </a:fontRef>
+        </p:style>
+        <p:txBody>
+          <a:bodyPr rtlCol="0" anchor="ctr"/>
+          <a:lstStyle/>
+          <a:p>
+            <a:pPr algn="ctr"/>
+            <a:endParaRPr lang="en-US"/>
+          </a:p>
+        </p:txBody>
+      </p:sp>
+      <p:sp>
+        <p:nvSpPr>
+          <p:cNvPr id="19" name="Rectangle 13">
+            <a:extLst>
+              <a:ext uri="{FF2B5EF4-FFF2-40B4-BE49-F238E27FC236}">
+                <a16:creationId xmlns:a16="http://schemas.microsoft.com/office/drawing/2014/main" id="{0BA768A8-4FED-4ED8-9E46-6BE72188ECD2}"/>
+              </a:ext>
+              <a:ext uri="{C183D7F6-B498-43B3-948B-1728B52AA6E4}">
+                <adec:decorative xmlns:adec="http://schemas.microsoft.com/office/drawing/2017/decorative" val="1"/>
+              </a:ext>
+            </a:extLst>
+          </p:cNvPr>
+          <p:cNvSpPr>
+            <a:spLocks noGrp="1" noRot="1" noChangeAspect="1" noMove="1" noResize="1" noEditPoints="1" noAdjustHandles="1" noChangeArrowheads="1" noChangeShapeType="1" noTextEdit="1"/>
+          </p:cNvSpPr>
+          <p:nvPr>
+            <p:extLst>
+              <p:ext uri="{386F3935-93C4-4BCD-93E2-E3B085C9AB24}">
+                <p16:designElem xmlns:p16="http://schemas.microsoft.com/office/powerpoint/2015/main" val="1"/>
+              </p:ext>
+            </p:extLst>
+          </p:nvPr>
+        </p:nvSpPr>
+        <p:spPr>
+          <a:xfrm>
+            <a:off x="10437812" y="0"/>
+            <a:ext cx="685800" cy="1143000"/>
+          </a:xfrm>
+          <a:prstGeom prst="rect">
+            <a:avLst/>
+          </a:prstGeom>
+          <a:solidFill>
+            <a:schemeClr val="accent1"/>
+          </a:solidFill>
+          <a:ln>
+            <a:noFill/>
+          </a:ln>
+        </p:spPr>
+        <p:style>
+          <a:lnRef idx="1">
+            <a:schemeClr val="accent1"/>
+          </a:lnRef>
+          <a:fillRef idx="3">
+            <a:schemeClr val="accent1"/>
+          </a:fillRef>
+          <a:effectRef idx="2">
+            <a:schemeClr val="accent1"/>
+          </a:effectRef>
+          <a:fontRef idx="minor">
+            <a:schemeClr val="lt1"/>
+          </a:fontRef>
+        </p:style>
+      </p:sp>
+      <p:sp>
+        <p:nvSpPr>
+          <p:cNvPr id="2" name="Title 1">
+            <a:extLst>
+              <a:ext uri="{FF2B5EF4-FFF2-40B4-BE49-F238E27FC236}">
+                <a16:creationId xmlns:a16="http://schemas.microsoft.com/office/drawing/2014/main" id="{44344179-95E6-425C-80E0-6792A0FB6A7C}"/>
+              </a:ext>
+            </a:extLst>
+          </p:cNvPr>
+          <p:cNvSpPr>
+            <a:spLocks noGrp="1"/>
+          </p:cNvSpPr>
+          <p:nvPr>
+            <p:ph type="title"/>
+          </p:nvPr>
+        </p:nvSpPr>
+        <p:spPr>
+          <a:xfrm>
+            <a:off x="653143" y="1645920"/>
+            <a:ext cx="3522879" cy="4470821"/>
+          </a:xfrm>
+        </p:spPr>
+        <p:txBody>
+          <a:bodyPr>
+            <a:normAutofit/>
+          </a:bodyPr>
+          <a:lstStyle/>
+          <a:p>
+            <a:pPr algn="r"/>
+            <a:r>
+              <a:rPr lang="en-CA">
+                <a:solidFill>
+                  <a:srgbClr val="FFFFFF"/>
+                </a:solidFill>
+              </a:rPr>
+              <a:t>The End </a:t>
+            </a:r>
+          </a:p>
+        </p:txBody>
+      </p:sp>
+      <p:sp>
+        <p:nvSpPr>
+          <p:cNvPr id="3" name="Content Placeholder 2">
+            <a:extLst>
+              <a:ext uri="{FF2B5EF4-FFF2-40B4-BE49-F238E27FC236}">
+                <a16:creationId xmlns:a16="http://schemas.microsoft.com/office/drawing/2014/main" id="{C256014B-FC09-471E-AC1A-C293906536CF}"/>
+              </a:ext>
+            </a:extLst>
+          </p:cNvPr>
+          <p:cNvSpPr>
+            <a:spLocks noGrp="1"/>
+          </p:cNvSpPr>
+          <p:nvPr>
+            <p:ph idx="1"/>
+          </p:nvPr>
+        </p:nvSpPr>
+        <p:spPr>
+          <a:xfrm>
+            <a:off x="5204109" y="1645920"/>
+            <a:ext cx="5919503" cy="4470821"/>
+          </a:xfrm>
+        </p:spPr>
+        <p:txBody>
+          <a:bodyPr>
+            <a:normAutofit/>
+          </a:bodyPr>
+          <a:lstStyle/>
+          <a:p>
+            <a:r>
+              <a:rPr lang="en-CA" dirty="0"/>
+              <a:t>Any Questions?</a:t>
+            </a:r>
+          </a:p>
+          <a:p>
+            <a:pPr marL="0" indent="0">
+              <a:buNone/>
+            </a:pPr>
+            <a:endParaRPr lang="en-CA" dirty="0"/>
+          </a:p>
+        </p:txBody>
+      </p:sp>
+    </p:spTree>
+    <p:extLst>
+      <p:ext uri="{BB962C8B-B14F-4D97-AF65-F5344CB8AC3E}">
+        <p14:creationId xmlns:p14="http://schemas.microsoft.com/office/powerpoint/2010/main" val="2750866389"/>
+      </p:ext>
+    </p:extLst>
+  </p:cSld>
+  <p:clrMapOvr>
+    <a:overrideClrMapping bg1="lt1" tx1="dk1" bg2="lt2" tx2="dk2" accent1="accent1" accent2="accent2" accent3="accent3" accent4="accent4" accent5="accent5" accent6="accent6" hlink="hlink" folHlink="folHlink"/>
+  </p:clrMapOvr>
+</p:sld>
+</file>
+
 <file path=ppt/slides/slide2.xml><?xml version="1.0" encoding="utf-8"?>
 <p:sld xmlns:a="http://schemas.openxmlformats.org/drawingml/2006/main" xmlns:r="http://schemas.openxmlformats.org/officeDocument/2006/relationships" xmlns:p="http://schemas.openxmlformats.org/presentationml/2006/main">
   <p:cSld>
@@ -7596,7 +8661,7 @@
         </p:blipFill>
         <p:spPr>
           <a:xfrm>
-            <a:off x="9054424" y="1152983"/>
+            <a:off x="6728953" y="1152983"/>
             <a:ext cx="2438400" cy="4195481"/>
           </a:xfrm>
           <a:prstGeom prst="rect">
@@ -7632,7 +8697,7 @@
         </p:blipFill>
         <p:spPr>
           <a:xfrm>
-            <a:off x="6610584" y="1152280"/>
+            <a:off x="9167353" y="1152983"/>
             <a:ext cx="2443840" cy="4196184"/>
           </a:xfrm>
           <a:prstGeom prst="rect">
@@ -7784,8 +8849,11 @@
             </a:r>
             <a:r>
               <a:rPr lang="en-CA" dirty="0"/>
-              <a:t> it will show a user and alert Dialog box if whether they want to exit the application or not.</a:t>
-            </a:r>
+              <a:t> it will show a user and alert Dialog box if whether they want to exit the application or not. </a:t>
+            </a:r>
+          </a:p>
+          <a:p>
+            <a:endParaRPr lang="en-CA" dirty="0"/>
           </a:p>
         </p:txBody>
       </p:sp>
@@ -8017,9 +9085,119 @@
           <a:lstStyle/>
           <a:p>
             <a:r>
-              <a:rPr lang="en-CA"/>
+              <a:rPr lang="en-CA" dirty="0"/>
               <a:t>User will be able to change the color of the background using the theme button throughout all screens to make it easier for them. (Button will be available on all screens)</a:t>
             </a:r>
+          </a:p>
+          <a:p>
+            <a:r>
+              <a:rPr lang="en-CA" dirty="0"/>
+              <a:t>Colors Available: </a:t>
+            </a:r>
+            <a:r>
+              <a:rPr lang="en-US" altLang="en-US" i="1" dirty="0">
+                <a:solidFill>
+                  <a:srgbClr val="9876AA"/>
+                </a:solidFill>
+                <a:latin typeface="Consolas" panose="020B0609020204030204" pitchFamily="49" charset="0"/>
+              </a:rPr>
+              <a:t>RED</a:t>
+            </a:r>
+            <a:r>
+              <a:rPr lang="en-US" altLang="en-US" dirty="0">
+                <a:solidFill>
+                  <a:srgbClr val="CC7832"/>
+                </a:solidFill>
+                <a:latin typeface="Consolas" panose="020B0609020204030204" pitchFamily="49" charset="0"/>
+              </a:rPr>
+              <a:t>, </a:t>
+            </a:r>
+            <a:r>
+              <a:rPr lang="en-US" altLang="en-US" i="1" dirty="0">
+                <a:solidFill>
+                  <a:srgbClr val="9876AA"/>
+                </a:solidFill>
+                <a:latin typeface="Consolas" panose="020B0609020204030204" pitchFamily="49" charset="0"/>
+              </a:rPr>
+              <a:t>BLUE</a:t>
+            </a:r>
+            <a:r>
+              <a:rPr lang="en-US" altLang="en-US" dirty="0">
+                <a:solidFill>
+                  <a:srgbClr val="CC7832"/>
+                </a:solidFill>
+                <a:latin typeface="Consolas" panose="020B0609020204030204" pitchFamily="49" charset="0"/>
+              </a:rPr>
+              <a:t>, </a:t>
+            </a:r>
+            <a:r>
+              <a:rPr lang="en-US" altLang="en-US" i="1" dirty="0">
+                <a:solidFill>
+                  <a:srgbClr val="9876AA"/>
+                </a:solidFill>
+                <a:latin typeface="Consolas" panose="020B0609020204030204" pitchFamily="49" charset="0"/>
+              </a:rPr>
+              <a:t>GRAY</a:t>
+            </a:r>
+            <a:r>
+              <a:rPr lang="en-US" altLang="en-US" dirty="0">
+                <a:solidFill>
+                  <a:srgbClr val="CC7832"/>
+                </a:solidFill>
+                <a:latin typeface="Consolas" panose="020B0609020204030204" pitchFamily="49" charset="0"/>
+              </a:rPr>
+              <a:t>, </a:t>
+            </a:r>
+            <a:r>
+              <a:rPr lang="en-US" altLang="en-US" i="1" dirty="0">
+                <a:solidFill>
+                  <a:srgbClr val="9876AA"/>
+                </a:solidFill>
+                <a:latin typeface="Consolas" panose="020B0609020204030204" pitchFamily="49" charset="0"/>
+              </a:rPr>
+              <a:t>GREEN</a:t>
+            </a:r>
+            <a:r>
+              <a:rPr lang="en-US" altLang="en-US" dirty="0">
+                <a:solidFill>
+                  <a:srgbClr val="CC7832"/>
+                </a:solidFill>
+                <a:latin typeface="Consolas" panose="020B0609020204030204" pitchFamily="49" charset="0"/>
+              </a:rPr>
+              <a:t>, </a:t>
+            </a:r>
+            <a:r>
+              <a:rPr lang="en-US" altLang="en-US" i="1" dirty="0">
+                <a:solidFill>
+                  <a:srgbClr val="9876AA"/>
+                </a:solidFill>
+                <a:latin typeface="Consolas" panose="020B0609020204030204" pitchFamily="49" charset="0"/>
+              </a:rPr>
+              <a:t>YELLOW</a:t>
+            </a:r>
+            <a:r>
+              <a:rPr lang="en-US" altLang="en-US" dirty="0">
+                <a:solidFill>
+                  <a:srgbClr val="CC7832"/>
+                </a:solidFill>
+                <a:latin typeface="Consolas" panose="020B0609020204030204" pitchFamily="49" charset="0"/>
+              </a:rPr>
+              <a:t>, </a:t>
+            </a:r>
+            <a:r>
+              <a:rPr lang="en-US" altLang="en-US" i="1" dirty="0">
+                <a:solidFill>
+                  <a:srgbClr val="9876AA"/>
+                </a:solidFill>
+                <a:latin typeface="Consolas" panose="020B0609020204030204" pitchFamily="49" charset="0"/>
+              </a:rPr>
+              <a:t>CYAN</a:t>
+            </a:r>
+            <a:endParaRPr lang="en-US" altLang="en-US" sz="4800" dirty="0">
+              <a:latin typeface="Arial" panose="020B0604020202020204" pitchFamily="34" charset="0"/>
+            </a:endParaRPr>
+          </a:p>
+          <a:p>
             <a:endParaRPr lang="en-CA" dirty="0"/>
           </a:p>
         </p:txBody>
@@ -8143,7 +9321,7 @@
           <a:p>
             <a:r>
               <a:rPr lang="en-CA" dirty="0"/>
-              <a:t>Navigation: User will be able to decide where they wish to proceed next. They have the option between World Data, to see each affected countries, the states(USA) and also be able to use settings and eventually send us Feedback to improve or fix bugs in our application.</a:t>
+              <a:t>Navigation: User will be able to decide where they wish to proceed next. They have the option between World Data, to see each affected countries and the Saved Data in a table view, also be able to use settings and eventually send us Feedback to improve or fix bugs in our application.</a:t>
             </a:r>
           </a:p>
           <a:p>

--- a/Final Presentation.pptx
+++ b/Final Presentation.pptx
@@ -8616,6 +8616,26 @@
             </a:pPr>
             <a:r>
               <a:rPr lang="en-CA" sz="1700" dirty="0"/>
+              <a:t>User Permission: One time user permission when installing the application will be asked to access the photos and media of the device.</a:t>
+            </a:r>
+          </a:p>
+          <a:p>
+            <a:pPr marL="0" indent="0">
+              <a:lnSpc>
+                <a:spcPct val="90000"/>
+              </a:lnSpc>
+              <a:buNone/>
+            </a:pPr>
+            <a:endParaRPr lang="en-CA" sz="1700" dirty="0"/>
+          </a:p>
+          <a:p>
+            <a:pPr>
+              <a:lnSpc>
+                <a:spcPct val="90000"/>
+              </a:lnSpc>
+            </a:pPr>
+            <a:r>
+              <a:rPr lang="en-CA" sz="1700" dirty="0"/>
               <a:t>Welcome Screen: Welcome screen will explains the user the use of our application.</a:t>
             </a:r>
           </a:p>
@@ -8626,17 +8646,6 @@
               </a:lnSpc>
             </a:pPr>
             <a:endParaRPr lang="en-CA" sz="1700" dirty="0"/>
-          </a:p>
-          <a:p>
-            <a:pPr>
-              <a:lnSpc>
-                <a:spcPct val="90000"/>
-              </a:lnSpc>
-            </a:pPr>
-            <a:r>
-              <a:rPr lang="en-CA" sz="1700" dirty="0"/>
-              <a:t>User Permission: One time user permission when installing the application will be asked to access the photos and media of the device.</a:t>
-            </a:r>
           </a:p>
         </p:txBody>
       </p:sp>

--- a/Final Presentation.pptx
+++ b/Final Presentation.pptx
@@ -17,7 +17,8 @@
     <p:sldId id="265" r:id="rId11"/>
     <p:sldId id="266" r:id="rId12"/>
     <p:sldId id="267" r:id="rId13"/>
-    <p:sldId id="270" r:id="rId14"/>
+    <p:sldId id="271" r:id="rId14"/>
+    <p:sldId id="270" r:id="rId15"/>
   </p:sldIdLst>
   <p:sldSz cx="12192000" cy="6858000"/>
   <p:notesSz cx="6858000" cy="9144000"/>
@@ -310,7 +311,7 @@
           <a:p>
             <a:fld id="{09269806-7F87-4C76-B288-F90ED5BB92A3}" type="datetimeFigureOut">
               <a:rPr lang="en-CA" smtClean="0"/>
-              <a:t>12/08/2020</a:t>
+              <a:t>12/09/2020</a:t>
             </a:fld>
             <a:endParaRPr lang="en-CA"/>
           </a:p>
@@ -585,7 +586,7 @@
           <a:p>
             <a:fld id="{09269806-7F87-4C76-B288-F90ED5BB92A3}" type="datetimeFigureOut">
               <a:rPr lang="en-CA" smtClean="0"/>
-              <a:t>12/08/2020</a:t>
+              <a:t>12/09/2020</a:t>
             </a:fld>
             <a:endParaRPr lang="en-CA"/>
           </a:p>
@@ -779,7 +780,7 @@
           <a:p>
             <a:fld id="{09269806-7F87-4C76-B288-F90ED5BB92A3}" type="datetimeFigureOut">
               <a:rPr lang="en-CA" smtClean="0"/>
-              <a:t>12/08/2020</a:t>
+              <a:t>12/09/2020</a:t>
             </a:fld>
             <a:endParaRPr lang="en-CA"/>
           </a:p>
@@ -1052,7 +1053,7 @@
           <a:p>
             <a:fld id="{09269806-7F87-4C76-B288-F90ED5BB92A3}" type="datetimeFigureOut">
               <a:rPr lang="en-CA" smtClean="0"/>
-              <a:t>12/08/2020</a:t>
+              <a:t>12/09/2020</a:t>
             </a:fld>
             <a:endParaRPr lang="en-CA"/>
           </a:p>
@@ -1393,7 +1394,7 @@
           <a:p>
             <a:fld id="{09269806-7F87-4C76-B288-F90ED5BB92A3}" type="datetimeFigureOut">
               <a:rPr lang="en-CA" smtClean="0"/>
-              <a:t>12/08/2020</a:t>
+              <a:t>12/09/2020</a:t>
             </a:fld>
             <a:endParaRPr lang="en-CA"/>
           </a:p>
@@ -2016,7 +2017,7 @@
           <a:p>
             <a:fld id="{09269806-7F87-4C76-B288-F90ED5BB92A3}" type="datetimeFigureOut">
               <a:rPr lang="en-CA" smtClean="0"/>
-              <a:t>12/08/2020</a:t>
+              <a:t>12/09/2020</a:t>
             </a:fld>
             <a:endParaRPr lang="en-CA"/>
           </a:p>
@@ -2876,7 +2877,7 @@
           <a:p>
             <a:fld id="{09269806-7F87-4C76-B288-F90ED5BB92A3}" type="datetimeFigureOut">
               <a:rPr lang="en-CA" smtClean="0"/>
-              <a:t>12/08/2020</a:t>
+              <a:t>12/09/2020</a:t>
             </a:fld>
             <a:endParaRPr lang="en-CA"/>
           </a:p>
@@ -3046,7 +3047,7 @@
           <a:p>
             <a:fld id="{09269806-7F87-4C76-B288-F90ED5BB92A3}" type="datetimeFigureOut">
               <a:rPr lang="en-CA" smtClean="0"/>
-              <a:t>12/08/2020</a:t>
+              <a:t>12/09/2020</a:t>
             </a:fld>
             <a:endParaRPr lang="en-CA"/>
           </a:p>
@@ -3226,7 +3227,7 @@
           <a:p>
             <a:fld id="{09269806-7F87-4C76-B288-F90ED5BB92A3}" type="datetimeFigureOut">
               <a:rPr lang="en-CA" smtClean="0"/>
-              <a:t>12/08/2020</a:t>
+              <a:t>12/09/2020</a:t>
             </a:fld>
             <a:endParaRPr lang="en-CA"/>
           </a:p>
@@ -3396,7 +3397,7 @@
           <a:p>
             <a:fld id="{09269806-7F87-4C76-B288-F90ED5BB92A3}" type="datetimeFigureOut">
               <a:rPr lang="en-CA" smtClean="0"/>
-              <a:t>12/08/2020</a:t>
+              <a:t>12/09/2020</a:t>
             </a:fld>
             <a:endParaRPr lang="en-CA"/>
           </a:p>
@@ -3643,7 +3644,7 @@
           <a:p>
             <a:fld id="{09269806-7F87-4C76-B288-F90ED5BB92A3}" type="datetimeFigureOut">
               <a:rPr lang="en-CA" smtClean="0"/>
-              <a:t>12/08/2020</a:t>
+              <a:t>12/09/2020</a:t>
             </a:fld>
             <a:endParaRPr lang="en-CA"/>
           </a:p>
@@ -3935,7 +3936,7 @@
           <a:p>
             <a:fld id="{09269806-7F87-4C76-B288-F90ED5BB92A3}" type="datetimeFigureOut">
               <a:rPr lang="en-CA" smtClean="0"/>
-              <a:t>12/08/2020</a:t>
+              <a:t>12/09/2020</a:t>
             </a:fld>
             <a:endParaRPr lang="en-CA"/>
           </a:p>
@@ -4379,7 +4380,7 @@
           <a:p>
             <a:fld id="{09269806-7F87-4C76-B288-F90ED5BB92A3}" type="datetimeFigureOut">
               <a:rPr lang="en-CA" smtClean="0"/>
-              <a:t>12/08/2020</a:t>
+              <a:t>12/09/2020</a:t>
             </a:fld>
             <a:endParaRPr lang="en-CA"/>
           </a:p>
@@ -4497,7 +4498,7 @@
           <a:p>
             <a:fld id="{09269806-7F87-4C76-B288-F90ED5BB92A3}" type="datetimeFigureOut">
               <a:rPr lang="en-CA" smtClean="0"/>
-              <a:t>12/08/2020</a:t>
+              <a:t>12/09/2020</a:t>
             </a:fld>
             <a:endParaRPr lang="en-CA"/>
           </a:p>
@@ -4592,7 +4593,7 @@
           <a:p>
             <a:fld id="{09269806-7F87-4C76-B288-F90ED5BB92A3}" type="datetimeFigureOut">
               <a:rPr lang="en-CA" smtClean="0"/>
-              <a:t>12/08/2020</a:t>
+              <a:t>12/09/2020</a:t>
             </a:fld>
             <a:endParaRPr lang="en-CA"/>
           </a:p>
@@ -4871,7 +4872,7 @@
           <a:p>
             <a:fld id="{09269806-7F87-4C76-B288-F90ED5BB92A3}" type="datetimeFigureOut">
               <a:rPr lang="en-CA" smtClean="0"/>
-              <a:t>12/08/2020</a:t>
+              <a:t>12/09/2020</a:t>
             </a:fld>
             <a:endParaRPr lang="en-CA"/>
           </a:p>
@@ -5146,7 +5147,7 @@
           <a:p>
             <a:fld id="{09269806-7F87-4C76-B288-F90ED5BB92A3}" type="datetimeFigureOut">
               <a:rPr lang="en-CA" smtClean="0"/>
-              <a:t>12/08/2020</a:t>
+              <a:t>12/09/2020</a:t>
             </a:fld>
             <a:endParaRPr lang="en-CA"/>
           </a:p>
@@ -5575,7 +5576,7 @@
           <a:p>
             <a:fld id="{09269806-7F87-4C76-B288-F90ED5BB92A3}" type="datetimeFigureOut">
               <a:rPr lang="en-CA" smtClean="0"/>
-              <a:t>12/08/2020</a:t>
+              <a:t>12/09/2020</a:t>
             </a:fld>
             <a:endParaRPr lang="en-CA"/>
           </a:p>
@@ -6978,6 +6979,152 @@
 <file path=ppt/slides/slide13.xml><?xml version="1.0" encoding="utf-8"?>
 <p:sld xmlns:a="http://schemas.openxmlformats.org/drawingml/2006/main" xmlns:r="http://schemas.openxmlformats.org/officeDocument/2006/relationships" xmlns:p="http://schemas.openxmlformats.org/presentationml/2006/main">
   <p:cSld>
+    <p:spTree>
+      <p:nvGrpSpPr>
+        <p:cNvPr id="1" name=""/>
+        <p:cNvGrpSpPr/>
+        <p:nvPr/>
+      </p:nvGrpSpPr>
+      <p:grpSpPr>
+        <a:xfrm>
+          <a:off x="0" y="0"/>
+          <a:ext cx="0" cy="0"/>
+          <a:chOff x="0" y="0"/>
+          <a:chExt cx="0" cy="0"/>
+        </a:xfrm>
+      </p:grpSpPr>
+      <p:sp>
+        <p:nvSpPr>
+          <p:cNvPr id="2" name="Title 1">
+            <a:extLst>
+              <a:ext uri="{FF2B5EF4-FFF2-40B4-BE49-F238E27FC236}">
+                <a16:creationId xmlns:a16="http://schemas.microsoft.com/office/drawing/2014/main" id="{B2C69F26-93F6-4E02-9A40-8751CF31785F}"/>
+              </a:ext>
+            </a:extLst>
+          </p:cNvPr>
+          <p:cNvSpPr>
+            <a:spLocks noGrp="1"/>
+          </p:cNvSpPr>
+          <p:nvPr>
+            <p:ph type="title"/>
+          </p:nvPr>
+        </p:nvSpPr>
+        <p:spPr/>
+        <p:txBody>
+          <a:bodyPr/>
+          <a:lstStyle/>
+          <a:p>
+            <a:r>
+              <a:rPr lang="en-CA" dirty="0"/>
+              <a:t>GitHub Repository</a:t>
+            </a:r>
+          </a:p>
+        </p:txBody>
+      </p:sp>
+      <p:sp>
+        <p:nvSpPr>
+          <p:cNvPr id="3" name="Content Placeholder 2">
+            <a:extLst>
+              <a:ext uri="{FF2B5EF4-FFF2-40B4-BE49-F238E27FC236}">
+                <a16:creationId xmlns:a16="http://schemas.microsoft.com/office/drawing/2014/main" id="{6FB04D6A-015C-458D-83E5-BC71D8891A8D}"/>
+              </a:ext>
+            </a:extLst>
+          </p:cNvPr>
+          <p:cNvSpPr>
+            <a:spLocks noGrp="1"/>
+          </p:cNvSpPr>
+          <p:nvPr>
+            <p:ph idx="1"/>
+          </p:nvPr>
+        </p:nvSpPr>
+        <p:spPr/>
+        <p:txBody>
+          <a:bodyPr/>
+          <a:lstStyle/>
+          <a:p>
+            <a:r>
+              <a:rPr lang="en-CA" dirty="0">
+                <a:hlinkClick r:id="rId2"/>
+              </a:rPr>
+              <a:t>https://github.com/TsidAznar/WAPCENG319</a:t>
+            </a:r>
+            <a:endParaRPr lang="en-CA" dirty="0"/>
+          </a:p>
+          <a:p>
+            <a:r>
+              <a:rPr lang="en-CA" dirty="0"/>
+              <a:t>Use of GitHub Desktop to push/pull files to repository.</a:t>
+            </a:r>
+          </a:p>
+          <a:p>
+            <a:r>
+              <a:rPr lang="en-CA" dirty="0"/>
+              <a:t>Code Commitments was done from Android Studio using the buttons shown below.</a:t>
+            </a:r>
+          </a:p>
+          <a:p>
+            <a:r>
+              <a:rPr lang="en-CA" dirty="0"/>
+              <a:t>Blue to update project from other commits done outside.</a:t>
+            </a:r>
+          </a:p>
+          <a:p>
+            <a:r>
+              <a:rPr lang="en-CA" dirty="0"/>
+              <a:t>Green to push and commit to repository and update on GitHub.</a:t>
+            </a:r>
+          </a:p>
+          <a:p>
+            <a:endParaRPr lang="en-CA" dirty="0"/>
+          </a:p>
+        </p:txBody>
+      </p:sp>
+      <p:pic>
+        <p:nvPicPr>
+          <p:cNvPr id="4" name="Picture 3">
+            <a:extLst>
+              <a:ext uri="{FF2B5EF4-FFF2-40B4-BE49-F238E27FC236}">
+                <a16:creationId xmlns:a16="http://schemas.microsoft.com/office/drawing/2014/main" id="{75D9370F-1CF0-4C85-A78E-16C82D67FF35}"/>
+              </a:ext>
+            </a:extLst>
+          </p:cNvPr>
+          <p:cNvPicPr>
+            <a:picLocks noChangeAspect="1"/>
+          </p:cNvPicPr>
+          <p:nvPr/>
+        </p:nvPicPr>
+        <p:blipFill>
+          <a:blip r:embed="rId3"/>
+          <a:stretch>
+            <a:fillRect/>
+          </a:stretch>
+        </p:blipFill>
+        <p:spPr>
+          <a:xfrm>
+            <a:off x="4795532" y="4630582"/>
+            <a:ext cx="1562100" cy="561975"/>
+          </a:xfrm>
+          <a:prstGeom prst="rect">
+            <a:avLst/>
+          </a:prstGeom>
+        </p:spPr>
+      </p:pic>
+    </p:spTree>
+    <p:extLst>
+      <p:ext uri="{BB962C8B-B14F-4D97-AF65-F5344CB8AC3E}">
+        <p14:creationId xmlns:p14="http://schemas.microsoft.com/office/powerpoint/2010/main" val="1973246078"/>
+      </p:ext>
+    </p:extLst>
+  </p:cSld>
+  <p:clrMapOvr>
+    <a:masterClrMapping/>
+  </p:clrMapOvr>
+</p:sld>
+</file>
+
+<file path=ppt/slides/slide14.xml><?xml version="1.0" encoding="utf-8"?>
+<p:sld xmlns:a="http://schemas.openxmlformats.org/drawingml/2006/main" xmlns:r="http://schemas.openxmlformats.org/officeDocument/2006/relationships" xmlns:p="http://schemas.openxmlformats.org/presentationml/2006/main">
+  <p:cSld>
     <p:bg>
       <p:bgPr>
         <a:solidFill>

--- a/Final Presentation.pptx
+++ b/Final Presentation.pptx
@@ -18,7 +18,8 @@
     <p:sldId id="266" r:id="rId12"/>
     <p:sldId id="267" r:id="rId13"/>
     <p:sldId id="271" r:id="rId14"/>
-    <p:sldId id="270" r:id="rId15"/>
+    <p:sldId id="272" r:id="rId15"/>
+    <p:sldId id="270" r:id="rId16"/>
   </p:sldIdLst>
   <p:sldSz cx="12192000" cy="6858000"/>
   <p:notesSz cx="6858000" cy="9144000"/>
@@ -7127,6 +7128,1374 @@
   <p:cSld>
     <p:bg>
       <p:bgPr>
+        <a:blipFill rotWithShape="1">
+          <a:blip r:embed="rId2">
+            <a:duotone>
+              <a:schemeClr val="bg2">
+                <a:shade val="69000"/>
+                <a:hueMod val="108000"/>
+                <a:satMod val="164000"/>
+                <a:lumMod val="74000"/>
+              </a:schemeClr>
+              <a:schemeClr val="bg2">
+                <a:tint val="96000"/>
+                <a:hueMod val="88000"/>
+                <a:satMod val="140000"/>
+                <a:lumMod val="132000"/>
+              </a:schemeClr>
+            </a:duotone>
+          </a:blip>
+          <a:stretch/>
+        </a:blipFill>
+        <a:effectLst/>
+      </p:bgPr>
+    </p:bg>
+    <p:spTree>
+      <p:nvGrpSpPr>
+        <p:cNvPr id="1" name=""/>
+        <p:cNvGrpSpPr/>
+        <p:nvPr/>
+      </p:nvGrpSpPr>
+      <p:grpSpPr>
+        <a:xfrm>
+          <a:off x="0" y="0"/>
+          <a:ext cx="0" cy="0"/>
+          <a:chOff x="0" y="0"/>
+          <a:chExt cx="0" cy="0"/>
+        </a:xfrm>
+      </p:grpSpPr>
+      <p:pic>
+        <p:nvPicPr>
+          <p:cNvPr id="12" name="Picture 11">
+            <a:extLst>
+              <a:ext uri="{FF2B5EF4-FFF2-40B4-BE49-F238E27FC236}">
+                <a16:creationId xmlns:a16="http://schemas.microsoft.com/office/drawing/2014/main" id="{BD310164-D3A3-415E-9D94-5D21D9FB2F6C}"/>
+              </a:ext>
+              <a:ext uri="{C183D7F6-B498-43B3-948B-1728B52AA6E4}">
+                <adec:decorative xmlns:adec="http://schemas.microsoft.com/office/drawing/2017/decorative" val="1"/>
+              </a:ext>
+            </a:extLst>
+          </p:cNvPr>
+          <p:cNvPicPr>
+            <a:picLocks noGrp="1" noRot="1" noChangeAspect="1" noMove="1" noResize="1" noEditPoints="1" noAdjustHandles="1" noChangeArrowheads="1" noChangeShapeType="1" noCrop="1"/>
+          </p:cNvPicPr>
+          <p:nvPr>
+            <p:extLst>
+              <p:ext uri="{386F3935-93C4-4BCD-93E2-E3B085C9AB24}">
+                <p16:designElem xmlns:p16="http://schemas.microsoft.com/office/powerpoint/2015/main" val="1"/>
+              </p:ext>
+            </p:extLst>
+          </p:nvPr>
+        </p:nvPicPr>
+        <p:blipFill rotWithShape="1">
+          <a:blip r:embed="rId3">
+            <a:extLst>
+              <a:ext uri="{28A0092B-C50C-407E-A947-70E740481C1C}">
+                <a14:useLocalDpi xmlns:a14="http://schemas.microsoft.com/office/drawing/2010/main" val="0"/>
+              </a:ext>
+            </a:extLst>
+          </a:blip>
+          <a:srcRect l="3613"/>
+          <a:stretch/>
+        </p:blipFill>
+        <p:spPr>
+          <a:xfrm>
+            <a:off x="0" y="2669685"/>
+            <a:ext cx="4037012" cy="4188315"/>
+          </a:xfrm>
+          <a:prstGeom prst="rect">
+            <a:avLst/>
+          </a:prstGeom>
+        </p:spPr>
+      </p:pic>
+      <p:pic>
+        <p:nvPicPr>
+          <p:cNvPr id="14" name="Picture 13">
+            <a:extLst>
+              <a:ext uri="{FF2B5EF4-FFF2-40B4-BE49-F238E27FC236}">
+                <a16:creationId xmlns:a16="http://schemas.microsoft.com/office/drawing/2014/main" id="{BE586E08-18BF-4AB1-AB48-4005D567343E}"/>
+              </a:ext>
+              <a:ext uri="{C183D7F6-B498-43B3-948B-1728B52AA6E4}">
+                <adec:decorative xmlns:adec="http://schemas.microsoft.com/office/drawing/2017/decorative" val="1"/>
+              </a:ext>
+            </a:extLst>
+          </p:cNvPr>
+          <p:cNvPicPr>
+            <a:picLocks noGrp="1" noRot="1" noChangeAspect="1" noMove="1" noResize="1" noEditPoints="1" noAdjustHandles="1" noChangeArrowheads="1" noChangeShapeType="1" noCrop="1"/>
+          </p:cNvPicPr>
+          <p:nvPr>
+            <p:extLst>
+              <p:ext uri="{386F3935-93C4-4BCD-93E2-E3B085C9AB24}">
+                <p16:designElem xmlns:p16="http://schemas.microsoft.com/office/powerpoint/2015/main" val="1"/>
+              </p:ext>
+            </p:extLst>
+          </p:nvPr>
+        </p:nvPicPr>
+        <p:blipFill rotWithShape="1">
+          <a:blip r:embed="rId4">
+            <a:extLst>
+              <a:ext uri="{28A0092B-C50C-407E-A947-70E740481C1C}">
+                <a14:useLocalDpi xmlns:a14="http://schemas.microsoft.com/office/drawing/2010/main" val="0"/>
+              </a:ext>
+            </a:extLst>
+          </a:blip>
+          <a:srcRect l="35640"/>
+          <a:stretch/>
+        </p:blipFill>
+        <p:spPr>
+          <a:xfrm>
+            <a:off x="0" y="2892347"/>
+            <a:ext cx="1522412" cy="2365453"/>
+          </a:xfrm>
+          <a:prstGeom prst="rect">
+            <a:avLst/>
+          </a:prstGeom>
+        </p:spPr>
+      </p:pic>
+      <p:sp>
+        <p:nvSpPr>
+          <p:cNvPr id="16" name="Oval 15">
+            <a:extLst>
+              <a:ext uri="{FF2B5EF4-FFF2-40B4-BE49-F238E27FC236}">
+                <a16:creationId xmlns:a16="http://schemas.microsoft.com/office/drawing/2014/main" id="{4A497DBC-2692-42B4-A606-31024033F7C0}"/>
+              </a:ext>
+              <a:ext uri="{C183D7F6-B498-43B3-948B-1728B52AA6E4}">
+                <adec:decorative xmlns:adec="http://schemas.microsoft.com/office/drawing/2017/decorative" val="1"/>
+              </a:ext>
+            </a:extLst>
+          </p:cNvPr>
+          <p:cNvSpPr>
+            <a:spLocks noGrp="1" noRot="1" noChangeAspect="1" noMove="1" noResize="1" noEditPoints="1" noAdjustHandles="1" noChangeArrowheads="1" noChangeShapeType="1" noTextEdit="1"/>
+          </p:cNvSpPr>
+          <p:nvPr>
+            <p:extLst>
+              <p:ext uri="{386F3935-93C4-4BCD-93E2-E3B085C9AB24}">
+                <p16:designElem xmlns:p16="http://schemas.microsoft.com/office/powerpoint/2015/main" val="1"/>
+              </p:ext>
+            </p:extLst>
+          </p:nvPr>
+        </p:nvSpPr>
+        <p:spPr>
+          <a:xfrm>
+            <a:off x="8609012" y="1676400"/>
+            <a:ext cx="2819400" cy="2819400"/>
+          </a:xfrm>
+          <a:prstGeom prst="ellipse">
+            <a:avLst/>
+          </a:prstGeom>
+          <a:gradFill flip="none" rotWithShape="1">
+            <a:gsLst>
+              <a:gs pos="0">
+                <a:schemeClr val="bg2">
+                  <a:lumMod val="60000"/>
+                  <a:lumOff val="40000"/>
+                  <a:alpha val="7000"/>
+                </a:schemeClr>
+              </a:gs>
+              <a:gs pos="69000">
+                <a:schemeClr val="bg2">
+                  <a:lumMod val="60000"/>
+                  <a:lumOff val="40000"/>
+                  <a:alpha val="0"/>
+                </a:schemeClr>
+              </a:gs>
+              <a:gs pos="36000">
+                <a:schemeClr val="bg2">
+                  <a:lumMod val="60000"/>
+                  <a:lumOff val="40000"/>
+                  <a:alpha val="6000"/>
+                </a:schemeClr>
+              </a:gs>
+            </a:gsLst>
+            <a:path path="circle">
+              <a:fillToRect l="50000" t="50000" r="50000" b="50000"/>
+            </a:path>
+            <a:tileRect/>
+          </a:gradFill>
+          <a:ln>
+            <a:noFill/>
+          </a:ln>
+          <a:effectLst/>
+        </p:spPr>
+        <p:style>
+          <a:lnRef idx="1">
+            <a:schemeClr val="accent1"/>
+          </a:lnRef>
+          <a:fillRef idx="3">
+            <a:schemeClr val="accent1"/>
+          </a:fillRef>
+          <a:effectRef idx="2">
+            <a:schemeClr val="accent1"/>
+          </a:effectRef>
+          <a:fontRef idx="minor">
+            <a:schemeClr val="lt1"/>
+          </a:fontRef>
+        </p:style>
+      </p:sp>
+      <p:pic>
+        <p:nvPicPr>
+          <p:cNvPr id="18" name="Picture 17">
+            <a:extLst>
+              <a:ext uri="{FF2B5EF4-FFF2-40B4-BE49-F238E27FC236}">
+                <a16:creationId xmlns:a16="http://schemas.microsoft.com/office/drawing/2014/main" id="{3517A192-66A9-4297-9284-65580829ABF1}"/>
+              </a:ext>
+              <a:ext uri="{C183D7F6-B498-43B3-948B-1728B52AA6E4}">
+                <adec:decorative xmlns:adec="http://schemas.microsoft.com/office/drawing/2017/decorative" val="1"/>
+              </a:ext>
+            </a:extLst>
+          </p:cNvPr>
+          <p:cNvPicPr>
+            <a:picLocks noGrp="1" noRot="1" noChangeAspect="1" noMove="1" noResize="1" noEditPoints="1" noAdjustHandles="1" noChangeArrowheads="1" noChangeShapeType="1" noCrop="1"/>
+          </p:cNvPicPr>
+          <p:nvPr>
+            <p:extLst>
+              <p:ext uri="{386F3935-93C4-4BCD-93E2-E3B085C9AB24}">
+                <p16:designElem xmlns:p16="http://schemas.microsoft.com/office/powerpoint/2015/main" val="1"/>
+              </p:ext>
+            </p:extLst>
+          </p:nvPr>
+        </p:nvPicPr>
+        <p:blipFill rotWithShape="1">
+          <a:blip r:embed="rId5">
+            <a:extLst>
+              <a:ext uri="{28A0092B-C50C-407E-A947-70E740481C1C}">
+                <a14:useLocalDpi xmlns:a14="http://schemas.microsoft.com/office/drawing/2010/main" val="0"/>
+              </a:ext>
+            </a:extLst>
+          </a:blip>
+          <a:srcRect t="28813"/>
+          <a:stretch/>
+        </p:blipFill>
+        <p:spPr>
+          <a:xfrm>
+            <a:off x="7999412" y="0"/>
+            <a:ext cx="1603387" cy="1141407"/>
+          </a:xfrm>
+          <a:prstGeom prst="rect">
+            <a:avLst/>
+          </a:prstGeom>
+        </p:spPr>
+      </p:pic>
+      <p:pic>
+        <p:nvPicPr>
+          <p:cNvPr id="20" name="Picture 19">
+            <a:extLst>
+              <a:ext uri="{FF2B5EF4-FFF2-40B4-BE49-F238E27FC236}">
+                <a16:creationId xmlns:a16="http://schemas.microsoft.com/office/drawing/2014/main" id="{130825ED-0133-430D-BBBB-50B6F5228448}"/>
+              </a:ext>
+              <a:ext uri="{C183D7F6-B498-43B3-948B-1728B52AA6E4}">
+                <adec:decorative xmlns:adec="http://schemas.microsoft.com/office/drawing/2017/decorative" val="1"/>
+              </a:ext>
+            </a:extLst>
+          </p:cNvPr>
+          <p:cNvPicPr>
+            <a:picLocks noGrp="1" noRot="1" noChangeAspect="1" noMove="1" noResize="1" noEditPoints="1" noAdjustHandles="1" noChangeArrowheads="1" noChangeShapeType="1" noCrop="1"/>
+          </p:cNvPicPr>
+          <p:nvPr>
+            <p:extLst>
+              <p:ext uri="{386F3935-93C4-4BCD-93E2-E3B085C9AB24}">
+                <p16:designElem xmlns:p16="http://schemas.microsoft.com/office/powerpoint/2015/main" val="1"/>
+              </p:ext>
+            </p:extLst>
+          </p:nvPr>
+        </p:nvPicPr>
+        <p:blipFill rotWithShape="1">
+          <a:blip r:embed="rId6">
+            <a:extLst>
+              <a:ext uri="{28A0092B-C50C-407E-A947-70E740481C1C}">
+                <a14:useLocalDpi xmlns:a14="http://schemas.microsoft.com/office/drawing/2010/main" val="0"/>
+              </a:ext>
+            </a:extLst>
+          </a:blip>
+          <a:srcRect b="23320"/>
+          <a:stretch/>
+        </p:blipFill>
+        <p:spPr>
+          <a:xfrm>
+            <a:off x="8605878" y="6096000"/>
+            <a:ext cx="993734" cy="762000"/>
+          </a:xfrm>
+          <a:prstGeom prst="rect">
+            <a:avLst/>
+          </a:prstGeom>
+        </p:spPr>
+      </p:pic>
+      <p:sp>
+        <p:nvSpPr>
+          <p:cNvPr id="22" name="Rectangle 21">
+            <a:extLst>
+              <a:ext uri="{FF2B5EF4-FFF2-40B4-BE49-F238E27FC236}">
+                <a16:creationId xmlns:a16="http://schemas.microsoft.com/office/drawing/2014/main" id="{633F040E-FA1C-4EDC-B925-7EFCB9582839}"/>
+              </a:ext>
+              <a:ext uri="{C183D7F6-B498-43B3-948B-1728B52AA6E4}">
+                <adec:decorative xmlns:adec="http://schemas.microsoft.com/office/drawing/2017/decorative" val="1"/>
+              </a:ext>
+            </a:extLst>
+          </p:cNvPr>
+          <p:cNvSpPr>
+            <a:spLocks noGrp="1" noRot="1" noChangeAspect="1" noMove="1" noResize="1" noEditPoints="1" noAdjustHandles="1" noChangeArrowheads="1" noChangeShapeType="1" noTextEdit="1"/>
+          </p:cNvSpPr>
+          <p:nvPr>
+            <p:extLst>
+              <p:ext uri="{386F3935-93C4-4BCD-93E2-E3B085C9AB24}">
+                <p16:designElem xmlns:p16="http://schemas.microsoft.com/office/powerpoint/2015/main" val="1"/>
+              </p:ext>
+            </p:extLst>
+          </p:nvPr>
+        </p:nvSpPr>
+        <p:spPr>
+          <a:xfrm>
+            <a:off x="10437812" y="0"/>
+            <a:ext cx="685800" cy="1143000"/>
+          </a:xfrm>
+          <a:prstGeom prst="rect">
+            <a:avLst/>
+          </a:prstGeom>
+          <a:solidFill>
+            <a:schemeClr val="accent1"/>
+          </a:solidFill>
+          <a:ln>
+            <a:noFill/>
+          </a:ln>
+        </p:spPr>
+        <p:style>
+          <a:lnRef idx="1">
+            <a:schemeClr val="accent1"/>
+          </a:lnRef>
+          <a:fillRef idx="3">
+            <a:schemeClr val="accent1"/>
+          </a:fillRef>
+          <a:effectRef idx="2">
+            <a:schemeClr val="accent1"/>
+          </a:effectRef>
+          <a:fontRef idx="minor">
+            <a:schemeClr val="lt1"/>
+          </a:fontRef>
+        </p:style>
+      </p:sp>
+      <p:sp>
+        <p:nvSpPr>
+          <p:cNvPr id="2" name="Title 1">
+            <a:extLst>
+              <a:ext uri="{FF2B5EF4-FFF2-40B4-BE49-F238E27FC236}">
+                <a16:creationId xmlns:a16="http://schemas.microsoft.com/office/drawing/2014/main" id="{B633112E-4022-4ED8-8472-6705D44B7972}"/>
+              </a:ext>
+            </a:extLst>
+          </p:cNvPr>
+          <p:cNvSpPr>
+            <a:spLocks noGrp="1"/>
+          </p:cNvSpPr>
+          <p:nvPr>
+            <p:ph type="title"/>
+          </p:nvPr>
+        </p:nvSpPr>
+        <p:spPr>
+          <a:xfrm>
+            <a:off x="8210623" y="1447800"/>
+            <a:ext cx="3333676" cy="3096987"/>
+          </a:xfrm>
+        </p:spPr>
+        <p:txBody>
+          <a:bodyPr vert="horz" lIns="91440" tIns="45720" rIns="91440" bIns="45720" rtlCol="0" anchor="b">
+            <a:normAutofit/>
+          </a:bodyPr>
+          <a:lstStyle/>
+          <a:p>
+            <a:r>
+              <a:rPr lang="en-US" sz="4600"/>
+              <a:t>GitHub Repository</a:t>
+            </a:r>
+          </a:p>
+        </p:txBody>
+      </p:sp>
+      <p:sp>
+        <p:nvSpPr>
+          <p:cNvPr id="24" name="Freeform: Shape 23">
+            <a:extLst>
+              <a:ext uri="{FF2B5EF4-FFF2-40B4-BE49-F238E27FC236}">
+                <a16:creationId xmlns:a16="http://schemas.microsoft.com/office/drawing/2014/main" id="{185730E4-A3A6-43E2-8E84-A4D61748BC82}"/>
+              </a:ext>
+              <a:ext uri="{C183D7F6-B498-43B3-948B-1728B52AA6E4}">
+                <adec:decorative xmlns:adec="http://schemas.microsoft.com/office/drawing/2017/decorative" val="1"/>
+              </a:ext>
+            </a:extLst>
+          </p:cNvPr>
+          <p:cNvSpPr>
+            <a:spLocks noGrp="1" noRot="1" noChangeAspect="1" noMove="1" noResize="1" noEditPoints="1" noAdjustHandles="1" noChangeArrowheads="1" noChangeShapeType="1" noTextEdit="1"/>
+          </p:cNvSpPr>
+          <p:nvPr>
+            <p:extLst>
+              <p:ext uri="{386F3935-93C4-4BCD-93E2-E3B085C9AB24}">
+                <p16:designElem xmlns:p16="http://schemas.microsoft.com/office/powerpoint/2015/main" val="1"/>
+              </p:ext>
+            </p:extLst>
+          </p:nvPr>
+        </p:nvSpPr>
+        <p:spPr>
+          <a:xfrm>
+            <a:off x="0" y="0"/>
+            <a:ext cx="7809954" cy="6858000"/>
+          </a:xfrm>
+          <a:custGeom>
+            <a:avLst/>
+            <a:gdLst>
+              <a:gd name="connsiteX0" fmla="*/ 6465239 w 7809954"/>
+              <a:gd name="connsiteY0" fmla="*/ 0 h 6858000"/>
+              <a:gd name="connsiteX1" fmla="*/ 7808777 w 7809954"/>
+              <a:gd name="connsiteY1" fmla="*/ 0 h 6858000"/>
+              <a:gd name="connsiteX2" fmla="*/ 7783732 w 7809954"/>
+              <a:gd name="connsiteY2" fmla="*/ 155676 h 6858000"/>
+              <a:gd name="connsiteX3" fmla="*/ 7759863 w 7809954"/>
+              <a:gd name="connsiteY3" fmla="*/ 310667 h 6858000"/>
+              <a:gd name="connsiteX4" fmla="*/ 7736499 w 7809954"/>
+              <a:gd name="connsiteY4" fmla="*/ 466344 h 6858000"/>
+              <a:gd name="connsiteX5" fmla="*/ 7716496 w 7809954"/>
+              <a:gd name="connsiteY5" fmla="*/ 622706 h 6858000"/>
+              <a:gd name="connsiteX6" fmla="*/ 7696325 w 7809954"/>
+              <a:gd name="connsiteY6" fmla="*/ 778383 h 6858000"/>
+              <a:gd name="connsiteX7" fmla="*/ 7677499 w 7809954"/>
+              <a:gd name="connsiteY7" fmla="*/ 934745 h 6858000"/>
+              <a:gd name="connsiteX8" fmla="*/ 7661363 w 7809954"/>
+              <a:gd name="connsiteY8" fmla="*/ 1089050 h 6858000"/>
+              <a:gd name="connsiteX9" fmla="*/ 7646067 w 7809954"/>
+              <a:gd name="connsiteY9" fmla="*/ 1245413 h 6858000"/>
+              <a:gd name="connsiteX10" fmla="*/ 7632115 w 7809954"/>
+              <a:gd name="connsiteY10" fmla="*/ 1401089 h 6858000"/>
+              <a:gd name="connsiteX11" fmla="*/ 7620013 w 7809954"/>
+              <a:gd name="connsiteY11" fmla="*/ 1554023 h 6858000"/>
+              <a:gd name="connsiteX12" fmla="*/ 7607910 w 7809954"/>
+              <a:gd name="connsiteY12" fmla="*/ 1709013 h 6858000"/>
+              <a:gd name="connsiteX13" fmla="*/ 7597825 w 7809954"/>
+              <a:gd name="connsiteY13" fmla="*/ 1861947 h 6858000"/>
+              <a:gd name="connsiteX14" fmla="*/ 7589925 w 7809954"/>
+              <a:gd name="connsiteY14" fmla="*/ 2014880 h 6858000"/>
+              <a:gd name="connsiteX15" fmla="*/ 7581688 w 7809954"/>
+              <a:gd name="connsiteY15" fmla="*/ 2167128 h 6858000"/>
+              <a:gd name="connsiteX16" fmla="*/ 7574797 w 7809954"/>
+              <a:gd name="connsiteY16" fmla="*/ 2318004 h 6858000"/>
+              <a:gd name="connsiteX17" fmla="*/ 7569922 w 7809954"/>
+              <a:gd name="connsiteY17" fmla="*/ 2467508 h 6858000"/>
+              <a:gd name="connsiteX18" fmla="*/ 7565720 w 7809954"/>
+              <a:gd name="connsiteY18" fmla="*/ 2617013 h 6858000"/>
+              <a:gd name="connsiteX19" fmla="*/ 7561686 w 7809954"/>
+              <a:gd name="connsiteY19" fmla="*/ 2765145 h 6858000"/>
+              <a:gd name="connsiteX20" fmla="*/ 7559837 w 7809954"/>
+              <a:gd name="connsiteY20" fmla="*/ 2911221 h 6858000"/>
+              <a:gd name="connsiteX21" fmla="*/ 7557820 w 7809954"/>
+              <a:gd name="connsiteY21" fmla="*/ 3057296 h 6858000"/>
+              <a:gd name="connsiteX22" fmla="*/ 7556811 w 7809954"/>
+              <a:gd name="connsiteY22" fmla="*/ 3201314 h 6858000"/>
+              <a:gd name="connsiteX23" fmla="*/ 7557820 w 7809954"/>
+              <a:gd name="connsiteY23" fmla="*/ 3343960 h 6858000"/>
+              <a:gd name="connsiteX24" fmla="*/ 7557820 w 7809954"/>
+              <a:gd name="connsiteY24" fmla="*/ 3485235 h 6858000"/>
+              <a:gd name="connsiteX25" fmla="*/ 7559837 w 7809954"/>
+              <a:gd name="connsiteY25" fmla="*/ 3625138 h 6858000"/>
+              <a:gd name="connsiteX26" fmla="*/ 7562862 w 7809954"/>
+              <a:gd name="connsiteY26" fmla="*/ 3762298 h 6858000"/>
+              <a:gd name="connsiteX27" fmla="*/ 7565720 w 7809954"/>
+              <a:gd name="connsiteY27" fmla="*/ 3898087 h 6858000"/>
+              <a:gd name="connsiteX28" fmla="*/ 7568914 w 7809954"/>
+              <a:gd name="connsiteY28" fmla="*/ 4031132 h 6858000"/>
+              <a:gd name="connsiteX29" fmla="*/ 7573788 w 7809954"/>
+              <a:gd name="connsiteY29" fmla="*/ 4163491 h 6858000"/>
+              <a:gd name="connsiteX30" fmla="*/ 7578999 w 7809954"/>
+              <a:gd name="connsiteY30" fmla="*/ 4293793 h 6858000"/>
+              <a:gd name="connsiteX31" fmla="*/ 7583705 w 7809954"/>
+              <a:gd name="connsiteY31" fmla="*/ 4421352 h 6858000"/>
+              <a:gd name="connsiteX32" fmla="*/ 7596985 w 7809954"/>
+              <a:gd name="connsiteY32" fmla="*/ 4670298 h 6858000"/>
+              <a:gd name="connsiteX33" fmla="*/ 7611104 w 7809954"/>
+              <a:gd name="connsiteY33" fmla="*/ 4908956 h 6858000"/>
+              <a:gd name="connsiteX34" fmla="*/ 7625896 w 7809954"/>
+              <a:gd name="connsiteY34" fmla="*/ 5138013 h 6858000"/>
+              <a:gd name="connsiteX35" fmla="*/ 7642201 w 7809954"/>
+              <a:gd name="connsiteY35" fmla="*/ 5354726 h 6858000"/>
+              <a:gd name="connsiteX36" fmla="*/ 7659178 w 7809954"/>
+              <a:gd name="connsiteY36" fmla="*/ 5561838 h 6858000"/>
+              <a:gd name="connsiteX37" fmla="*/ 7677499 w 7809954"/>
+              <a:gd name="connsiteY37" fmla="*/ 5753862 h 6858000"/>
+              <a:gd name="connsiteX38" fmla="*/ 7695485 w 7809954"/>
+              <a:gd name="connsiteY38" fmla="*/ 5934227 h 6858000"/>
+              <a:gd name="connsiteX39" fmla="*/ 7713470 w 7809954"/>
+              <a:gd name="connsiteY39" fmla="*/ 6100191 h 6858000"/>
+              <a:gd name="connsiteX40" fmla="*/ 7730447 w 7809954"/>
+              <a:gd name="connsiteY40" fmla="*/ 6252438 h 6858000"/>
+              <a:gd name="connsiteX41" fmla="*/ 7746584 w 7809954"/>
+              <a:gd name="connsiteY41" fmla="*/ 6387541 h 6858000"/>
+              <a:gd name="connsiteX42" fmla="*/ 7761880 w 7809954"/>
+              <a:gd name="connsiteY42" fmla="*/ 6509613 h 6858000"/>
+              <a:gd name="connsiteX43" fmla="*/ 7774655 w 7809954"/>
+              <a:gd name="connsiteY43" fmla="*/ 6612483 h 6858000"/>
+              <a:gd name="connsiteX44" fmla="*/ 7786757 w 7809954"/>
+              <a:gd name="connsiteY44" fmla="*/ 6698894 h 6858000"/>
+              <a:gd name="connsiteX45" fmla="*/ 7804071 w 7809954"/>
+              <a:gd name="connsiteY45" fmla="*/ 6817538 h 6858000"/>
+              <a:gd name="connsiteX46" fmla="*/ 7809954 w 7809954"/>
+              <a:gd name="connsiteY46" fmla="*/ 6858000 h 6858000"/>
+              <a:gd name="connsiteX47" fmla="*/ 7157124 w 7809954"/>
+              <a:gd name="connsiteY47" fmla="*/ 6858000 h 6858000"/>
+              <a:gd name="connsiteX48" fmla="*/ 7157124 w 7809954"/>
+              <a:gd name="connsiteY48" fmla="*/ 6858000 h 6858000"/>
+              <a:gd name="connsiteX49" fmla="*/ 0 w 7809954"/>
+              <a:gd name="connsiteY49" fmla="*/ 6858000 h 6858000"/>
+              <a:gd name="connsiteX50" fmla="*/ 0 w 7809954"/>
+              <a:gd name="connsiteY50" fmla="*/ 0 h 6858000"/>
+              <a:gd name="connsiteX51" fmla="*/ 6465239 w 7809954"/>
+              <a:gd name="connsiteY51" fmla="*/ 0 h 6858000"/>
+            </a:gdLst>
+            <a:ahLst/>
+            <a:cxnLst>
+              <a:cxn ang="0">
+                <a:pos x="connsiteX0" y="connsiteY0"/>
+              </a:cxn>
+              <a:cxn ang="0">
+                <a:pos x="connsiteX1" y="connsiteY1"/>
+              </a:cxn>
+              <a:cxn ang="0">
+                <a:pos x="connsiteX2" y="connsiteY2"/>
+              </a:cxn>
+              <a:cxn ang="0">
+                <a:pos x="connsiteX3" y="connsiteY3"/>
+              </a:cxn>
+              <a:cxn ang="0">
+                <a:pos x="connsiteX4" y="connsiteY4"/>
+              </a:cxn>
+              <a:cxn ang="0">
+                <a:pos x="connsiteX5" y="connsiteY5"/>
+              </a:cxn>
+              <a:cxn ang="0">
+                <a:pos x="connsiteX6" y="connsiteY6"/>
+              </a:cxn>
+              <a:cxn ang="0">
+                <a:pos x="connsiteX7" y="connsiteY7"/>
+              </a:cxn>
+              <a:cxn ang="0">
+                <a:pos x="connsiteX8" y="connsiteY8"/>
+              </a:cxn>
+              <a:cxn ang="0">
+                <a:pos x="connsiteX9" y="connsiteY9"/>
+              </a:cxn>
+              <a:cxn ang="0">
+                <a:pos x="connsiteX10" y="connsiteY10"/>
+              </a:cxn>
+              <a:cxn ang="0">
+                <a:pos x="connsiteX11" y="connsiteY11"/>
+              </a:cxn>
+              <a:cxn ang="0">
+                <a:pos x="connsiteX12" y="connsiteY12"/>
+              </a:cxn>
+              <a:cxn ang="0">
+                <a:pos x="connsiteX13" y="connsiteY13"/>
+              </a:cxn>
+              <a:cxn ang="0">
+                <a:pos x="connsiteX14" y="connsiteY14"/>
+              </a:cxn>
+              <a:cxn ang="0">
+                <a:pos x="connsiteX15" y="connsiteY15"/>
+              </a:cxn>
+              <a:cxn ang="0">
+                <a:pos x="connsiteX16" y="connsiteY16"/>
+              </a:cxn>
+              <a:cxn ang="0">
+                <a:pos x="connsiteX17" y="connsiteY17"/>
+              </a:cxn>
+              <a:cxn ang="0">
+                <a:pos x="connsiteX18" y="connsiteY18"/>
+              </a:cxn>
+              <a:cxn ang="0">
+                <a:pos x="connsiteX19" y="connsiteY19"/>
+              </a:cxn>
+              <a:cxn ang="0">
+                <a:pos x="connsiteX20" y="connsiteY20"/>
+              </a:cxn>
+              <a:cxn ang="0">
+                <a:pos x="connsiteX21" y="connsiteY21"/>
+              </a:cxn>
+              <a:cxn ang="0">
+                <a:pos x="connsiteX22" y="connsiteY22"/>
+              </a:cxn>
+              <a:cxn ang="0">
+                <a:pos x="connsiteX23" y="connsiteY23"/>
+              </a:cxn>
+              <a:cxn ang="0">
+                <a:pos x="connsiteX24" y="connsiteY24"/>
+              </a:cxn>
+              <a:cxn ang="0">
+                <a:pos x="connsiteX25" y="connsiteY25"/>
+              </a:cxn>
+              <a:cxn ang="0">
+                <a:pos x="connsiteX26" y="connsiteY26"/>
+              </a:cxn>
+              <a:cxn ang="0">
+                <a:pos x="connsiteX27" y="connsiteY27"/>
+              </a:cxn>
+              <a:cxn ang="0">
+                <a:pos x="connsiteX28" y="connsiteY28"/>
+              </a:cxn>
+              <a:cxn ang="0">
+                <a:pos x="connsiteX29" y="connsiteY29"/>
+              </a:cxn>
+              <a:cxn ang="0">
+                <a:pos x="connsiteX30" y="connsiteY30"/>
+              </a:cxn>
+              <a:cxn ang="0">
+                <a:pos x="connsiteX31" y="connsiteY31"/>
+              </a:cxn>
+              <a:cxn ang="0">
+                <a:pos x="connsiteX32" y="connsiteY32"/>
+              </a:cxn>
+              <a:cxn ang="0">
+                <a:pos x="connsiteX33" y="connsiteY33"/>
+              </a:cxn>
+              <a:cxn ang="0">
+                <a:pos x="connsiteX34" y="connsiteY34"/>
+              </a:cxn>
+              <a:cxn ang="0">
+                <a:pos x="connsiteX35" y="connsiteY35"/>
+              </a:cxn>
+              <a:cxn ang="0">
+                <a:pos x="connsiteX36" y="connsiteY36"/>
+              </a:cxn>
+              <a:cxn ang="0">
+                <a:pos x="connsiteX37" y="connsiteY37"/>
+              </a:cxn>
+              <a:cxn ang="0">
+                <a:pos x="connsiteX38" y="connsiteY38"/>
+              </a:cxn>
+              <a:cxn ang="0">
+                <a:pos x="connsiteX39" y="connsiteY39"/>
+              </a:cxn>
+              <a:cxn ang="0">
+                <a:pos x="connsiteX40" y="connsiteY40"/>
+              </a:cxn>
+              <a:cxn ang="0">
+                <a:pos x="connsiteX41" y="connsiteY41"/>
+              </a:cxn>
+              <a:cxn ang="0">
+                <a:pos x="connsiteX42" y="connsiteY42"/>
+              </a:cxn>
+              <a:cxn ang="0">
+                <a:pos x="connsiteX43" y="connsiteY43"/>
+              </a:cxn>
+              <a:cxn ang="0">
+                <a:pos x="connsiteX44" y="connsiteY44"/>
+              </a:cxn>
+              <a:cxn ang="0">
+                <a:pos x="connsiteX45" y="connsiteY45"/>
+              </a:cxn>
+              <a:cxn ang="0">
+                <a:pos x="connsiteX46" y="connsiteY46"/>
+              </a:cxn>
+              <a:cxn ang="0">
+                <a:pos x="connsiteX47" y="connsiteY47"/>
+              </a:cxn>
+              <a:cxn ang="0">
+                <a:pos x="connsiteX48" y="connsiteY48"/>
+              </a:cxn>
+              <a:cxn ang="0">
+                <a:pos x="connsiteX49" y="connsiteY49"/>
+              </a:cxn>
+              <a:cxn ang="0">
+                <a:pos x="connsiteX50" y="connsiteY50"/>
+              </a:cxn>
+              <a:cxn ang="0">
+                <a:pos x="connsiteX51" y="connsiteY51"/>
+              </a:cxn>
+            </a:cxnLst>
+            <a:rect l="l" t="t" r="r" b="b"/>
+            <a:pathLst>
+              <a:path w="7809954" h="6858000">
+                <a:moveTo>
+                  <a:pt x="6465239" y="0"/>
+                </a:moveTo>
+                <a:lnTo>
+                  <a:pt x="7808777" y="0"/>
+                </a:lnTo>
+                <a:lnTo>
+                  <a:pt x="7783732" y="155676"/>
+                </a:lnTo>
+                <a:lnTo>
+                  <a:pt x="7759863" y="310667"/>
+                </a:lnTo>
+                <a:lnTo>
+                  <a:pt x="7736499" y="466344"/>
+                </a:lnTo>
+                <a:lnTo>
+                  <a:pt x="7716496" y="622706"/>
+                </a:lnTo>
+                <a:lnTo>
+                  <a:pt x="7696325" y="778383"/>
+                </a:lnTo>
+                <a:lnTo>
+                  <a:pt x="7677499" y="934745"/>
+                </a:lnTo>
+                <a:lnTo>
+                  <a:pt x="7661363" y="1089050"/>
+                </a:lnTo>
+                <a:lnTo>
+                  <a:pt x="7646067" y="1245413"/>
+                </a:lnTo>
+                <a:lnTo>
+                  <a:pt x="7632115" y="1401089"/>
+                </a:lnTo>
+                <a:lnTo>
+                  <a:pt x="7620013" y="1554023"/>
+                </a:lnTo>
+                <a:lnTo>
+                  <a:pt x="7607910" y="1709013"/>
+                </a:lnTo>
+                <a:lnTo>
+                  <a:pt x="7597825" y="1861947"/>
+                </a:lnTo>
+                <a:lnTo>
+                  <a:pt x="7589925" y="2014880"/>
+                </a:lnTo>
+                <a:lnTo>
+                  <a:pt x="7581688" y="2167128"/>
+                </a:lnTo>
+                <a:lnTo>
+                  <a:pt x="7574797" y="2318004"/>
+                </a:lnTo>
+                <a:lnTo>
+                  <a:pt x="7569922" y="2467508"/>
+                </a:lnTo>
+                <a:lnTo>
+                  <a:pt x="7565720" y="2617013"/>
+                </a:lnTo>
+                <a:lnTo>
+                  <a:pt x="7561686" y="2765145"/>
+                </a:lnTo>
+                <a:lnTo>
+                  <a:pt x="7559837" y="2911221"/>
+                </a:lnTo>
+                <a:lnTo>
+                  <a:pt x="7557820" y="3057296"/>
+                </a:lnTo>
+                <a:lnTo>
+                  <a:pt x="7556811" y="3201314"/>
+                </a:lnTo>
+                <a:lnTo>
+                  <a:pt x="7557820" y="3343960"/>
+                </a:lnTo>
+                <a:lnTo>
+                  <a:pt x="7557820" y="3485235"/>
+                </a:lnTo>
+                <a:lnTo>
+                  <a:pt x="7559837" y="3625138"/>
+                </a:lnTo>
+                <a:lnTo>
+                  <a:pt x="7562862" y="3762298"/>
+                </a:lnTo>
+                <a:lnTo>
+                  <a:pt x="7565720" y="3898087"/>
+                </a:lnTo>
+                <a:lnTo>
+                  <a:pt x="7568914" y="4031132"/>
+                </a:lnTo>
+                <a:lnTo>
+                  <a:pt x="7573788" y="4163491"/>
+                </a:lnTo>
+                <a:lnTo>
+                  <a:pt x="7578999" y="4293793"/>
+                </a:lnTo>
+                <a:lnTo>
+                  <a:pt x="7583705" y="4421352"/>
+                </a:lnTo>
+                <a:lnTo>
+                  <a:pt x="7596985" y="4670298"/>
+                </a:lnTo>
+                <a:lnTo>
+                  <a:pt x="7611104" y="4908956"/>
+                </a:lnTo>
+                <a:lnTo>
+                  <a:pt x="7625896" y="5138013"/>
+                </a:lnTo>
+                <a:lnTo>
+                  <a:pt x="7642201" y="5354726"/>
+                </a:lnTo>
+                <a:lnTo>
+                  <a:pt x="7659178" y="5561838"/>
+                </a:lnTo>
+                <a:lnTo>
+                  <a:pt x="7677499" y="5753862"/>
+                </a:lnTo>
+                <a:lnTo>
+                  <a:pt x="7695485" y="5934227"/>
+                </a:lnTo>
+                <a:lnTo>
+                  <a:pt x="7713470" y="6100191"/>
+                </a:lnTo>
+                <a:lnTo>
+                  <a:pt x="7730447" y="6252438"/>
+                </a:lnTo>
+                <a:lnTo>
+                  <a:pt x="7746584" y="6387541"/>
+                </a:lnTo>
+                <a:lnTo>
+                  <a:pt x="7761880" y="6509613"/>
+                </a:lnTo>
+                <a:lnTo>
+                  <a:pt x="7774655" y="6612483"/>
+                </a:lnTo>
+                <a:lnTo>
+                  <a:pt x="7786757" y="6698894"/>
+                </a:lnTo>
+                <a:lnTo>
+                  <a:pt x="7804071" y="6817538"/>
+                </a:lnTo>
+                <a:lnTo>
+                  <a:pt x="7809954" y="6858000"/>
+                </a:lnTo>
+                <a:lnTo>
+                  <a:pt x="7157124" y="6858000"/>
+                </a:lnTo>
+                <a:lnTo>
+                  <a:pt x="7157124" y="6858000"/>
+                </a:lnTo>
+                <a:lnTo>
+                  <a:pt x="0" y="6858000"/>
+                </a:lnTo>
+                <a:lnTo>
+                  <a:pt x="0" y="0"/>
+                </a:lnTo>
+                <a:lnTo>
+                  <a:pt x="6465239" y="0"/>
+                </a:lnTo>
+                <a:close/>
+              </a:path>
+            </a:pathLst>
+          </a:custGeom>
+          <a:solidFill>
+            <a:srgbClr val="FFFFFF"/>
+          </a:solidFill>
+          <a:ln>
+            <a:noFill/>
+          </a:ln>
+        </p:spPr>
+        <p:style>
+          <a:lnRef idx="2">
+            <a:schemeClr val="accent1">
+              <a:shade val="50000"/>
+            </a:schemeClr>
+          </a:lnRef>
+          <a:fillRef idx="1">
+            <a:schemeClr val="accent1"/>
+          </a:fillRef>
+          <a:effectRef idx="0">
+            <a:schemeClr val="accent1"/>
+          </a:effectRef>
+          <a:fontRef idx="minor">
+            <a:schemeClr val="lt1"/>
+          </a:fontRef>
+        </p:style>
+        <p:txBody>
+          <a:bodyPr wrap="square" rtlCol="0" anchor="ctr">
+            <a:noAutofit/>
+          </a:bodyPr>
+          <a:lstStyle/>
+          <a:p>
+            <a:pPr algn="ctr"/>
+            <a:endParaRPr lang="en-US"/>
+          </a:p>
+        </p:txBody>
+      </p:sp>
+      <p:pic>
+        <p:nvPicPr>
+          <p:cNvPr id="4" name="Content Placeholder 3">
+            <a:extLst>
+              <a:ext uri="{FF2B5EF4-FFF2-40B4-BE49-F238E27FC236}">
+                <a16:creationId xmlns:a16="http://schemas.microsoft.com/office/drawing/2014/main" id="{7BF3B82D-FEC2-4697-869B-E7E5966C97B4}"/>
+              </a:ext>
+            </a:extLst>
+          </p:cNvPr>
+          <p:cNvPicPr>
+            <a:picLocks noGrp="1" noChangeAspect="1"/>
+          </p:cNvPicPr>
+          <p:nvPr>
+            <p:ph idx="1"/>
+          </p:nvPr>
+        </p:nvPicPr>
+        <p:blipFill>
+          <a:blip r:embed="rId7"/>
+          <a:stretch>
+            <a:fillRect/>
+          </a:stretch>
+        </p:blipFill>
+        <p:spPr>
+          <a:xfrm>
+            <a:off x="499331" y="158887"/>
+            <a:ext cx="4853903" cy="3035028"/>
+          </a:xfrm>
+          <a:prstGeom prst="rect">
+            <a:avLst/>
+          </a:prstGeom>
+          <a:effectLst/>
+        </p:spPr>
+      </p:pic>
+      <p:pic>
+        <p:nvPicPr>
+          <p:cNvPr id="6" name="Picture 5">
+            <a:extLst>
+              <a:ext uri="{FF2B5EF4-FFF2-40B4-BE49-F238E27FC236}">
+                <a16:creationId xmlns:a16="http://schemas.microsoft.com/office/drawing/2014/main" id="{27D3E2EC-0B40-48D2-98F6-ABF6CF3C1359}"/>
+              </a:ext>
+            </a:extLst>
+          </p:cNvPr>
+          <p:cNvPicPr>
+            <a:picLocks noChangeAspect="1"/>
+          </p:cNvPicPr>
+          <p:nvPr/>
+        </p:nvPicPr>
+        <p:blipFill>
+          <a:blip r:embed="rId8"/>
+          <a:stretch>
+            <a:fillRect/>
+          </a:stretch>
+        </p:blipFill>
+        <p:spPr>
+          <a:xfrm>
+            <a:off x="5670543" y="158886"/>
+            <a:ext cx="4633634" cy="3035028"/>
+          </a:xfrm>
+          <a:prstGeom prst="rect">
+            <a:avLst/>
+          </a:prstGeom>
+          <a:effectLst/>
+        </p:spPr>
+      </p:pic>
+      <p:sp>
+        <p:nvSpPr>
+          <p:cNvPr id="26" name="Freeform 31">
+            <a:extLst>
+              <a:ext uri="{FF2B5EF4-FFF2-40B4-BE49-F238E27FC236}">
+                <a16:creationId xmlns:a16="http://schemas.microsoft.com/office/drawing/2014/main" id="{61835C02-009F-45B9-81BA-49BD79D44CBF}"/>
+              </a:ext>
+              <a:ext uri="{C183D7F6-B498-43B3-948B-1728B52AA6E4}">
+                <adec:decorative xmlns:adec="http://schemas.microsoft.com/office/drawing/2017/decorative" val="1"/>
+              </a:ext>
+            </a:extLst>
+          </p:cNvPr>
+          <p:cNvSpPr>
+            <a:spLocks noGrp="1" noRot="1" noChangeAspect="1" noMove="1" noResize="1" noEditPoints="1" noAdjustHandles="1" noChangeArrowheads="1" noChangeShapeType="1" noTextEdit="1"/>
+          </p:cNvSpPr>
+          <p:nvPr>
+            <p:extLst>
+              <p:ext uri="{386F3935-93C4-4BCD-93E2-E3B085C9AB24}">
+                <p16:designElem xmlns:p16="http://schemas.microsoft.com/office/powerpoint/2015/main" val="1"/>
+              </p:ext>
+            </p:extLst>
+          </p:nvPr>
+        </p:nvSpPr>
+        <p:spPr>
+          <a:xfrm flipH="1">
+            <a:off x="7463681" y="-1"/>
+            <a:ext cx="559472" cy="3709642"/>
+          </a:xfrm>
+          <a:custGeom>
+            <a:avLst/>
+            <a:gdLst>
+              <a:gd name="connsiteX0" fmla="*/ 0 w 559472"/>
+              <a:gd name="connsiteY0" fmla="*/ 0 h 3709642"/>
+              <a:gd name="connsiteX1" fmla="*/ 473952 w 559472"/>
+              <a:gd name="connsiteY1" fmla="*/ 0 h 3709642"/>
+              <a:gd name="connsiteX2" fmla="*/ 485840 w 559472"/>
+              <a:gd name="connsiteY2" fmla="*/ 161194 h 3709642"/>
+              <a:gd name="connsiteX3" fmla="*/ 523949 w 559472"/>
+              <a:gd name="connsiteY3" fmla="*/ 3672197 h 3709642"/>
+              <a:gd name="connsiteX4" fmla="*/ 454748 w 559472"/>
+              <a:gd name="connsiteY4" fmla="*/ 3709642 h 3709642"/>
+              <a:gd name="connsiteX5" fmla="*/ 448224 w 559472"/>
+              <a:gd name="connsiteY5" fmla="*/ 3510471 h 3709642"/>
+              <a:gd name="connsiteX6" fmla="*/ 443564 w 559472"/>
+              <a:gd name="connsiteY6" fmla="*/ 3408563 h 3709642"/>
+              <a:gd name="connsiteX7" fmla="*/ 438902 w 559472"/>
+              <a:gd name="connsiteY7" fmla="*/ 3304407 h 3709642"/>
+              <a:gd name="connsiteX8" fmla="*/ 433941 w 559472"/>
+              <a:gd name="connsiteY8" fmla="*/ 3198777 h 3709642"/>
+              <a:gd name="connsiteX9" fmla="*/ 427584 w 559472"/>
+              <a:gd name="connsiteY9" fmla="*/ 3092510 h 3709642"/>
+              <a:gd name="connsiteX10" fmla="*/ 420988 w 559472"/>
+              <a:gd name="connsiteY10" fmla="*/ 2984390 h 3709642"/>
+              <a:gd name="connsiteX11" fmla="*/ 414330 w 559472"/>
+              <a:gd name="connsiteY11" fmla="*/ 2874401 h 3709642"/>
+              <a:gd name="connsiteX12" fmla="*/ 406840 w 559472"/>
+              <a:gd name="connsiteY12" fmla="*/ 2762980 h 3709642"/>
+              <a:gd name="connsiteX13" fmla="*/ 397745 w 559472"/>
+              <a:gd name="connsiteY13" fmla="*/ 2650566 h 3709642"/>
+              <a:gd name="connsiteX14" fmla="*/ 389154 w 559472"/>
+              <a:gd name="connsiteY14" fmla="*/ 2536612 h 3709642"/>
+              <a:gd name="connsiteX15" fmla="*/ 379225 w 559472"/>
+              <a:gd name="connsiteY15" fmla="*/ 2421642 h 3709642"/>
+              <a:gd name="connsiteX16" fmla="*/ 368316 w 559472"/>
+              <a:gd name="connsiteY16" fmla="*/ 2305627 h 3709642"/>
+              <a:gd name="connsiteX17" fmla="*/ 357466 w 559472"/>
+              <a:gd name="connsiteY17" fmla="*/ 2189233 h 3709642"/>
+              <a:gd name="connsiteX18" fmla="*/ 344982 w 559472"/>
+              <a:gd name="connsiteY18" fmla="*/ 2071473 h 3709642"/>
+              <a:gd name="connsiteX19" fmla="*/ 332466 w 559472"/>
+              <a:gd name="connsiteY19" fmla="*/ 1952216 h 3709642"/>
+              <a:gd name="connsiteX20" fmla="*/ 319121 w 559472"/>
+              <a:gd name="connsiteY20" fmla="*/ 1833776 h 3709642"/>
+              <a:gd name="connsiteX21" fmla="*/ 304408 w 559472"/>
+              <a:gd name="connsiteY21" fmla="*/ 1713948 h 3709642"/>
+              <a:gd name="connsiteX22" fmla="*/ 288685 w 559472"/>
+              <a:gd name="connsiteY22" fmla="*/ 1592703 h 3709642"/>
+              <a:gd name="connsiteX23" fmla="*/ 273050 w 559472"/>
+              <a:gd name="connsiteY23" fmla="*/ 1471451 h 3709642"/>
+              <a:gd name="connsiteX24" fmla="*/ 255813 w 559472"/>
+              <a:gd name="connsiteY24" fmla="*/ 1350328 h 3709642"/>
+              <a:gd name="connsiteX25" fmla="*/ 237060 w 559472"/>
+              <a:gd name="connsiteY25" fmla="*/ 1227080 h 3709642"/>
+              <a:gd name="connsiteX26" fmla="*/ 218488 w 559472"/>
+              <a:gd name="connsiteY26" fmla="*/ 1106065 h 3709642"/>
+              <a:gd name="connsiteX27" fmla="*/ 198221 w 559472"/>
+              <a:gd name="connsiteY27" fmla="*/ 982940 h 3709642"/>
+              <a:gd name="connsiteX28" fmla="*/ 177152 w 559472"/>
+              <a:gd name="connsiteY28" fmla="*/ 858755 h 3709642"/>
+              <a:gd name="connsiteX29" fmla="*/ 155551 w 559472"/>
+              <a:gd name="connsiteY29" fmla="*/ 736861 h 3709642"/>
+              <a:gd name="connsiteX30" fmla="*/ 131782 w 559472"/>
+              <a:gd name="connsiteY30" fmla="*/ 613645 h 3709642"/>
+              <a:gd name="connsiteX31" fmla="*/ 107123 w 559472"/>
+              <a:gd name="connsiteY31" fmla="*/ 490500 h 3709642"/>
+              <a:gd name="connsiteX32" fmla="*/ 82552 w 559472"/>
+              <a:gd name="connsiteY32" fmla="*/ 367348 h 3709642"/>
+              <a:gd name="connsiteX33" fmla="*/ 55608 w 559472"/>
+              <a:gd name="connsiteY33" fmla="*/ 244762 h 3709642"/>
+              <a:gd name="connsiteX34" fmla="*/ 28130 w 559472"/>
+              <a:gd name="connsiteY34" fmla="*/ 122220 h 3709642"/>
+              <a:gd name="connsiteX35" fmla="*/ 0 w 559472"/>
+              <a:gd name="connsiteY35" fmla="*/ 0 h 3709642"/>
+            </a:gdLst>
+            <a:ahLst/>
+            <a:cxnLst>
+              <a:cxn ang="0">
+                <a:pos x="connsiteX0" y="connsiteY0"/>
+              </a:cxn>
+              <a:cxn ang="0">
+                <a:pos x="connsiteX1" y="connsiteY1"/>
+              </a:cxn>
+              <a:cxn ang="0">
+                <a:pos x="connsiteX2" y="connsiteY2"/>
+              </a:cxn>
+              <a:cxn ang="0">
+                <a:pos x="connsiteX3" y="connsiteY3"/>
+              </a:cxn>
+              <a:cxn ang="0">
+                <a:pos x="connsiteX4" y="connsiteY4"/>
+              </a:cxn>
+              <a:cxn ang="0">
+                <a:pos x="connsiteX5" y="connsiteY5"/>
+              </a:cxn>
+              <a:cxn ang="0">
+                <a:pos x="connsiteX6" y="connsiteY6"/>
+              </a:cxn>
+              <a:cxn ang="0">
+                <a:pos x="connsiteX7" y="connsiteY7"/>
+              </a:cxn>
+              <a:cxn ang="0">
+                <a:pos x="connsiteX8" y="connsiteY8"/>
+              </a:cxn>
+              <a:cxn ang="0">
+                <a:pos x="connsiteX9" y="connsiteY9"/>
+              </a:cxn>
+              <a:cxn ang="0">
+                <a:pos x="connsiteX10" y="connsiteY10"/>
+              </a:cxn>
+              <a:cxn ang="0">
+                <a:pos x="connsiteX11" y="connsiteY11"/>
+              </a:cxn>
+              <a:cxn ang="0">
+                <a:pos x="connsiteX12" y="connsiteY12"/>
+              </a:cxn>
+              <a:cxn ang="0">
+                <a:pos x="connsiteX13" y="connsiteY13"/>
+              </a:cxn>
+              <a:cxn ang="0">
+                <a:pos x="connsiteX14" y="connsiteY14"/>
+              </a:cxn>
+              <a:cxn ang="0">
+                <a:pos x="connsiteX15" y="connsiteY15"/>
+              </a:cxn>
+              <a:cxn ang="0">
+                <a:pos x="connsiteX16" y="connsiteY16"/>
+              </a:cxn>
+              <a:cxn ang="0">
+                <a:pos x="connsiteX17" y="connsiteY17"/>
+              </a:cxn>
+              <a:cxn ang="0">
+                <a:pos x="connsiteX18" y="connsiteY18"/>
+              </a:cxn>
+              <a:cxn ang="0">
+                <a:pos x="connsiteX19" y="connsiteY19"/>
+              </a:cxn>
+              <a:cxn ang="0">
+                <a:pos x="connsiteX20" y="connsiteY20"/>
+              </a:cxn>
+              <a:cxn ang="0">
+                <a:pos x="connsiteX21" y="connsiteY21"/>
+              </a:cxn>
+              <a:cxn ang="0">
+                <a:pos x="connsiteX22" y="connsiteY22"/>
+              </a:cxn>
+              <a:cxn ang="0">
+                <a:pos x="connsiteX23" y="connsiteY23"/>
+              </a:cxn>
+              <a:cxn ang="0">
+                <a:pos x="connsiteX24" y="connsiteY24"/>
+              </a:cxn>
+              <a:cxn ang="0">
+                <a:pos x="connsiteX25" y="connsiteY25"/>
+              </a:cxn>
+              <a:cxn ang="0">
+                <a:pos x="connsiteX26" y="connsiteY26"/>
+              </a:cxn>
+              <a:cxn ang="0">
+                <a:pos x="connsiteX27" y="connsiteY27"/>
+              </a:cxn>
+              <a:cxn ang="0">
+                <a:pos x="connsiteX28" y="connsiteY28"/>
+              </a:cxn>
+              <a:cxn ang="0">
+                <a:pos x="connsiteX29" y="connsiteY29"/>
+              </a:cxn>
+              <a:cxn ang="0">
+                <a:pos x="connsiteX30" y="connsiteY30"/>
+              </a:cxn>
+              <a:cxn ang="0">
+                <a:pos x="connsiteX31" y="connsiteY31"/>
+              </a:cxn>
+              <a:cxn ang="0">
+                <a:pos x="connsiteX32" y="connsiteY32"/>
+              </a:cxn>
+              <a:cxn ang="0">
+                <a:pos x="connsiteX33" y="connsiteY33"/>
+              </a:cxn>
+              <a:cxn ang="0">
+                <a:pos x="connsiteX34" y="connsiteY34"/>
+              </a:cxn>
+              <a:cxn ang="0">
+                <a:pos x="connsiteX35" y="connsiteY35"/>
+              </a:cxn>
+            </a:cxnLst>
+            <a:rect l="l" t="t" r="r" b="b"/>
+            <a:pathLst>
+              <a:path w="559472" h="3709642">
+                <a:moveTo>
+                  <a:pt x="0" y="0"/>
+                </a:moveTo>
+                <a:lnTo>
+                  <a:pt x="473952" y="0"/>
+                </a:lnTo>
+                <a:lnTo>
+                  <a:pt x="485840" y="161194"/>
+                </a:lnTo>
+                <a:cubicBezTo>
+                  <a:pt x="552063" y="1147770"/>
+                  <a:pt x="592441" y="3086737"/>
+                  <a:pt x="523949" y="3672197"/>
+                </a:cubicBezTo>
+                <a:cubicBezTo>
+                  <a:pt x="500842" y="3684557"/>
+                  <a:pt x="477855" y="3697282"/>
+                  <a:pt x="454748" y="3709642"/>
+                </a:cubicBezTo>
+                <a:lnTo>
+                  <a:pt x="448224" y="3510471"/>
+                </a:lnTo>
+                <a:lnTo>
+                  <a:pt x="443564" y="3408563"/>
+                </a:lnTo>
+                <a:lnTo>
+                  <a:pt x="438902" y="3304407"/>
+                </a:lnTo>
+                <a:lnTo>
+                  <a:pt x="433941" y="3198777"/>
+                </a:lnTo>
+                <a:lnTo>
+                  <a:pt x="427584" y="3092510"/>
+                </a:lnTo>
+                <a:lnTo>
+                  <a:pt x="420988" y="2984390"/>
+                </a:lnTo>
+                <a:lnTo>
+                  <a:pt x="414330" y="2874401"/>
+                </a:lnTo>
+                <a:lnTo>
+                  <a:pt x="406840" y="2762980"/>
+                </a:lnTo>
+                <a:lnTo>
+                  <a:pt x="397745" y="2650566"/>
+                </a:lnTo>
+                <a:lnTo>
+                  <a:pt x="389154" y="2536612"/>
+                </a:lnTo>
+                <a:lnTo>
+                  <a:pt x="379225" y="2421642"/>
+                </a:lnTo>
+                <a:lnTo>
+                  <a:pt x="368316" y="2305627"/>
+                </a:lnTo>
+                <a:lnTo>
+                  <a:pt x="357466" y="2189233"/>
+                </a:lnTo>
+                <a:lnTo>
+                  <a:pt x="344982" y="2071473"/>
+                </a:lnTo>
+                <a:lnTo>
+                  <a:pt x="332466" y="1952216"/>
+                </a:lnTo>
+                <a:lnTo>
+                  <a:pt x="319121" y="1833776"/>
+                </a:lnTo>
+                <a:lnTo>
+                  <a:pt x="304408" y="1713948"/>
+                </a:lnTo>
+                <a:lnTo>
+                  <a:pt x="288685" y="1592703"/>
+                </a:lnTo>
+                <a:lnTo>
+                  <a:pt x="273050" y="1471451"/>
+                </a:lnTo>
+                <a:lnTo>
+                  <a:pt x="255813" y="1350328"/>
+                </a:lnTo>
+                <a:lnTo>
+                  <a:pt x="237060" y="1227080"/>
+                </a:lnTo>
+                <a:lnTo>
+                  <a:pt x="218488" y="1106065"/>
+                </a:lnTo>
+                <a:lnTo>
+                  <a:pt x="198221" y="982940"/>
+                </a:lnTo>
+                <a:lnTo>
+                  <a:pt x="177152" y="858755"/>
+                </a:lnTo>
+                <a:lnTo>
+                  <a:pt x="155551" y="736861"/>
+                </a:lnTo>
+                <a:lnTo>
+                  <a:pt x="131782" y="613645"/>
+                </a:lnTo>
+                <a:lnTo>
+                  <a:pt x="107123" y="490500"/>
+                </a:lnTo>
+                <a:lnTo>
+                  <a:pt x="82552" y="367348"/>
+                </a:lnTo>
+                <a:lnTo>
+                  <a:pt x="55608" y="244762"/>
+                </a:lnTo>
+                <a:lnTo>
+                  <a:pt x="28130" y="122220"/>
+                </a:lnTo>
+                <a:lnTo>
+                  <a:pt x="0" y="0"/>
+                </a:lnTo>
+                <a:close/>
+              </a:path>
+            </a:pathLst>
+          </a:custGeom>
+          <a:solidFill>
+            <a:schemeClr val="tx1">
+              <a:alpha val="20000"/>
+            </a:schemeClr>
+          </a:solidFill>
+          <a:ln>
+            <a:noFill/>
+          </a:ln>
+        </p:spPr>
+        <p:txBody>
+          <a:bodyPr rtlCol="0" anchor="ctr"/>
+          <a:lstStyle/>
+          <a:p>
+            <a:pPr algn="ctr"/>
+            <a:endParaRPr lang="en-US"/>
+          </a:p>
+        </p:txBody>
+      </p:sp>
+      <p:pic>
+        <p:nvPicPr>
+          <p:cNvPr id="5" name="Picture 4">
+            <a:extLst>
+              <a:ext uri="{FF2B5EF4-FFF2-40B4-BE49-F238E27FC236}">
+                <a16:creationId xmlns:a16="http://schemas.microsoft.com/office/drawing/2014/main" id="{6669482C-CCCB-4BE0-8B16-A36361530884}"/>
+              </a:ext>
+            </a:extLst>
+          </p:cNvPr>
+          <p:cNvPicPr>
+            <a:picLocks noChangeAspect="1"/>
+          </p:cNvPicPr>
+          <p:nvPr/>
+        </p:nvPicPr>
+        <p:blipFill>
+          <a:blip r:embed="rId9"/>
+          <a:stretch>
+            <a:fillRect/>
+          </a:stretch>
+        </p:blipFill>
+        <p:spPr>
+          <a:xfrm>
+            <a:off x="626235" y="4658809"/>
+            <a:ext cx="4600094" cy="713013"/>
+          </a:xfrm>
+          <a:prstGeom prst="rect">
+            <a:avLst/>
+          </a:prstGeom>
+          <a:effectLst/>
+        </p:spPr>
+      </p:pic>
+      <p:pic>
+        <p:nvPicPr>
+          <p:cNvPr id="7" name="Picture 6">
+            <a:extLst>
+              <a:ext uri="{FF2B5EF4-FFF2-40B4-BE49-F238E27FC236}">
+                <a16:creationId xmlns:a16="http://schemas.microsoft.com/office/drawing/2014/main" id="{E53602A8-7891-4445-988A-BAF79B514A92}"/>
+              </a:ext>
+            </a:extLst>
+          </p:cNvPr>
+          <p:cNvPicPr>
+            <a:picLocks noChangeAspect="1"/>
+          </p:cNvPicPr>
+          <p:nvPr/>
+        </p:nvPicPr>
+        <p:blipFill>
+          <a:blip r:embed="rId10"/>
+          <a:stretch>
+            <a:fillRect/>
+          </a:stretch>
+        </p:blipFill>
+        <p:spPr>
+          <a:xfrm>
+            <a:off x="5849650" y="4658809"/>
+            <a:ext cx="5273962" cy="713013"/>
+          </a:xfrm>
+          <a:prstGeom prst="rect">
+            <a:avLst/>
+          </a:prstGeom>
+          <a:effectLst/>
+        </p:spPr>
+      </p:pic>
+    </p:spTree>
+    <p:extLst>
+      <p:ext uri="{BB962C8B-B14F-4D97-AF65-F5344CB8AC3E}">
+        <p14:creationId xmlns:p14="http://schemas.microsoft.com/office/powerpoint/2010/main" val="3875734196"/>
+      </p:ext>
+    </p:extLst>
+  </p:cSld>
+  <p:clrMapOvr>
+    <a:masterClrMapping/>
+  </p:clrMapOvr>
+</p:sld>
+</file>
+
+<file path=ppt/slides/slide15.xml><?xml version="1.0" encoding="utf-8"?>
+<p:sld xmlns:a="http://schemas.openxmlformats.org/drawingml/2006/main" xmlns:r="http://schemas.openxmlformats.org/officeDocument/2006/relationships" xmlns:p="http://schemas.openxmlformats.org/presentationml/2006/main">
+  <p:cSld>
+    <p:bg>
+      <p:bgPr>
         <a:solidFill>
           <a:schemeClr val="bg2"/>
         </a:solidFill>

--- a/Final Presentation.pptx
+++ b/Final Presentation.pptx
@@ -19,7 +19,8 @@
     <p:sldId id="267" r:id="rId13"/>
     <p:sldId id="271" r:id="rId14"/>
     <p:sldId id="272" r:id="rId15"/>
-    <p:sldId id="270" r:id="rId16"/>
+    <p:sldId id="273" r:id="rId16"/>
+    <p:sldId id="270" r:id="rId17"/>
   </p:sldIdLst>
   <p:sldSz cx="12192000" cy="6858000"/>
   <p:notesSz cx="6858000" cy="9144000"/>
@@ -7502,7 +7503,7 @@
           <a:lstStyle/>
           <a:p>
             <a:r>
-              <a:rPr lang="en-US" sz="4600"/>
+              <a:rPr lang="en-US" sz="4600" dirty="0"/>
               <a:t>GitHub Repository</a:t>
             </a:r>
           </a:p>
@@ -8492,6 +8493,97 @@
 </file>
 
 <file path=ppt/slides/slide15.xml><?xml version="1.0" encoding="utf-8"?>
+<p:sld xmlns:a="http://schemas.openxmlformats.org/drawingml/2006/main" xmlns:r="http://schemas.openxmlformats.org/officeDocument/2006/relationships" xmlns:p="http://schemas.openxmlformats.org/presentationml/2006/main">
+  <p:cSld>
+    <p:spTree>
+      <p:nvGrpSpPr>
+        <p:cNvPr id="1" name=""/>
+        <p:cNvGrpSpPr/>
+        <p:nvPr/>
+      </p:nvGrpSpPr>
+      <p:grpSpPr>
+        <a:xfrm>
+          <a:off x="0" y="0"/>
+          <a:ext cx="0" cy="0"/>
+          <a:chOff x="0" y="0"/>
+          <a:chExt cx="0" cy="0"/>
+        </a:xfrm>
+      </p:grpSpPr>
+      <p:sp>
+        <p:nvSpPr>
+          <p:cNvPr id="2" name="Title 1">
+            <a:extLst>
+              <a:ext uri="{FF2B5EF4-FFF2-40B4-BE49-F238E27FC236}">
+                <a16:creationId xmlns:a16="http://schemas.microsoft.com/office/drawing/2014/main" id="{2DFE867E-50FF-4B4A-BEC5-530FEAFC1453}"/>
+              </a:ext>
+            </a:extLst>
+          </p:cNvPr>
+          <p:cNvSpPr>
+            <a:spLocks noGrp="1"/>
+          </p:cNvSpPr>
+          <p:nvPr>
+            <p:ph type="title"/>
+          </p:nvPr>
+        </p:nvSpPr>
+        <p:spPr/>
+        <p:txBody>
+          <a:bodyPr/>
+          <a:lstStyle/>
+          <a:p>
+            <a:r>
+              <a:rPr lang="en-US" sz="4400" dirty="0"/>
+              <a:t>GitHub Repository</a:t>
+            </a:r>
+            <a:endParaRPr lang="en-CA" dirty="0"/>
+          </a:p>
+        </p:txBody>
+      </p:sp>
+      <p:pic>
+        <p:nvPicPr>
+          <p:cNvPr id="4" name="Content Placeholder 3">
+            <a:extLst>
+              <a:ext uri="{FF2B5EF4-FFF2-40B4-BE49-F238E27FC236}">
+                <a16:creationId xmlns:a16="http://schemas.microsoft.com/office/drawing/2014/main" id="{F4776919-5448-42BC-AC5A-567451DEA34D}"/>
+              </a:ext>
+            </a:extLst>
+          </p:cNvPr>
+          <p:cNvPicPr>
+            <a:picLocks noGrp="1" noChangeAspect="1"/>
+          </p:cNvPicPr>
+          <p:nvPr>
+            <p:ph idx="1"/>
+          </p:nvPr>
+        </p:nvPicPr>
+        <p:blipFill>
+          <a:blip r:embed="rId2"/>
+          <a:stretch>
+            <a:fillRect/>
+          </a:stretch>
+        </p:blipFill>
+        <p:spPr>
+          <a:xfrm>
+            <a:off x="891438" y="1404938"/>
+            <a:ext cx="1693749" cy="4195762"/>
+          </a:xfrm>
+          <a:prstGeom prst="rect">
+            <a:avLst/>
+          </a:prstGeom>
+        </p:spPr>
+      </p:pic>
+    </p:spTree>
+    <p:extLst>
+      <p:ext uri="{BB962C8B-B14F-4D97-AF65-F5344CB8AC3E}">
+        <p14:creationId xmlns:p14="http://schemas.microsoft.com/office/powerpoint/2010/main" val="4077123504"/>
+      </p:ext>
+    </p:extLst>
+  </p:cSld>
+  <p:clrMapOvr>
+    <a:masterClrMapping/>
+  </p:clrMapOvr>
+</p:sld>
+</file>
+
+<file path=ppt/slides/slide16.xml><?xml version="1.0" encoding="utf-8"?>
 <p:sld xmlns:a="http://schemas.openxmlformats.org/drawingml/2006/main" xmlns:r="http://schemas.openxmlformats.org/officeDocument/2006/relationships" xmlns:p="http://schemas.openxmlformats.org/presentationml/2006/main">
   <p:cSld>
     <p:bg>

--- a/Final Presentation.pptx
+++ b/Final Presentation.pptx
@@ -8495,6 +8495,30 @@
 <file path=ppt/slides/slide15.xml><?xml version="1.0" encoding="utf-8"?>
 <p:sld xmlns:a="http://schemas.openxmlformats.org/drawingml/2006/main" xmlns:r="http://schemas.openxmlformats.org/officeDocument/2006/relationships" xmlns:p="http://schemas.openxmlformats.org/presentationml/2006/main">
   <p:cSld>
+    <p:bg>
+      <p:bgPr>
+        <a:blipFill rotWithShape="1">
+          <a:blip r:embed="rId2">
+            <a:duotone>
+              <a:schemeClr val="bg2">
+                <a:shade val="69000"/>
+                <a:hueMod val="108000"/>
+                <a:satMod val="164000"/>
+                <a:lumMod val="74000"/>
+              </a:schemeClr>
+              <a:schemeClr val="bg2">
+                <a:tint val="96000"/>
+                <a:hueMod val="88000"/>
+                <a:satMod val="140000"/>
+                <a:lumMod val="132000"/>
+              </a:schemeClr>
+            </a:duotone>
+          </a:blip>
+          <a:stretch/>
+        </a:blipFill>
+        <a:effectLst/>
+      </p:bgPr>
+    </p:bg>
     <p:spTree>
       <p:nvGrpSpPr>
         <p:cNvPr id="1" name=""/>
@@ -8525,16 +8549,23 @@
             <p:ph type="title"/>
           </p:nvPr>
         </p:nvSpPr>
-        <p:spPr/>
-        <p:txBody>
-          <a:bodyPr/>
+        <p:spPr>
+          <a:xfrm>
+            <a:off x="646112" y="4212709"/>
+            <a:ext cx="9164206" cy="831400"/>
+          </a:xfrm>
+        </p:spPr>
+        <p:txBody>
+          <a:bodyPr>
+            <a:normAutofit/>
+          </a:bodyPr>
           <a:lstStyle/>
           <a:p>
             <a:r>
-              <a:rPr lang="en-US" sz="4400" dirty="0"/>
+              <a:rPr lang="en-US" sz="4000"/>
               <a:t>GitHub Repository</a:t>
             </a:r>
-            <a:endParaRPr lang="en-CA" dirty="0"/>
+            <a:endParaRPr lang="en-CA" sz="4000"/>
           </a:p>
         </p:txBody>
       </p:sp>
@@ -8548,28 +8579,142 @@
             </a:extLst>
           </p:cNvPr>
           <p:cNvPicPr>
-            <a:picLocks noGrp="1" noChangeAspect="1"/>
+            <a:picLocks noChangeAspect="1"/>
           </p:cNvPicPr>
-          <p:nvPr>
-            <p:ph idx="1"/>
-          </p:nvPr>
+          <p:nvPr/>
         </p:nvPicPr>
         <p:blipFill>
-          <a:blip r:embed="rId2"/>
+          <a:blip r:embed="rId3"/>
           <a:stretch>
             <a:fillRect/>
           </a:stretch>
         </p:blipFill>
         <p:spPr>
           <a:xfrm>
-            <a:off x="891438" y="1404938"/>
-            <a:ext cx="1693749" cy="4195762"/>
+            <a:off x="954582" y="182516"/>
+            <a:ext cx="1928673" cy="4152788"/>
           </a:xfrm>
           <a:prstGeom prst="rect">
             <a:avLst/>
           </a:prstGeom>
+          <a:effectLst>
+            <a:outerShdw blurRad="50800" dist="38100" dir="5400000" algn="t" rotWithShape="0">
+              <a:prstClr val="black">
+                <a:alpha val="43000"/>
+              </a:prstClr>
+            </a:outerShdw>
+          </a:effectLst>
         </p:spPr>
       </p:pic>
+      <p:pic>
+        <p:nvPicPr>
+          <p:cNvPr id="5" name="Picture 4">
+            <a:extLst>
+              <a:ext uri="{FF2B5EF4-FFF2-40B4-BE49-F238E27FC236}">
+                <a16:creationId xmlns:a16="http://schemas.microsoft.com/office/drawing/2014/main" id="{0C1660D4-7A37-4CA2-A71A-94075923CC3D}"/>
+              </a:ext>
+            </a:extLst>
+          </p:cNvPr>
+          <p:cNvPicPr>
+            <a:picLocks noChangeAspect="1"/>
+          </p:cNvPicPr>
+          <p:nvPr/>
+        </p:nvPicPr>
+        <p:blipFill>
+          <a:blip r:embed="rId4"/>
+          <a:stretch>
+            <a:fillRect/>
+          </a:stretch>
+        </p:blipFill>
+        <p:spPr>
+          <a:xfrm>
+            <a:off x="3453777" y="182517"/>
+            <a:ext cx="1928673" cy="4152788"/>
+          </a:xfrm>
+          <a:prstGeom prst="rect">
+            <a:avLst/>
+          </a:prstGeom>
+          <a:effectLst>
+            <a:outerShdw blurRad="50800" dist="38100" dir="5400000" algn="t" rotWithShape="0">
+              <a:prstClr val="black">
+                <a:alpha val="43000"/>
+              </a:prstClr>
+            </a:outerShdw>
+          </a:effectLst>
+        </p:spPr>
+      </p:pic>
+      <p:pic>
+        <p:nvPicPr>
+          <p:cNvPr id="3" name="Picture 2">
+            <a:extLst>
+              <a:ext uri="{FF2B5EF4-FFF2-40B4-BE49-F238E27FC236}">
+                <a16:creationId xmlns:a16="http://schemas.microsoft.com/office/drawing/2014/main" id="{D5E273E2-27D3-49D1-BA82-E33B61E2F939}"/>
+              </a:ext>
+            </a:extLst>
+          </p:cNvPr>
+          <p:cNvPicPr>
+            <a:picLocks noChangeAspect="1"/>
+          </p:cNvPicPr>
+          <p:nvPr/>
+        </p:nvPicPr>
+        <p:blipFill>
+          <a:blip r:embed="rId5"/>
+          <a:stretch>
+            <a:fillRect/>
+          </a:stretch>
+        </p:blipFill>
+        <p:spPr>
+          <a:xfrm>
+            <a:off x="5952972" y="182517"/>
+            <a:ext cx="5822081" cy="4152788"/>
+          </a:xfrm>
+          <a:prstGeom prst="rect">
+            <a:avLst/>
+          </a:prstGeom>
+          <a:effectLst>
+            <a:outerShdw blurRad="50800" dist="38100" dir="5400000" algn="t" rotWithShape="0">
+              <a:prstClr val="black">
+                <a:alpha val="43000"/>
+              </a:prstClr>
+            </a:outerShdw>
+          </a:effectLst>
+        </p:spPr>
+      </p:pic>
+      <p:sp>
+        <p:nvSpPr>
+          <p:cNvPr id="8" name="Content Placeholder 7">
+            <a:extLst>
+              <a:ext uri="{FF2B5EF4-FFF2-40B4-BE49-F238E27FC236}">
+                <a16:creationId xmlns:a16="http://schemas.microsoft.com/office/drawing/2014/main" id="{9FF438F6-D97B-4E36-A6BA-76869B6B4E10}"/>
+              </a:ext>
+            </a:extLst>
+          </p:cNvPr>
+          <p:cNvSpPr>
+            <a:spLocks noGrp="1"/>
+          </p:cNvSpPr>
+          <p:nvPr>
+            <p:ph idx="1"/>
+          </p:nvPr>
+        </p:nvSpPr>
+        <p:spPr>
+          <a:xfrm>
+            <a:off x="635459" y="5163378"/>
+            <a:ext cx="9164206" cy="1316931"/>
+          </a:xfrm>
+        </p:spPr>
+        <p:txBody>
+          <a:bodyPr>
+            <a:normAutofit/>
+          </a:bodyPr>
+          <a:lstStyle/>
+          <a:p>
+            <a:r>
+              <a:rPr lang="en-US" sz="1800" dirty="0"/>
+              <a:t>After committing we will have to push to the origin which is the repository in order to update and for the others to pull from origin to get updated file.</a:t>
+            </a:r>
+          </a:p>
+        </p:txBody>
+      </p:sp>
     </p:spTree>
     <p:extLst>
       <p:ext uri="{BB962C8B-B14F-4D97-AF65-F5344CB8AC3E}">

--- a/Final Presentation.pptx
+++ b/Final Presentation.pptx
@@ -17,10 +17,11 @@
     <p:sldId id="265" r:id="rId11"/>
     <p:sldId id="266" r:id="rId12"/>
     <p:sldId id="267" r:id="rId13"/>
-    <p:sldId id="271" r:id="rId14"/>
-    <p:sldId id="272" r:id="rId15"/>
-    <p:sldId id="273" r:id="rId16"/>
-    <p:sldId id="270" r:id="rId17"/>
+    <p:sldId id="274" r:id="rId14"/>
+    <p:sldId id="271" r:id="rId15"/>
+    <p:sldId id="272" r:id="rId16"/>
+    <p:sldId id="273" r:id="rId17"/>
+    <p:sldId id="270" r:id="rId18"/>
   </p:sldIdLst>
   <p:sldSz cx="12192000" cy="6858000"/>
   <p:notesSz cx="6858000" cy="9144000"/>
@@ -6981,173 +6982,11 @@
 <file path=ppt/slides/slide13.xml><?xml version="1.0" encoding="utf-8"?>
 <p:sld xmlns:a="http://schemas.openxmlformats.org/drawingml/2006/main" xmlns:r="http://schemas.openxmlformats.org/officeDocument/2006/relationships" xmlns:p="http://schemas.openxmlformats.org/presentationml/2006/main">
   <p:cSld>
-    <p:spTree>
-      <p:nvGrpSpPr>
-        <p:cNvPr id="1" name=""/>
-        <p:cNvGrpSpPr/>
-        <p:nvPr/>
-      </p:nvGrpSpPr>
-      <p:grpSpPr>
-        <a:xfrm>
-          <a:off x="0" y="0"/>
-          <a:ext cx="0" cy="0"/>
-          <a:chOff x="0" y="0"/>
-          <a:chExt cx="0" cy="0"/>
-        </a:xfrm>
-      </p:grpSpPr>
-      <p:sp>
-        <p:nvSpPr>
-          <p:cNvPr id="2" name="Title 1">
-            <a:extLst>
-              <a:ext uri="{FF2B5EF4-FFF2-40B4-BE49-F238E27FC236}">
-                <a16:creationId xmlns:a16="http://schemas.microsoft.com/office/drawing/2014/main" id="{B2C69F26-93F6-4E02-9A40-8751CF31785F}"/>
-              </a:ext>
-            </a:extLst>
-          </p:cNvPr>
-          <p:cNvSpPr>
-            <a:spLocks noGrp="1"/>
-          </p:cNvSpPr>
-          <p:nvPr>
-            <p:ph type="title"/>
-          </p:nvPr>
-        </p:nvSpPr>
-        <p:spPr/>
-        <p:txBody>
-          <a:bodyPr/>
-          <a:lstStyle/>
-          <a:p>
-            <a:r>
-              <a:rPr lang="en-CA" dirty="0"/>
-              <a:t>GitHub Repository</a:t>
-            </a:r>
-          </a:p>
-        </p:txBody>
-      </p:sp>
-      <p:sp>
-        <p:nvSpPr>
-          <p:cNvPr id="3" name="Content Placeholder 2">
-            <a:extLst>
-              <a:ext uri="{FF2B5EF4-FFF2-40B4-BE49-F238E27FC236}">
-                <a16:creationId xmlns:a16="http://schemas.microsoft.com/office/drawing/2014/main" id="{6FB04D6A-015C-458D-83E5-BC71D8891A8D}"/>
-              </a:ext>
-            </a:extLst>
-          </p:cNvPr>
-          <p:cNvSpPr>
-            <a:spLocks noGrp="1"/>
-          </p:cNvSpPr>
-          <p:nvPr>
-            <p:ph idx="1"/>
-          </p:nvPr>
-        </p:nvSpPr>
-        <p:spPr/>
-        <p:txBody>
-          <a:bodyPr/>
-          <a:lstStyle/>
-          <a:p>
-            <a:r>
-              <a:rPr lang="en-CA" dirty="0">
-                <a:hlinkClick r:id="rId2"/>
-              </a:rPr>
-              <a:t>https://github.com/TsidAznar/WAPCENG319</a:t>
-            </a:r>
-            <a:endParaRPr lang="en-CA" dirty="0"/>
-          </a:p>
-          <a:p>
-            <a:r>
-              <a:rPr lang="en-CA" dirty="0"/>
-              <a:t>Use of GitHub Desktop to push/pull files to repository.</a:t>
-            </a:r>
-          </a:p>
-          <a:p>
-            <a:r>
-              <a:rPr lang="en-CA" dirty="0"/>
-              <a:t>Code Commitments was done from Android Studio using the buttons shown below.</a:t>
-            </a:r>
-          </a:p>
-          <a:p>
-            <a:r>
-              <a:rPr lang="en-CA" dirty="0"/>
-              <a:t>Blue to update project from other commits done outside.</a:t>
-            </a:r>
-          </a:p>
-          <a:p>
-            <a:r>
-              <a:rPr lang="en-CA" dirty="0"/>
-              <a:t>Green to push and commit to repository and update on GitHub.</a:t>
-            </a:r>
-          </a:p>
-          <a:p>
-            <a:endParaRPr lang="en-CA" dirty="0"/>
-          </a:p>
-        </p:txBody>
-      </p:sp>
-      <p:pic>
-        <p:nvPicPr>
-          <p:cNvPr id="4" name="Picture 3">
-            <a:extLst>
-              <a:ext uri="{FF2B5EF4-FFF2-40B4-BE49-F238E27FC236}">
-                <a16:creationId xmlns:a16="http://schemas.microsoft.com/office/drawing/2014/main" id="{75D9370F-1CF0-4C85-A78E-16C82D67FF35}"/>
-              </a:ext>
-            </a:extLst>
-          </p:cNvPr>
-          <p:cNvPicPr>
-            <a:picLocks noChangeAspect="1"/>
-          </p:cNvPicPr>
-          <p:nvPr/>
-        </p:nvPicPr>
-        <p:blipFill>
-          <a:blip r:embed="rId3"/>
-          <a:stretch>
-            <a:fillRect/>
-          </a:stretch>
-        </p:blipFill>
-        <p:spPr>
-          <a:xfrm>
-            <a:off x="4795532" y="4630582"/>
-            <a:ext cx="1562100" cy="561975"/>
-          </a:xfrm>
-          <a:prstGeom prst="rect">
-            <a:avLst/>
-          </a:prstGeom>
-        </p:spPr>
-      </p:pic>
-    </p:spTree>
-    <p:extLst>
-      <p:ext uri="{BB962C8B-B14F-4D97-AF65-F5344CB8AC3E}">
-        <p14:creationId xmlns:p14="http://schemas.microsoft.com/office/powerpoint/2010/main" val="1973246078"/>
-      </p:ext>
-    </p:extLst>
-  </p:cSld>
-  <p:clrMapOvr>
-    <a:masterClrMapping/>
-  </p:clrMapOvr>
-</p:sld>
-</file>
-
-<file path=ppt/slides/slide14.xml><?xml version="1.0" encoding="utf-8"?>
-<p:sld xmlns:a="http://schemas.openxmlformats.org/drawingml/2006/main" xmlns:r="http://schemas.openxmlformats.org/officeDocument/2006/relationships" xmlns:p="http://schemas.openxmlformats.org/presentationml/2006/main">
-  <p:cSld>
     <p:bg>
       <p:bgPr>
-        <a:blipFill rotWithShape="1">
-          <a:blip r:embed="rId2">
-            <a:duotone>
-              <a:schemeClr val="bg2">
-                <a:shade val="69000"/>
-                <a:hueMod val="108000"/>
-                <a:satMod val="164000"/>
-                <a:lumMod val="74000"/>
-              </a:schemeClr>
-              <a:schemeClr val="bg2">
-                <a:tint val="96000"/>
-                <a:hueMod val="88000"/>
-                <a:satMod val="140000"/>
-                <a:lumMod val="132000"/>
-              </a:schemeClr>
-            </a:duotone>
-          </a:blip>
-          <a:stretch/>
-        </a:blipFill>
+        <a:solidFill>
+          <a:schemeClr val="bg1"/>
+        </a:solidFill>
         <a:effectLst/>
       </p:bgPr>
     </p:bg>
@@ -7167,10 +7006,10 @@
       </p:grpSpPr>
       <p:pic>
         <p:nvPicPr>
-          <p:cNvPr id="12" name="Picture 11">
+          <p:cNvPr id="9" name="Picture 8">
             <a:extLst>
               <a:ext uri="{FF2B5EF4-FFF2-40B4-BE49-F238E27FC236}">
-                <a16:creationId xmlns:a16="http://schemas.microsoft.com/office/drawing/2014/main" id="{BD310164-D3A3-415E-9D94-5D21D9FB2F6C}"/>
+                <a16:creationId xmlns:a16="http://schemas.microsoft.com/office/drawing/2014/main" id="{41B68C77-138E-4BF7-A276-BD0C78A4219F}"/>
               </a:ext>
               <a:ext uri="{C183D7F6-B498-43B3-948B-1728B52AA6E4}">
                 <adec:decorative xmlns:adec="http://schemas.microsoft.com/office/drawing/2017/decorative" val="1"/>
@@ -7189,7 +7028,7 @@
           </p:nvPr>
         </p:nvPicPr>
         <p:blipFill rotWithShape="1">
-          <a:blip r:embed="rId3">
+          <a:blip r:embed="rId2">
             <a:extLst>
               <a:ext uri="{28A0092B-C50C-407E-A947-70E740481C1C}">
                 <a14:useLocalDpi xmlns:a14="http://schemas.microsoft.com/office/drawing/2010/main" val="0"/>
@@ -7211,10 +7050,10 @@
       </p:pic>
       <p:pic>
         <p:nvPicPr>
-          <p:cNvPr id="14" name="Picture 13">
+          <p:cNvPr id="11" name="Picture 10">
             <a:extLst>
               <a:ext uri="{FF2B5EF4-FFF2-40B4-BE49-F238E27FC236}">
-                <a16:creationId xmlns:a16="http://schemas.microsoft.com/office/drawing/2014/main" id="{BE586E08-18BF-4AB1-AB48-4005D567343E}"/>
+                <a16:creationId xmlns:a16="http://schemas.microsoft.com/office/drawing/2014/main" id="{7C268552-D473-46ED-B1B8-422042C4DEF1}"/>
               </a:ext>
               <a:ext uri="{C183D7F6-B498-43B3-948B-1728B52AA6E4}">
                 <adec:decorative xmlns:adec="http://schemas.microsoft.com/office/drawing/2017/decorative" val="1"/>
@@ -7233,7 +7072,7 @@
           </p:nvPr>
         </p:nvPicPr>
         <p:blipFill rotWithShape="1">
-          <a:blip r:embed="rId4">
+          <a:blip r:embed="rId3">
             <a:extLst>
               <a:ext uri="{28A0092B-C50C-407E-A947-70E740481C1C}">
                 <a14:useLocalDpi xmlns:a14="http://schemas.microsoft.com/office/drawing/2010/main" val="0"/>
@@ -7255,10 +7094,10 @@
       </p:pic>
       <p:sp>
         <p:nvSpPr>
-          <p:cNvPr id="16" name="Oval 15">
+          <p:cNvPr id="13" name="Oval 12">
             <a:extLst>
               <a:ext uri="{FF2B5EF4-FFF2-40B4-BE49-F238E27FC236}">
-                <a16:creationId xmlns:a16="http://schemas.microsoft.com/office/drawing/2014/main" id="{4A497DBC-2692-42B4-A606-31024033F7C0}"/>
+                <a16:creationId xmlns:a16="http://schemas.microsoft.com/office/drawing/2014/main" id="{4AC0CD9D-7610-4620-93B4-798CCD9AB581}"/>
               </a:ext>
               <a:ext uri="{C183D7F6-B498-43B3-948B-1728B52AA6E4}">
                 <adec:decorative xmlns:adec="http://schemas.microsoft.com/office/drawing/2017/decorative" val="1"/>
@@ -7335,10 +7174,10 @@
       </p:sp>
       <p:pic>
         <p:nvPicPr>
-          <p:cNvPr id="18" name="Picture 17">
+          <p:cNvPr id="15" name="Picture 14">
             <a:extLst>
               <a:ext uri="{FF2B5EF4-FFF2-40B4-BE49-F238E27FC236}">
-                <a16:creationId xmlns:a16="http://schemas.microsoft.com/office/drawing/2014/main" id="{3517A192-66A9-4297-9284-65580829ABF1}"/>
+                <a16:creationId xmlns:a16="http://schemas.microsoft.com/office/drawing/2014/main" id="{B9238B3E-24AA-439A-B527-6C5DF6D72145}"/>
               </a:ext>
               <a:ext uri="{C183D7F6-B498-43B3-948B-1728B52AA6E4}">
                 <adec:decorative xmlns:adec="http://schemas.microsoft.com/office/drawing/2017/decorative" val="1"/>
@@ -7357,7 +7196,7 @@
           </p:nvPr>
         </p:nvPicPr>
         <p:blipFill rotWithShape="1">
-          <a:blip r:embed="rId5">
+          <a:blip r:embed="rId4">
             <a:extLst>
               <a:ext uri="{28A0092B-C50C-407E-A947-70E740481C1C}">
                 <a14:useLocalDpi xmlns:a14="http://schemas.microsoft.com/office/drawing/2010/main" val="0"/>
@@ -7379,10 +7218,10 @@
       </p:pic>
       <p:pic>
         <p:nvPicPr>
-          <p:cNvPr id="20" name="Picture 19">
+          <p:cNvPr id="17" name="Picture 16">
             <a:extLst>
               <a:ext uri="{FF2B5EF4-FFF2-40B4-BE49-F238E27FC236}">
-                <a16:creationId xmlns:a16="http://schemas.microsoft.com/office/drawing/2014/main" id="{130825ED-0133-430D-BBBB-50B6F5228448}"/>
+                <a16:creationId xmlns:a16="http://schemas.microsoft.com/office/drawing/2014/main" id="{69F01145-BEA3-4CBF-AA21-10077B948CA8}"/>
               </a:ext>
               <a:ext uri="{C183D7F6-B498-43B3-948B-1728B52AA6E4}">
                 <adec:decorative xmlns:adec="http://schemas.microsoft.com/office/drawing/2017/decorative" val="1"/>
@@ -7401,7 +7240,7 @@
           </p:nvPr>
         </p:nvPicPr>
         <p:blipFill rotWithShape="1">
-          <a:blip r:embed="rId6">
+          <a:blip r:embed="rId5">
             <a:extLst>
               <a:ext uri="{28A0092B-C50C-407E-A947-70E740481C1C}">
                 <a14:useLocalDpi xmlns:a14="http://schemas.microsoft.com/office/drawing/2010/main" val="0"/>
@@ -7423,10 +7262,10 @@
       </p:pic>
       <p:sp>
         <p:nvSpPr>
-          <p:cNvPr id="22" name="Rectangle 21">
+          <p:cNvPr id="19" name="Rectangle 18">
             <a:extLst>
               <a:ext uri="{FF2B5EF4-FFF2-40B4-BE49-F238E27FC236}">
-                <a16:creationId xmlns:a16="http://schemas.microsoft.com/office/drawing/2014/main" id="{633F040E-FA1C-4EDC-B925-7EFCB9582839}"/>
+                <a16:creationId xmlns:a16="http://schemas.microsoft.com/office/drawing/2014/main" id="{DE4D62F9-188E-4530-84C2-24BDEE4BEB82}"/>
               </a:ext>
               <a:ext uri="{C183D7F6-B498-43B3-948B-1728B52AA6E4}">
                 <adec:decorative xmlns:adec="http://schemas.microsoft.com/office/drawing/2017/decorative" val="1"/>
@@ -7476,10 +7315,70 @@
       </p:sp>
       <p:sp>
         <p:nvSpPr>
+          <p:cNvPr id="21" name="Rectangle 20">
+            <a:extLst>
+              <a:ext uri="{FF2B5EF4-FFF2-40B4-BE49-F238E27FC236}">
+                <a16:creationId xmlns:a16="http://schemas.microsoft.com/office/drawing/2014/main" id="{757B325C-3E35-45CF-9D07-3BCB281F3B9C}"/>
+              </a:ext>
+              <a:ext uri="{C183D7F6-B498-43B3-948B-1728B52AA6E4}">
+                <adec:decorative xmlns:adec="http://schemas.microsoft.com/office/drawing/2017/decorative" val="1"/>
+              </a:ext>
+            </a:extLst>
+          </p:cNvPr>
+          <p:cNvSpPr>
+            <a:spLocks noGrp="1" noRot="1" noChangeAspect="1" noMove="1" noResize="1" noEditPoints="1" noAdjustHandles="1" noChangeArrowheads="1" noChangeShapeType="1" noTextEdit="1"/>
+          </p:cNvSpPr>
+          <p:nvPr>
+            <p:extLst>
+              <p:ext uri="{386F3935-93C4-4BCD-93E2-E3B085C9AB24}">
+                <p16:designElem xmlns:p16="http://schemas.microsoft.com/office/powerpoint/2015/main" val="1"/>
+              </p:ext>
+            </p:extLst>
+          </p:nvPr>
+        </p:nvSpPr>
+        <p:spPr>
+          <a:xfrm>
+            <a:off x="0" y="0"/>
+            <a:ext cx="12192000" cy="6858000"/>
+          </a:xfrm>
+          <a:prstGeom prst="rect">
+            <a:avLst/>
+          </a:prstGeom>
+          <a:ln>
+            <a:noFill/>
+          </a:ln>
+        </p:spPr>
+        <p:style>
+          <a:lnRef idx="2">
+            <a:schemeClr val="accent1">
+              <a:shade val="50000"/>
+            </a:schemeClr>
+          </a:lnRef>
+          <a:fillRef idx="1003">
+            <a:schemeClr val="dk2"/>
+          </a:fillRef>
+          <a:effectRef idx="0">
+            <a:schemeClr val="accent1"/>
+          </a:effectRef>
+          <a:fontRef idx="minor">
+            <a:schemeClr val="lt1"/>
+          </a:fontRef>
+        </p:style>
+        <p:txBody>
+          <a:bodyPr rtlCol="0" anchor="ctr"/>
+          <a:lstStyle/>
+          <a:p>
+            <a:pPr algn="ctr"/>
+            <a:endParaRPr lang="en-US"/>
+          </a:p>
+        </p:txBody>
+      </p:sp>
+      <p:sp>
+        <p:nvSpPr>
           <p:cNvPr id="2" name="Title 1">
             <a:extLst>
               <a:ext uri="{FF2B5EF4-FFF2-40B4-BE49-F238E27FC236}">
-                <a16:creationId xmlns:a16="http://schemas.microsoft.com/office/drawing/2014/main" id="{B633112E-4022-4ED8-8472-6705D44B7972}"/>
+                <a16:creationId xmlns:a16="http://schemas.microsoft.com/office/drawing/2014/main" id="{967F211D-A652-429B-AA31-F1A5003CF44F}"/>
               </a:ext>
             </a:extLst>
           </p:cNvPr>
@@ -7492,29 +7391,425 @@
         </p:nvSpPr>
         <p:spPr>
           <a:xfrm>
-            <a:off x="8210623" y="1447800"/>
-            <a:ext cx="3333676" cy="3096987"/>
+            <a:off x="8191925" y="1325880"/>
+            <a:ext cx="3352375" cy="3066507"/>
           </a:xfrm>
         </p:spPr>
         <p:txBody>
           <a:bodyPr vert="horz" lIns="91440" tIns="45720" rIns="91440" bIns="45720" rtlCol="0" anchor="b">
-            <a:normAutofit/>
+            <a:normAutofit fontScale="90000"/>
           </a:bodyPr>
           <a:lstStyle/>
           <a:p>
             <a:r>
-              <a:rPr lang="en-US" sz="4600" dirty="0"/>
+              <a:rPr lang="en-US" sz="4600" b="0" i="0" kern="1200" dirty="0">
+                <a:solidFill>
+                  <a:srgbClr val="EBEBEB"/>
+                </a:solidFill>
+                <a:latin typeface="+mj-lt"/>
+                <a:ea typeface="+mj-ea"/>
+                <a:cs typeface="+mj-cs"/>
+              </a:rPr>
               <a:t>GitHub Repository</a:t>
             </a:r>
-          </a:p>
-        </p:txBody>
-      </p:sp>
-      <p:sp>
-        <p:nvSpPr>
-          <p:cNvPr id="24" name="Freeform: Shape 23">
+            <a:br>
+              <a:rPr lang="en-US" sz="4600" b="0" i="0" kern="1200" dirty="0">
+                <a:solidFill>
+                  <a:srgbClr val="EBEBEB"/>
+                </a:solidFill>
+                <a:latin typeface="+mj-lt"/>
+                <a:ea typeface="+mj-ea"/>
+                <a:cs typeface="+mj-cs"/>
+              </a:rPr>
+            </a:br>
+            <a:br>
+              <a:rPr lang="en-US" sz="4600" b="0" i="0" kern="1200" dirty="0">
+                <a:solidFill>
+                  <a:srgbClr val="EBEBEB"/>
+                </a:solidFill>
+                <a:latin typeface="+mj-lt"/>
+                <a:ea typeface="+mj-ea"/>
+                <a:cs typeface="+mj-cs"/>
+              </a:rPr>
+            </a:br>
+            <a:r>
+              <a:rPr lang="en-CA" sz="2000" dirty="0">
+                <a:hlinkClick r:id="rId6"/>
+              </a:rPr>
+              <a:t>https://github.com/TsidAznar/WAPCENG319</a:t>
+            </a:r>
+            <a:br>
+              <a:rPr lang="en-CA" sz="4800" dirty="0"/>
+            </a:br>
+            <a:endParaRPr lang="en-US" sz="4600" b="0" i="0" kern="1200" dirty="0">
+              <a:solidFill>
+                <a:srgbClr val="EBEBEB"/>
+              </a:solidFill>
+              <a:latin typeface="+mj-lt"/>
+              <a:ea typeface="+mj-ea"/>
+              <a:cs typeface="+mj-cs"/>
+            </a:endParaRPr>
+          </a:p>
+        </p:txBody>
+      </p:sp>
+      <p:sp>
+        <p:nvSpPr>
+          <p:cNvPr id="23" name="Freeform 36">
             <a:extLst>
               <a:ext uri="{FF2B5EF4-FFF2-40B4-BE49-F238E27FC236}">
-                <a16:creationId xmlns:a16="http://schemas.microsoft.com/office/drawing/2014/main" id="{185730E4-A3A6-43E2-8E84-A4D61748BC82}"/>
+                <a16:creationId xmlns:a16="http://schemas.microsoft.com/office/drawing/2014/main" id="{C24BEC42-AFF3-40D1-93A2-A27A42E1E23C}"/>
+              </a:ext>
+              <a:ext uri="{C183D7F6-B498-43B3-948B-1728B52AA6E4}">
+                <adec:decorative xmlns:adec="http://schemas.microsoft.com/office/drawing/2017/decorative" val="1"/>
+              </a:ext>
+            </a:extLst>
+          </p:cNvPr>
+          <p:cNvSpPr>
+            <a:spLocks noGrp="1" noRot="1" noChangeAspect="1" noMove="1" noResize="1" noEditPoints="1" noAdjustHandles="1" noChangeArrowheads="1" noChangeShapeType="1" noTextEdit="1"/>
+          </p:cNvSpPr>
+          <p:nvPr>
+            <p:extLst>
+              <p:ext uri="{386F3935-93C4-4BCD-93E2-E3B085C9AB24}">
+                <p16:designElem xmlns:p16="http://schemas.microsoft.com/office/powerpoint/2015/main" val="1"/>
+              </p:ext>
+            </p:extLst>
+          </p:nvPr>
+        </p:nvSpPr>
+        <p:spPr>
+          <a:xfrm flipH="1">
+            <a:off x="7463681" y="-1"/>
+            <a:ext cx="559472" cy="3709642"/>
+          </a:xfrm>
+          <a:custGeom>
+            <a:avLst/>
+            <a:gdLst>
+              <a:gd name="connsiteX0" fmla="*/ 0 w 559472"/>
+              <a:gd name="connsiteY0" fmla="*/ 0 h 3709642"/>
+              <a:gd name="connsiteX1" fmla="*/ 473952 w 559472"/>
+              <a:gd name="connsiteY1" fmla="*/ 0 h 3709642"/>
+              <a:gd name="connsiteX2" fmla="*/ 485840 w 559472"/>
+              <a:gd name="connsiteY2" fmla="*/ 161194 h 3709642"/>
+              <a:gd name="connsiteX3" fmla="*/ 523949 w 559472"/>
+              <a:gd name="connsiteY3" fmla="*/ 3672197 h 3709642"/>
+              <a:gd name="connsiteX4" fmla="*/ 454748 w 559472"/>
+              <a:gd name="connsiteY4" fmla="*/ 3709642 h 3709642"/>
+              <a:gd name="connsiteX5" fmla="*/ 448224 w 559472"/>
+              <a:gd name="connsiteY5" fmla="*/ 3510471 h 3709642"/>
+              <a:gd name="connsiteX6" fmla="*/ 443564 w 559472"/>
+              <a:gd name="connsiteY6" fmla="*/ 3408563 h 3709642"/>
+              <a:gd name="connsiteX7" fmla="*/ 438902 w 559472"/>
+              <a:gd name="connsiteY7" fmla="*/ 3304407 h 3709642"/>
+              <a:gd name="connsiteX8" fmla="*/ 433941 w 559472"/>
+              <a:gd name="connsiteY8" fmla="*/ 3198777 h 3709642"/>
+              <a:gd name="connsiteX9" fmla="*/ 427584 w 559472"/>
+              <a:gd name="connsiteY9" fmla="*/ 3092510 h 3709642"/>
+              <a:gd name="connsiteX10" fmla="*/ 420988 w 559472"/>
+              <a:gd name="connsiteY10" fmla="*/ 2984390 h 3709642"/>
+              <a:gd name="connsiteX11" fmla="*/ 414330 w 559472"/>
+              <a:gd name="connsiteY11" fmla="*/ 2874401 h 3709642"/>
+              <a:gd name="connsiteX12" fmla="*/ 406840 w 559472"/>
+              <a:gd name="connsiteY12" fmla="*/ 2762980 h 3709642"/>
+              <a:gd name="connsiteX13" fmla="*/ 397745 w 559472"/>
+              <a:gd name="connsiteY13" fmla="*/ 2650566 h 3709642"/>
+              <a:gd name="connsiteX14" fmla="*/ 389154 w 559472"/>
+              <a:gd name="connsiteY14" fmla="*/ 2536612 h 3709642"/>
+              <a:gd name="connsiteX15" fmla="*/ 379225 w 559472"/>
+              <a:gd name="connsiteY15" fmla="*/ 2421642 h 3709642"/>
+              <a:gd name="connsiteX16" fmla="*/ 368316 w 559472"/>
+              <a:gd name="connsiteY16" fmla="*/ 2305627 h 3709642"/>
+              <a:gd name="connsiteX17" fmla="*/ 357466 w 559472"/>
+              <a:gd name="connsiteY17" fmla="*/ 2189233 h 3709642"/>
+              <a:gd name="connsiteX18" fmla="*/ 344982 w 559472"/>
+              <a:gd name="connsiteY18" fmla="*/ 2071473 h 3709642"/>
+              <a:gd name="connsiteX19" fmla="*/ 332466 w 559472"/>
+              <a:gd name="connsiteY19" fmla="*/ 1952216 h 3709642"/>
+              <a:gd name="connsiteX20" fmla="*/ 319121 w 559472"/>
+              <a:gd name="connsiteY20" fmla="*/ 1833776 h 3709642"/>
+              <a:gd name="connsiteX21" fmla="*/ 304408 w 559472"/>
+              <a:gd name="connsiteY21" fmla="*/ 1713948 h 3709642"/>
+              <a:gd name="connsiteX22" fmla="*/ 288685 w 559472"/>
+              <a:gd name="connsiteY22" fmla="*/ 1592703 h 3709642"/>
+              <a:gd name="connsiteX23" fmla="*/ 273050 w 559472"/>
+              <a:gd name="connsiteY23" fmla="*/ 1471451 h 3709642"/>
+              <a:gd name="connsiteX24" fmla="*/ 255813 w 559472"/>
+              <a:gd name="connsiteY24" fmla="*/ 1350328 h 3709642"/>
+              <a:gd name="connsiteX25" fmla="*/ 237060 w 559472"/>
+              <a:gd name="connsiteY25" fmla="*/ 1227080 h 3709642"/>
+              <a:gd name="connsiteX26" fmla="*/ 218488 w 559472"/>
+              <a:gd name="connsiteY26" fmla="*/ 1106065 h 3709642"/>
+              <a:gd name="connsiteX27" fmla="*/ 198221 w 559472"/>
+              <a:gd name="connsiteY27" fmla="*/ 982940 h 3709642"/>
+              <a:gd name="connsiteX28" fmla="*/ 177152 w 559472"/>
+              <a:gd name="connsiteY28" fmla="*/ 858755 h 3709642"/>
+              <a:gd name="connsiteX29" fmla="*/ 155551 w 559472"/>
+              <a:gd name="connsiteY29" fmla="*/ 736861 h 3709642"/>
+              <a:gd name="connsiteX30" fmla="*/ 131782 w 559472"/>
+              <a:gd name="connsiteY30" fmla="*/ 613645 h 3709642"/>
+              <a:gd name="connsiteX31" fmla="*/ 107123 w 559472"/>
+              <a:gd name="connsiteY31" fmla="*/ 490500 h 3709642"/>
+              <a:gd name="connsiteX32" fmla="*/ 82552 w 559472"/>
+              <a:gd name="connsiteY32" fmla="*/ 367348 h 3709642"/>
+              <a:gd name="connsiteX33" fmla="*/ 55608 w 559472"/>
+              <a:gd name="connsiteY33" fmla="*/ 244762 h 3709642"/>
+              <a:gd name="connsiteX34" fmla="*/ 28130 w 559472"/>
+              <a:gd name="connsiteY34" fmla="*/ 122220 h 3709642"/>
+              <a:gd name="connsiteX35" fmla="*/ 0 w 559472"/>
+              <a:gd name="connsiteY35" fmla="*/ 0 h 3709642"/>
+            </a:gdLst>
+            <a:ahLst/>
+            <a:cxnLst>
+              <a:cxn ang="0">
+                <a:pos x="connsiteX0" y="connsiteY0"/>
+              </a:cxn>
+              <a:cxn ang="0">
+                <a:pos x="connsiteX1" y="connsiteY1"/>
+              </a:cxn>
+              <a:cxn ang="0">
+                <a:pos x="connsiteX2" y="connsiteY2"/>
+              </a:cxn>
+              <a:cxn ang="0">
+                <a:pos x="connsiteX3" y="connsiteY3"/>
+              </a:cxn>
+              <a:cxn ang="0">
+                <a:pos x="connsiteX4" y="connsiteY4"/>
+              </a:cxn>
+              <a:cxn ang="0">
+                <a:pos x="connsiteX5" y="connsiteY5"/>
+              </a:cxn>
+              <a:cxn ang="0">
+                <a:pos x="connsiteX6" y="connsiteY6"/>
+              </a:cxn>
+              <a:cxn ang="0">
+                <a:pos x="connsiteX7" y="connsiteY7"/>
+              </a:cxn>
+              <a:cxn ang="0">
+                <a:pos x="connsiteX8" y="connsiteY8"/>
+              </a:cxn>
+              <a:cxn ang="0">
+                <a:pos x="connsiteX9" y="connsiteY9"/>
+              </a:cxn>
+              <a:cxn ang="0">
+                <a:pos x="connsiteX10" y="connsiteY10"/>
+              </a:cxn>
+              <a:cxn ang="0">
+                <a:pos x="connsiteX11" y="connsiteY11"/>
+              </a:cxn>
+              <a:cxn ang="0">
+                <a:pos x="connsiteX12" y="connsiteY12"/>
+              </a:cxn>
+              <a:cxn ang="0">
+                <a:pos x="connsiteX13" y="connsiteY13"/>
+              </a:cxn>
+              <a:cxn ang="0">
+                <a:pos x="connsiteX14" y="connsiteY14"/>
+              </a:cxn>
+              <a:cxn ang="0">
+                <a:pos x="connsiteX15" y="connsiteY15"/>
+              </a:cxn>
+              <a:cxn ang="0">
+                <a:pos x="connsiteX16" y="connsiteY16"/>
+              </a:cxn>
+              <a:cxn ang="0">
+                <a:pos x="connsiteX17" y="connsiteY17"/>
+              </a:cxn>
+              <a:cxn ang="0">
+                <a:pos x="connsiteX18" y="connsiteY18"/>
+              </a:cxn>
+              <a:cxn ang="0">
+                <a:pos x="connsiteX19" y="connsiteY19"/>
+              </a:cxn>
+              <a:cxn ang="0">
+                <a:pos x="connsiteX20" y="connsiteY20"/>
+              </a:cxn>
+              <a:cxn ang="0">
+                <a:pos x="connsiteX21" y="connsiteY21"/>
+              </a:cxn>
+              <a:cxn ang="0">
+                <a:pos x="connsiteX22" y="connsiteY22"/>
+              </a:cxn>
+              <a:cxn ang="0">
+                <a:pos x="connsiteX23" y="connsiteY23"/>
+              </a:cxn>
+              <a:cxn ang="0">
+                <a:pos x="connsiteX24" y="connsiteY24"/>
+              </a:cxn>
+              <a:cxn ang="0">
+                <a:pos x="connsiteX25" y="connsiteY25"/>
+              </a:cxn>
+              <a:cxn ang="0">
+                <a:pos x="connsiteX26" y="connsiteY26"/>
+              </a:cxn>
+              <a:cxn ang="0">
+                <a:pos x="connsiteX27" y="connsiteY27"/>
+              </a:cxn>
+              <a:cxn ang="0">
+                <a:pos x="connsiteX28" y="connsiteY28"/>
+              </a:cxn>
+              <a:cxn ang="0">
+                <a:pos x="connsiteX29" y="connsiteY29"/>
+              </a:cxn>
+              <a:cxn ang="0">
+                <a:pos x="connsiteX30" y="connsiteY30"/>
+              </a:cxn>
+              <a:cxn ang="0">
+                <a:pos x="connsiteX31" y="connsiteY31"/>
+              </a:cxn>
+              <a:cxn ang="0">
+                <a:pos x="connsiteX32" y="connsiteY32"/>
+              </a:cxn>
+              <a:cxn ang="0">
+                <a:pos x="connsiteX33" y="connsiteY33"/>
+              </a:cxn>
+              <a:cxn ang="0">
+                <a:pos x="connsiteX34" y="connsiteY34"/>
+              </a:cxn>
+              <a:cxn ang="0">
+                <a:pos x="connsiteX35" y="connsiteY35"/>
+              </a:cxn>
+            </a:cxnLst>
+            <a:rect l="l" t="t" r="r" b="b"/>
+            <a:pathLst>
+              <a:path w="559472" h="3709642">
+                <a:moveTo>
+                  <a:pt x="0" y="0"/>
+                </a:moveTo>
+                <a:lnTo>
+                  <a:pt x="473952" y="0"/>
+                </a:lnTo>
+                <a:lnTo>
+                  <a:pt x="485840" y="161194"/>
+                </a:lnTo>
+                <a:cubicBezTo>
+                  <a:pt x="552063" y="1147770"/>
+                  <a:pt x="592441" y="3086737"/>
+                  <a:pt x="523949" y="3672197"/>
+                </a:cubicBezTo>
+                <a:cubicBezTo>
+                  <a:pt x="500842" y="3684557"/>
+                  <a:pt x="477855" y="3697282"/>
+                  <a:pt x="454748" y="3709642"/>
+                </a:cubicBezTo>
+                <a:lnTo>
+                  <a:pt x="448224" y="3510471"/>
+                </a:lnTo>
+                <a:lnTo>
+                  <a:pt x="443564" y="3408563"/>
+                </a:lnTo>
+                <a:lnTo>
+                  <a:pt x="438902" y="3304407"/>
+                </a:lnTo>
+                <a:lnTo>
+                  <a:pt x="433941" y="3198777"/>
+                </a:lnTo>
+                <a:lnTo>
+                  <a:pt x="427584" y="3092510"/>
+                </a:lnTo>
+                <a:lnTo>
+                  <a:pt x="420988" y="2984390"/>
+                </a:lnTo>
+                <a:lnTo>
+                  <a:pt x="414330" y="2874401"/>
+                </a:lnTo>
+                <a:lnTo>
+                  <a:pt x="406840" y="2762980"/>
+                </a:lnTo>
+                <a:lnTo>
+                  <a:pt x="397745" y="2650566"/>
+                </a:lnTo>
+                <a:lnTo>
+                  <a:pt x="389154" y="2536612"/>
+                </a:lnTo>
+                <a:lnTo>
+                  <a:pt x="379225" y="2421642"/>
+                </a:lnTo>
+                <a:lnTo>
+                  <a:pt x="368316" y="2305627"/>
+                </a:lnTo>
+                <a:lnTo>
+                  <a:pt x="357466" y="2189233"/>
+                </a:lnTo>
+                <a:lnTo>
+                  <a:pt x="344982" y="2071473"/>
+                </a:lnTo>
+                <a:lnTo>
+                  <a:pt x="332466" y="1952216"/>
+                </a:lnTo>
+                <a:lnTo>
+                  <a:pt x="319121" y="1833776"/>
+                </a:lnTo>
+                <a:lnTo>
+                  <a:pt x="304408" y="1713948"/>
+                </a:lnTo>
+                <a:lnTo>
+                  <a:pt x="288685" y="1592703"/>
+                </a:lnTo>
+                <a:lnTo>
+                  <a:pt x="273050" y="1471451"/>
+                </a:lnTo>
+                <a:lnTo>
+                  <a:pt x="255813" y="1350328"/>
+                </a:lnTo>
+                <a:lnTo>
+                  <a:pt x="237060" y="1227080"/>
+                </a:lnTo>
+                <a:lnTo>
+                  <a:pt x="218488" y="1106065"/>
+                </a:lnTo>
+                <a:lnTo>
+                  <a:pt x="198221" y="982940"/>
+                </a:lnTo>
+                <a:lnTo>
+                  <a:pt x="177152" y="858755"/>
+                </a:lnTo>
+                <a:lnTo>
+                  <a:pt x="155551" y="736861"/>
+                </a:lnTo>
+                <a:lnTo>
+                  <a:pt x="131782" y="613645"/>
+                </a:lnTo>
+                <a:lnTo>
+                  <a:pt x="107123" y="490500"/>
+                </a:lnTo>
+                <a:lnTo>
+                  <a:pt x="82552" y="367348"/>
+                </a:lnTo>
+                <a:lnTo>
+                  <a:pt x="55608" y="244762"/>
+                </a:lnTo>
+                <a:lnTo>
+                  <a:pt x="28130" y="122220"/>
+                </a:lnTo>
+                <a:lnTo>
+                  <a:pt x="0" y="0"/>
+                </a:lnTo>
+                <a:close/>
+              </a:path>
+            </a:pathLst>
+          </a:custGeom>
+          <a:solidFill>
+            <a:schemeClr val="bg1">
+              <a:alpha val="20000"/>
+            </a:schemeClr>
+          </a:solidFill>
+          <a:ln>
+            <a:noFill/>
+          </a:ln>
+        </p:spPr>
+        <p:txBody>
+          <a:bodyPr rtlCol="0" anchor="ctr"/>
+          <a:lstStyle/>
+          <a:p>
+            <a:pPr algn="ctr"/>
+            <a:endParaRPr lang="en-US"/>
+          </a:p>
+        </p:txBody>
+      </p:sp>
+      <p:sp useBgFill="1">
+        <p:nvSpPr>
+          <p:cNvPr id="25" name="Freeform: Shape 24">
+            <a:extLst>
+              <a:ext uri="{FF2B5EF4-FFF2-40B4-BE49-F238E27FC236}">
+                <a16:creationId xmlns:a16="http://schemas.microsoft.com/office/drawing/2014/main" id="{608F427C-1EC9-4280-9367-F2B3AA063E82}"/>
               </a:ext>
               <a:ext uri="{C183D7F6-B498-43B3-948B-1728B52AA6E4}">
                 <adec:decorative xmlns:adec="http://schemas.microsoft.com/office/drawing/2017/decorative" val="1"/>
@@ -7967,6 +8262,1125 @@
               </a:path>
             </a:pathLst>
           </a:custGeom>
+          <a:ln>
+            <a:noFill/>
+          </a:ln>
+        </p:spPr>
+        <p:style>
+          <a:lnRef idx="2">
+            <a:schemeClr val="accent1">
+              <a:shade val="50000"/>
+            </a:schemeClr>
+          </a:lnRef>
+          <a:fillRef idx="1">
+            <a:schemeClr val="accent1"/>
+          </a:fillRef>
+          <a:effectRef idx="0">
+            <a:schemeClr val="accent1"/>
+          </a:effectRef>
+          <a:fontRef idx="minor">
+            <a:schemeClr val="lt1"/>
+          </a:fontRef>
+        </p:style>
+        <p:txBody>
+          <a:bodyPr wrap="square" rtlCol="0" anchor="ctr">
+            <a:noAutofit/>
+          </a:bodyPr>
+          <a:lstStyle/>
+          <a:p>
+            <a:pPr algn="ctr"/>
+            <a:endParaRPr lang="en-US"/>
+          </a:p>
+        </p:txBody>
+      </p:sp>
+      <p:sp>
+        <p:nvSpPr>
+          <p:cNvPr id="27" name="Rectangle 26">
+            <a:extLst>
+              <a:ext uri="{FF2B5EF4-FFF2-40B4-BE49-F238E27FC236}">
+                <a16:creationId xmlns:a16="http://schemas.microsoft.com/office/drawing/2014/main" id="{F98810A7-E114-447A-A7D6-69B27CFB5650}"/>
+              </a:ext>
+              <a:ext uri="{C183D7F6-B498-43B3-948B-1728B52AA6E4}">
+                <adec:decorative xmlns:adec="http://schemas.microsoft.com/office/drawing/2017/decorative" val="1"/>
+              </a:ext>
+            </a:extLst>
+          </p:cNvPr>
+          <p:cNvSpPr>
+            <a:spLocks noGrp="1" noRot="1" noChangeAspect="1" noMove="1" noResize="1" noEditPoints="1" noAdjustHandles="1" noChangeArrowheads="1" noChangeShapeType="1" noTextEdit="1"/>
+          </p:cNvSpPr>
+          <p:nvPr>
+            <p:extLst>
+              <p:ext uri="{386F3935-93C4-4BCD-93E2-E3B085C9AB24}">
+                <p16:designElem xmlns:p16="http://schemas.microsoft.com/office/powerpoint/2015/main" val="1"/>
+              </p:ext>
+            </p:extLst>
+          </p:nvPr>
+        </p:nvSpPr>
+        <p:spPr>
+          <a:xfrm>
+            <a:off x="10437812" y="0"/>
+            <a:ext cx="685800" cy="1143000"/>
+          </a:xfrm>
+          <a:prstGeom prst="rect">
+            <a:avLst/>
+          </a:prstGeom>
+          <a:solidFill>
+            <a:schemeClr val="accent1"/>
+          </a:solidFill>
+          <a:ln>
+            <a:noFill/>
+          </a:ln>
+        </p:spPr>
+        <p:style>
+          <a:lnRef idx="1">
+            <a:schemeClr val="accent1"/>
+          </a:lnRef>
+          <a:fillRef idx="3">
+            <a:schemeClr val="accent1"/>
+          </a:fillRef>
+          <a:effectRef idx="2">
+            <a:schemeClr val="accent1"/>
+          </a:effectRef>
+          <a:fontRef idx="minor">
+            <a:schemeClr val="lt1"/>
+          </a:fontRef>
+        </p:style>
+      </p:sp>
+      <p:pic>
+        <p:nvPicPr>
+          <p:cNvPr id="4" name="Content Placeholder 3">
+            <a:extLst>
+              <a:ext uri="{FF2B5EF4-FFF2-40B4-BE49-F238E27FC236}">
+                <a16:creationId xmlns:a16="http://schemas.microsoft.com/office/drawing/2014/main" id="{7B68EC47-88CA-4891-A3A2-0E49C8991263}"/>
+              </a:ext>
+            </a:extLst>
+          </p:cNvPr>
+          <p:cNvPicPr>
+            <a:picLocks noGrp="1" noChangeAspect="1"/>
+          </p:cNvPicPr>
+          <p:nvPr>
+            <p:ph idx="1"/>
+          </p:nvPr>
+        </p:nvPicPr>
+        <p:blipFill>
+          <a:blip r:embed="rId7"/>
+          <a:stretch>
+            <a:fillRect/>
+          </a:stretch>
+        </p:blipFill>
+        <p:spPr>
+          <a:xfrm>
+            <a:off x="926805" y="647698"/>
+            <a:ext cx="5704759" cy="5562139"/>
+          </a:xfrm>
+          <a:prstGeom prst="rect">
+            <a:avLst/>
+          </a:prstGeom>
+          <a:effectLst/>
+        </p:spPr>
+      </p:pic>
+    </p:spTree>
+    <p:extLst>
+      <p:ext uri="{BB962C8B-B14F-4D97-AF65-F5344CB8AC3E}">
+        <p14:creationId xmlns:p14="http://schemas.microsoft.com/office/powerpoint/2010/main" val="638635868"/>
+      </p:ext>
+    </p:extLst>
+  </p:cSld>
+  <p:clrMapOvr>
+    <a:overrideClrMapping bg1="lt1" tx1="dk1" bg2="lt2" tx2="dk2" accent1="accent1" accent2="accent2" accent3="accent3" accent4="accent4" accent5="accent5" accent6="accent6" hlink="hlink" folHlink="folHlink"/>
+  </p:clrMapOvr>
+</p:sld>
+</file>
+
+<file path=ppt/slides/slide14.xml><?xml version="1.0" encoding="utf-8"?>
+<p:sld xmlns:a="http://schemas.openxmlformats.org/drawingml/2006/main" xmlns:r="http://schemas.openxmlformats.org/officeDocument/2006/relationships" xmlns:p="http://schemas.openxmlformats.org/presentationml/2006/main">
+  <p:cSld>
+    <p:spTree>
+      <p:nvGrpSpPr>
+        <p:cNvPr id="1" name=""/>
+        <p:cNvGrpSpPr/>
+        <p:nvPr/>
+      </p:nvGrpSpPr>
+      <p:grpSpPr>
+        <a:xfrm>
+          <a:off x="0" y="0"/>
+          <a:ext cx="0" cy="0"/>
+          <a:chOff x="0" y="0"/>
+          <a:chExt cx="0" cy="0"/>
+        </a:xfrm>
+      </p:grpSpPr>
+      <p:sp>
+        <p:nvSpPr>
+          <p:cNvPr id="2" name="Title 1">
+            <a:extLst>
+              <a:ext uri="{FF2B5EF4-FFF2-40B4-BE49-F238E27FC236}">
+                <a16:creationId xmlns:a16="http://schemas.microsoft.com/office/drawing/2014/main" id="{B2C69F26-93F6-4E02-9A40-8751CF31785F}"/>
+              </a:ext>
+            </a:extLst>
+          </p:cNvPr>
+          <p:cNvSpPr>
+            <a:spLocks noGrp="1"/>
+          </p:cNvSpPr>
+          <p:nvPr>
+            <p:ph type="title"/>
+          </p:nvPr>
+        </p:nvSpPr>
+        <p:spPr/>
+        <p:txBody>
+          <a:bodyPr/>
+          <a:lstStyle/>
+          <a:p>
+            <a:r>
+              <a:rPr lang="en-CA" dirty="0"/>
+              <a:t>GitHub Repository</a:t>
+            </a:r>
+          </a:p>
+        </p:txBody>
+      </p:sp>
+      <p:sp>
+        <p:nvSpPr>
+          <p:cNvPr id="3" name="Content Placeholder 2">
+            <a:extLst>
+              <a:ext uri="{FF2B5EF4-FFF2-40B4-BE49-F238E27FC236}">
+                <a16:creationId xmlns:a16="http://schemas.microsoft.com/office/drawing/2014/main" id="{6FB04D6A-015C-458D-83E5-BC71D8891A8D}"/>
+              </a:ext>
+            </a:extLst>
+          </p:cNvPr>
+          <p:cNvSpPr>
+            <a:spLocks noGrp="1"/>
+          </p:cNvSpPr>
+          <p:nvPr>
+            <p:ph idx="1"/>
+          </p:nvPr>
+        </p:nvSpPr>
+        <p:spPr/>
+        <p:txBody>
+          <a:bodyPr/>
+          <a:lstStyle/>
+          <a:p>
+            <a:r>
+              <a:rPr lang="en-CA" dirty="0">
+                <a:hlinkClick r:id="rId2"/>
+              </a:rPr>
+              <a:t>https://github.com/TsidAznar/WAPCENG319</a:t>
+            </a:r>
+            <a:endParaRPr lang="en-CA" dirty="0"/>
+          </a:p>
+          <a:p>
+            <a:r>
+              <a:rPr lang="en-CA" dirty="0"/>
+              <a:t>Use of GitHub Desktop to push/pull files to repository.</a:t>
+            </a:r>
+          </a:p>
+          <a:p>
+            <a:r>
+              <a:rPr lang="en-CA" dirty="0"/>
+              <a:t>Code Commitments was done from Android Studio using the buttons shown below.</a:t>
+            </a:r>
+          </a:p>
+          <a:p>
+            <a:r>
+              <a:rPr lang="en-CA" dirty="0"/>
+              <a:t>Blue to update project from other commits done outside.</a:t>
+            </a:r>
+          </a:p>
+          <a:p>
+            <a:r>
+              <a:rPr lang="en-CA" dirty="0"/>
+              <a:t>Green to push and commit to repository and update on GitHub.</a:t>
+            </a:r>
+          </a:p>
+          <a:p>
+            <a:endParaRPr lang="en-CA" dirty="0"/>
+          </a:p>
+        </p:txBody>
+      </p:sp>
+      <p:pic>
+        <p:nvPicPr>
+          <p:cNvPr id="4" name="Picture 3">
+            <a:extLst>
+              <a:ext uri="{FF2B5EF4-FFF2-40B4-BE49-F238E27FC236}">
+                <a16:creationId xmlns:a16="http://schemas.microsoft.com/office/drawing/2014/main" id="{75D9370F-1CF0-4C85-A78E-16C82D67FF35}"/>
+              </a:ext>
+            </a:extLst>
+          </p:cNvPr>
+          <p:cNvPicPr>
+            <a:picLocks noChangeAspect="1"/>
+          </p:cNvPicPr>
+          <p:nvPr/>
+        </p:nvPicPr>
+        <p:blipFill>
+          <a:blip r:embed="rId3"/>
+          <a:stretch>
+            <a:fillRect/>
+          </a:stretch>
+        </p:blipFill>
+        <p:spPr>
+          <a:xfrm>
+            <a:off x="4795532" y="4630582"/>
+            <a:ext cx="1562100" cy="561975"/>
+          </a:xfrm>
+          <a:prstGeom prst="rect">
+            <a:avLst/>
+          </a:prstGeom>
+        </p:spPr>
+      </p:pic>
+    </p:spTree>
+    <p:extLst>
+      <p:ext uri="{BB962C8B-B14F-4D97-AF65-F5344CB8AC3E}">
+        <p14:creationId xmlns:p14="http://schemas.microsoft.com/office/powerpoint/2010/main" val="1973246078"/>
+      </p:ext>
+    </p:extLst>
+  </p:cSld>
+  <p:clrMapOvr>
+    <a:masterClrMapping/>
+  </p:clrMapOvr>
+</p:sld>
+</file>
+
+<file path=ppt/slides/slide15.xml><?xml version="1.0" encoding="utf-8"?>
+<p:sld xmlns:a="http://schemas.openxmlformats.org/drawingml/2006/main" xmlns:r="http://schemas.openxmlformats.org/officeDocument/2006/relationships" xmlns:p="http://schemas.openxmlformats.org/presentationml/2006/main">
+  <p:cSld>
+    <p:bg>
+      <p:bgPr>
+        <a:blipFill rotWithShape="1">
+          <a:blip r:embed="rId2">
+            <a:duotone>
+              <a:schemeClr val="bg2">
+                <a:shade val="69000"/>
+                <a:hueMod val="108000"/>
+                <a:satMod val="164000"/>
+                <a:lumMod val="74000"/>
+              </a:schemeClr>
+              <a:schemeClr val="bg2">
+                <a:tint val="96000"/>
+                <a:hueMod val="88000"/>
+                <a:satMod val="140000"/>
+                <a:lumMod val="132000"/>
+              </a:schemeClr>
+            </a:duotone>
+          </a:blip>
+          <a:stretch/>
+        </a:blipFill>
+        <a:effectLst/>
+      </p:bgPr>
+    </p:bg>
+    <p:spTree>
+      <p:nvGrpSpPr>
+        <p:cNvPr id="1" name=""/>
+        <p:cNvGrpSpPr/>
+        <p:nvPr/>
+      </p:nvGrpSpPr>
+      <p:grpSpPr>
+        <a:xfrm>
+          <a:off x="0" y="0"/>
+          <a:ext cx="0" cy="0"/>
+          <a:chOff x="0" y="0"/>
+          <a:chExt cx="0" cy="0"/>
+        </a:xfrm>
+      </p:grpSpPr>
+      <p:pic>
+        <p:nvPicPr>
+          <p:cNvPr id="12" name="Picture 11">
+            <a:extLst>
+              <a:ext uri="{FF2B5EF4-FFF2-40B4-BE49-F238E27FC236}">
+                <a16:creationId xmlns:a16="http://schemas.microsoft.com/office/drawing/2014/main" id="{BD310164-D3A3-415E-9D94-5D21D9FB2F6C}"/>
+              </a:ext>
+              <a:ext uri="{C183D7F6-B498-43B3-948B-1728B52AA6E4}">
+                <adec:decorative xmlns:adec="http://schemas.microsoft.com/office/drawing/2017/decorative" val="1"/>
+              </a:ext>
+            </a:extLst>
+          </p:cNvPr>
+          <p:cNvPicPr>
+            <a:picLocks noGrp="1" noRot="1" noChangeAspect="1" noMove="1" noResize="1" noEditPoints="1" noAdjustHandles="1" noChangeArrowheads="1" noChangeShapeType="1" noCrop="1"/>
+          </p:cNvPicPr>
+          <p:nvPr>
+            <p:extLst>
+              <p:ext uri="{386F3935-93C4-4BCD-93E2-E3B085C9AB24}">
+                <p16:designElem xmlns:p16="http://schemas.microsoft.com/office/powerpoint/2015/main" val="1"/>
+              </p:ext>
+            </p:extLst>
+          </p:nvPr>
+        </p:nvPicPr>
+        <p:blipFill rotWithShape="1">
+          <a:blip r:embed="rId3">
+            <a:extLst>
+              <a:ext uri="{28A0092B-C50C-407E-A947-70E740481C1C}">
+                <a14:useLocalDpi xmlns:a14="http://schemas.microsoft.com/office/drawing/2010/main" val="0"/>
+              </a:ext>
+            </a:extLst>
+          </a:blip>
+          <a:srcRect l="3613"/>
+          <a:stretch/>
+        </p:blipFill>
+        <p:spPr>
+          <a:xfrm>
+            <a:off x="0" y="2669685"/>
+            <a:ext cx="4037012" cy="4188315"/>
+          </a:xfrm>
+          <a:prstGeom prst="rect">
+            <a:avLst/>
+          </a:prstGeom>
+        </p:spPr>
+      </p:pic>
+      <p:pic>
+        <p:nvPicPr>
+          <p:cNvPr id="14" name="Picture 13">
+            <a:extLst>
+              <a:ext uri="{FF2B5EF4-FFF2-40B4-BE49-F238E27FC236}">
+                <a16:creationId xmlns:a16="http://schemas.microsoft.com/office/drawing/2014/main" id="{BE586E08-18BF-4AB1-AB48-4005D567343E}"/>
+              </a:ext>
+              <a:ext uri="{C183D7F6-B498-43B3-948B-1728B52AA6E4}">
+                <adec:decorative xmlns:adec="http://schemas.microsoft.com/office/drawing/2017/decorative" val="1"/>
+              </a:ext>
+            </a:extLst>
+          </p:cNvPr>
+          <p:cNvPicPr>
+            <a:picLocks noGrp="1" noRot="1" noChangeAspect="1" noMove="1" noResize="1" noEditPoints="1" noAdjustHandles="1" noChangeArrowheads="1" noChangeShapeType="1" noCrop="1"/>
+          </p:cNvPicPr>
+          <p:nvPr>
+            <p:extLst>
+              <p:ext uri="{386F3935-93C4-4BCD-93E2-E3B085C9AB24}">
+                <p16:designElem xmlns:p16="http://schemas.microsoft.com/office/powerpoint/2015/main" val="1"/>
+              </p:ext>
+            </p:extLst>
+          </p:nvPr>
+        </p:nvPicPr>
+        <p:blipFill rotWithShape="1">
+          <a:blip r:embed="rId4">
+            <a:extLst>
+              <a:ext uri="{28A0092B-C50C-407E-A947-70E740481C1C}">
+                <a14:useLocalDpi xmlns:a14="http://schemas.microsoft.com/office/drawing/2010/main" val="0"/>
+              </a:ext>
+            </a:extLst>
+          </a:blip>
+          <a:srcRect l="35640"/>
+          <a:stretch/>
+        </p:blipFill>
+        <p:spPr>
+          <a:xfrm>
+            <a:off x="0" y="2892347"/>
+            <a:ext cx="1522412" cy="2365453"/>
+          </a:xfrm>
+          <a:prstGeom prst="rect">
+            <a:avLst/>
+          </a:prstGeom>
+        </p:spPr>
+      </p:pic>
+      <p:sp>
+        <p:nvSpPr>
+          <p:cNvPr id="16" name="Oval 15">
+            <a:extLst>
+              <a:ext uri="{FF2B5EF4-FFF2-40B4-BE49-F238E27FC236}">
+                <a16:creationId xmlns:a16="http://schemas.microsoft.com/office/drawing/2014/main" id="{4A497DBC-2692-42B4-A606-31024033F7C0}"/>
+              </a:ext>
+              <a:ext uri="{C183D7F6-B498-43B3-948B-1728B52AA6E4}">
+                <adec:decorative xmlns:adec="http://schemas.microsoft.com/office/drawing/2017/decorative" val="1"/>
+              </a:ext>
+            </a:extLst>
+          </p:cNvPr>
+          <p:cNvSpPr>
+            <a:spLocks noGrp="1" noRot="1" noChangeAspect="1" noMove="1" noResize="1" noEditPoints="1" noAdjustHandles="1" noChangeArrowheads="1" noChangeShapeType="1" noTextEdit="1"/>
+          </p:cNvSpPr>
+          <p:nvPr>
+            <p:extLst>
+              <p:ext uri="{386F3935-93C4-4BCD-93E2-E3B085C9AB24}">
+                <p16:designElem xmlns:p16="http://schemas.microsoft.com/office/powerpoint/2015/main" val="1"/>
+              </p:ext>
+            </p:extLst>
+          </p:nvPr>
+        </p:nvSpPr>
+        <p:spPr>
+          <a:xfrm>
+            <a:off x="8609012" y="1676400"/>
+            <a:ext cx="2819400" cy="2819400"/>
+          </a:xfrm>
+          <a:prstGeom prst="ellipse">
+            <a:avLst/>
+          </a:prstGeom>
+          <a:gradFill flip="none" rotWithShape="1">
+            <a:gsLst>
+              <a:gs pos="0">
+                <a:schemeClr val="bg2">
+                  <a:lumMod val="60000"/>
+                  <a:lumOff val="40000"/>
+                  <a:alpha val="7000"/>
+                </a:schemeClr>
+              </a:gs>
+              <a:gs pos="69000">
+                <a:schemeClr val="bg2">
+                  <a:lumMod val="60000"/>
+                  <a:lumOff val="40000"/>
+                  <a:alpha val="0"/>
+                </a:schemeClr>
+              </a:gs>
+              <a:gs pos="36000">
+                <a:schemeClr val="bg2">
+                  <a:lumMod val="60000"/>
+                  <a:lumOff val="40000"/>
+                  <a:alpha val="6000"/>
+                </a:schemeClr>
+              </a:gs>
+            </a:gsLst>
+            <a:path path="circle">
+              <a:fillToRect l="50000" t="50000" r="50000" b="50000"/>
+            </a:path>
+            <a:tileRect/>
+          </a:gradFill>
+          <a:ln>
+            <a:noFill/>
+          </a:ln>
+          <a:effectLst/>
+        </p:spPr>
+        <p:style>
+          <a:lnRef idx="1">
+            <a:schemeClr val="accent1"/>
+          </a:lnRef>
+          <a:fillRef idx="3">
+            <a:schemeClr val="accent1"/>
+          </a:fillRef>
+          <a:effectRef idx="2">
+            <a:schemeClr val="accent1"/>
+          </a:effectRef>
+          <a:fontRef idx="minor">
+            <a:schemeClr val="lt1"/>
+          </a:fontRef>
+        </p:style>
+      </p:sp>
+      <p:pic>
+        <p:nvPicPr>
+          <p:cNvPr id="18" name="Picture 17">
+            <a:extLst>
+              <a:ext uri="{FF2B5EF4-FFF2-40B4-BE49-F238E27FC236}">
+                <a16:creationId xmlns:a16="http://schemas.microsoft.com/office/drawing/2014/main" id="{3517A192-66A9-4297-9284-65580829ABF1}"/>
+              </a:ext>
+              <a:ext uri="{C183D7F6-B498-43B3-948B-1728B52AA6E4}">
+                <adec:decorative xmlns:adec="http://schemas.microsoft.com/office/drawing/2017/decorative" val="1"/>
+              </a:ext>
+            </a:extLst>
+          </p:cNvPr>
+          <p:cNvPicPr>
+            <a:picLocks noGrp="1" noRot="1" noChangeAspect="1" noMove="1" noResize="1" noEditPoints="1" noAdjustHandles="1" noChangeArrowheads="1" noChangeShapeType="1" noCrop="1"/>
+          </p:cNvPicPr>
+          <p:nvPr>
+            <p:extLst>
+              <p:ext uri="{386F3935-93C4-4BCD-93E2-E3B085C9AB24}">
+                <p16:designElem xmlns:p16="http://schemas.microsoft.com/office/powerpoint/2015/main" val="1"/>
+              </p:ext>
+            </p:extLst>
+          </p:nvPr>
+        </p:nvPicPr>
+        <p:blipFill rotWithShape="1">
+          <a:blip r:embed="rId5">
+            <a:extLst>
+              <a:ext uri="{28A0092B-C50C-407E-A947-70E740481C1C}">
+                <a14:useLocalDpi xmlns:a14="http://schemas.microsoft.com/office/drawing/2010/main" val="0"/>
+              </a:ext>
+            </a:extLst>
+          </a:blip>
+          <a:srcRect t="28813"/>
+          <a:stretch/>
+        </p:blipFill>
+        <p:spPr>
+          <a:xfrm>
+            <a:off x="7999412" y="0"/>
+            <a:ext cx="1603387" cy="1141407"/>
+          </a:xfrm>
+          <a:prstGeom prst="rect">
+            <a:avLst/>
+          </a:prstGeom>
+        </p:spPr>
+      </p:pic>
+      <p:pic>
+        <p:nvPicPr>
+          <p:cNvPr id="20" name="Picture 19">
+            <a:extLst>
+              <a:ext uri="{FF2B5EF4-FFF2-40B4-BE49-F238E27FC236}">
+                <a16:creationId xmlns:a16="http://schemas.microsoft.com/office/drawing/2014/main" id="{130825ED-0133-430D-BBBB-50B6F5228448}"/>
+              </a:ext>
+              <a:ext uri="{C183D7F6-B498-43B3-948B-1728B52AA6E4}">
+                <adec:decorative xmlns:adec="http://schemas.microsoft.com/office/drawing/2017/decorative" val="1"/>
+              </a:ext>
+            </a:extLst>
+          </p:cNvPr>
+          <p:cNvPicPr>
+            <a:picLocks noGrp="1" noRot="1" noChangeAspect="1" noMove="1" noResize="1" noEditPoints="1" noAdjustHandles="1" noChangeArrowheads="1" noChangeShapeType="1" noCrop="1"/>
+          </p:cNvPicPr>
+          <p:nvPr>
+            <p:extLst>
+              <p:ext uri="{386F3935-93C4-4BCD-93E2-E3B085C9AB24}">
+                <p16:designElem xmlns:p16="http://schemas.microsoft.com/office/powerpoint/2015/main" val="1"/>
+              </p:ext>
+            </p:extLst>
+          </p:nvPr>
+        </p:nvPicPr>
+        <p:blipFill rotWithShape="1">
+          <a:blip r:embed="rId6">
+            <a:extLst>
+              <a:ext uri="{28A0092B-C50C-407E-A947-70E740481C1C}">
+                <a14:useLocalDpi xmlns:a14="http://schemas.microsoft.com/office/drawing/2010/main" val="0"/>
+              </a:ext>
+            </a:extLst>
+          </a:blip>
+          <a:srcRect b="23320"/>
+          <a:stretch/>
+        </p:blipFill>
+        <p:spPr>
+          <a:xfrm>
+            <a:off x="8605878" y="6096000"/>
+            <a:ext cx="993734" cy="762000"/>
+          </a:xfrm>
+          <a:prstGeom prst="rect">
+            <a:avLst/>
+          </a:prstGeom>
+        </p:spPr>
+      </p:pic>
+      <p:sp>
+        <p:nvSpPr>
+          <p:cNvPr id="22" name="Rectangle 21">
+            <a:extLst>
+              <a:ext uri="{FF2B5EF4-FFF2-40B4-BE49-F238E27FC236}">
+                <a16:creationId xmlns:a16="http://schemas.microsoft.com/office/drawing/2014/main" id="{633F040E-FA1C-4EDC-B925-7EFCB9582839}"/>
+              </a:ext>
+              <a:ext uri="{C183D7F6-B498-43B3-948B-1728B52AA6E4}">
+                <adec:decorative xmlns:adec="http://schemas.microsoft.com/office/drawing/2017/decorative" val="1"/>
+              </a:ext>
+            </a:extLst>
+          </p:cNvPr>
+          <p:cNvSpPr>
+            <a:spLocks noGrp="1" noRot="1" noChangeAspect="1" noMove="1" noResize="1" noEditPoints="1" noAdjustHandles="1" noChangeArrowheads="1" noChangeShapeType="1" noTextEdit="1"/>
+          </p:cNvSpPr>
+          <p:nvPr>
+            <p:extLst>
+              <p:ext uri="{386F3935-93C4-4BCD-93E2-E3B085C9AB24}">
+                <p16:designElem xmlns:p16="http://schemas.microsoft.com/office/powerpoint/2015/main" val="1"/>
+              </p:ext>
+            </p:extLst>
+          </p:nvPr>
+        </p:nvSpPr>
+        <p:spPr>
+          <a:xfrm>
+            <a:off x="10437812" y="0"/>
+            <a:ext cx="685800" cy="1143000"/>
+          </a:xfrm>
+          <a:prstGeom prst="rect">
+            <a:avLst/>
+          </a:prstGeom>
+          <a:solidFill>
+            <a:schemeClr val="accent1"/>
+          </a:solidFill>
+          <a:ln>
+            <a:noFill/>
+          </a:ln>
+        </p:spPr>
+        <p:style>
+          <a:lnRef idx="1">
+            <a:schemeClr val="accent1"/>
+          </a:lnRef>
+          <a:fillRef idx="3">
+            <a:schemeClr val="accent1"/>
+          </a:fillRef>
+          <a:effectRef idx="2">
+            <a:schemeClr val="accent1"/>
+          </a:effectRef>
+          <a:fontRef idx="minor">
+            <a:schemeClr val="lt1"/>
+          </a:fontRef>
+        </p:style>
+      </p:sp>
+      <p:sp>
+        <p:nvSpPr>
+          <p:cNvPr id="2" name="Title 1">
+            <a:extLst>
+              <a:ext uri="{FF2B5EF4-FFF2-40B4-BE49-F238E27FC236}">
+                <a16:creationId xmlns:a16="http://schemas.microsoft.com/office/drawing/2014/main" id="{B633112E-4022-4ED8-8472-6705D44B7972}"/>
+              </a:ext>
+            </a:extLst>
+          </p:cNvPr>
+          <p:cNvSpPr>
+            <a:spLocks noGrp="1"/>
+          </p:cNvSpPr>
+          <p:nvPr>
+            <p:ph type="title"/>
+          </p:nvPr>
+        </p:nvSpPr>
+        <p:spPr>
+          <a:xfrm>
+            <a:off x="8210623" y="1447800"/>
+            <a:ext cx="3333676" cy="3096987"/>
+          </a:xfrm>
+        </p:spPr>
+        <p:txBody>
+          <a:bodyPr vert="horz" lIns="91440" tIns="45720" rIns="91440" bIns="45720" rtlCol="0" anchor="b">
+            <a:normAutofit/>
+          </a:bodyPr>
+          <a:lstStyle/>
+          <a:p>
+            <a:r>
+              <a:rPr lang="en-US" sz="4600" dirty="0"/>
+              <a:t>GitHub Repository</a:t>
+            </a:r>
+          </a:p>
+        </p:txBody>
+      </p:sp>
+      <p:sp>
+        <p:nvSpPr>
+          <p:cNvPr id="24" name="Freeform: Shape 23">
+            <a:extLst>
+              <a:ext uri="{FF2B5EF4-FFF2-40B4-BE49-F238E27FC236}">
+                <a16:creationId xmlns:a16="http://schemas.microsoft.com/office/drawing/2014/main" id="{185730E4-A3A6-43E2-8E84-A4D61748BC82}"/>
+              </a:ext>
+              <a:ext uri="{C183D7F6-B498-43B3-948B-1728B52AA6E4}">
+                <adec:decorative xmlns:adec="http://schemas.microsoft.com/office/drawing/2017/decorative" val="1"/>
+              </a:ext>
+            </a:extLst>
+          </p:cNvPr>
+          <p:cNvSpPr>
+            <a:spLocks noGrp="1" noRot="1" noChangeAspect="1" noMove="1" noResize="1" noEditPoints="1" noAdjustHandles="1" noChangeArrowheads="1" noChangeShapeType="1" noTextEdit="1"/>
+          </p:cNvSpPr>
+          <p:nvPr>
+            <p:extLst>
+              <p:ext uri="{386F3935-93C4-4BCD-93E2-E3B085C9AB24}">
+                <p16:designElem xmlns:p16="http://schemas.microsoft.com/office/powerpoint/2015/main" val="1"/>
+              </p:ext>
+            </p:extLst>
+          </p:nvPr>
+        </p:nvSpPr>
+        <p:spPr>
+          <a:xfrm>
+            <a:off x="0" y="0"/>
+            <a:ext cx="7809954" cy="6858000"/>
+          </a:xfrm>
+          <a:custGeom>
+            <a:avLst/>
+            <a:gdLst>
+              <a:gd name="connsiteX0" fmla="*/ 6465239 w 7809954"/>
+              <a:gd name="connsiteY0" fmla="*/ 0 h 6858000"/>
+              <a:gd name="connsiteX1" fmla="*/ 7808777 w 7809954"/>
+              <a:gd name="connsiteY1" fmla="*/ 0 h 6858000"/>
+              <a:gd name="connsiteX2" fmla="*/ 7783732 w 7809954"/>
+              <a:gd name="connsiteY2" fmla="*/ 155676 h 6858000"/>
+              <a:gd name="connsiteX3" fmla="*/ 7759863 w 7809954"/>
+              <a:gd name="connsiteY3" fmla="*/ 310667 h 6858000"/>
+              <a:gd name="connsiteX4" fmla="*/ 7736499 w 7809954"/>
+              <a:gd name="connsiteY4" fmla="*/ 466344 h 6858000"/>
+              <a:gd name="connsiteX5" fmla="*/ 7716496 w 7809954"/>
+              <a:gd name="connsiteY5" fmla="*/ 622706 h 6858000"/>
+              <a:gd name="connsiteX6" fmla="*/ 7696325 w 7809954"/>
+              <a:gd name="connsiteY6" fmla="*/ 778383 h 6858000"/>
+              <a:gd name="connsiteX7" fmla="*/ 7677499 w 7809954"/>
+              <a:gd name="connsiteY7" fmla="*/ 934745 h 6858000"/>
+              <a:gd name="connsiteX8" fmla="*/ 7661363 w 7809954"/>
+              <a:gd name="connsiteY8" fmla="*/ 1089050 h 6858000"/>
+              <a:gd name="connsiteX9" fmla="*/ 7646067 w 7809954"/>
+              <a:gd name="connsiteY9" fmla="*/ 1245413 h 6858000"/>
+              <a:gd name="connsiteX10" fmla="*/ 7632115 w 7809954"/>
+              <a:gd name="connsiteY10" fmla="*/ 1401089 h 6858000"/>
+              <a:gd name="connsiteX11" fmla="*/ 7620013 w 7809954"/>
+              <a:gd name="connsiteY11" fmla="*/ 1554023 h 6858000"/>
+              <a:gd name="connsiteX12" fmla="*/ 7607910 w 7809954"/>
+              <a:gd name="connsiteY12" fmla="*/ 1709013 h 6858000"/>
+              <a:gd name="connsiteX13" fmla="*/ 7597825 w 7809954"/>
+              <a:gd name="connsiteY13" fmla="*/ 1861947 h 6858000"/>
+              <a:gd name="connsiteX14" fmla="*/ 7589925 w 7809954"/>
+              <a:gd name="connsiteY14" fmla="*/ 2014880 h 6858000"/>
+              <a:gd name="connsiteX15" fmla="*/ 7581688 w 7809954"/>
+              <a:gd name="connsiteY15" fmla="*/ 2167128 h 6858000"/>
+              <a:gd name="connsiteX16" fmla="*/ 7574797 w 7809954"/>
+              <a:gd name="connsiteY16" fmla="*/ 2318004 h 6858000"/>
+              <a:gd name="connsiteX17" fmla="*/ 7569922 w 7809954"/>
+              <a:gd name="connsiteY17" fmla="*/ 2467508 h 6858000"/>
+              <a:gd name="connsiteX18" fmla="*/ 7565720 w 7809954"/>
+              <a:gd name="connsiteY18" fmla="*/ 2617013 h 6858000"/>
+              <a:gd name="connsiteX19" fmla="*/ 7561686 w 7809954"/>
+              <a:gd name="connsiteY19" fmla="*/ 2765145 h 6858000"/>
+              <a:gd name="connsiteX20" fmla="*/ 7559837 w 7809954"/>
+              <a:gd name="connsiteY20" fmla="*/ 2911221 h 6858000"/>
+              <a:gd name="connsiteX21" fmla="*/ 7557820 w 7809954"/>
+              <a:gd name="connsiteY21" fmla="*/ 3057296 h 6858000"/>
+              <a:gd name="connsiteX22" fmla="*/ 7556811 w 7809954"/>
+              <a:gd name="connsiteY22" fmla="*/ 3201314 h 6858000"/>
+              <a:gd name="connsiteX23" fmla="*/ 7557820 w 7809954"/>
+              <a:gd name="connsiteY23" fmla="*/ 3343960 h 6858000"/>
+              <a:gd name="connsiteX24" fmla="*/ 7557820 w 7809954"/>
+              <a:gd name="connsiteY24" fmla="*/ 3485235 h 6858000"/>
+              <a:gd name="connsiteX25" fmla="*/ 7559837 w 7809954"/>
+              <a:gd name="connsiteY25" fmla="*/ 3625138 h 6858000"/>
+              <a:gd name="connsiteX26" fmla="*/ 7562862 w 7809954"/>
+              <a:gd name="connsiteY26" fmla="*/ 3762298 h 6858000"/>
+              <a:gd name="connsiteX27" fmla="*/ 7565720 w 7809954"/>
+              <a:gd name="connsiteY27" fmla="*/ 3898087 h 6858000"/>
+              <a:gd name="connsiteX28" fmla="*/ 7568914 w 7809954"/>
+              <a:gd name="connsiteY28" fmla="*/ 4031132 h 6858000"/>
+              <a:gd name="connsiteX29" fmla="*/ 7573788 w 7809954"/>
+              <a:gd name="connsiteY29" fmla="*/ 4163491 h 6858000"/>
+              <a:gd name="connsiteX30" fmla="*/ 7578999 w 7809954"/>
+              <a:gd name="connsiteY30" fmla="*/ 4293793 h 6858000"/>
+              <a:gd name="connsiteX31" fmla="*/ 7583705 w 7809954"/>
+              <a:gd name="connsiteY31" fmla="*/ 4421352 h 6858000"/>
+              <a:gd name="connsiteX32" fmla="*/ 7596985 w 7809954"/>
+              <a:gd name="connsiteY32" fmla="*/ 4670298 h 6858000"/>
+              <a:gd name="connsiteX33" fmla="*/ 7611104 w 7809954"/>
+              <a:gd name="connsiteY33" fmla="*/ 4908956 h 6858000"/>
+              <a:gd name="connsiteX34" fmla="*/ 7625896 w 7809954"/>
+              <a:gd name="connsiteY34" fmla="*/ 5138013 h 6858000"/>
+              <a:gd name="connsiteX35" fmla="*/ 7642201 w 7809954"/>
+              <a:gd name="connsiteY35" fmla="*/ 5354726 h 6858000"/>
+              <a:gd name="connsiteX36" fmla="*/ 7659178 w 7809954"/>
+              <a:gd name="connsiteY36" fmla="*/ 5561838 h 6858000"/>
+              <a:gd name="connsiteX37" fmla="*/ 7677499 w 7809954"/>
+              <a:gd name="connsiteY37" fmla="*/ 5753862 h 6858000"/>
+              <a:gd name="connsiteX38" fmla="*/ 7695485 w 7809954"/>
+              <a:gd name="connsiteY38" fmla="*/ 5934227 h 6858000"/>
+              <a:gd name="connsiteX39" fmla="*/ 7713470 w 7809954"/>
+              <a:gd name="connsiteY39" fmla="*/ 6100191 h 6858000"/>
+              <a:gd name="connsiteX40" fmla="*/ 7730447 w 7809954"/>
+              <a:gd name="connsiteY40" fmla="*/ 6252438 h 6858000"/>
+              <a:gd name="connsiteX41" fmla="*/ 7746584 w 7809954"/>
+              <a:gd name="connsiteY41" fmla="*/ 6387541 h 6858000"/>
+              <a:gd name="connsiteX42" fmla="*/ 7761880 w 7809954"/>
+              <a:gd name="connsiteY42" fmla="*/ 6509613 h 6858000"/>
+              <a:gd name="connsiteX43" fmla="*/ 7774655 w 7809954"/>
+              <a:gd name="connsiteY43" fmla="*/ 6612483 h 6858000"/>
+              <a:gd name="connsiteX44" fmla="*/ 7786757 w 7809954"/>
+              <a:gd name="connsiteY44" fmla="*/ 6698894 h 6858000"/>
+              <a:gd name="connsiteX45" fmla="*/ 7804071 w 7809954"/>
+              <a:gd name="connsiteY45" fmla="*/ 6817538 h 6858000"/>
+              <a:gd name="connsiteX46" fmla="*/ 7809954 w 7809954"/>
+              <a:gd name="connsiteY46" fmla="*/ 6858000 h 6858000"/>
+              <a:gd name="connsiteX47" fmla="*/ 7157124 w 7809954"/>
+              <a:gd name="connsiteY47" fmla="*/ 6858000 h 6858000"/>
+              <a:gd name="connsiteX48" fmla="*/ 7157124 w 7809954"/>
+              <a:gd name="connsiteY48" fmla="*/ 6858000 h 6858000"/>
+              <a:gd name="connsiteX49" fmla="*/ 0 w 7809954"/>
+              <a:gd name="connsiteY49" fmla="*/ 6858000 h 6858000"/>
+              <a:gd name="connsiteX50" fmla="*/ 0 w 7809954"/>
+              <a:gd name="connsiteY50" fmla="*/ 0 h 6858000"/>
+              <a:gd name="connsiteX51" fmla="*/ 6465239 w 7809954"/>
+              <a:gd name="connsiteY51" fmla="*/ 0 h 6858000"/>
+            </a:gdLst>
+            <a:ahLst/>
+            <a:cxnLst>
+              <a:cxn ang="0">
+                <a:pos x="connsiteX0" y="connsiteY0"/>
+              </a:cxn>
+              <a:cxn ang="0">
+                <a:pos x="connsiteX1" y="connsiteY1"/>
+              </a:cxn>
+              <a:cxn ang="0">
+                <a:pos x="connsiteX2" y="connsiteY2"/>
+              </a:cxn>
+              <a:cxn ang="0">
+                <a:pos x="connsiteX3" y="connsiteY3"/>
+              </a:cxn>
+              <a:cxn ang="0">
+                <a:pos x="connsiteX4" y="connsiteY4"/>
+              </a:cxn>
+              <a:cxn ang="0">
+                <a:pos x="connsiteX5" y="connsiteY5"/>
+              </a:cxn>
+              <a:cxn ang="0">
+                <a:pos x="connsiteX6" y="connsiteY6"/>
+              </a:cxn>
+              <a:cxn ang="0">
+                <a:pos x="connsiteX7" y="connsiteY7"/>
+              </a:cxn>
+              <a:cxn ang="0">
+                <a:pos x="connsiteX8" y="connsiteY8"/>
+              </a:cxn>
+              <a:cxn ang="0">
+                <a:pos x="connsiteX9" y="connsiteY9"/>
+              </a:cxn>
+              <a:cxn ang="0">
+                <a:pos x="connsiteX10" y="connsiteY10"/>
+              </a:cxn>
+              <a:cxn ang="0">
+                <a:pos x="connsiteX11" y="connsiteY11"/>
+              </a:cxn>
+              <a:cxn ang="0">
+                <a:pos x="connsiteX12" y="connsiteY12"/>
+              </a:cxn>
+              <a:cxn ang="0">
+                <a:pos x="connsiteX13" y="connsiteY13"/>
+              </a:cxn>
+              <a:cxn ang="0">
+                <a:pos x="connsiteX14" y="connsiteY14"/>
+              </a:cxn>
+              <a:cxn ang="0">
+                <a:pos x="connsiteX15" y="connsiteY15"/>
+              </a:cxn>
+              <a:cxn ang="0">
+                <a:pos x="connsiteX16" y="connsiteY16"/>
+              </a:cxn>
+              <a:cxn ang="0">
+                <a:pos x="connsiteX17" y="connsiteY17"/>
+              </a:cxn>
+              <a:cxn ang="0">
+                <a:pos x="connsiteX18" y="connsiteY18"/>
+              </a:cxn>
+              <a:cxn ang="0">
+                <a:pos x="connsiteX19" y="connsiteY19"/>
+              </a:cxn>
+              <a:cxn ang="0">
+                <a:pos x="connsiteX20" y="connsiteY20"/>
+              </a:cxn>
+              <a:cxn ang="0">
+                <a:pos x="connsiteX21" y="connsiteY21"/>
+              </a:cxn>
+              <a:cxn ang="0">
+                <a:pos x="connsiteX22" y="connsiteY22"/>
+              </a:cxn>
+              <a:cxn ang="0">
+                <a:pos x="connsiteX23" y="connsiteY23"/>
+              </a:cxn>
+              <a:cxn ang="0">
+                <a:pos x="connsiteX24" y="connsiteY24"/>
+              </a:cxn>
+              <a:cxn ang="0">
+                <a:pos x="connsiteX25" y="connsiteY25"/>
+              </a:cxn>
+              <a:cxn ang="0">
+                <a:pos x="connsiteX26" y="connsiteY26"/>
+              </a:cxn>
+              <a:cxn ang="0">
+                <a:pos x="connsiteX27" y="connsiteY27"/>
+              </a:cxn>
+              <a:cxn ang="0">
+                <a:pos x="connsiteX28" y="connsiteY28"/>
+              </a:cxn>
+              <a:cxn ang="0">
+                <a:pos x="connsiteX29" y="connsiteY29"/>
+              </a:cxn>
+              <a:cxn ang="0">
+                <a:pos x="connsiteX30" y="connsiteY30"/>
+              </a:cxn>
+              <a:cxn ang="0">
+                <a:pos x="connsiteX31" y="connsiteY31"/>
+              </a:cxn>
+              <a:cxn ang="0">
+                <a:pos x="connsiteX32" y="connsiteY32"/>
+              </a:cxn>
+              <a:cxn ang="0">
+                <a:pos x="connsiteX33" y="connsiteY33"/>
+              </a:cxn>
+              <a:cxn ang="0">
+                <a:pos x="connsiteX34" y="connsiteY34"/>
+              </a:cxn>
+              <a:cxn ang="0">
+                <a:pos x="connsiteX35" y="connsiteY35"/>
+              </a:cxn>
+              <a:cxn ang="0">
+                <a:pos x="connsiteX36" y="connsiteY36"/>
+              </a:cxn>
+              <a:cxn ang="0">
+                <a:pos x="connsiteX37" y="connsiteY37"/>
+              </a:cxn>
+              <a:cxn ang="0">
+                <a:pos x="connsiteX38" y="connsiteY38"/>
+              </a:cxn>
+              <a:cxn ang="0">
+                <a:pos x="connsiteX39" y="connsiteY39"/>
+              </a:cxn>
+              <a:cxn ang="0">
+                <a:pos x="connsiteX40" y="connsiteY40"/>
+              </a:cxn>
+              <a:cxn ang="0">
+                <a:pos x="connsiteX41" y="connsiteY41"/>
+              </a:cxn>
+              <a:cxn ang="0">
+                <a:pos x="connsiteX42" y="connsiteY42"/>
+              </a:cxn>
+              <a:cxn ang="0">
+                <a:pos x="connsiteX43" y="connsiteY43"/>
+              </a:cxn>
+              <a:cxn ang="0">
+                <a:pos x="connsiteX44" y="connsiteY44"/>
+              </a:cxn>
+              <a:cxn ang="0">
+                <a:pos x="connsiteX45" y="connsiteY45"/>
+              </a:cxn>
+              <a:cxn ang="0">
+                <a:pos x="connsiteX46" y="connsiteY46"/>
+              </a:cxn>
+              <a:cxn ang="0">
+                <a:pos x="connsiteX47" y="connsiteY47"/>
+              </a:cxn>
+              <a:cxn ang="0">
+                <a:pos x="connsiteX48" y="connsiteY48"/>
+              </a:cxn>
+              <a:cxn ang="0">
+                <a:pos x="connsiteX49" y="connsiteY49"/>
+              </a:cxn>
+              <a:cxn ang="0">
+                <a:pos x="connsiteX50" y="connsiteY50"/>
+              </a:cxn>
+              <a:cxn ang="0">
+                <a:pos x="connsiteX51" y="connsiteY51"/>
+              </a:cxn>
+            </a:cxnLst>
+            <a:rect l="l" t="t" r="r" b="b"/>
+            <a:pathLst>
+              <a:path w="7809954" h="6858000">
+                <a:moveTo>
+                  <a:pt x="6465239" y="0"/>
+                </a:moveTo>
+                <a:lnTo>
+                  <a:pt x="7808777" y="0"/>
+                </a:lnTo>
+                <a:lnTo>
+                  <a:pt x="7783732" y="155676"/>
+                </a:lnTo>
+                <a:lnTo>
+                  <a:pt x="7759863" y="310667"/>
+                </a:lnTo>
+                <a:lnTo>
+                  <a:pt x="7736499" y="466344"/>
+                </a:lnTo>
+                <a:lnTo>
+                  <a:pt x="7716496" y="622706"/>
+                </a:lnTo>
+                <a:lnTo>
+                  <a:pt x="7696325" y="778383"/>
+                </a:lnTo>
+                <a:lnTo>
+                  <a:pt x="7677499" y="934745"/>
+                </a:lnTo>
+                <a:lnTo>
+                  <a:pt x="7661363" y="1089050"/>
+                </a:lnTo>
+                <a:lnTo>
+                  <a:pt x="7646067" y="1245413"/>
+                </a:lnTo>
+                <a:lnTo>
+                  <a:pt x="7632115" y="1401089"/>
+                </a:lnTo>
+                <a:lnTo>
+                  <a:pt x="7620013" y="1554023"/>
+                </a:lnTo>
+                <a:lnTo>
+                  <a:pt x="7607910" y="1709013"/>
+                </a:lnTo>
+                <a:lnTo>
+                  <a:pt x="7597825" y="1861947"/>
+                </a:lnTo>
+                <a:lnTo>
+                  <a:pt x="7589925" y="2014880"/>
+                </a:lnTo>
+                <a:lnTo>
+                  <a:pt x="7581688" y="2167128"/>
+                </a:lnTo>
+                <a:lnTo>
+                  <a:pt x="7574797" y="2318004"/>
+                </a:lnTo>
+                <a:lnTo>
+                  <a:pt x="7569922" y="2467508"/>
+                </a:lnTo>
+                <a:lnTo>
+                  <a:pt x="7565720" y="2617013"/>
+                </a:lnTo>
+                <a:lnTo>
+                  <a:pt x="7561686" y="2765145"/>
+                </a:lnTo>
+                <a:lnTo>
+                  <a:pt x="7559837" y="2911221"/>
+                </a:lnTo>
+                <a:lnTo>
+                  <a:pt x="7557820" y="3057296"/>
+                </a:lnTo>
+                <a:lnTo>
+                  <a:pt x="7556811" y="3201314"/>
+                </a:lnTo>
+                <a:lnTo>
+                  <a:pt x="7557820" y="3343960"/>
+                </a:lnTo>
+                <a:lnTo>
+                  <a:pt x="7557820" y="3485235"/>
+                </a:lnTo>
+                <a:lnTo>
+                  <a:pt x="7559837" y="3625138"/>
+                </a:lnTo>
+                <a:lnTo>
+                  <a:pt x="7562862" y="3762298"/>
+                </a:lnTo>
+                <a:lnTo>
+                  <a:pt x="7565720" y="3898087"/>
+                </a:lnTo>
+                <a:lnTo>
+                  <a:pt x="7568914" y="4031132"/>
+                </a:lnTo>
+                <a:lnTo>
+                  <a:pt x="7573788" y="4163491"/>
+                </a:lnTo>
+                <a:lnTo>
+                  <a:pt x="7578999" y="4293793"/>
+                </a:lnTo>
+                <a:lnTo>
+                  <a:pt x="7583705" y="4421352"/>
+                </a:lnTo>
+                <a:lnTo>
+                  <a:pt x="7596985" y="4670298"/>
+                </a:lnTo>
+                <a:lnTo>
+                  <a:pt x="7611104" y="4908956"/>
+                </a:lnTo>
+                <a:lnTo>
+                  <a:pt x="7625896" y="5138013"/>
+                </a:lnTo>
+                <a:lnTo>
+                  <a:pt x="7642201" y="5354726"/>
+                </a:lnTo>
+                <a:lnTo>
+                  <a:pt x="7659178" y="5561838"/>
+                </a:lnTo>
+                <a:lnTo>
+                  <a:pt x="7677499" y="5753862"/>
+                </a:lnTo>
+                <a:lnTo>
+                  <a:pt x="7695485" y="5934227"/>
+                </a:lnTo>
+                <a:lnTo>
+                  <a:pt x="7713470" y="6100191"/>
+                </a:lnTo>
+                <a:lnTo>
+                  <a:pt x="7730447" y="6252438"/>
+                </a:lnTo>
+                <a:lnTo>
+                  <a:pt x="7746584" y="6387541"/>
+                </a:lnTo>
+                <a:lnTo>
+                  <a:pt x="7761880" y="6509613"/>
+                </a:lnTo>
+                <a:lnTo>
+                  <a:pt x="7774655" y="6612483"/>
+                </a:lnTo>
+                <a:lnTo>
+                  <a:pt x="7786757" y="6698894"/>
+                </a:lnTo>
+                <a:lnTo>
+                  <a:pt x="7804071" y="6817538"/>
+                </a:lnTo>
+                <a:lnTo>
+                  <a:pt x="7809954" y="6858000"/>
+                </a:lnTo>
+                <a:lnTo>
+                  <a:pt x="7157124" y="6858000"/>
+                </a:lnTo>
+                <a:lnTo>
+                  <a:pt x="7157124" y="6858000"/>
+                </a:lnTo>
+                <a:lnTo>
+                  <a:pt x="0" y="6858000"/>
+                </a:lnTo>
+                <a:lnTo>
+                  <a:pt x="0" y="0"/>
+                </a:lnTo>
+                <a:lnTo>
+                  <a:pt x="6465239" y="0"/>
+                </a:lnTo>
+                <a:close/>
+              </a:path>
+            </a:pathLst>
+          </a:custGeom>
           <a:solidFill>
             <a:srgbClr val="FFFFFF"/>
           </a:solidFill>
@@ -8492,7 +9906,7 @@
 </p:sld>
 </file>
 
-<file path=ppt/slides/slide15.xml><?xml version="1.0" encoding="utf-8"?>
+<file path=ppt/slides/slide16.xml><?xml version="1.0" encoding="utf-8"?>
 <p:sld xmlns:a="http://schemas.openxmlformats.org/drawingml/2006/main" xmlns:r="http://schemas.openxmlformats.org/officeDocument/2006/relationships" xmlns:p="http://schemas.openxmlformats.org/presentationml/2006/main">
   <p:cSld>
     <p:bg>
@@ -8728,7 +10142,7 @@
 </p:sld>
 </file>
 
-<file path=ppt/slides/slide16.xml><?xml version="1.0" encoding="utf-8"?>
+<file path=ppt/slides/slide17.xml><?xml version="1.0" encoding="utf-8"?>
 <p:sld xmlns:a="http://schemas.openxmlformats.org/drawingml/2006/main" xmlns:r="http://schemas.openxmlformats.org/officeDocument/2006/relationships" xmlns:p="http://schemas.openxmlformats.org/presentationml/2006/main">
   <p:cSld>
     <p:bg>

--- a/Final Presentation.pptx
+++ b/Final Presentation.pptx
@@ -11189,6 +11189,16 @@
           <a:p>
             <a:r>
               <a:rPr lang="en-CA" dirty="0"/>
+              <a:t>Thank you for </a:t>
+            </a:r>
+            <a:r>
+              <a:rPr lang="en-CA"/>
+              <a:t>your attention!</a:t>
+            </a:r>
+          </a:p>
+          <a:p>
+            <a:r>
+              <a:rPr lang="en-CA" dirty="0"/>
               <a:t>Any Questions?</a:t>
             </a:r>
           </a:p>
@@ -11335,7 +11345,9 @@
             <a:endParaRPr lang="en-CA" sz="2000" dirty="0"/>
           </a:p>
           <a:p>
-            <a:pPr lvl="3" algn="just"/>
+            <a:pPr marL="1371600" lvl="3" indent="0" algn="just">
+              <a:buNone/>
+            </a:pPr>
             <a:endParaRPr lang="en-CA" sz="2000" dirty="0"/>
           </a:p>
           <a:p>
